--- a/2020-WebDev_js.pptx
+++ b/2020-WebDev_js.pptx
@@ -33,30 +33,36 @@
     <p:sldId id="278" r:id="rId28"/>
     <p:sldId id="279" r:id="rId29"/>
     <p:sldId id="280" r:id="rId30"/>
+    <p:sldId id="281" r:id="rId31"/>
+    <p:sldId id="282" r:id="rId32"/>
+    <p:sldId id="283" r:id="rId33"/>
+    <p:sldId id="284" r:id="rId34"/>
+    <p:sldId id="285" r:id="rId35"/>
+    <p:sldId id="286" r:id="rId36"/>
   </p:sldIdLst>
   <p:sldSz cy="5143500" cx="9144000"/>
   <p:notesSz cx="6858000" cy="9144000"/>
   <p:embeddedFontLst>
     <p:embeddedFont>
       <p:font typeface="Roboto Slab"/>
-      <p:regular r:id="rId31"/>
-      <p:bold r:id="rId32"/>
+      <p:regular r:id="rId37"/>
+      <p:bold r:id="rId38"/>
     </p:embeddedFont>
     <p:embeddedFont>
       <p:font typeface="Raleway"/>
-      <p:regular r:id="rId33"/>
-      <p:bold r:id="rId34"/>
-      <p:italic r:id="rId35"/>
-      <p:boldItalic r:id="rId36"/>
+      <p:regular r:id="rId39"/>
+      <p:bold r:id="rId40"/>
+      <p:italic r:id="rId41"/>
+      <p:boldItalic r:id="rId42"/>
     </p:embeddedFont>
     <p:embeddedFont>
       <p:font typeface="Average"/>
-      <p:regular r:id="rId37"/>
+      <p:regular r:id="rId43"/>
     </p:embeddedFont>
     <p:embeddedFont>
       <p:font typeface="Oswald"/>
-      <p:regular r:id="rId38"/>
-      <p:bold r:id="rId39"/>
+      <p:regular r:id="rId44"/>
+      <p:bold r:id="rId45"/>
     </p:embeddedFont>
   </p:embeddedFontLst>
   <p:defaultTextStyle>
@@ -2515,12 +2521,12 @@
 </p:notes>
 </file>
 
-<file path=ppt/notesSlides/notesSlide3.xml><?xml version="1.0" encoding="utf-8"?>
+<file path=ppt/notesSlides/notesSlide26.xml><?xml version="1.0" encoding="utf-8"?>
 <p:notes xmlns:a="http://schemas.openxmlformats.org/drawingml/2006/main" xmlns:r="http://schemas.openxmlformats.org/officeDocument/2006/relationships" xmlns:mc="http://schemas.openxmlformats.org/markup-compatibility/2006" xmlns:mv="urn:schemas-microsoft-com:mac:vml" xmlns:p="http://schemas.openxmlformats.org/presentationml/2006/main" xmlns:c="http://schemas.openxmlformats.org/drawingml/2006/chart" xmlns:dgm="http://schemas.openxmlformats.org/drawingml/2006/diagram" xmlns:o="urn:schemas-microsoft-com:office:office" xmlns:v="urn:schemas-microsoft-com:vml" xmlns:pvml="urn:schemas-microsoft-com:office:powerpoint" xmlns:com="http://schemas.openxmlformats.org/drawingml/2006/compatibility" xmlns:p14="http://schemas.microsoft.com/office/powerpoint/2010/main" xmlns:p15="http://schemas.microsoft.com/office/powerpoint/2012/main" showMasterPhAnim="0" showMasterSp="0">
   <p:cSld>
     <p:spTree>
       <p:nvGrpSpPr>
-        <p:cNvPr id="70" name="Shape 70"/>
+        <p:cNvPr id="262" name="Shape 262"/>
         <p:cNvGrpSpPr/>
         <p:nvPr/>
       </p:nvGrpSpPr>
@@ -2534,7 +2540,7 @@
       </p:grpSpPr>
       <p:sp>
         <p:nvSpPr>
-          <p:cNvPr id="71" name="Google Shape;71;g6f0f9cd2d3_0_1:notes"/>
+          <p:cNvPr id="263" name="Google Shape;263;g6fd988336f_0_0:notes"/>
           <p:cNvSpPr/>
           <p:nvPr>
             <p:ph idx="2" type="sldImg"/>
@@ -2569,7 +2575,601 @@
       </p:sp>
       <p:sp>
         <p:nvSpPr>
+          <p:cNvPr id="264" name="Google Shape;264;g6fd988336f_0_0:notes"/>
+          <p:cNvSpPr txBox="1"/>
+          <p:nvPr>
+            <p:ph idx="1" type="body"/>
+          </p:nvPr>
+        </p:nvSpPr>
+        <p:spPr>
+          <a:xfrm>
+            <a:off x="685800" y="4343400"/>
+            <a:ext cx="5486400" cy="4114800"/>
+          </a:xfrm>
+          <a:prstGeom prst="rect">
+            <a:avLst/>
+          </a:prstGeom>
+        </p:spPr>
+        <p:txBody>
+          <a:bodyPr anchorCtr="0" anchor="t" bIns="91425" lIns="91425" spcFirstLastPara="1" rIns="91425" wrap="square" tIns="91425">
+            <a:noAutofit/>
+          </a:bodyPr>
+          <a:lstStyle/>
+          <a:p>
+            <a:pPr indent="0" lvl="0" marL="0" rtl="0" algn="l">
+              <a:spcBef>
+                <a:spcPts val="0"/>
+              </a:spcBef>
+              <a:spcAft>
+                <a:spcPts val="0"/>
+              </a:spcAft>
+              <a:buNone/>
+            </a:pPr>
+            <a:r>
+              <a:t/>
+            </a:r>
+            <a:endParaRPr/>
+          </a:p>
+        </p:txBody>
+      </p:sp>
+    </p:spTree>
+  </p:cSld>
+  <p:clrMapOvr>
+    <a:masterClrMapping/>
+  </p:clrMapOvr>
+</p:notes>
+</file>
+
+<file path=ppt/notesSlides/notesSlide27.xml><?xml version="1.0" encoding="utf-8"?>
+<p:notes xmlns:a="http://schemas.openxmlformats.org/drawingml/2006/main" xmlns:r="http://schemas.openxmlformats.org/officeDocument/2006/relationships" xmlns:mc="http://schemas.openxmlformats.org/markup-compatibility/2006" xmlns:mv="urn:schemas-microsoft-com:mac:vml" xmlns:p="http://schemas.openxmlformats.org/presentationml/2006/main" xmlns:c="http://schemas.openxmlformats.org/drawingml/2006/chart" xmlns:dgm="http://schemas.openxmlformats.org/drawingml/2006/diagram" xmlns:o="urn:schemas-microsoft-com:office:office" xmlns:v="urn:schemas-microsoft-com:vml" xmlns:pvml="urn:schemas-microsoft-com:office:powerpoint" xmlns:com="http://schemas.openxmlformats.org/drawingml/2006/compatibility" xmlns:p14="http://schemas.microsoft.com/office/powerpoint/2010/main" xmlns:p15="http://schemas.microsoft.com/office/powerpoint/2012/main" showMasterPhAnim="0" showMasterSp="0">
+  <p:cSld>
+    <p:spTree>
+      <p:nvGrpSpPr>
+        <p:cNvPr id="269" name="Shape 269"/>
+        <p:cNvGrpSpPr/>
+        <p:nvPr/>
+      </p:nvGrpSpPr>
+      <p:grpSpPr>
+        <a:xfrm>
+          <a:off x="0" y="0"/>
+          <a:ext cx="0" cy="0"/>
+          <a:chOff x="0" y="0"/>
+          <a:chExt cx="0" cy="0"/>
+        </a:xfrm>
+      </p:grpSpPr>
+      <p:sp>
+        <p:nvSpPr>
+          <p:cNvPr id="270" name="Google Shape;270;g6fd988336f_0_6:notes"/>
+          <p:cNvSpPr/>
+          <p:nvPr>
+            <p:ph idx="2" type="sldImg"/>
+          </p:nvPr>
+        </p:nvSpPr>
+        <p:spPr>
+          <a:xfrm>
+            <a:off x="381300" y="685800"/>
+            <a:ext cx="6096000" cy="3429000"/>
+          </a:xfrm>
+          <a:custGeom>
+            <a:rect b="b" l="l" r="r" t="t"/>
+            <a:pathLst>
+              <a:path extrusionOk="0" h="120000" w="120000">
+                <a:moveTo>
+                  <a:pt x="0" y="0"/>
+                </a:moveTo>
+                <a:lnTo>
+                  <a:pt x="120000" y="0"/>
+                </a:lnTo>
+                <a:lnTo>
+                  <a:pt x="120000" y="120000"/>
+                </a:lnTo>
+                <a:lnTo>
+                  <a:pt x="0" y="120000"/>
+                </a:lnTo>
+                <a:close/>
+              </a:path>
+            </a:pathLst>
+          </a:custGeom>
+        </p:spPr>
+      </p:sp>
+      <p:sp>
+        <p:nvSpPr>
+          <p:cNvPr id="271" name="Google Shape;271;g6fd988336f_0_6:notes"/>
+          <p:cNvSpPr txBox="1"/>
+          <p:nvPr>
+            <p:ph idx="1" type="body"/>
+          </p:nvPr>
+        </p:nvSpPr>
+        <p:spPr>
+          <a:xfrm>
+            <a:off x="685800" y="4343400"/>
+            <a:ext cx="5486400" cy="4114800"/>
+          </a:xfrm>
+          <a:prstGeom prst="rect">
+            <a:avLst/>
+          </a:prstGeom>
+        </p:spPr>
+        <p:txBody>
+          <a:bodyPr anchorCtr="0" anchor="t" bIns="91425" lIns="91425" spcFirstLastPara="1" rIns="91425" wrap="square" tIns="91425">
+            <a:noAutofit/>
+          </a:bodyPr>
+          <a:lstStyle/>
+          <a:p>
+            <a:pPr indent="0" lvl="0" marL="0" rtl="0" algn="l">
+              <a:spcBef>
+                <a:spcPts val="0"/>
+              </a:spcBef>
+              <a:spcAft>
+                <a:spcPts val="0"/>
+              </a:spcAft>
+              <a:buNone/>
+            </a:pPr>
+            <a:r>
+              <a:t/>
+            </a:r>
+            <a:endParaRPr/>
+          </a:p>
+        </p:txBody>
+      </p:sp>
+    </p:spTree>
+  </p:cSld>
+  <p:clrMapOvr>
+    <a:masterClrMapping/>
+  </p:clrMapOvr>
+</p:notes>
+</file>
+
+<file path=ppt/notesSlides/notesSlide28.xml><?xml version="1.0" encoding="utf-8"?>
+<p:notes xmlns:a="http://schemas.openxmlformats.org/drawingml/2006/main" xmlns:r="http://schemas.openxmlformats.org/officeDocument/2006/relationships" xmlns:mc="http://schemas.openxmlformats.org/markup-compatibility/2006" xmlns:mv="urn:schemas-microsoft-com:mac:vml" xmlns:p="http://schemas.openxmlformats.org/presentationml/2006/main" xmlns:c="http://schemas.openxmlformats.org/drawingml/2006/chart" xmlns:dgm="http://schemas.openxmlformats.org/drawingml/2006/diagram" xmlns:o="urn:schemas-microsoft-com:office:office" xmlns:v="urn:schemas-microsoft-com:vml" xmlns:pvml="urn:schemas-microsoft-com:office:powerpoint" xmlns:com="http://schemas.openxmlformats.org/drawingml/2006/compatibility" xmlns:p14="http://schemas.microsoft.com/office/powerpoint/2010/main" xmlns:p15="http://schemas.microsoft.com/office/powerpoint/2012/main" showMasterPhAnim="0" showMasterSp="0">
+  <p:cSld>
+    <p:spTree>
+      <p:nvGrpSpPr>
+        <p:cNvPr id="276" name="Shape 276"/>
+        <p:cNvGrpSpPr/>
+        <p:nvPr/>
+      </p:nvGrpSpPr>
+      <p:grpSpPr>
+        <a:xfrm>
+          <a:off x="0" y="0"/>
+          <a:ext cx="0" cy="0"/>
+          <a:chOff x="0" y="0"/>
+          <a:chExt cx="0" cy="0"/>
+        </a:xfrm>
+      </p:grpSpPr>
+      <p:sp>
+        <p:nvSpPr>
+          <p:cNvPr id="277" name="Google Shape;277;g6fd988336f_0_12:notes"/>
+          <p:cNvSpPr/>
+          <p:nvPr>
+            <p:ph idx="2" type="sldImg"/>
+          </p:nvPr>
+        </p:nvSpPr>
+        <p:spPr>
+          <a:xfrm>
+            <a:off x="381300" y="685800"/>
+            <a:ext cx="6096000" cy="3429000"/>
+          </a:xfrm>
+          <a:custGeom>
+            <a:rect b="b" l="l" r="r" t="t"/>
+            <a:pathLst>
+              <a:path extrusionOk="0" h="120000" w="120000">
+                <a:moveTo>
+                  <a:pt x="0" y="0"/>
+                </a:moveTo>
+                <a:lnTo>
+                  <a:pt x="120000" y="0"/>
+                </a:lnTo>
+                <a:lnTo>
+                  <a:pt x="120000" y="120000"/>
+                </a:lnTo>
+                <a:lnTo>
+                  <a:pt x="0" y="120000"/>
+                </a:lnTo>
+                <a:close/>
+              </a:path>
+            </a:pathLst>
+          </a:custGeom>
+        </p:spPr>
+      </p:sp>
+      <p:sp>
+        <p:nvSpPr>
+          <p:cNvPr id="278" name="Google Shape;278;g6fd988336f_0_12:notes"/>
+          <p:cNvSpPr txBox="1"/>
+          <p:nvPr>
+            <p:ph idx="1" type="body"/>
+          </p:nvPr>
+        </p:nvSpPr>
+        <p:spPr>
+          <a:xfrm>
+            <a:off x="685800" y="4343400"/>
+            <a:ext cx="5486400" cy="4114800"/>
+          </a:xfrm>
+          <a:prstGeom prst="rect">
+            <a:avLst/>
+          </a:prstGeom>
+        </p:spPr>
+        <p:txBody>
+          <a:bodyPr anchorCtr="0" anchor="t" bIns="91425" lIns="91425" spcFirstLastPara="1" rIns="91425" wrap="square" tIns="91425">
+            <a:noAutofit/>
+          </a:bodyPr>
+          <a:lstStyle/>
+          <a:p>
+            <a:pPr indent="0" lvl="0" marL="0" rtl="0" algn="l">
+              <a:spcBef>
+                <a:spcPts val="0"/>
+              </a:spcBef>
+              <a:spcAft>
+                <a:spcPts val="0"/>
+              </a:spcAft>
+              <a:buNone/>
+            </a:pPr>
+            <a:r>
+              <a:t/>
+            </a:r>
+            <a:endParaRPr/>
+          </a:p>
+        </p:txBody>
+      </p:sp>
+    </p:spTree>
+  </p:cSld>
+  <p:clrMapOvr>
+    <a:masterClrMapping/>
+  </p:clrMapOvr>
+</p:notes>
+</file>
+
+<file path=ppt/notesSlides/notesSlide29.xml><?xml version="1.0" encoding="utf-8"?>
+<p:notes xmlns:a="http://schemas.openxmlformats.org/drawingml/2006/main" xmlns:r="http://schemas.openxmlformats.org/officeDocument/2006/relationships" xmlns:mc="http://schemas.openxmlformats.org/markup-compatibility/2006" xmlns:mv="urn:schemas-microsoft-com:mac:vml" xmlns:p="http://schemas.openxmlformats.org/presentationml/2006/main" xmlns:c="http://schemas.openxmlformats.org/drawingml/2006/chart" xmlns:dgm="http://schemas.openxmlformats.org/drawingml/2006/diagram" xmlns:o="urn:schemas-microsoft-com:office:office" xmlns:v="urn:schemas-microsoft-com:vml" xmlns:pvml="urn:schemas-microsoft-com:office:powerpoint" xmlns:com="http://schemas.openxmlformats.org/drawingml/2006/compatibility" xmlns:p14="http://schemas.microsoft.com/office/powerpoint/2010/main" xmlns:p15="http://schemas.microsoft.com/office/powerpoint/2012/main" showMasterPhAnim="0" showMasterSp="0">
+  <p:cSld>
+    <p:spTree>
+      <p:nvGrpSpPr>
+        <p:cNvPr id="283" name="Shape 283"/>
+        <p:cNvGrpSpPr/>
+        <p:nvPr/>
+      </p:nvGrpSpPr>
+      <p:grpSpPr>
+        <a:xfrm>
+          <a:off x="0" y="0"/>
+          <a:ext cx="0" cy="0"/>
+          <a:chOff x="0" y="0"/>
+          <a:chExt cx="0" cy="0"/>
+        </a:xfrm>
+      </p:grpSpPr>
+      <p:sp>
+        <p:nvSpPr>
+          <p:cNvPr id="284" name="Google Shape;284;g6fd988336f_0_18:notes"/>
+          <p:cNvSpPr/>
+          <p:nvPr>
+            <p:ph idx="2" type="sldImg"/>
+          </p:nvPr>
+        </p:nvSpPr>
+        <p:spPr>
+          <a:xfrm>
+            <a:off x="381300" y="685800"/>
+            <a:ext cx="6096000" cy="3429000"/>
+          </a:xfrm>
+          <a:custGeom>
+            <a:rect b="b" l="l" r="r" t="t"/>
+            <a:pathLst>
+              <a:path extrusionOk="0" h="120000" w="120000">
+                <a:moveTo>
+                  <a:pt x="0" y="0"/>
+                </a:moveTo>
+                <a:lnTo>
+                  <a:pt x="120000" y="0"/>
+                </a:lnTo>
+                <a:lnTo>
+                  <a:pt x="120000" y="120000"/>
+                </a:lnTo>
+                <a:lnTo>
+                  <a:pt x="0" y="120000"/>
+                </a:lnTo>
+                <a:close/>
+              </a:path>
+            </a:pathLst>
+          </a:custGeom>
+        </p:spPr>
+      </p:sp>
+      <p:sp>
+        <p:nvSpPr>
+          <p:cNvPr id="285" name="Google Shape;285;g6fd988336f_0_18:notes"/>
+          <p:cNvSpPr txBox="1"/>
+          <p:nvPr>
+            <p:ph idx="1" type="body"/>
+          </p:nvPr>
+        </p:nvSpPr>
+        <p:spPr>
+          <a:xfrm>
+            <a:off x="685800" y="4343400"/>
+            <a:ext cx="5486400" cy="4114800"/>
+          </a:xfrm>
+          <a:prstGeom prst="rect">
+            <a:avLst/>
+          </a:prstGeom>
+        </p:spPr>
+        <p:txBody>
+          <a:bodyPr anchorCtr="0" anchor="t" bIns="91425" lIns="91425" spcFirstLastPara="1" rIns="91425" wrap="square" tIns="91425">
+            <a:noAutofit/>
+          </a:bodyPr>
+          <a:lstStyle/>
+          <a:p>
+            <a:pPr indent="0" lvl="0" marL="0" rtl="0" algn="l">
+              <a:spcBef>
+                <a:spcPts val="0"/>
+              </a:spcBef>
+              <a:spcAft>
+                <a:spcPts val="0"/>
+              </a:spcAft>
+              <a:buNone/>
+            </a:pPr>
+            <a:r>
+              <a:t/>
+            </a:r>
+            <a:endParaRPr/>
+          </a:p>
+        </p:txBody>
+      </p:sp>
+    </p:spTree>
+  </p:cSld>
+  <p:clrMapOvr>
+    <a:masterClrMapping/>
+  </p:clrMapOvr>
+</p:notes>
+</file>
+
+<file path=ppt/notesSlides/notesSlide3.xml><?xml version="1.0" encoding="utf-8"?>
+<p:notes xmlns:a="http://schemas.openxmlformats.org/drawingml/2006/main" xmlns:r="http://schemas.openxmlformats.org/officeDocument/2006/relationships" xmlns:mc="http://schemas.openxmlformats.org/markup-compatibility/2006" xmlns:mv="urn:schemas-microsoft-com:mac:vml" xmlns:p="http://schemas.openxmlformats.org/presentationml/2006/main" xmlns:c="http://schemas.openxmlformats.org/drawingml/2006/chart" xmlns:dgm="http://schemas.openxmlformats.org/drawingml/2006/diagram" xmlns:o="urn:schemas-microsoft-com:office:office" xmlns:v="urn:schemas-microsoft-com:vml" xmlns:pvml="urn:schemas-microsoft-com:office:powerpoint" xmlns:com="http://schemas.openxmlformats.org/drawingml/2006/compatibility" xmlns:p14="http://schemas.microsoft.com/office/powerpoint/2010/main" xmlns:p15="http://schemas.microsoft.com/office/powerpoint/2012/main" showMasterPhAnim="0" showMasterSp="0">
+  <p:cSld>
+    <p:spTree>
+      <p:nvGrpSpPr>
+        <p:cNvPr id="70" name="Shape 70"/>
+        <p:cNvGrpSpPr/>
+        <p:nvPr/>
+      </p:nvGrpSpPr>
+      <p:grpSpPr>
+        <a:xfrm>
+          <a:off x="0" y="0"/>
+          <a:ext cx="0" cy="0"/>
+          <a:chOff x="0" y="0"/>
+          <a:chExt cx="0" cy="0"/>
+        </a:xfrm>
+      </p:grpSpPr>
+      <p:sp>
+        <p:nvSpPr>
+          <p:cNvPr id="71" name="Google Shape;71;g6f0f9cd2d3_0_1:notes"/>
+          <p:cNvSpPr/>
+          <p:nvPr>
+            <p:ph idx="2" type="sldImg"/>
+          </p:nvPr>
+        </p:nvSpPr>
+        <p:spPr>
+          <a:xfrm>
+            <a:off x="381300" y="685800"/>
+            <a:ext cx="6096000" cy="3429000"/>
+          </a:xfrm>
+          <a:custGeom>
+            <a:rect b="b" l="l" r="r" t="t"/>
+            <a:pathLst>
+              <a:path extrusionOk="0" h="120000" w="120000">
+                <a:moveTo>
+                  <a:pt x="0" y="0"/>
+                </a:moveTo>
+                <a:lnTo>
+                  <a:pt x="120000" y="0"/>
+                </a:lnTo>
+                <a:lnTo>
+                  <a:pt x="120000" y="120000"/>
+                </a:lnTo>
+                <a:lnTo>
+                  <a:pt x="0" y="120000"/>
+                </a:lnTo>
+                <a:close/>
+              </a:path>
+            </a:pathLst>
+          </a:custGeom>
+        </p:spPr>
+      </p:sp>
+      <p:sp>
+        <p:nvSpPr>
           <p:cNvPr id="72" name="Google Shape;72;g6f0f9cd2d3_0_1:notes"/>
+          <p:cNvSpPr txBox="1"/>
+          <p:nvPr>
+            <p:ph idx="1" type="body"/>
+          </p:nvPr>
+        </p:nvSpPr>
+        <p:spPr>
+          <a:xfrm>
+            <a:off x="685800" y="4343400"/>
+            <a:ext cx="5486400" cy="4114800"/>
+          </a:xfrm>
+          <a:prstGeom prst="rect">
+            <a:avLst/>
+          </a:prstGeom>
+        </p:spPr>
+        <p:txBody>
+          <a:bodyPr anchorCtr="0" anchor="t" bIns="91425" lIns="91425" spcFirstLastPara="1" rIns="91425" wrap="square" tIns="91425">
+            <a:noAutofit/>
+          </a:bodyPr>
+          <a:lstStyle/>
+          <a:p>
+            <a:pPr indent="0" lvl="0" marL="0" rtl="0" algn="l">
+              <a:spcBef>
+                <a:spcPts val="0"/>
+              </a:spcBef>
+              <a:spcAft>
+                <a:spcPts val="0"/>
+              </a:spcAft>
+              <a:buNone/>
+            </a:pPr>
+            <a:r>
+              <a:t/>
+            </a:r>
+            <a:endParaRPr/>
+          </a:p>
+        </p:txBody>
+      </p:sp>
+    </p:spTree>
+  </p:cSld>
+  <p:clrMapOvr>
+    <a:masterClrMapping/>
+  </p:clrMapOvr>
+</p:notes>
+</file>
+
+<file path=ppt/notesSlides/notesSlide30.xml><?xml version="1.0" encoding="utf-8"?>
+<p:notes xmlns:a="http://schemas.openxmlformats.org/drawingml/2006/main" xmlns:r="http://schemas.openxmlformats.org/officeDocument/2006/relationships" xmlns:mc="http://schemas.openxmlformats.org/markup-compatibility/2006" xmlns:mv="urn:schemas-microsoft-com:mac:vml" xmlns:p="http://schemas.openxmlformats.org/presentationml/2006/main" xmlns:c="http://schemas.openxmlformats.org/drawingml/2006/chart" xmlns:dgm="http://schemas.openxmlformats.org/drawingml/2006/diagram" xmlns:o="urn:schemas-microsoft-com:office:office" xmlns:v="urn:schemas-microsoft-com:vml" xmlns:pvml="urn:schemas-microsoft-com:office:powerpoint" xmlns:com="http://schemas.openxmlformats.org/drawingml/2006/compatibility" xmlns:p14="http://schemas.microsoft.com/office/powerpoint/2010/main" xmlns:p15="http://schemas.microsoft.com/office/powerpoint/2012/main" showMasterPhAnim="0" showMasterSp="0">
+  <p:cSld>
+    <p:spTree>
+      <p:nvGrpSpPr>
+        <p:cNvPr id="290" name="Shape 290"/>
+        <p:cNvGrpSpPr/>
+        <p:nvPr/>
+      </p:nvGrpSpPr>
+      <p:grpSpPr>
+        <a:xfrm>
+          <a:off x="0" y="0"/>
+          <a:ext cx="0" cy="0"/>
+          <a:chOff x="0" y="0"/>
+          <a:chExt cx="0" cy="0"/>
+        </a:xfrm>
+      </p:grpSpPr>
+      <p:sp>
+        <p:nvSpPr>
+          <p:cNvPr id="291" name="Google Shape;291;g6fd988336f_0_24:notes"/>
+          <p:cNvSpPr/>
+          <p:nvPr>
+            <p:ph idx="2" type="sldImg"/>
+          </p:nvPr>
+        </p:nvSpPr>
+        <p:spPr>
+          <a:xfrm>
+            <a:off x="381300" y="685800"/>
+            <a:ext cx="6096000" cy="3429000"/>
+          </a:xfrm>
+          <a:custGeom>
+            <a:rect b="b" l="l" r="r" t="t"/>
+            <a:pathLst>
+              <a:path extrusionOk="0" h="120000" w="120000">
+                <a:moveTo>
+                  <a:pt x="0" y="0"/>
+                </a:moveTo>
+                <a:lnTo>
+                  <a:pt x="120000" y="0"/>
+                </a:lnTo>
+                <a:lnTo>
+                  <a:pt x="120000" y="120000"/>
+                </a:lnTo>
+                <a:lnTo>
+                  <a:pt x="0" y="120000"/>
+                </a:lnTo>
+                <a:close/>
+              </a:path>
+            </a:pathLst>
+          </a:custGeom>
+        </p:spPr>
+      </p:sp>
+      <p:sp>
+        <p:nvSpPr>
+          <p:cNvPr id="292" name="Google Shape;292;g6fd988336f_0_24:notes"/>
+          <p:cNvSpPr txBox="1"/>
+          <p:nvPr>
+            <p:ph idx="1" type="body"/>
+          </p:nvPr>
+        </p:nvSpPr>
+        <p:spPr>
+          <a:xfrm>
+            <a:off x="685800" y="4343400"/>
+            <a:ext cx="5486400" cy="4114800"/>
+          </a:xfrm>
+          <a:prstGeom prst="rect">
+            <a:avLst/>
+          </a:prstGeom>
+        </p:spPr>
+        <p:txBody>
+          <a:bodyPr anchorCtr="0" anchor="t" bIns="91425" lIns="91425" spcFirstLastPara="1" rIns="91425" wrap="square" tIns="91425">
+            <a:noAutofit/>
+          </a:bodyPr>
+          <a:lstStyle/>
+          <a:p>
+            <a:pPr indent="0" lvl="0" marL="0" rtl="0" algn="l">
+              <a:spcBef>
+                <a:spcPts val="0"/>
+              </a:spcBef>
+              <a:spcAft>
+                <a:spcPts val="0"/>
+              </a:spcAft>
+              <a:buNone/>
+            </a:pPr>
+            <a:r>
+              <a:t/>
+            </a:r>
+            <a:endParaRPr/>
+          </a:p>
+        </p:txBody>
+      </p:sp>
+    </p:spTree>
+  </p:cSld>
+  <p:clrMapOvr>
+    <a:masterClrMapping/>
+  </p:clrMapOvr>
+</p:notes>
+</file>
+
+<file path=ppt/notesSlides/notesSlide31.xml><?xml version="1.0" encoding="utf-8"?>
+<p:notes xmlns:a="http://schemas.openxmlformats.org/drawingml/2006/main" xmlns:r="http://schemas.openxmlformats.org/officeDocument/2006/relationships" xmlns:mc="http://schemas.openxmlformats.org/markup-compatibility/2006" xmlns:mv="urn:schemas-microsoft-com:mac:vml" xmlns:p="http://schemas.openxmlformats.org/presentationml/2006/main" xmlns:c="http://schemas.openxmlformats.org/drawingml/2006/chart" xmlns:dgm="http://schemas.openxmlformats.org/drawingml/2006/diagram" xmlns:o="urn:schemas-microsoft-com:office:office" xmlns:v="urn:schemas-microsoft-com:vml" xmlns:pvml="urn:schemas-microsoft-com:office:powerpoint" xmlns:com="http://schemas.openxmlformats.org/drawingml/2006/compatibility" xmlns:p14="http://schemas.microsoft.com/office/powerpoint/2010/main" xmlns:p15="http://schemas.microsoft.com/office/powerpoint/2012/main" showMasterPhAnim="0" showMasterSp="0">
+  <p:cSld>
+    <p:spTree>
+      <p:nvGrpSpPr>
+        <p:cNvPr id="297" name="Shape 297"/>
+        <p:cNvGrpSpPr/>
+        <p:nvPr/>
+      </p:nvGrpSpPr>
+      <p:grpSpPr>
+        <a:xfrm>
+          <a:off x="0" y="0"/>
+          <a:ext cx="0" cy="0"/>
+          <a:chOff x="0" y="0"/>
+          <a:chExt cx="0" cy="0"/>
+        </a:xfrm>
+      </p:grpSpPr>
+      <p:sp>
+        <p:nvSpPr>
+          <p:cNvPr id="298" name="Google Shape;298;g6fd988336f_0_30:notes"/>
+          <p:cNvSpPr/>
+          <p:nvPr>
+            <p:ph idx="2" type="sldImg"/>
+          </p:nvPr>
+        </p:nvSpPr>
+        <p:spPr>
+          <a:xfrm>
+            <a:off x="381300" y="685800"/>
+            <a:ext cx="6096000" cy="3429000"/>
+          </a:xfrm>
+          <a:custGeom>
+            <a:rect b="b" l="l" r="r" t="t"/>
+            <a:pathLst>
+              <a:path extrusionOk="0" h="120000" w="120000">
+                <a:moveTo>
+                  <a:pt x="0" y="0"/>
+                </a:moveTo>
+                <a:lnTo>
+                  <a:pt x="120000" y="0"/>
+                </a:lnTo>
+                <a:lnTo>
+                  <a:pt x="120000" y="120000"/>
+                </a:lnTo>
+                <a:lnTo>
+                  <a:pt x="0" y="120000"/>
+                </a:lnTo>
+                <a:close/>
+              </a:path>
+            </a:pathLst>
+          </a:custGeom>
+        </p:spPr>
+      </p:sp>
+      <p:sp>
+        <p:nvSpPr>
+          <p:cNvPr id="299" name="Google Shape;299;g6fd988336f_0_30:notes"/>
           <p:cNvSpPr txBox="1"/>
           <p:nvPr>
             <p:ph idx="1" type="body"/>
@@ -13672,6 +14272,662 @@
 </p:sld>
 </file>
 
+<file path=ppt/slides/slide26.xml><?xml version="1.0" encoding="utf-8"?>
+<p:sld xmlns:a="http://schemas.openxmlformats.org/drawingml/2006/main" xmlns:r="http://schemas.openxmlformats.org/officeDocument/2006/relationships" xmlns:mc="http://schemas.openxmlformats.org/markup-compatibility/2006" xmlns:mv="urn:schemas-microsoft-com:mac:vml" xmlns:p="http://schemas.openxmlformats.org/presentationml/2006/main" xmlns:c="http://schemas.openxmlformats.org/drawingml/2006/chart" xmlns:dgm="http://schemas.openxmlformats.org/drawingml/2006/diagram" xmlns:o="urn:schemas-microsoft-com:office:office" xmlns:v="urn:schemas-microsoft-com:vml" xmlns:pvml="urn:schemas-microsoft-com:office:powerpoint" xmlns:com="http://schemas.openxmlformats.org/drawingml/2006/compatibility" xmlns:p14="http://schemas.microsoft.com/office/powerpoint/2010/main" xmlns:p15="http://schemas.microsoft.com/office/powerpoint/2012/main">
+  <p:cSld>
+    <p:spTree>
+      <p:nvGrpSpPr>
+        <p:cNvPr id="265" name="Shape 265"/>
+        <p:cNvGrpSpPr/>
+        <p:nvPr/>
+      </p:nvGrpSpPr>
+      <p:grpSpPr>
+        <a:xfrm>
+          <a:off x="0" y="0"/>
+          <a:ext cx="0" cy="0"/>
+          <a:chOff x="0" y="0"/>
+          <a:chExt cx="0" cy="0"/>
+        </a:xfrm>
+      </p:grpSpPr>
+      <p:sp>
+        <p:nvSpPr>
+          <p:cNvPr id="266" name="Google Shape;266;p38"/>
+          <p:cNvSpPr txBox="1"/>
+          <p:nvPr>
+            <p:ph type="title"/>
+          </p:nvPr>
+        </p:nvSpPr>
+        <p:spPr>
+          <a:xfrm>
+            <a:off x="671250" y="2141250"/>
+            <a:ext cx="7852200" cy="861000"/>
+          </a:xfrm>
+          <a:prstGeom prst="rect">
+            <a:avLst/>
+          </a:prstGeom>
+        </p:spPr>
+        <p:txBody>
+          <a:bodyPr anchorCtr="0" anchor="ctr" bIns="91425" lIns="91425" spcFirstLastPara="1" rIns="91425" wrap="square" tIns="91425">
+            <a:noAutofit/>
+          </a:bodyPr>
+          <a:lstStyle/>
+          <a:p>
+            <a:pPr indent="0" lvl="0" marL="0" rtl="0" algn="ctr">
+              <a:spcBef>
+                <a:spcPts val="0"/>
+              </a:spcBef>
+              <a:spcAft>
+                <a:spcPts val="0"/>
+              </a:spcAft>
+              <a:buNone/>
+            </a:pPr>
+            <a:r>
+              <a:rPr lang="en"/>
+              <a:t>IF </a:t>
+            </a:r>
+            <a:r>
+              <a:rPr lang="en"/>
+              <a:t>Statement</a:t>
+            </a:r>
+            <a:endParaRPr/>
+          </a:p>
+        </p:txBody>
+      </p:sp>
+      <p:sp>
+        <p:nvSpPr>
+          <p:cNvPr id="267" name="Google Shape;267;p38"/>
+          <p:cNvSpPr txBox="1"/>
+          <p:nvPr>
+            <p:ph idx="12" type="sldNum"/>
+          </p:nvPr>
+        </p:nvSpPr>
+        <p:spPr>
+          <a:xfrm>
+            <a:off x="8490250" y="4681009"/>
+            <a:ext cx="548700" cy="393600"/>
+          </a:xfrm>
+          <a:prstGeom prst="rect">
+            <a:avLst/>
+          </a:prstGeom>
+        </p:spPr>
+        <p:txBody>
+          <a:bodyPr anchorCtr="0" anchor="ctr" bIns="91425" lIns="91425" spcFirstLastPara="1" rIns="91425" wrap="square" tIns="91425">
+            <a:noAutofit/>
+          </a:bodyPr>
+          <a:lstStyle/>
+          <a:p>
+            <a:pPr indent="0" lvl="0" marL="0" rtl="0" algn="r">
+              <a:spcBef>
+                <a:spcPts val="0"/>
+              </a:spcBef>
+              <a:spcAft>
+                <a:spcPts val="0"/>
+              </a:spcAft>
+              <a:buNone/>
+            </a:pPr>
+            <a:fld id="{00000000-1234-1234-1234-123412341234}" type="slidenum">
+              <a:rPr lang="en"/>
+              <a:t>‹#›</a:t>
+            </a:fld>
+            <a:endParaRPr/>
+          </a:p>
+        </p:txBody>
+      </p:sp>
+      <p:sp>
+        <p:nvSpPr>
+          <p:cNvPr id="268" name="Google Shape;268;p38"/>
+          <p:cNvSpPr txBox="1"/>
+          <p:nvPr/>
+        </p:nvSpPr>
+        <p:spPr>
+          <a:xfrm>
+            <a:off x="224475" y="146400"/>
+            <a:ext cx="468600" cy="234300"/>
+          </a:xfrm>
+          <a:prstGeom prst="rect">
+            <a:avLst/>
+          </a:prstGeom>
+          <a:noFill/>
+          <a:ln>
+            <a:noFill/>
+          </a:ln>
+        </p:spPr>
+        <p:txBody>
+          <a:bodyPr anchorCtr="0" anchor="t" bIns="91425" lIns="91425" spcFirstLastPara="1" rIns="91425" wrap="square" tIns="91425">
+            <a:noAutofit/>
+          </a:bodyPr>
+          <a:lstStyle/>
+          <a:p>
+            <a:pPr indent="0" lvl="0" marL="0" rtl="0" algn="l">
+              <a:spcBef>
+                <a:spcPts val="0"/>
+              </a:spcBef>
+              <a:spcAft>
+                <a:spcPts val="0"/>
+              </a:spcAft>
+              <a:buNone/>
+            </a:pPr>
+            <a:r>
+              <a:rPr lang="en" sz="1800">
+                <a:solidFill>
+                  <a:srgbClr val="FFFFFF"/>
+                </a:solidFill>
+                <a:latin typeface="Average"/>
+                <a:ea typeface="Average"/>
+                <a:cs typeface="Average"/>
+                <a:sym typeface="Average"/>
+              </a:rPr>
+              <a:t>-3-</a:t>
+            </a:r>
+            <a:endParaRPr sz="1800">
+              <a:solidFill>
+                <a:srgbClr val="FFFFFF"/>
+              </a:solidFill>
+              <a:latin typeface="Average"/>
+              <a:ea typeface="Average"/>
+              <a:cs typeface="Average"/>
+              <a:sym typeface="Average"/>
+            </a:endParaRPr>
+          </a:p>
+        </p:txBody>
+      </p:sp>
+    </p:spTree>
+  </p:cSld>
+  <p:clrMapOvr>
+    <a:masterClrMapping/>
+  </p:clrMapOvr>
+</p:sld>
+</file>
+
+<file path=ppt/slides/slide27.xml><?xml version="1.0" encoding="utf-8"?>
+<p:sld xmlns:a="http://schemas.openxmlformats.org/drawingml/2006/main" xmlns:r="http://schemas.openxmlformats.org/officeDocument/2006/relationships" xmlns:mc="http://schemas.openxmlformats.org/markup-compatibility/2006" xmlns:mv="urn:schemas-microsoft-com:mac:vml" xmlns:p="http://schemas.openxmlformats.org/presentationml/2006/main" xmlns:c="http://schemas.openxmlformats.org/drawingml/2006/chart" xmlns:dgm="http://schemas.openxmlformats.org/drawingml/2006/diagram" xmlns:o="urn:schemas-microsoft-com:office:office" xmlns:v="urn:schemas-microsoft-com:vml" xmlns:pvml="urn:schemas-microsoft-com:office:powerpoint" xmlns:com="http://schemas.openxmlformats.org/drawingml/2006/compatibility" xmlns:p14="http://schemas.microsoft.com/office/powerpoint/2010/main" xmlns:p15="http://schemas.microsoft.com/office/powerpoint/2012/main">
+  <p:cSld>
+    <p:spTree>
+      <p:nvGrpSpPr>
+        <p:cNvPr id="272" name="Shape 272"/>
+        <p:cNvGrpSpPr/>
+        <p:nvPr/>
+      </p:nvGrpSpPr>
+      <p:grpSpPr>
+        <a:xfrm>
+          <a:off x="0" y="0"/>
+          <a:ext cx="0" cy="0"/>
+          <a:chOff x="0" y="0"/>
+          <a:chExt cx="0" cy="0"/>
+        </a:xfrm>
+      </p:grpSpPr>
+      <p:sp>
+        <p:nvSpPr>
+          <p:cNvPr id="273" name="Google Shape;273;p39"/>
+          <p:cNvSpPr txBox="1"/>
+          <p:nvPr>
+            <p:ph type="title"/>
+          </p:nvPr>
+        </p:nvSpPr>
+        <p:spPr>
+          <a:xfrm>
+            <a:off x="671250" y="2141250"/>
+            <a:ext cx="7852200" cy="861000"/>
+          </a:xfrm>
+          <a:prstGeom prst="rect">
+            <a:avLst/>
+          </a:prstGeom>
+        </p:spPr>
+        <p:txBody>
+          <a:bodyPr anchorCtr="0" anchor="ctr" bIns="91425" lIns="91425" spcFirstLastPara="1" rIns="91425" wrap="square" tIns="91425">
+            <a:noAutofit/>
+          </a:bodyPr>
+          <a:lstStyle/>
+          <a:p>
+            <a:pPr indent="0" lvl="0" marL="0" rtl="0" algn="ctr">
+              <a:spcBef>
+                <a:spcPts val="0"/>
+              </a:spcBef>
+              <a:spcAft>
+                <a:spcPts val="0"/>
+              </a:spcAft>
+              <a:buNone/>
+            </a:pPr>
+            <a:r>
+              <a:rPr lang="en"/>
+              <a:t>Switches</a:t>
+            </a:r>
+            <a:endParaRPr/>
+          </a:p>
+        </p:txBody>
+      </p:sp>
+      <p:sp>
+        <p:nvSpPr>
+          <p:cNvPr id="274" name="Google Shape;274;p39"/>
+          <p:cNvSpPr txBox="1"/>
+          <p:nvPr>
+            <p:ph idx="12" type="sldNum"/>
+          </p:nvPr>
+        </p:nvSpPr>
+        <p:spPr>
+          <a:xfrm>
+            <a:off x="8490250" y="4681009"/>
+            <a:ext cx="548700" cy="393600"/>
+          </a:xfrm>
+          <a:prstGeom prst="rect">
+            <a:avLst/>
+          </a:prstGeom>
+        </p:spPr>
+        <p:txBody>
+          <a:bodyPr anchorCtr="0" anchor="ctr" bIns="91425" lIns="91425" spcFirstLastPara="1" rIns="91425" wrap="square" tIns="91425">
+            <a:noAutofit/>
+          </a:bodyPr>
+          <a:lstStyle/>
+          <a:p>
+            <a:pPr indent="0" lvl="0" marL="0" rtl="0" algn="r">
+              <a:spcBef>
+                <a:spcPts val="0"/>
+              </a:spcBef>
+              <a:spcAft>
+                <a:spcPts val="0"/>
+              </a:spcAft>
+              <a:buNone/>
+            </a:pPr>
+            <a:fld id="{00000000-1234-1234-1234-123412341234}" type="slidenum">
+              <a:rPr lang="en"/>
+              <a:t>‹#›</a:t>
+            </a:fld>
+            <a:endParaRPr/>
+          </a:p>
+        </p:txBody>
+      </p:sp>
+      <p:sp>
+        <p:nvSpPr>
+          <p:cNvPr id="275" name="Google Shape;275;p39"/>
+          <p:cNvSpPr txBox="1"/>
+          <p:nvPr/>
+        </p:nvSpPr>
+        <p:spPr>
+          <a:xfrm>
+            <a:off x="224475" y="146400"/>
+            <a:ext cx="468600" cy="234300"/>
+          </a:xfrm>
+          <a:prstGeom prst="rect">
+            <a:avLst/>
+          </a:prstGeom>
+          <a:noFill/>
+          <a:ln>
+            <a:noFill/>
+          </a:ln>
+        </p:spPr>
+        <p:txBody>
+          <a:bodyPr anchorCtr="0" anchor="t" bIns="91425" lIns="91425" spcFirstLastPara="1" rIns="91425" wrap="square" tIns="91425">
+            <a:noAutofit/>
+          </a:bodyPr>
+          <a:lstStyle/>
+          <a:p>
+            <a:pPr indent="0" lvl="0" marL="0" rtl="0" algn="l">
+              <a:spcBef>
+                <a:spcPts val="0"/>
+              </a:spcBef>
+              <a:spcAft>
+                <a:spcPts val="0"/>
+              </a:spcAft>
+              <a:buNone/>
+            </a:pPr>
+            <a:r>
+              <a:rPr lang="en" sz="1800">
+                <a:solidFill>
+                  <a:srgbClr val="FFFFFF"/>
+                </a:solidFill>
+                <a:latin typeface="Average"/>
+                <a:ea typeface="Average"/>
+                <a:cs typeface="Average"/>
+                <a:sym typeface="Average"/>
+              </a:rPr>
+              <a:t>-3-</a:t>
+            </a:r>
+            <a:endParaRPr sz="1800">
+              <a:solidFill>
+                <a:srgbClr val="FFFFFF"/>
+              </a:solidFill>
+              <a:latin typeface="Average"/>
+              <a:ea typeface="Average"/>
+              <a:cs typeface="Average"/>
+              <a:sym typeface="Average"/>
+            </a:endParaRPr>
+          </a:p>
+        </p:txBody>
+      </p:sp>
+    </p:spTree>
+  </p:cSld>
+  <p:clrMapOvr>
+    <a:masterClrMapping/>
+  </p:clrMapOvr>
+</p:sld>
+</file>
+
+<file path=ppt/slides/slide28.xml><?xml version="1.0" encoding="utf-8"?>
+<p:sld xmlns:a="http://schemas.openxmlformats.org/drawingml/2006/main" xmlns:r="http://schemas.openxmlformats.org/officeDocument/2006/relationships" xmlns:mc="http://schemas.openxmlformats.org/markup-compatibility/2006" xmlns:mv="urn:schemas-microsoft-com:mac:vml" xmlns:p="http://schemas.openxmlformats.org/presentationml/2006/main" xmlns:c="http://schemas.openxmlformats.org/drawingml/2006/chart" xmlns:dgm="http://schemas.openxmlformats.org/drawingml/2006/diagram" xmlns:o="urn:schemas-microsoft-com:office:office" xmlns:v="urn:schemas-microsoft-com:vml" xmlns:pvml="urn:schemas-microsoft-com:office:powerpoint" xmlns:com="http://schemas.openxmlformats.org/drawingml/2006/compatibility" xmlns:p14="http://schemas.microsoft.com/office/powerpoint/2010/main" xmlns:p15="http://schemas.microsoft.com/office/powerpoint/2012/main">
+  <p:cSld>
+    <p:spTree>
+      <p:nvGrpSpPr>
+        <p:cNvPr id="279" name="Shape 279"/>
+        <p:cNvGrpSpPr/>
+        <p:nvPr/>
+      </p:nvGrpSpPr>
+      <p:grpSpPr>
+        <a:xfrm>
+          <a:off x="0" y="0"/>
+          <a:ext cx="0" cy="0"/>
+          <a:chOff x="0" y="0"/>
+          <a:chExt cx="0" cy="0"/>
+        </a:xfrm>
+      </p:grpSpPr>
+      <p:sp>
+        <p:nvSpPr>
+          <p:cNvPr id="280" name="Google Shape;280;p40"/>
+          <p:cNvSpPr txBox="1"/>
+          <p:nvPr>
+            <p:ph type="title"/>
+          </p:nvPr>
+        </p:nvSpPr>
+        <p:spPr>
+          <a:xfrm>
+            <a:off x="671250" y="2141250"/>
+            <a:ext cx="7852200" cy="861000"/>
+          </a:xfrm>
+          <a:prstGeom prst="rect">
+            <a:avLst/>
+          </a:prstGeom>
+        </p:spPr>
+        <p:txBody>
+          <a:bodyPr anchorCtr="0" anchor="ctr" bIns="91425" lIns="91425" spcFirstLastPara="1" rIns="91425" wrap="square" tIns="91425">
+            <a:noAutofit/>
+          </a:bodyPr>
+          <a:lstStyle/>
+          <a:p>
+            <a:pPr indent="0" lvl="0" marL="0" rtl="0" algn="ctr">
+              <a:spcBef>
+                <a:spcPts val="0"/>
+              </a:spcBef>
+              <a:spcAft>
+                <a:spcPts val="0"/>
+              </a:spcAft>
+              <a:buNone/>
+            </a:pPr>
+            <a:r>
+              <a:rPr lang="en"/>
+              <a:t>Functions</a:t>
+            </a:r>
+            <a:endParaRPr/>
+          </a:p>
+        </p:txBody>
+      </p:sp>
+      <p:sp>
+        <p:nvSpPr>
+          <p:cNvPr id="281" name="Google Shape;281;p40"/>
+          <p:cNvSpPr txBox="1"/>
+          <p:nvPr>
+            <p:ph idx="12" type="sldNum"/>
+          </p:nvPr>
+        </p:nvSpPr>
+        <p:spPr>
+          <a:xfrm>
+            <a:off x="8490250" y="4681009"/>
+            <a:ext cx="548700" cy="393600"/>
+          </a:xfrm>
+          <a:prstGeom prst="rect">
+            <a:avLst/>
+          </a:prstGeom>
+        </p:spPr>
+        <p:txBody>
+          <a:bodyPr anchorCtr="0" anchor="ctr" bIns="91425" lIns="91425" spcFirstLastPara="1" rIns="91425" wrap="square" tIns="91425">
+            <a:noAutofit/>
+          </a:bodyPr>
+          <a:lstStyle/>
+          <a:p>
+            <a:pPr indent="0" lvl="0" marL="0" rtl="0" algn="r">
+              <a:spcBef>
+                <a:spcPts val="0"/>
+              </a:spcBef>
+              <a:spcAft>
+                <a:spcPts val="0"/>
+              </a:spcAft>
+              <a:buNone/>
+            </a:pPr>
+            <a:fld id="{00000000-1234-1234-1234-123412341234}" type="slidenum">
+              <a:rPr lang="en"/>
+              <a:t>‹#›</a:t>
+            </a:fld>
+            <a:endParaRPr/>
+          </a:p>
+        </p:txBody>
+      </p:sp>
+      <p:sp>
+        <p:nvSpPr>
+          <p:cNvPr id="282" name="Google Shape;282;p40"/>
+          <p:cNvSpPr txBox="1"/>
+          <p:nvPr/>
+        </p:nvSpPr>
+        <p:spPr>
+          <a:xfrm>
+            <a:off x="224475" y="146400"/>
+            <a:ext cx="468600" cy="234300"/>
+          </a:xfrm>
+          <a:prstGeom prst="rect">
+            <a:avLst/>
+          </a:prstGeom>
+          <a:noFill/>
+          <a:ln>
+            <a:noFill/>
+          </a:ln>
+        </p:spPr>
+        <p:txBody>
+          <a:bodyPr anchorCtr="0" anchor="t" bIns="91425" lIns="91425" spcFirstLastPara="1" rIns="91425" wrap="square" tIns="91425">
+            <a:noAutofit/>
+          </a:bodyPr>
+          <a:lstStyle/>
+          <a:p>
+            <a:pPr indent="0" lvl="0" marL="0" rtl="0" algn="l">
+              <a:spcBef>
+                <a:spcPts val="0"/>
+              </a:spcBef>
+              <a:spcAft>
+                <a:spcPts val="0"/>
+              </a:spcAft>
+              <a:buNone/>
+            </a:pPr>
+            <a:r>
+              <a:rPr lang="en" sz="1800">
+                <a:solidFill>
+                  <a:srgbClr val="FFFFFF"/>
+                </a:solidFill>
+                <a:latin typeface="Average"/>
+                <a:ea typeface="Average"/>
+                <a:cs typeface="Average"/>
+                <a:sym typeface="Average"/>
+              </a:rPr>
+              <a:t>-3-</a:t>
+            </a:r>
+            <a:endParaRPr sz="1800">
+              <a:solidFill>
+                <a:srgbClr val="FFFFFF"/>
+              </a:solidFill>
+              <a:latin typeface="Average"/>
+              <a:ea typeface="Average"/>
+              <a:cs typeface="Average"/>
+              <a:sym typeface="Average"/>
+            </a:endParaRPr>
+          </a:p>
+        </p:txBody>
+      </p:sp>
+    </p:spTree>
+  </p:cSld>
+  <p:clrMapOvr>
+    <a:masterClrMapping/>
+  </p:clrMapOvr>
+</p:sld>
+</file>
+
+<file path=ppt/slides/slide29.xml><?xml version="1.0" encoding="utf-8"?>
+<p:sld xmlns:a="http://schemas.openxmlformats.org/drawingml/2006/main" xmlns:r="http://schemas.openxmlformats.org/officeDocument/2006/relationships" xmlns:mc="http://schemas.openxmlformats.org/markup-compatibility/2006" xmlns:mv="urn:schemas-microsoft-com:mac:vml" xmlns:p="http://schemas.openxmlformats.org/presentationml/2006/main" xmlns:c="http://schemas.openxmlformats.org/drawingml/2006/chart" xmlns:dgm="http://schemas.openxmlformats.org/drawingml/2006/diagram" xmlns:o="urn:schemas-microsoft-com:office:office" xmlns:v="urn:schemas-microsoft-com:vml" xmlns:pvml="urn:schemas-microsoft-com:office:powerpoint" xmlns:com="http://schemas.openxmlformats.org/drawingml/2006/compatibility" xmlns:p14="http://schemas.microsoft.com/office/powerpoint/2010/main" xmlns:p15="http://schemas.microsoft.com/office/powerpoint/2012/main">
+  <p:cSld>
+    <p:spTree>
+      <p:nvGrpSpPr>
+        <p:cNvPr id="286" name="Shape 286"/>
+        <p:cNvGrpSpPr/>
+        <p:nvPr/>
+      </p:nvGrpSpPr>
+      <p:grpSpPr>
+        <a:xfrm>
+          <a:off x="0" y="0"/>
+          <a:ext cx="0" cy="0"/>
+          <a:chOff x="0" y="0"/>
+          <a:chExt cx="0" cy="0"/>
+        </a:xfrm>
+      </p:grpSpPr>
+      <p:sp>
+        <p:nvSpPr>
+          <p:cNvPr id="287" name="Google Shape;287;p41"/>
+          <p:cNvSpPr txBox="1"/>
+          <p:nvPr>
+            <p:ph type="title"/>
+          </p:nvPr>
+        </p:nvSpPr>
+        <p:spPr>
+          <a:xfrm>
+            <a:off x="671250" y="2141250"/>
+            <a:ext cx="7852200" cy="861000"/>
+          </a:xfrm>
+          <a:prstGeom prst="rect">
+            <a:avLst/>
+          </a:prstGeom>
+        </p:spPr>
+        <p:txBody>
+          <a:bodyPr anchorCtr="0" anchor="ctr" bIns="91425" lIns="91425" spcFirstLastPara="1" rIns="91425" wrap="square" tIns="91425">
+            <a:noAutofit/>
+          </a:bodyPr>
+          <a:lstStyle/>
+          <a:p>
+            <a:pPr indent="0" lvl="0" marL="0" rtl="0" algn="ctr">
+              <a:spcBef>
+                <a:spcPts val="0"/>
+              </a:spcBef>
+              <a:spcAft>
+                <a:spcPts val="0"/>
+              </a:spcAft>
+              <a:buNone/>
+            </a:pPr>
+            <a:r>
+              <a:rPr lang="en"/>
+              <a:t>Loops</a:t>
+            </a:r>
+            <a:endParaRPr/>
+          </a:p>
+        </p:txBody>
+      </p:sp>
+      <p:sp>
+        <p:nvSpPr>
+          <p:cNvPr id="288" name="Google Shape;288;p41"/>
+          <p:cNvSpPr txBox="1"/>
+          <p:nvPr>
+            <p:ph idx="12" type="sldNum"/>
+          </p:nvPr>
+        </p:nvSpPr>
+        <p:spPr>
+          <a:xfrm>
+            <a:off x="8490250" y="4681009"/>
+            <a:ext cx="548700" cy="393600"/>
+          </a:xfrm>
+          <a:prstGeom prst="rect">
+            <a:avLst/>
+          </a:prstGeom>
+        </p:spPr>
+        <p:txBody>
+          <a:bodyPr anchorCtr="0" anchor="ctr" bIns="91425" lIns="91425" spcFirstLastPara="1" rIns="91425" wrap="square" tIns="91425">
+            <a:noAutofit/>
+          </a:bodyPr>
+          <a:lstStyle/>
+          <a:p>
+            <a:pPr indent="0" lvl="0" marL="0" rtl="0" algn="r">
+              <a:spcBef>
+                <a:spcPts val="0"/>
+              </a:spcBef>
+              <a:spcAft>
+                <a:spcPts val="0"/>
+              </a:spcAft>
+              <a:buNone/>
+            </a:pPr>
+            <a:fld id="{00000000-1234-1234-1234-123412341234}" type="slidenum">
+              <a:rPr lang="en"/>
+              <a:t>‹#›</a:t>
+            </a:fld>
+            <a:endParaRPr/>
+          </a:p>
+        </p:txBody>
+      </p:sp>
+      <p:sp>
+        <p:nvSpPr>
+          <p:cNvPr id="289" name="Google Shape;289;p41"/>
+          <p:cNvSpPr txBox="1"/>
+          <p:nvPr/>
+        </p:nvSpPr>
+        <p:spPr>
+          <a:xfrm>
+            <a:off x="224475" y="146400"/>
+            <a:ext cx="468600" cy="234300"/>
+          </a:xfrm>
+          <a:prstGeom prst="rect">
+            <a:avLst/>
+          </a:prstGeom>
+          <a:noFill/>
+          <a:ln>
+            <a:noFill/>
+          </a:ln>
+        </p:spPr>
+        <p:txBody>
+          <a:bodyPr anchorCtr="0" anchor="t" bIns="91425" lIns="91425" spcFirstLastPara="1" rIns="91425" wrap="square" tIns="91425">
+            <a:noAutofit/>
+          </a:bodyPr>
+          <a:lstStyle/>
+          <a:p>
+            <a:pPr indent="0" lvl="0" marL="0" rtl="0" algn="l">
+              <a:spcBef>
+                <a:spcPts val="0"/>
+              </a:spcBef>
+              <a:spcAft>
+                <a:spcPts val="0"/>
+              </a:spcAft>
+              <a:buNone/>
+            </a:pPr>
+            <a:r>
+              <a:rPr lang="en" sz="1800">
+                <a:solidFill>
+                  <a:srgbClr val="FFFFFF"/>
+                </a:solidFill>
+                <a:latin typeface="Average"/>
+                <a:ea typeface="Average"/>
+                <a:cs typeface="Average"/>
+                <a:sym typeface="Average"/>
+              </a:rPr>
+              <a:t>-3-</a:t>
+            </a:r>
+            <a:endParaRPr sz="1800">
+              <a:solidFill>
+                <a:srgbClr val="FFFFFF"/>
+              </a:solidFill>
+              <a:latin typeface="Average"/>
+              <a:ea typeface="Average"/>
+              <a:cs typeface="Average"/>
+              <a:sym typeface="Average"/>
+            </a:endParaRPr>
+          </a:p>
+        </p:txBody>
+      </p:sp>
+    </p:spTree>
+  </p:cSld>
+  <p:clrMapOvr>
+    <a:masterClrMapping/>
+  </p:clrMapOvr>
+</p:sld>
+</file>
+
 <file path=ppt/slides/slide3.xml><?xml version="1.0" encoding="utf-8"?>
 <p:sld xmlns:a="http://schemas.openxmlformats.org/drawingml/2006/main" xmlns:r="http://schemas.openxmlformats.org/officeDocument/2006/relationships" xmlns:mc="http://schemas.openxmlformats.org/markup-compatibility/2006" xmlns:mv="urn:schemas-microsoft-com:mac:vml" xmlns:p="http://schemas.openxmlformats.org/presentationml/2006/main" xmlns:c="http://schemas.openxmlformats.org/drawingml/2006/chart" xmlns:dgm="http://schemas.openxmlformats.org/drawingml/2006/diagram" xmlns:o="urn:schemas-microsoft-com:office:office" xmlns:v="urn:schemas-microsoft-com:vml" xmlns:pvml="urn:schemas-microsoft-com:office:powerpoint" xmlns:com="http://schemas.openxmlformats.org/drawingml/2006/compatibility" xmlns:p14="http://schemas.microsoft.com/office/powerpoint/2010/main" xmlns:p15="http://schemas.microsoft.com/office/powerpoint/2012/main">
   <p:cSld>
@@ -14084,6 +15340,332 @@
               <a:t>Brendan Ike in 1995</a:t>
             </a:r>
             <a:endParaRPr>
+              <a:latin typeface="Average"/>
+              <a:ea typeface="Average"/>
+              <a:cs typeface="Average"/>
+              <a:sym typeface="Average"/>
+            </a:endParaRPr>
+          </a:p>
+        </p:txBody>
+      </p:sp>
+    </p:spTree>
+  </p:cSld>
+  <p:clrMapOvr>
+    <a:masterClrMapping/>
+  </p:clrMapOvr>
+</p:sld>
+</file>
+
+<file path=ppt/slides/slide30.xml><?xml version="1.0" encoding="utf-8"?>
+<p:sld xmlns:a="http://schemas.openxmlformats.org/drawingml/2006/main" xmlns:r="http://schemas.openxmlformats.org/officeDocument/2006/relationships" xmlns:mc="http://schemas.openxmlformats.org/markup-compatibility/2006" xmlns:mv="urn:schemas-microsoft-com:mac:vml" xmlns:p="http://schemas.openxmlformats.org/presentationml/2006/main" xmlns:c="http://schemas.openxmlformats.org/drawingml/2006/chart" xmlns:dgm="http://schemas.openxmlformats.org/drawingml/2006/diagram" xmlns:o="urn:schemas-microsoft-com:office:office" xmlns:v="urn:schemas-microsoft-com:vml" xmlns:pvml="urn:schemas-microsoft-com:office:powerpoint" xmlns:com="http://schemas.openxmlformats.org/drawingml/2006/compatibility" xmlns:p14="http://schemas.microsoft.com/office/powerpoint/2010/main" xmlns:p15="http://schemas.microsoft.com/office/powerpoint/2012/main">
+  <p:cSld>
+    <p:spTree>
+      <p:nvGrpSpPr>
+        <p:cNvPr id="293" name="Shape 293"/>
+        <p:cNvGrpSpPr/>
+        <p:nvPr/>
+      </p:nvGrpSpPr>
+      <p:grpSpPr>
+        <a:xfrm>
+          <a:off x="0" y="0"/>
+          <a:ext cx="0" cy="0"/>
+          <a:chOff x="0" y="0"/>
+          <a:chExt cx="0" cy="0"/>
+        </a:xfrm>
+      </p:grpSpPr>
+      <p:sp>
+        <p:nvSpPr>
+          <p:cNvPr id="294" name="Google Shape;294;p42"/>
+          <p:cNvSpPr txBox="1"/>
+          <p:nvPr>
+            <p:ph type="title"/>
+          </p:nvPr>
+        </p:nvSpPr>
+        <p:spPr>
+          <a:xfrm>
+            <a:off x="671250" y="2141250"/>
+            <a:ext cx="7852200" cy="861000"/>
+          </a:xfrm>
+          <a:prstGeom prst="rect">
+            <a:avLst/>
+          </a:prstGeom>
+        </p:spPr>
+        <p:txBody>
+          <a:bodyPr anchorCtr="0" anchor="ctr" bIns="91425" lIns="91425" spcFirstLastPara="1" rIns="91425" wrap="square" tIns="91425">
+            <a:noAutofit/>
+          </a:bodyPr>
+          <a:lstStyle/>
+          <a:p>
+            <a:pPr indent="0" lvl="0" marL="0" rtl="0" algn="ctr">
+              <a:spcBef>
+                <a:spcPts val="0"/>
+              </a:spcBef>
+              <a:spcAft>
+                <a:spcPts val="0"/>
+              </a:spcAft>
+              <a:buNone/>
+            </a:pPr>
+            <a:r>
+              <a:rPr lang="en"/>
+              <a:t>Window Object</a:t>
+            </a:r>
+            <a:endParaRPr/>
+          </a:p>
+        </p:txBody>
+      </p:sp>
+      <p:sp>
+        <p:nvSpPr>
+          <p:cNvPr id="295" name="Google Shape;295;p42"/>
+          <p:cNvSpPr txBox="1"/>
+          <p:nvPr>
+            <p:ph idx="12" type="sldNum"/>
+          </p:nvPr>
+        </p:nvSpPr>
+        <p:spPr>
+          <a:xfrm>
+            <a:off x="8490250" y="4681009"/>
+            <a:ext cx="548700" cy="393600"/>
+          </a:xfrm>
+          <a:prstGeom prst="rect">
+            <a:avLst/>
+          </a:prstGeom>
+        </p:spPr>
+        <p:txBody>
+          <a:bodyPr anchorCtr="0" anchor="ctr" bIns="91425" lIns="91425" spcFirstLastPara="1" rIns="91425" wrap="square" tIns="91425">
+            <a:noAutofit/>
+          </a:bodyPr>
+          <a:lstStyle/>
+          <a:p>
+            <a:pPr indent="0" lvl="0" marL="0" rtl="0" algn="r">
+              <a:spcBef>
+                <a:spcPts val="0"/>
+              </a:spcBef>
+              <a:spcAft>
+                <a:spcPts val="0"/>
+              </a:spcAft>
+              <a:buNone/>
+            </a:pPr>
+            <a:fld id="{00000000-1234-1234-1234-123412341234}" type="slidenum">
+              <a:rPr lang="en"/>
+              <a:t>‹#›</a:t>
+            </a:fld>
+            <a:endParaRPr/>
+          </a:p>
+        </p:txBody>
+      </p:sp>
+      <p:sp>
+        <p:nvSpPr>
+          <p:cNvPr id="296" name="Google Shape;296;p42"/>
+          <p:cNvSpPr txBox="1"/>
+          <p:nvPr/>
+        </p:nvSpPr>
+        <p:spPr>
+          <a:xfrm>
+            <a:off x="224475" y="146400"/>
+            <a:ext cx="468600" cy="234300"/>
+          </a:xfrm>
+          <a:prstGeom prst="rect">
+            <a:avLst/>
+          </a:prstGeom>
+          <a:noFill/>
+          <a:ln>
+            <a:noFill/>
+          </a:ln>
+        </p:spPr>
+        <p:txBody>
+          <a:bodyPr anchorCtr="0" anchor="t" bIns="91425" lIns="91425" spcFirstLastPara="1" rIns="91425" wrap="square" tIns="91425">
+            <a:noAutofit/>
+          </a:bodyPr>
+          <a:lstStyle/>
+          <a:p>
+            <a:pPr indent="0" lvl="0" marL="0" rtl="0" algn="l">
+              <a:spcBef>
+                <a:spcPts val="0"/>
+              </a:spcBef>
+              <a:spcAft>
+                <a:spcPts val="0"/>
+              </a:spcAft>
+              <a:buNone/>
+            </a:pPr>
+            <a:r>
+              <a:rPr lang="en" sz="1800">
+                <a:solidFill>
+                  <a:srgbClr val="FFFFFF"/>
+                </a:solidFill>
+                <a:latin typeface="Average"/>
+                <a:ea typeface="Average"/>
+                <a:cs typeface="Average"/>
+                <a:sym typeface="Average"/>
+              </a:rPr>
+              <a:t>-3-</a:t>
+            </a:r>
+            <a:endParaRPr sz="1800">
+              <a:solidFill>
+                <a:srgbClr val="FFFFFF"/>
+              </a:solidFill>
+              <a:latin typeface="Average"/>
+              <a:ea typeface="Average"/>
+              <a:cs typeface="Average"/>
+              <a:sym typeface="Average"/>
+            </a:endParaRPr>
+          </a:p>
+        </p:txBody>
+      </p:sp>
+    </p:spTree>
+  </p:cSld>
+  <p:clrMapOvr>
+    <a:masterClrMapping/>
+  </p:clrMapOvr>
+</p:sld>
+</file>
+
+<file path=ppt/slides/slide31.xml><?xml version="1.0" encoding="utf-8"?>
+<p:sld xmlns:a="http://schemas.openxmlformats.org/drawingml/2006/main" xmlns:r="http://schemas.openxmlformats.org/officeDocument/2006/relationships" xmlns:mc="http://schemas.openxmlformats.org/markup-compatibility/2006" xmlns:mv="urn:schemas-microsoft-com:mac:vml" xmlns:p="http://schemas.openxmlformats.org/presentationml/2006/main" xmlns:c="http://schemas.openxmlformats.org/drawingml/2006/chart" xmlns:dgm="http://schemas.openxmlformats.org/drawingml/2006/diagram" xmlns:o="urn:schemas-microsoft-com:office:office" xmlns:v="urn:schemas-microsoft-com:vml" xmlns:pvml="urn:schemas-microsoft-com:office:powerpoint" xmlns:com="http://schemas.openxmlformats.org/drawingml/2006/compatibility" xmlns:p14="http://schemas.microsoft.com/office/powerpoint/2010/main" xmlns:p15="http://schemas.microsoft.com/office/powerpoint/2012/main">
+  <p:cSld>
+    <p:spTree>
+      <p:nvGrpSpPr>
+        <p:cNvPr id="300" name="Shape 300"/>
+        <p:cNvGrpSpPr/>
+        <p:nvPr/>
+      </p:nvGrpSpPr>
+      <p:grpSpPr>
+        <a:xfrm>
+          <a:off x="0" y="0"/>
+          <a:ext cx="0" cy="0"/>
+          <a:chOff x="0" y="0"/>
+          <a:chExt cx="0" cy="0"/>
+        </a:xfrm>
+      </p:grpSpPr>
+      <p:sp>
+        <p:nvSpPr>
+          <p:cNvPr id="301" name="Google Shape;301;p43"/>
+          <p:cNvSpPr txBox="1"/>
+          <p:nvPr>
+            <p:ph type="title"/>
+          </p:nvPr>
+        </p:nvSpPr>
+        <p:spPr>
+          <a:xfrm>
+            <a:off x="671250" y="2141250"/>
+            <a:ext cx="7852200" cy="861000"/>
+          </a:xfrm>
+          <a:prstGeom prst="rect">
+            <a:avLst/>
+          </a:prstGeom>
+        </p:spPr>
+        <p:txBody>
+          <a:bodyPr anchorCtr="0" anchor="ctr" bIns="91425" lIns="91425" spcFirstLastPara="1" rIns="91425" wrap="square" tIns="91425">
+            <a:noAutofit/>
+          </a:bodyPr>
+          <a:lstStyle/>
+          <a:p>
+            <a:pPr indent="0" lvl="0" marL="0" rtl="0" algn="ctr">
+              <a:spcBef>
+                <a:spcPts val="0"/>
+              </a:spcBef>
+              <a:spcAft>
+                <a:spcPts val="0"/>
+              </a:spcAft>
+              <a:buNone/>
+            </a:pPr>
+            <a:r>
+              <a:rPr lang="en"/>
+              <a:t>Block Scope</a:t>
+            </a:r>
+            <a:endParaRPr/>
+          </a:p>
+        </p:txBody>
+      </p:sp>
+      <p:sp>
+        <p:nvSpPr>
+          <p:cNvPr id="302" name="Google Shape;302;p43"/>
+          <p:cNvSpPr txBox="1"/>
+          <p:nvPr>
+            <p:ph idx="12" type="sldNum"/>
+          </p:nvPr>
+        </p:nvSpPr>
+        <p:spPr>
+          <a:xfrm>
+            <a:off x="8490250" y="4681009"/>
+            <a:ext cx="548700" cy="393600"/>
+          </a:xfrm>
+          <a:prstGeom prst="rect">
+            <a:avLst/>
+          </a:prstGeom>
+        </p:spPr>
+        <p:txBody>
+          <a:bodyPr anchorCtr="0" anchor="ctr" bIns="91425" lIns="91425" spcFirstLastPara="1" rIns="91425" wrap="square" tIns="91425">
+            <a:noAutofit/>
+          </a:bodyPr>
+          <a:lstStyle/>
+          <a:p>
+            <a:pPr indent="0" lvl="0" marL="0" rtl="0" algn="r">
+              <a:spcBef>
+                <a:spcPts val="0"/>
+              </a:spcBef>
+              <a:spcAft>
+                <a:spcPts val="0"/>
+              </a:spcAft>
+              <a:buNone/>
+            </a:pPr>
+            <a:fld id="{00000000-1234-1234-1234-123412341234}" type="slidenum">
+              <a:rPr lang="en"/>
+              <a:t>‹#›</a:t>
+            </a:fld>
+            <a:endParaRPr/>
+          </a:p>
+        </p:txBody>
+      </p:sp>
+      <p:sp>
+        <p:nvSpPr>
+          <p:cNvPr id="303" name="Google Shape;303;p43"/>
+          <p:cNvSpPr txBox="1"/>
+          <p:nvPr/>
+        </p:nvSpPr>
+        <p:spPr>
+          <a:xfrm>
+            <a:off x="224475" y="146400"/>
+            <a:ext cx="468600" cy="234300"/>
+          </a:xfrm>
+          <a:prstGeom prst="rect">
+            <a:avLst/>
+          </a:prstGeom>
+          <a:noFill/>
+          <a:ln>
+            <a:noFill/>
+          </a:ln>
+        </p:spPr>
+        <p:txBody>
+          <a:bodyPr anchorCtr="0" anchor="t" bIns="91425" lIns="91425" spcFirstLastPara="1" rIns="91425" wrap="square" tIns="91425">
+            <a:noAutofit/>
+          </a:bodyPr>
+          <a:lstStyle/>
+          <a:p>
+            <a:pPr indent="0" lvl="0" marL="0" rtl="0" algn="l">
+              <a:spcBef>
+                <a:spcPts val="0"/>
+              </a:spcBef>
+              <a:spcAft>
+                <a:spcPts val="0"/>
+              </a:spcAft>
+              <a:buNone/>
+            </a:pPr>
+            <a:r>
+              <a:rPr lang="en" sz="1800">
+                <a:solidFill>
+                  <a:srgbClr val="FFFFFF"/>
+                </a:solidFill>
+                <a:latin typeface="Average"/>
+                <a:ea typeface="Average"/>
+                <a:cs typeface="Average"/>
+                <a:sym typeface="Average"/>
+              </a:rPr>
+              <a:t>-3-</a:t>
+            </a:r>
+            <a:endParaRPr sz="1800">
+              <a:solidFill>
+                <a:srgbClr val="FFFFFF"/>
+              </a:solidFill>
               <a:latin typeface="Average"/>
               <a:ea typeface="Average"/>
               <a:cs typeface="Average"/>

--- a/2020-WebDev_js.pptx
+++ b/2020-WebDev_js.pptx
@@ -39,30 +39,42 @@
     <p:sldId id="284" r:id="rId34"/>
     <p:sldId id="285" r:id="rId35"/>
     <p:sldId id="286" r:id="rId36"/>
+    <p:sldId id="287" r:id="rId37"/>
+    <p:sldId id="288" r:id="rId38"/>
+    <p:sldId id="289" r:id="rId39"/>
+    <p:sldId id="290" r:id="rId40"/>
+    <p:sldId id="291" r:id="rId41"/>
+    <p:sldId id="292" r:id="rId42"/>
+    <p:sldId id="293" r:id="rId43"/>
+    <p:sldId id="294" r:id="rId44"/>
+    <p:sldId id="295" r:id="rId45"/>
+    <p:sldId id="296" r:id="rId46"/>
+    <p:sldId id="297" r:id="rId47"/>
+    <p:sldId id="298" r:id="rId48"/>
   </p:sldIdLst>
   <p:sldSz cy="5143500" cx="9144000"/>
   <p:notesSz cx="6858000" cy="9144000"/>
   <p:embeddedFontLst>
     <p:embeddedFont>
       <p:font typeface="Roboto Slab"/>
-      <p:regular r:id="rId37"/>
-      <p:bold r:id="rId38"/>
+      <p:regular r:id="rId49"/>
+      <p:bold r:id="rId50"/>
     </p:embeddedFont>
     <p:embeddedFont>
       <p:font typeface="Raleway"/>
-      <p:regular r:id="rId39"/>
-      <p:bold r:id="rId40"/>
-      <p:italic r:id="rId41"/>
-      <p:boldItalic r:id="rId42"/>
+      <p:regular r:id="rId51"/>
+      <p:bold r:id="rId52"/>
+      <p:italic r:id="rId53"/>
+      <p:boldItalic r:id="rId54"/>
     </p:embeddedFont>
     <p:embeddedFont>
       <p:font typeface="Average"/>
-      <p:regular r:id="rId43"/>
+      <p:regular r:id="rId55"/>
     </p:embeddedFont>
     <p:embeddedFont>
       <p:font typeface="Oswald"/>
-      <p:regular r:id="rId44"/>
-      <p:bold r:id="rId45"/>
+      <p:regular r:id="rId56"/>
+      <p:bold r:id="rId57"/>
     </p:embeddedFont>
   </p:embeddedFontLst>
   <p:defaultTextStyle>
@@ -3214,12 +3226,12 @@
 </p:notes>
 </file>
 
-<file path=ppt/notesSlides/notesSlide4.xml><?xml version="1.0" encoding="utf-8"?>
+<file path=ppt/notesSlides/notesSlide32.xml><?xml version="1.0" encoding="utf-8"?>
 <p:notes xmlns:a="http://schemas.openxmlformats.org/drawingml/2006/main" xmlns:r="http://schemas.openxmlformats.org/officeDocument/2006/relationships" xmlns:mc="http://schemas.openxmlformats.org/markup-compatibility/2006" xmlns:mv="urn:schemas-microsoft-com:mac:vml" xmlns:p="http://schemas.openxmlformats.org/presentationml/2006/main" xmlns:c="http://schemas.openxmlformats.org/drawingml/2006/chart" xmlns:dgm="http://schemas.openxmlformats.org/drawingml/2006/diagram" xmlns:o="urn:schemas-microsoft-com:office:office" xmlns:v="urn:schemas-microsoft-com:vml" xmlns:pvml="urn:schemas-microsoft-com:office:powerpoint" xmlns:com="http://schemas.openxmlformats.org/drawingml/2006/compatibility" xmlns:p14="http://schemas.microsoft.com/office/powerpoint/2010/main" xmlns:p15="http://schemas.microsoft.com/office/powerpoint/2012/main" showMasterPhAnim="0" showMasterSp="0">
   <p:cSld>
     <p:spTree>
       <p:nvGrpSpPr>
-        <p:cNvPr id="80" name="Shape 80"/>
+        <p:cNvPr id="304" name="Shape 304"/>
         <p:cNvGrpSpPr/>
         <p:nvPr/>
       </p:nvGrpSpPr>
@@ -3233,7 +3245,7 @@
       </p:grpSpPr>
       <p:sp>
         <p:nvSpPr>
-          <p:cNvPr id="81" name="Google Shape;81;g6f0f9cd2d3_0_13:notes"/>
+          <p:cNvPr id="305" name="Google Shape;305;g6fd988336f_0_36:notes"/>
           <p:cNvSpPr/>
           <p:nvPr>
             <p:ph idx="2" type="sldImg"/>
@@ -3268,7 +3280,1195 @@
       </p:sp>
       <p:sp>
         <p:nvSpPr>
+          <p:cNvPr id="306" name="Google Shape;306;g6fd988336f_0_36:notes"/>
+          <p:cNvSpPr txBox="1"/>
+          <p:nvPr>
+            <p:ph idx="1" type="body"/>
+          </p:nvPr>
+        </p:nvSpPr>
+        <p:spPr>
+          <a:xfrm>
+            <a:off x="685800" y="4343400"/>
+            <a:ext cx="5486400" cy="4114800"/>
+          </a:xfrm>
+          <a:prstGeom prst="rect">
+            <a:avLst/>
+          </a:prstGeom>
+        </p:spPr>
+        <p:txBody>
+          <a:bodyPr anchorCtr="0" anchor="t" bIns="91425" lIns="91425" spcFirstLastPara="1" rIns="91425" wrap="square" tIns="91425">
+            <a:noAutofit/>
+          </a:bodyPr>
+          <a:lstStyle/>
+          <a:p>
+            <a:pPr indent="0" lvl="0" marL="0" rtl="0" algn="l">
+              <a:spcBef>
+                <a:spcPts val="0"/>
+              </a:spcBef>
+              <a:spcAft>
+                <a:spcPts val="0"/>
+              </a:spcAft>
+              <a:buNone/>
+            </a:pPr>
+            <a:r>
+              <a:t/>
+            </a:r>
+            <a:endParaRPr/>
+          </a:p>
+        </p:txBody>
+      </p:sp>
+    </p:spTree>
+  </p:cSld>
+  <p:clrMapOvr>
+    <a:masterClrMapping/>
+  </p:clrMapOvr>
+</p:notes>
+</file>
+
+<file path=ppt/notesSlides/notesSlide33.xml><?xml version="1.0" encoding="utf-8"?>
+<p:notes xmlns:a="http://schemas.openxmlformats.org/drawingml/2006/main" xmlns:r="http://schemas.openxmlformats.org/officeDocument/2006/relationships" xmlns:mc="http://schemas.openxmlformats.org/markup-compatibility/2006" xmlns:mv="urn:schemas-microsoft-com:mac:vml" xmlns:p="http://schemas.openxmlformats.org/presentationml/2006/main" xmlns:c="http://schemas.openxmlformats.org/drawingml/2006/chart" xmlns:dgm="http://schemas.openxmlformats.org/drawingml/2006/diagram" xmlns:o="urn:schemas-microsoft-com:office:office" xmlns:v="urn:schemas-microsoft-com:vml" xmlns:pvml="urn:schemas-microsoft-com:office:powerpoint" xmlns:com="http://schemas.openxmlformats.org/drawingml/2006/compatibility" xmlns:p14="http://schemas.microsoft.com/office/powerpoint/2010/main" xmlns:p15="http://schemas.microsoft.com/office/powerpoint/2012/main" showMasterPhAnim="0" showMasterSp="0">
+  <p:cSld>
+    <p:spTree>
+      <p:nvGrpSpPr>
+        <p:cNvPr id="311" name="Shape 311"/>
+        <p:cNvGrpSpPr/>
+        <p:nvPr/>
+      </p:nvGrpSpPr>
+      <p:grpSpPr>
+        <a:xfrm>
+          <a:off x="0" y="0"/>
+          <a:ext cx="0" cy="0"/>
+          <a:chOff x="0" y="0"/>
+          <a:chExt cx="0" cy="0"/>
+        </a:xfrm>
+      </p:grpSpPr>
+      <p:sp>
+        <p:nvSpPr>
+          <p:cNvPr id="312" name="Google Shape;312;g7e3254e85e_0_0:notes"/>
+          <p:cNvSpPr/>
+          <p:nvPr>
+            <p:ph idx="2" type="sldImg"/>
+          </p:nvPr>
+        </p:nvSpPr>
+        <p:spPr>
+          <a:xfrm>
+            <a:off x="381300" y="685800"/>
+            <a:ext cx="6096000" cy="3429000"/>
+          </a:xfrm>
+          <a:custGeom>
+            <a:rect b="b" l="l" r="r" t="t"/>
+            <a:pathLst>
+              <a:path extrusionOk="0" h="120000" w="120000">
+                <a:moveTo>
+                  <a:pt x="0" y="0"/>
+                </a:moveTo>
+                <a:lnTo>
+                  <a:pt x="120000" y="0"/>
+                </a:lnTo>
+                <a:lnTo>
+                  <a:pt x="120000" y="120000"/>
+                </a:lnTo>
+                <a:lnTo>
+                  <a:pt x="0" y="120000"/>
+                </a:lnTo>
+                <a:close/>
+              </a:path>
+            </a:pathLst>
+          </a:custGeom>
+        </p:spPr>
+      </p:sp>
+      <p:sp>
+        <p:nvSpPr>
+          <p:cNvPr id="313" name="Google Shape;313;g7e3254e85e_0_0:notes"/>
+          <p:cNvSpPr txBox="1"/>
+          <p:nvPr>
+            <p:ph idx="1" type="body"/>
+          </p:nvPr>
+        </p:nvSpPr>
+        <p:spPr>
+          <a:xfrm>
+            <a:off x="685800" y="4343400"/>
+            <a:ext cx="5486400" cy="4114800"/>
+          </a:xfrm>
+          <a:prstGeom prst="rect">
+            <a:avLst/>
+          </a:prstGeom>
+        </p:spPr>
+        <p:txBody>
+          <a:bodyPr anchorCtr="0" anchor="t" bIns="91425" lIns="91425" spcFirstLastPara="1" rIns="91425" wrap="square" tIns="91425">
+            <a:noAutofit/>
+          </a:bodyPr>
+          <a:lstStyle/>
+          <a:p>
+            <a:pPr indent="0" lvl="0" marL="0" rtl="0" algn="l">
+              <a:spcBef>
+                <a:spcPts val="0"/>
+              </a:spcBef>
+              <a:spcAft>
+                <a:spcPts val="0"/>
+              </a:spcAft>
+              <a:buNone/>
+            </a:pPr>
+            <a:r>
+              <a:t/>
+            </a:r>
+            <a:endParaRPr/>
+          </a:p>
+        </p:txBody>
+      </p:sp>
+    </p:spTree>
+  </p:cSld>
+  <p:clrMapOvr>
+    <a:masterClrMapping/>
+  </p:clrMapOvr>
+</p:notes>
+</file>
+
+<file path=ppt/notesSlides/notesSlide34.xml><?xml version="1.0" encoding="utf-8"?>
+<p:notes xmlns:a="http://schemas.openxmlformats.org/drawingml/2006/main" xmlns:r="http://schemas.openxmlformats.org/officeDocument/2006/relationships" xmlns:mc="http://schemas.openxmlformats.org/markup-compatibility/2006" xmlns:mv="urn:schemas-microsoft-com:mac:vml" xmlns:p="http://schemas.openxmlformats.org/presentationml/2006/main" xmlns:c="http://schemas.openxmlformats.org/drawingml/2006/chart" xmlns:dgm="http://schemas.openxmlformats.org/drawingml/2006/diagram" xmlns:o="urn:schemas-microsoft-com:office:office" xmlns:v="urn:schemas-microsoft-com:vml" xmlns:pvml="urn:schemas-microsoft-com:office:powerpoint" xmlns:com="http://schemas.openxmlformats.org/drawingml/2006/compatibility" xmlns:p14="http://schemas.microsoft.com/office/powerpoint/2010/main" xmlns:p15="http://schemas.microsoft.com/office/powerpoint/2012/main" showMasterPhAnim="0" showMasterSp="0">
+  <p:cSld>
+    <p:spTree>
+      <p:nvGrpSpPr>
+        <p:cNvPr id="339" name="Shape 339"/>
+        <p:cNvGrpSpPr/>
+        <p:nvPr/>
+      </p:nvGrpSpPr>
+      <p:grpSpPr>
+        <a:xfrm>
+          <a:off x="0" y="0"/>
+          <a:ext cx="0" cy="0"/>
+          <a:chOff x="0" y="0"/>
+          <a:chExt cx="0" cy="0"/>
+        </a:xfrm>
+      </p:grpSpPr>
+      <p:sp>
+        <p:nvSpPr>
+          <p:cNvPr id="340" name="Google Shape;340;g7e3254e85e_0_32:notes"/>
+          <p:cNvSpPr/>
+          <p:nvPr>
+            <p:ph idx="2" type="sldImg"/>
+          </p:nvPr>
+        </p:nvSpPr>
+        <p:spPr>
+          <a:xfrm>
+            <a:off x="381300" y="685800"/>
+            <a:ext cx="6096000" cy="3429000"/>
+          </a:xfrm>
+          <a:custGeom>
+            <a:rect b="b" l="l" r="r" t="t"/>
+            <a:pathLst>
+              <a:path extrusionOk="0" h="120000" w="120000">
+                <a:moveTo>
+                  <a:pt x="0" y="0"/>
+                </a:moveTo>
+                <a:lnTo>
+                  <a:pt x="120000" y="0"/>
+                </a:lnTo>
+                <a:lnTo>
+                  <a:pt x="120000" y="120000"/>
+                </a:lnTo>
+                <a:lnTo>
+                  <a:pt x="0" y="120000"/>
+                </a:lnTo>
+                <a:close/>
+              </a:path>
+            </a:pathLst>
+          </a:custGeom>
+        </p:spPr>
+      </p:sp>
+      <p:sp>
+        <p:nvSpPr>
+          <p:cNvPr id="341" name="Google Shape;341;g7e3254e85e_0_32:notes"/>
+          <p:cNvSpPr txBox="1"/>
+          <p:nvPr>
+            <p:ph idx="1" type="body"/>
+          </p:nvPr>
+        </p:nvSpPr>
+        <p:spPr>
+          <a:xfrm>
+            <a:off x="685800" y="4343400"/>
+            <a:ext cx="5486400" cy="4114800"/>
+          </a:xfrm>
+          <a:prstGeom prst="rect">
+            <a:avLst/>
+          </a:prstGeom>
+        </p:spPr>
+        <p:txBody>
+          <a:bodyPr anchorCtr="0" anchor="t" bIns="91425" lIns="91425" spcFirstLastPara="1" rIns="91425" wrap="square" tIns="91425">
+            <a:noAutofit/>
+          </a:bodyPr>
+          <a:lstStyle/>
+          <a:p>
+            <a:pPr indent="0" lvl="0" marL="0" rtl="0" algn="l">
+              <a:spcBef>
+                <a:spcPts val="0"/>
+              </a:spcBef>
+              <a:spcAft>
+                <a:spcPts val="0"/>
+              </a:spcAft>
+              <a:buNone/>
+            </a:pPr>
+            <a:r>
+              <a:t/>
+            </a:r>
+            <a:endParaRPr/>
+          </a:p>
+        </p:txBody>
+      </p:sp>
+    </p:spTree>
+  </p:cSld>
+  <p:clrMapOvr>
+    <a:masterClrMapping/>
+  </p:clrMapOvr>
+</p:notes>
+</file>
+
+<file path=ppt/notesSlides/notesSlide35.xml><?xml version="1.0" encoding="utf-8"?>
+<p:notes xmlns:a="http://schemas.openxmlformats.org/drawingml/2006/main" xmlns:r="http://schemas.openxmlformats.org/officeDocument/2006/relationships" xmlns:mc="http://schemas.openxmlformats.org/markup-compatibility/2006" xmlns:mv="urn:schemas-microsoft-com:mac:vml" xmlns:p="http://schemas.openxmlformats.org/presentationml/2006/main" xmlns:c="http://schemas.openxmlformats.org/drawingml/2006/chart" xmlns:dgm="http://schemas.openxmlformats.org/drawingml/2006/diagram" xmlns:o="urn:schemas-microsoft-com:office:office" xmlns:v="urn:schemas-microsoft-com:vml" xmlns:pvml="urn:schemas-microsoft-com:office:powerpoint" xmlns:com="http://schemas.openxmlformats.org/drawingml/2006/compatibility" xmlns:p14="http://schemas.microsoft.com/office/powerpoint/2010/main" xmlns:p15="http://schemas.microsoft.com/office/powerpoint/2012/main" showMasterPhAnim="0" showMasterSp="0">
+  <p:cSld>
+    <p:spTree>
+      <p:nvGrpSpPr>
+        <p:cNvPr id="346" name="Shape 346"/>
+        <p:cNvGrpSpPr/>
+        <p:nvPr/>
+      </p:nvGrpSpPr>
+      <p:grpSpPr>
+        <a:xfrm>
+          <a:off x="0" y="0"/>
+          <a:ext cx="0" cy="0"/>
+          <a:chOff x="0" y="0"/>
+          <a:chExt cx="0" cy="0"/>
+        </a:xfrm>
+      </p:grpSpPr>
+      <p:sp>
+        <p:nvSpPr>
+          <p:cNvPr id="347" name="Google Shape;347;g7e3254e85e_0_38:notes"/>
+          <p:cNvSpPr/>
+          <p:nvPr>
+            <p:ph idx="2" type="sldImg"/>
+          </p:nvPr>
+        </p:nvSpPr>
+        <p:spPr>
+          <a:xfrm>
+            <a:off x="381300" y="685800"/>
+            <a:ext cx="6096000" cy="3429000"/>
+          </a:xfrm>
+          <a:custGeom>
+            <a:rect b="b" l="l" r="r" t="t"/>
+            <a:pathLst>
+              <a:path extrusionOk="0" h="120000" w="120000">
+                <a:moveTo>
+                  <a:pt x="0" y="0"/>
+                </a:moveTo>
+                <a:lnTo>
+                  <a:pt x="120000" y="0"/>
+                </a:lnTo>
+                <a:lnTo>
+                  <a:pt x="120000" y="120000"/>
+                </a:lnTo>
+                <a:lnTo>
+                  <a:pt x="0" y="120000"/>
+                </a:lnTo>
+                <a:close/>
+              </a:path>
+            </a:pathLst>
+          </a:custGeom>
+        </p:spPr>
+      </p:sp>
+      <p:sp>
+        <p:nvSpPr>
+          <p:cNvPr id="348" name="Google Shape;348;g7e3254e85e_0_38:notes"/>
+          <p:cNvSpPr txBox="1"/>
+          <p:nvPr>
+            <p:ph idx="1" type="body"/>
+          </p:nvPr>
+        </p:nvSpPr>
+        <p:spPr>
+          <a:xfrm>
+            <a:off x="685800" y="4343400"/>
+            <a:ext cx="5486400" cy="4114800"/>
+          </a:xfrm>
+          <a:prstGeom prst="rect">
+            <a:avLst/>
+          </a:prstGeom>
+        </p:spPr>
+        <p:txBody>
+          <a:bodyPr anchorCtr="0" anchor="t" bIns="91425" lIns="91425" spcFirstLastPara="1" rIns="91425" wrap="square" tIns="91425">
+            <a:noAutofit/>
+          </a:bodyPr>
+          <a:lstStyle/>
+          <a:p>
+            <a:pPr indent="0" lvl="0" marL="0" rtl="0" algn="l">
+              <a:spcBef>
+                <a:spcPts val="0"/>
+              </a:spcBef>
+              <a:spcAft>
+                <a:spcPts val="0"/>
+              </a:spcAft>
+              <a:buNone/>
+            </a:pPr>
+            <a:r>
+              <a:t/>
+            </a:r>
+            <a:endParaRPr/>
+          </a:p>
+        </p:txBody>
+      </p:sp>
+    </p:spTree>
+  </p:cSld>
+  <p:clrMapOvr>
+    <a:masterClrMapping/>
+  </p:clrMapOvr>
+</p:notes>
+</file>
+
+<file path=ppt/notesSlides/notesSlide36.xml><?xml version="1.0" encoding="utf-8"?>
+<p:notes xmlns:a="http://schemas.openxmlformats.org/drawingml/2006/main" xmlns:r="http://schemas.openxmlformats.org/officeDocument/2006/relationships" xmlns:mc="http://schemas.openxmlformats.org/markup-compatibility/2006" xmlns:mv="urn:schemas-microsoft-com:mac:vml" xmlns:p="http://schemas.openxmlformats.org/presentationml/2006/main" xmlns:c="http://schemas.openxmlformats.org/drawingml/2006/chart" xmlns:dgm="http://schemas.openxmlformats.org/drawingml/2006/diagram" xmlns:o="urn:schemas-microsoft-com:office:office" xmlns:v="urn:schemas-microsoft-com:vml" xmlns:pvml="urn:schemas-microsoft-com:office:powerpoint" xmlns:com="http://schemas.openxmlformats.org/drawingml/2006/compatibility" xmlns:p14="http://schemas.microsoft.com/office/powerpoint/2010/main" xmlns:p15="http://schemas.microsoft.com/office/powerpoint/2012/main" showMasterPhAnim="0" showMasterSp="0">
+  <p:cSld>
+    <p:spTree>
+      <p:nvGrpSpPr>
+        <p:cNvPr id="353" name="Shape 353"/>
+        <p:cNvGrpSpPr/>
+        <p:nvPr/>
+      </p:nvGrpSpPr>
+      <p:grpSpPr>
+        <a:xfrm>
+          <a:off x="0" y="0"/>
+          <a:ext cx="0" cy="0"/>
+          <a:chOff x="0" y="0"/>
+          <a:chExt cx="0" cy="0"/>
+        </a:xfrm>
+      </p:grpSpPr>
+      <p:sp>
+        <p:nvSpPr>
+          <p:cNvPr id="354" name="Google Shape;354;g7e3254e85e_0_44:notes"/>
+          <p:cNvSpPr/>
+          <p:nvPr>
+            <p:ph idx="2" type="sldImg"/>
+          </p:nvPr>
+        </p:nvSpPr>
+        <p:spPr>
+          <a:xfrm>
+            <a:off x="381300" y="685800"/>
+            <a:ext cx="6096000" cy="3429000"/>
+          </a:xfrm>
+          <a:custGeom>
+            <a:rect b="b" l="l" r="r" t="t"/>
+            <a:pathLst>
+              <a:path extrusionOk="0" h="120000" w="120000">
+                <a:moveTo>
+                  <a:pt x="0" y="0"/>
+                </a:moveTo>
+                <a:lnTo>
+                  <a:pt x="120000" y="0"/>
+                </a:lnTo>
+                <a:lnTo>
+                  <a:pt x="120000" y="120000"/>
+                </a:lnTo>
+                <a:lnTo>
+                  <a:pt x="0" y="120000"/>
+                </a:lnTo>
+                <a:close/>
+              </a:path>
+            </a:pathLst>
+          </a:custGeom>
+        </p:spPr>
+      </p:sp>
+      <p:sp>
+        <p:nvSpPr>
+          <p:cNvPr id="355" name="Google Shape;355;g7e3254e85e_0_44:notes"/>
+          <p:cNvSpPr txBox="1"/>
+          <p:nvPr>
+            <p:ph idx="1" type="body"/>
+          </p:nvPr>
+        </p:nvSpPr>
+        <p:spPr>
+          <a:xfrm>
+            <a:off x="685800" y="4343400"/>
+            <a:ext cx="5486400" cy="4114800"/>
+          </a:xfrm>
+          <a:prstGeom prst="rect">
+            <a:avLst/>
+          </a:prstGeom>
+        </p:spPr>
+        <p:txBody>
+          <a:bodyPr anchorCtr="0" anchor="t" bIns="91425" lIns="91425" spcFirstLastPara="1" rIns="91425" wrap="square" tIns="91425">
+            <a:noAutofit/>
+          </a:bodyPr>
+          <a:lstStyle/>
+          <a:p>
+            <a:pPr indent="0" lvl="0" marL="0" rtl="0" algn="l">
+              <a:spcBef>
+                <a:spcPts val="0"/>
+              </a:spcBef>
+              <a:spcAft>
+                <a:spcPts val="0"/>
+              </a:spcAft>
+              <a:buNone/>
+            </a:pPr>
+            <a:r>
+              <a:t/>
+            </a:r>
+            <a:endParaRPr/>
+          </a:p>
+        </p:txBody>
+      </p:sp>
+    </p:spTree>
+  </p:cSld>
+  <p:clrMapOvr>
+    <a:masterClrMapping/>
+  </p:clrMapOvr>
+</p:notes>
+</file>
+
+<file path=ppt/notesSlides/notesSlide37.xml><?xml version="1.0" encoding="utf-8"?>
+<p:notes xmlns:a="http://schemas.openxmlformats.org/drawingml/2006/main" xmlns:r="http://schemas.openxmlformats.org/officeDocument/2006/relationships" xmlns:mc="http://schemas.openxmlformats.org/markup-compatibility/2006" xmlns:mv="urn:schemas-microsoft-com:mac:vml" xmlns:p="http://schemas.openxmlformats.org/presentationml/2006/main" xmlns:c="http://schemas.openxmlformats.org/drawingml/2006/chart" xmlns:dgm="http://schemas.openxmlformats.org/drawingml/2006/diagram" xmlns:o="urn:schemas-microsoft-com:office:office" xmlns:v="urn:schemas-microsoft-com:vml" xmlns:pvml="urn:schemas-microsoft-com:office:powerpoint" xmlns:com="http://schemas.openxmlformats.org/drawingml/2006/compatibility" xmlns:p14="http://schemas.microsoft.com/office/powerpoint/2010/main" xmlns:p15="http://schemas.microsoft.com/office/powerpoint/2012/main" showMasterPhAnim="0" showMasterSp="0">
+  <p:cSld>
+    <p:spTree>
+      <p:nvGrpSpPr>
+        <p:cNvPr id="360" name="Shape 360"/>
+        <p:cNvGrpSpPr/>
+        <p:nvPr/>
+      </p:nvGrpSpPr>
+      <p:grpSpPr>
+        <a:xfrm>
+          <a:off x="0" y="0"/>
+          <a:ext cx="0" cy="0"/>
+          <a:chOff x="0" y="0"/>
+          <a:chExt cx="0" cy="0"/>
+        </a:xfrm>
+      </p:grpSpPr>
+      <p:sp>
+        <p:nvSpPr>
+          <p:cNvPr id="361" name="Google Shape;361;g7e3254e85e_0_50:notes"/>
+          <p:cNvSpPr/>
+          <p:nvPr>
+            <p:ph idx="2" type="sldImg"/>
+          </p:nvPr>
+        </p:nvSpPr>
+        <p:spPr>
+          <a:xfrm>
+            <a:off x="381300" y="685800"/>
+            <a:ext cx="6096000" cy="3429000"/>
+          </a:xfrm>
+          <a:custGeom>
+            <a:rect b="b" l="l" r="r" t="t"/>
+            <a:pathLst>
+              <a:path extrusionOk="0" h="120000" w="120000">
+                <a:moveTo>
+                  <a:pt x="0" y="0"/>
+                </a:moveTo>
+                <a:lnTo>
+                  <a:pt x="120000" y="0"/>
+                </a:lnTo>
+                <a:lnTo>
+                  <a:pt x="120000" y="120000"/>
+                </a:lnTo>
+                <a:lnTo>
+                  <a:pt x="0" y="120000"/>
+                </a:lnTo>
+                <a:close/>
+              </a:path>
+            </a:pathLst>
+          </a:custGeom>
+        </p:spPr>
+      </p:sp>
+      <p:sp>
+        <p:nvSpPr>
+          <p:cNvPr id="362" name="Google Shape;362;g7e3254e85e_0_50:notes"/>
+          <p:cNvSpPr txBox="1"/>
+          <p:nvPr>
+            <p:ph idx="1" type="body"/>
+          </p:nvPr>
+        </p:nvSpPr>
+        <p:spPr>
+          <a:xfrm>
+            <a:off x="685800" y="4343400"/>
+            <a:ext cx="5486400" cy="4114800"/>
+          </a:xfrm>
+          <a:prstGeom prst="rect">
+            <a:avLst/>
+          </a:prstGeom>
+        </p:spPr>
+        <p:txBody>
+          <a:bodyPr anchorCtr="0" anchor="t" bIns="91425" lIns="91425" spcFirstLastPara="1" rIns="91425" wrap="square" tIns="91425">
+            <a:noAutofit/>
+          </a:bodyPr>
+          <a:lstStyle/>
+          <a:p>
+            <a:pPr indent="0" lvl="0" marL="0" rtl="0" algn="l">
+              <a:spcBef>
+                <a:spcPts val="0"/>
+              </a:spcBef>
+              <a:spcAft>
+                <a:spcPts val="0"/>
+              </a:spcAft>
+              <a:buNone/>
+            </a:pPr>
+            <a:r>
+              <a:t/>
+            </a:r>
+            <a:endParaRPr/>
+          </a:p>
+        </p:txBody>
+      </p:sp>
+    </p:spTree>
+  </p:cSld>
+  <p:clrMapOvr>
+    <a:masterClrMapping/>
+  </p:clrMapOvr>
+</p:notes>
+</file>
+
+<file path=ppt/notesSlides/notesSlide38.xml><?xml version="1.0" encoding="utf-8"?>
+<p:notes xmlns:a="http://schemas.openxmlformats.org/drawingml/2006/main" xmlns:r="http://schemas.openxmlformats.org/officeDocument/2006/relationships" xmlns:mc="http://schemas.openxmlformats.org/markup-compatibility/2006" xmlns:mv="urn:schemas-microsoft-com:mac:vml" xmlns:p="http://schemas.openxmlformats.org/presentationml/2006/main" xmlns:c="http://schemas.openxmlformats.org/drawingml/2006/chart" xmlns:dgm="http://schemas.openxmlformats.org/drawingml/2006/diagram" xmlns:o="urn:schemas-microsoft-com:office:office" xmlns:v="urn:schemas-microsoft-com:vml" xmlns:pvml="urn:schemas-microsoft-com:office:powerpoint" xmlns:com="http://schemas.openxmlformats.org/drawingml/2006/compatibility" xmlns:p14="http://schemas.microsoft.com/office/powerpoint/2010/main" xmlns:p15="http://schemas.microsoft.com/office/powerpoint/2012/main" showMasterPhAnim="0" showMasterSp="0">
+  <p:cSld>
+    <p:spTree>
+      <p:nvGrpSpPr>
+        <p:cNvPr id="367" name="Shape 367"/>
+        <p:cNvGrpSpPr/>
+        <p:nvPr/>
+      </p:nvGrpSpPr>
+      <p:grpSpPr>
+        <a:xfrm>
+          <a:off x="0" y="0"/>
+          <a:ext cx="0" cy="0"/>
+          <a:chOff x="0" y="0"/>
+          <a:chExt cx="0" cy="0"/>
+        </a:xfrm>
+      </p:grpSpPr>
+      <p:sp>
+        <p:nvSpPr>
+          <p:cNvPr id="368" name="Google Shape;368;g7e3254e85e_0_56:notes"/>
+          <p:cNvSpPr/>
+          <p:nvPr>
+            <p:ph idx="2" type="sldImg"/>
+          </p:nvPr>
+        </p:nvSpPr>
+        <p:spPr>
+          <a:xfrm>
+            <a:off x="381300" y="685800"/>
+            <a:ext cx="6096000" cy="3429000"/>
+          </a:xfrm>
+          <a:custGeom>
+            <a:rect b="b" l="l" r="r" t="t"/>
+            <a:pathLst>
+              <a:path extrusionOk="0" h="120000" w="120000">
+                <a:moveTo>
+                  <a:pt x="0" y="0"/>
+                </a:moveTo>
+                <a:lnTo>
+                  <a:pt x="120000" y="0"/>
+                </a:lnTo>
+                <a:lnTo>
+                  <a:pt x="120000" y="120000"/>
+                </a:lnTo>
+                <a:lnTo>
+                  <a:pt x="0" y="120000"/>
+                </a:lnTo>
+                <a:close/>
+              </a:path>
+            </a:pathLst>
+          </a:custGeom>
+        </p:spPr>
+      </p:sp>
+      <p:sp>
+        <p:nvSpPr>
+          <p:cNvPr id="369" name="Google Shape;369;g7e3254e85e_0_56:notes"/>
+          <p:cNvSpPr txBox="1"/>
+          <p:nvPr>
+            <p:ph idx="1" type="body"/>
+          </p:nvPr>
+        </p:nvSpPr>
+        <p:spPr>
+          <a:xfrm>
+            <a:off x="685800" y="4343400"/>
+            <a:ext cx="5486400" cy="4114800"/>
+          </a:xfrm>
+          <a:prstGeom prst="rect">
+            <a:avLst/>
+          </a:prstGeom>
+        </p:spPr>
+        <p:txBody>
+          <a:bodyPr anchorCtr="0" anchor="t" bIns="91425" lIns="91425" spcFirstLastPara="1" rIns="91425" wrap="square" tIns="91425">
+            <a:noAutofit/>
+          </a:bodyPr>
+          <a:lstStyle/>
+          <a:p>
+            <a:pPr indent="0" lvl="0" marL="0" rtl="0" algn="l">
+              <a:spcBef>
+                <a:spcPts val="0"/>
+              </a:spcBef>
+              <a:spcAft>
+                <a:spcPts val="0"/>
+              </a:spcAft>
+              <a:buNone/>
+            </a:pPr>
+            <a:r>
+              <a:t/>
+            </a:r>
+            <a:endParaRPr/>
+          </a:p>
+        </p:txBody>
+      </p:sp>
+    </p:spTree>
+  </p:cSld>
+  <p:clrMapOvr>
+    <a:masterClrMapping/>
+  </p:clrMapOvr>
+</p:notes>
+</file>
+
+<file path=ppt/notesSlides/notesSlide39.xml><?xml version="1.0" encoding="utf-8"?>
+<p:notes xmlns:a="http://schemas.openxmlformats.org/drawingml/2006/main" xmlns:r="http://schemas.openxmlformats.org/officeDocument/2006/relationships" xmlns:mc="http://schemas.openxmlformats.org/markup-compatibility/2006" xmlns:mv="urn:schemas-microsoft-com:mac:vml" xmlns:p="http://schemas.openxmlformats.org/presentationml/2006/main" xmlns:c="http://schemas.openxmlformats.org/drawingml/2006/chart" xmlns:dgm="http://schemas.openxmlformats.org/drawingml/2006/diagram" xmlns:o="urn:schemas-microsoft-com:office:office" xmlns:v="urn:schemas-microsoft-com:vml" xmlns:pvml="urn:schemas-microsoft-com:office:powerpoint" xmlns:com="http://schemas.openxmlformats.org/drawingml/2006/compatibility" xmlns:p14="http://schemas.microsoft.com/office/powerpoint/2010/main" xmlns:p15="http://schemas.microsoft.com/office/powerpoint/2012/main" showMasterPhAnim="0" showMasterSp="0">
+  <p:cSld>
+    <p:spTree>
+      <p:nvGrpSpPr>
+        <p:cNvPr id="374" name="Shape 374"/>
+        <p:cNvGrpSpPr/>
+        <p:nvPr/>
+      </p:nvGrpSpPr>
+      <p:grpSpPr>
+        <a:xfrm>
+          <a:off x="0" y="0"/>
+          <a:ext cx="0" cy="0"/>
+          <a:chOff x="0" y="0"/>
+          <a:chExt cx="0" cy="0"/>
+        </a:xfrm>
+      </p:grpSpPr>
+      <p:sp>
+        <p:nvSpPr>
+          <p:cNvPr id="375" name="Google Shape;375;g7e3254e85e_0_62:notes"/>
+          <p:cNvSpPr/>
+          <p:nvPr>
+            <p:ph idx="2" type="sldImg"/>
+          </p:nvPr>
+        </p:nvSpPr>
+        <p:spPr>
+          <a:xfrm>
+            <a:off x="381300" y="685800"/>
+            <a:ext cx="6096000" cy="3429000"/>
+          </a:xfrm>
+          <a:custGeom>
+            <a:rect b="b" l="l" r="r" t="t"/>
+            <a:pathLst>
+              <a:path extrusionOk="0" h="120000" w="120000">
+                <a:moveTo>
+                  <a:pt x="0" y="0"/>
+                </a:moveTo>
+                <a:lnTo>
+                  <a:pt x="120000" y="0"/>
+                </a:lnTo>
+                <a:lnTo>
+                  <a:pt x="120000" y="120000"/>
+                </a:lnTo>
+                <a:lnTo>
+                  <a:pt x="0" y="120000"/>
+                </a:lnTo>
+                <a:close/>
+              </a:path>
+            </a:pathLst>
+          </a:custGeom>
+        </p:spPr>
+      </p:sp>
+      <p:sp>
+        <p:nvSpPr>
+          <p:cNvPr id="376" name="Google Shape;376;g7e3254e85e_0_62:notes"/>
+          <p:cNvSpPr txBox="1"/>
+          <p:nvPr>
+            <p:ph idx="1" type="body"/>
+          </p:nvPr>
+        </p:nvSpPr>
+        <p:spPr>
+          <a:xfrm>
+            <a:off x="685800" y="4343400"/>
+            <a:ext cx="5486400" cy="4114800"/>
+          </a:xfrm>
+          <a:prstGeom prst="rect">
+            <a:avLst/>
+          </a:prstGeom>
+        </p:spPr>
+        <p:txBody>
+          <a:bodyPr anchorCtr="0" anchor="t" bIns="91425" lIns="91425" spcFirstLastPara="1" rIns="91425" wrap="square" tIns="91425">
+            <a:noAutofit/>
+          </a:bodyPr>
+          <a:lstStyle/>
+          <a:p>
+            <a:pPr indent="0" lvl="0" marL="0" rtl="0" algn="l">
+              <a:spcBef>
+                <a:spcPts val="0"/>
+              </a:spcBef>
+              <a:spcAft>
+                <a:spcPts val="0"/>
+              </a:spcAft>
+              <a:buNone/>
+            </a:pPr>
+            <a:r>
+              <a:t/>
+            </a:r>
+            <a:endParaRPr/>
+          </a:p>
+        </p:txBody>
+      </p:sp>
+    </p:spTree>
+  </p:cSld>
+  <p:clrMapOvr>
+    <a:masterClrMapping/>
+  </p:clrMapOvr>
+</p:notes>
+</file>
+
+<file path=ppt/notesSlides/notesSlide4.xml><?xml version="1.0" encoding="utf-8"?>
+<p:notes xmlns:a="http://schemas.openxmlformats.org/drawingml/2006/main" xmlns:r="http://schemas.openxmlformats.org/officeDocument/2006/relationships" xmlns:mc="http://schemas.openxmlformats.org/markup-compatibility/2006" xmlns:mv="urn:schemas-microsoft-com:mac:vml" xmlns:p="http://schemas.openxmlformats.org/presentationml/2006/main" xmlns:c="http://schemas.openxmlformats.org/drawingml/2006/chart" xmlns:dgm="http://schemas.openxmlformats.org/drawingml/2006/diagram" xmlns:o="urn:schemas-microsoft-com:office:office" xmlns:v="urn:schemas-microsoft-com:vml" xmlns:pvml="urn:schemas-microsoft-com:office:powerpoint" xmlns:com="http://schemas.openxmlformats.org/drawingml/2006/compatibility" xmlns:p14="http://schemas.microsoft.com/office/powerpoint/2010/main" xmlns:p15="http://schemas.microsoft.com/office/powerpoint/2012/main" showMasterPhAnim="0" showMasterSp="0">
+  <p:cSld>
+    <p:spTree>
+      <p:nvGrpSpPr>
+        <p:cNvPr id="80" name="Shape 80"/>
+        <p:cNvGrpSpPr/>
+        <p:nvPr/>
+      </p:nvGrpSpPr>
+      <p:grpSpPr>
+        <a:xfrm>
+          <a:off x="0" y="0"/>
+          <a:ext cx="0" cy="0"/>
+          <a:chOff x="0" y="0"/>
+          <a:chExt cx="0" cy="0"/>
+        </a:xfrm>
+      </p:grpSpPr>
+      <p:sp>
+        <p:nvSpPr>
+          <p:cNvPr id="81" name="Google Shape;81;g6f0f9cd2d3_0_13:notes"/>
+          <p:cNvSpPr/>
+          <p:nvPr>
+            <p:ph idx="2" type="sldImg"/>
+          </p:nvPr>
+        </p:nvSpPr>
+        <p:spPr>
+          <a:xfrm>
+            <a:off x="381300" y="685800"/>
+            <a:ext cx="6096000" cy="3429000"/>
+          </a:xfrm>
+          <a:custGeom>
+            <a:rect b="b" l="l" r="r" t="t"/>
+            <a:pathLst>
+              <a:path extrusionOk="0" h="120000" w="120000">
+                <a:moveTo>
+                  <a:pt x="0" y="0"/>
+                </a:moveTo>
+                <a:lnTo>
+                  <a:pt x="120000" y="0"/>
+                </a:lnTo>
+                <a:lnTo>
+                  <a:pt x="120000" y="120000"/>
+                </a:lnTo>
+                <a:lnTo>
+                  <a:pt x="0" y="120000"/>
+                </a:lnTo>
+                <a:close/>
+              </a:path>
+            </a:pathLst>
+          </a:custGeom>
+        </p:spPr>
+      </p:sp>
+      <p:sp>
+        <p:nvSpPr>
           <p:cNvPr id="82" name="Google Shape;82;g6f0f9cd2d3_0_13:notes"/>
+          <p:cNvSpPr txBox="1"/>
+          <p:nvPr>
+            <p:ph idx="1" type="body"/>
+          </p:nvPr>
+        </p:nvSpPr>
+        <p:spPr>
+          <a:xfrm>
+            <a:off x="685800" y="4343400"/>
+            <a:ext cx="5486400" cy="4114800"/>
+          </a:xfrm>
+          <a:prstGeom prst="rect">
+            <a:avLst/>
+          </a:prstGeom>
+        </p:spPr>
+        <p:txBody>
+          <a:bodyPr anchorCtr="0" anchor="t" bIns="91425" lIns="91425" spcFirstLastPara="1" rIns="91425" wrap="square" tIns="91425">
+            <a:noAutofit/>
+          </a:bodyPr>
+          <a:lstStyle/>
+          <a:p>
+            <a:pPr indent="0" lvl="0" marL="0" rtl="0" algn="l">
+              <a:spcBef>
+                <a:spcPts val="0"/>
+              </a:spcBef>
+              <a:spcAft>
+                <a:spcPts val="0"/>
+              </a:spcAft>
+              <a:buNone/>
+            </a:pPr>
+            <a:r>
+              <a:t/>
+            </a:r>
+            <a:endParaRPr/>
+          </a:p>
+        </p:txBody>
+      </p:sp>
+    </p:spTree>
+  </p:cSld>
+  <p:clrMapOvr>
+    <a:masterClrMapping/>
+  </p:clrMapOvr>
+</p:notes>
+</file>
+
+<file path=ppt/notesSlides/notesSlide40.xml><?xml version="1.0" encoding="utf-8"?>
+<p:notes xmlns:a="http://schemas.openxmlformats.org/drawingml/2006/main" xmlns:r="http://schemas.openxmlformats.org/officeDocument/2006/relationships" xmlns:mc="http://schemas.openxmlformats.org/markup-compatibility/2006" xmlns:mv="urn:schemas-microsoft-com:mac:vml" xmlns:p="http://schemas.openxmlformats.org/presentationml/2006/main" xmlns:c="http://schemas.openxmlformats.org/drawingml/2006/chart" xmlns:dgm="http://schemas.openxmlformats.org/drawingml/2006/diagram" xmlns:o="urn:schemas-microsoft-com:office:office" xmlns:v="urn:schemas-microsoft-com:vml" xmlns:pvml="urn:schemas-microsoft-com:office:powerpoint" xmlns:com="http://schemas.openxmlformats.org/drawingml/2006/compatibility" xmlns:p14="http://schemas.microsoft.com/office/powerpoint/2010/main" xmlns:p15="http://schemas.microsoft.com/office/powerpoint/2012/main" showMasterPhAnim="0" showMasterSp="0">
+  <p:cSld>
+    <p:spTree>
+      <p:nvGrpSpPr>
+        <p:cNvPr id="381" name="Shape 381"/>
+        <p:cNvGrpSpPr/>
+        <p:nvPr/>
+      </p:nvGrpSpPr>
+      <p:grpSpPr>
+        <a:xfrm>
+          <a:off x="0" y="0"/>
+          <a:ext cx="0" cy="0"/>
+          <a:chOff x="0" y="0"/>
+          <a:chExt cx="0" cy="0"/>
+        </a:xfrm>
+      </p:grpSpPr>
+      <p:sp>
+        <p:nvSpPr>
+          <p:cNvPr id="382" name="Google Shape;382;g7e3254e85e_0_68:notes"/>
+          <p:cNvSpPr/>
+          <p:nvPr>
+            <p:ph idx="2" type="sldImg"/>
+          </p:nvPr>
+        </p:nvSpPr>
+        <p:spPr>
+          <a:xfrm>
+            <a:off x="381300" y="685800"/>
+            <a:ext cx="6096000" cy="3429000"/>
+          </a:xfrm>
+          <a:custGeom>
+            <a:rect b="b" l="l" r="r" t="t"/>
+            <a:pathLst>
+              <a:path extrusionOk="0" h="120000" w="120000">
+                <a:moveTo>
+                  <a:pt x="0" y="0"/>
+                </a:moveTo>
+                <a:lnTo>
+                  <a:pt x="120000" y="0"/>
+                </a:lnTo>
+                <a:lnTo>
+                  <a:pt x="120000" y="120000"/>
+                </a:lnTo>
+                <a:lnTo>
+                  <a:pt x="0" y="120000"/>
+                </a:lnTo>
+                <a:close/>
+              </a:path>
+            </a:pathLst>
+          </a:custGeom>
+        </p:spPr>
+      </p:sp>
+      <p:sp>
+        <p:nvSpPr>
+          <p:cNvPr id="383" name="Google Shape;383;g7e3254e85e_0_68:notes"/>
+          <p:cNvSpPr txBox="1"/>
+          <p:nvPr>
+            <p:ph idx="1" type="body"/>
+          </p:nvPr>
+        </p:nvSpPr>
+        <p:spPr>
+          <a:xfrm>
+            <a:off x="685800" y="4343400"/>
+            <a:ext cx="5486400" cy="4114800"/>
+          </a:xfrm>
+          <a:prstGeom prst="rect">
+            <a:avLst/>
+          </a:prstGeom>
+        </p:spPr>
+        <p:txBody>
+          <a:bodyPr anchorCtr="0" anchor="t" bIns="91425" lIns="91425" spcFirstLastPara="1" rIns="91425" wrap="square" tIns="91425">
+            <a:noAutofit/>
+          </a:bodyPr>
+          <a:lstStyle/>
+          <a:p>
+            <a:pPr indent="0" lvl="0" marL="0" rtl="0" algn="l">
+              <a:spcBef>
+                <a:spcPts val="0"/>
+              </a:spcBef>
+              <a:spcAft>
+                <a:spcPts val="0"/>
+              </a:spcAft>
+              <a:buNone/>
+            </a:pPr>
+            <a:r>
+              <a:t/>
+            </a:r>
+            <a:endParaRPr/>
+          </a:p>
+        </p:txBody>
+      </p:sp>
+    </p:spTree>
+  </p:cSld>
+  <p:clrMapOvr>
+    <a:masterClrMapping/>
+  </p:clrMapOvr>
+</p:notes>
+</file>
+
+<file path=ppt/notesSlides/notesSlide41.xml><?xml version="1.0" encoding="utf-8"?>
+<p:notes xmlns:a="http://schemas.openxmlformats.org/drawingml/2006/main" xmlns:r="http://schemas.openxmlformats.org/officeDocument/2006/relationships" xmlns:mc="http://schemas.openxmlformats.org/markup-compatibility/2006" xmlns:mv="urn:schemas-microsoft-com:mac:vml" xmlns:p="http://schemas.openxmlformats.org/presentationml/2006/main" xmlns:c="http://schemas.openxmlformats.org/drawingml/2006/chart" xmlns:dgm="http://schemas.openxmlformats.org/drawingml/2006/diagram" xmlns:o="urn:schemas-microsoft-com:office:office" xmlns:v="urn:schemas-microsoft-com:vml" xmlns:pvml="urn:schemas-microsoft-com:office:powerpoint" xmlns:com="http://schemas.openxmlformats.org/drawingml/2006/compatibility" xmlns:p14="http://schemas.microsoft.com/office/powerpoint/2010/main" xmlns:p15="http://schemas.microsoft.com/office/powerpoint/2012/main" showMasterPhAnim="0" showMasterSp="0">
+  <p:cSld>
+    <p:spTree>
+      <p:nvGrpSpPr>
+        <p:cNvPr id="388" name="Shape 388"/>
+        <p:cNvGrpSpPr/>
+        <p:nvPr/>
+      </p:nvGrpSpPr>
+      <p:grpSpPr>
+        <a:xfrm>
+          <a:off x="0" y="0"/>
+          <a:ext cx="0" cy="0"/>
+          <a:chOff x="0" y="0"/>
+          <a:chExt cx="0" cy="0"/>
+        </a:xfrm>
+      </p:grpSpPr>
+      <p:sp>
+        <p:nvSpPr>
+          <p:cNvPr id="389" name="Google Shape;389;g7e3254e85e_0_74:notes"/>
+          <p:cNvSpPr/>
+          <p:nvPr>
+            <p:ph idx="2" type="sldImg"/>
+          </p:nvPr>
+        </p:nvSpPr>
+        <p:spPr>
+          <a:xfrm>
+            <a:off x="381300" y="685800"/>
+            <a:ext cx="6096000" cy="3429000"/>
+          </a:xfrm>
+          <a:custGeom>
+            <a:rect b="b" l="l" r="r" t="t"/>
+            <a:pathLst>
+              <a:path extrusionOk="0" h="120000" w="120000">
+                <a:moveTo>
+                  <a:pt x="0" y="0"/>
+                </a:moveTo>
+                <a:lnTo>
+                  <a:pt x="120000" y="0"/>
+                </a:lnTo>
+                <a:lnTo>
+                  <a:pt x="120000" y="120000"/>
+                </a:lnTo>
+                <a:lnTo>
+                  <a:pt x="0" y="120000"/>
+                </a:lnTo>
+                <a:close/>
+              </a:path>
+            </a:pathLst>
+          </a:custGeom>
+        </p:spPr>
+      </p:sp>
+      <p:sp>
+        <p:nvSpPr>
+          <p:cNvPr id="390" name="Google Shape;390;g7e3254e85e_0_74:notes"/>
+          <p:cNvSpPr txBox="1"/>
+          <p:nvPr>
+            <p:ph idx="1" type="body"/>
+          </p:nvPr>
+        </p:nvSpPr>
+        <p:spPr>
+          <a:xfrm>
+            <a:off x="685800" y="4343400"/>
+            <a:ext cx="5486400" cy="4114800"/>
+          </a:xfrm>
+          <a:prstGeom prst="rect">
+            <a:avLst/>
+          </a:prstGeom>
+        </p:spPr>
+        <p:txBody>
+          <a:bodyPr anchorCtr="0" anchor="t" bIns="91425" lIns="91425" spcFirstLastPara="1" rIns="91425" wrap="square" tIns="91425">
+            <a:noAutofit/>
+          </a:bodyPr>
+          <a:lstStyle/>
+          <a:p>
+            <a:pPr indent="0" lvl="0" marL="0" rtl="0" algn="l">
+              <a:spcBef>
+                <a:spcPts val="0"/>
+              </a:spcBef>
+              <a:spcAft>
+                <a:spcPts val="0"/>
+              </a:spcAft>
+              <a:buNone/>
+            </a:pPr>
+            <a:r>
+              <a:t/>
+            </a:r>
+            <a:endParaRPr/>
+          </a:p>
+        </p:txBody>
+      </p:sp>
+    </p:spTree>
+  </p:cSld>
+  <p:clrMapOvr>
+    <a:masterClrMapping/>
+  </p:clrMapOvr>
+</p:notes>
+</file>
+
+<file path=ppt/notesSlides/notesSlide42.xml><?xml version="1.0" encoding="utf-8"?>
+<p:notes xmlns:a="http://schemas.openxmlformats.org/drawingml/2006/main" xmlns:r="http://schemas.openxmlformats.org/officeDocument/2006/relationships" xmlns:mc="http://schemas.openxmlformats.org/markup-compatibility/2006" xmlns:mv="urn:schemas-microsoft-com:mac:vml" xmlns:p="http://schemas.openxmlformats.org/presentationml/2006/main" xmlns:c="http://schemas.openxmlformats.org/drawingml/2006/chart" xmlns:dgm="http://schemas.openxmlformats.org/drawingml/2006/diagram" xmlns:o="urn:schemas-microsoft-com:office:office" xmlns:v="urn:schemas-microsoft-com:vml" xmlns:pvml="urn:schemas-microsoft-com:office:powerpoint" xmlns:com="http://schemas.openxmlformats.org/drawingml/2006/compatibility" xmlns:p14="http://schemas.microsoft.com/office/powerpoint/2010/main" xmlns:p15="http://schemas.microsoft.com/office/powerpoint/2012/main" showMasterPhAnim="0" showMasterSp="0">
+  <p:cSld>
+    <p:spTree>
+      <p:nvGrpSpPr>
+        <p:cNvPr id="395" name="Shape 395"/>
+        <p:cNvGrpSpPr/>
+        <p:nvPr/>
+      </p:nvGrpSpPr>
+      <p:grpSpPr>
+        <a:xfrm>
+          <a:off x="0" y="0"/>
+          <a:ext cx="0" cy="0"/>
+          <a:chOff x="0" y="0"/>
+          <a:chExt cx="0" cy="0"/>
+        </a:xfrm>
+      </p:grpSpPr>
+      <p:sp>
+        <p:nvSpPr>
+          <p:cNvPr id="396" name="Google Shape;396;g7e3254e85e_0_80:notes"/>
+          <p:cNvSpPr/>
+          <p:nvPr>
+            <p:ph idx="2" type="sldImg"/>
+          </p:nvPr>
+        </p:nvSpPr>
+        <p:spPr>
+          <a:xfrm>
+            <a:off x="381300" y="685800"/>
+            <a:ext cx="6096000" cy="3429000"/>
+          </a:xfrm>
+          <a:custGeom>
+            <a:rect b="b" l="l" r="r" t="t"/>
+            <a:pathLst>
+              <a:path extrusionOk="0" h="120000" w="120000">
+                <a:moveTo>
+                  <a:pt x="0" y="0"/>
+                </a:moveTo>
+                <a:lnTo>
+                  <a:pt x="120000" y="0"/>
+                </a:lnTo>
+                <a:lnTo>
+                  <a:pt x="120000" y="120000"/>
+                </a:lnTo>
+                <a:lnTo>
+                  <a:pt x="0" y="120000"/>
+                </a:lnTo>
+                <a:close/>
+              </a:path>
+            </a:pathLst>
+          </a:custGeom>
+        </p:spPr>
+      </p:sp>
+      <p:sp>
+        <p:nvSpPr>
+          <p:cNvPr id="397" name="Google Shape;397;g7e3254e85e_0_80:notes"/>
+          <p:cNvSpPr txBox="1"/>
+          <p:nvPr>
+            <p:ph idx="1" type="body"/>
+          </p:nvPr>
+        </p:nvSpPr>
+        <p:spPr>
+          <a:xfrm>
+            <a:off x="685800" y="4343400"/>
+            <a:ext cx="5486400" cy="4114800"/>
+          </a:xfrm>
+          <a:prstGeom prst="rect">
+            <a:avLst/>
+          </a:prstGeom>
+        </p:spPr>
+        <p:txBody>
+          <a:bodyPr anchorCtr="0" anchor="t" bIns="91425" lIns="91425" spcFirstLastPara="1" rIns="91425" wrap="square" tIns="91425">
+            <a:noAutofit/>
+          </a:bodyPr>
+          <a:lstStyle/>
+          <a:p>
+            <a:pPr indent="0" lvl="0" marL="0" rtl="0" algn="l">
+              <a:spcBef>
+                <a:spcPts val="0"/>
+              </a:spcBef>
+              <a:spcAft>
+                <a:spcPts val="0"/>
+              </a:spcAft>
+              <a:buNone/>
+            </a:pPr>
+            <a:r>
+              <a:t/>
+            </a:r>
+            <a:endParaRPr/>
+          </a:p>
+        </p:txBody>
+      </p:sp>
+    </p:spTree>
+  </p:cSld>
+  <p:clrMapOvr>
+    <a:masterClrMapping/>
+  </p:clrMapOvr>
+</p:notes>
+</file>
+
+<file path=ppt/notesSlides/notesSlide43.xml><?xml version="1.0" encoding="utf-8"?>
+<p:notes xmlns:a="http://schemas.openxmlformats.org/drawingml/2006/main" xmlns:r="http://schemas.openxmlformats.org/officeDocument/2006/relationships" xmlns:mc="http://schemas.openxmlformats.org/markup-compatibility/2006" xmlns:mv="urn:schemas-microsoft-com:mac:vml" xmlns:p="http://schemas.openxmlformats.org/presentationml/2006/main" xmlns:c="http://schemas.openxmlformats.org/drawingml/2006/chart" xmlns:dgm="http://schemas.openxmlformats.org/drawingml/2006/diagram" xmlns:o="urn:schemas-microsoft-com:office:office" xmlns:v="urn:schemas-microsoft-com:vml" xmlns:pvml="urn:schemas-microsoft-com:office:powerpoint" xmlns:com="http://schemas.openxmlformats.org/drawingml/2006/compatibility" xmlns:p14="http://schemas.microsoft.com/office/powerpoint/2010/main" xmlns:p15="http://schemas.microsoft.com/office/powerpoint/2012/main" showMasterPhAnim="0" showMasterSp="0">
+  <p:cSld>
+    <p:spTree>
+      <p:nvGrpSpPr>
+        <p:cNvPr id="402" name="Shape 402"/>
+        <p:cNvGrpSpPr/>
+        <p:nvPr/>
+      </p:nvGrpSpPr>
+      <p:grpSpPr>
+        <a:xfrm>
+          <a:off x="0" y="0"/>
+          <a:ext cx="0" cy="0"/>
+          <a:chOff x="0" y="0"/>
+          <a:chExt cx="0" cy="0"/>
+        </a:xfrm>
+      </p:grpSpPr>
+      <p:sp>
+        <p:nvSpPr>
+          <p:cNvPr id="403" name="Google Shape;403;g7e3254e85e_0_86:notes"/>
+          <p:cNvSpPr/>
+          <p:nvPr>
+            <p:ph idx="2" type="sldImg"/>
+          </p:nvPr>
+        </p:nvSpPr>
+        <p:spPr>
+          <a:xfrm>
+            <a:off x="381300" y="685800"/>
+            <a:ext cx="6096000" cy="3429000"/>
+          </a:xfrm>
+          <a:custGeom>
+            <a:rect b="b" l="l" r="r" t="t"/>
+            <a:pathLst>
+              <a:path extrusionOk="0" h="120000" w="120000">
+                <a:moveTo>
+                  <a:pt x="0" y="0"/>
+                </a:moveTo>
+                <a:lnTo>
+                  <a:pt x="120000" y="0"/>
+                </a:lnTo>
+                <a:lnTo>
+                  <a:pt x="120000" y="120000"/>
+                </a:lnTo>
+                <a:lnTo>
+                  <a:pt x="0" y="120000"/>
+                </a:lnTo>
+                <a:close/>
+              </a:path>
+            </a:pathLst>
+          </a:custGeom>
+        </p:spPr>
+      </p:sp>
+      <p:sp>
+        <p:nvSpPr>
+          <p:cNvPr id="404" name="Google Shape;404;g7e3254e85e_0_86:notes"/>
           <p:cNvSpPr txBox="1"/>
           <p:nvPr>
             <p:ph idx="1" type="body"/>
@@ -15682,6 +16882,2397 @@
 </p:sld>
 </file>
 
+<file path=ppt/slides/slide32.xml><?xml version="1.0" encoding="utf-8"?>
+<p:sld xmlns:a="http://schemas.openxmlformats.org/drawingml/2006/main" xmlns:r="http://schemas.openxmlformats.org/officeDocument/2006/relationships" xmlns:mc="http://schemas.openxmlformats.org/markup-compatibility/2006" xmlns:mv="urn:schemas-microsoft-com:mac:vml" xmlns:p="http://schemas.openxmlformats.org/presentationml/2006/main" xmlns:c="http://schemas.openxmlformats.org/drawingml/2006/chart" xmlns:dgm="http://schemas.openxmlformats.org/drawingml/2006/diagram" xmlns:o="urn:schemas-microsoft-com:office:office" xmlns:v="urn:schemas-microsoft-com:vml" xmlns:pvml="urn:schemas-microsoft-com:office:powerpoint" xmlns:com="http://schemas.openxmlformats.org/drawingml/2006/compatibility" xmlns:p14="http://schemas.microsoft.com/office/powerpoint/2010/main" xmlns:p15="http://schemas.microsoft.com/office/powerpoint/2012/main">
+  <p:cSld>
+    <p:spTree>
+      <p:nvGrpSpPr>
+        <p:cNvPr id="307" name="Shape 307"/>
+        <p:cNvGrpSpPr/>
+        <p:nvPr/>
+      </p:nvGrpSpPr>
+      <p:grpSpPr>
+        <a:xfrm>
+          <a:off x="0" y="0"/>
+          <a:ext cx="0" cy="0"/>
+          <a:chOff x="0" y="0"/>
+          <a:chExt cx="0" cy="0"/>
+        </a:xfrm>
+      </p:grpSpPr>
+      <p:sp>
+        <p:nvSpPr>
+          <p:cNvPr id="308" name="Google Shape;308;p44"/>
+          <p:cNvSpPr txBox="1"/>
+          <p:nvPr>
+            <p:ph type="title"/>
+          </p:nvPr>
+        </p:nvSpPr>
+        <p:spPr>
+          <a:xfrm>
+            <a:off x="671250" y="2141250"/>
+            <a:ext cx="7852200" cy="861000"/>
+          </a:xfrm>
+          <a:prstGeom prst="rect">
+            <a:avLst/>
+          </a:prstGeom>
+        </p:spPr>
+        <p:txBody>
+          <a:bodyPr anchorCtr="0" anchor="ctr" bIns="91425" lIns="91425" spcFirstLastPara="1" rIns="91425" wrap="square" tIns="91425">
+            <a:noAutofit/>
+          </a:bodyPr>
+          <a:lstStyle/>
+          <a:p>
+            <a:pPr indent="0" lvl="0" marL="0" rtl="0" algn="ctr">
+              <a:spcBef>
+                <a:spcPts val="0"/>
+              </a:spcBef>
+              <a:spcAft>
+                <a:spcPts val="0"/>
+              </a:spcAft>
+              <a:buNone/>
+            </a:pPr>
+            <a:r>
+              <a:rPr lang="en"/>
+              <a:t>DOM</a:t>
+            </a:r>
+            <a:endParaRPr/>
+          </a:p>
+        </p:txBody>
+      </p:sp>
+      <p:sp>
+        <p:nvSpPr>
+          <p:cNvPr id="309" name="Google Shape;309;p44"/>
+          <p:cNvSpPr txBox="1"/>
+          <p:nvPr>
+            <p:ph idx="12" type="sldNum"/>
+          </p:nvPr>
+        </p:nvSpPr>
+        <p:spPr>
+          <a:xfrm>
+            <a:off x="8490250" y="4681009"/>
+            <a:ext cx="548700" cy="393600"/>
+          </a:xfrm>
+          <a:prstGeom prst="rect">
+            <a:avLst/>
+          </a:prstGeom>
+        </p:spPr>
+        <p:txBody>
+          <a:bodyPr anchorCtr="0" anchor="ctr" bIns="91425" lIns="91425" spcFirstLastPara="1" rIns="91425" wrap="square" tIns="91425">
+            <a:noAutofit/>
+          </a:bodyPr>
+          <a:lstStyle/>
+          <a:p>
+            <a:pPr indent="0" lvl="0" marL="0" rtl="0" algn="r">
+              <a:spcBef>
+                <a:spcPts val="0"/>
+              </a:spcBef>
+              <a:spcAft>
+                <a:spcPts val="0"/>
+              </a:spcAft>
+              <a:buNone/>
+            </a:pPr>
+            <a:fld id="{00000000-1234-1234-1234-123412341234}" type="slidenum">
+              <a:rPr lang="en"/>
+              <a:t>‹#›</a:t>
+            </a:fld>
+            <a:endParaRPr/>
+          </a:p>
+        </p:txBody>
+      </p:sp>
+      <p:sp>
+        <p:nvSpPr>
+          <p:cNvPr id="310" name="Google Shape;310;p44"/>
+          <p:cNvSpPr txBox="1"/>
+          <p:nvPr/>
+        </p:nvSpPr>
+        <p:spPr>
+          <a:xfrm>
+            <a:off x="224475" y="146400"/>
+            <a:ext cx="468600" cy="234300"/>
+          </a:xfrm>
+          <a:prstGeom prst="rect">
+            <a:avLst/>
+          </a:prstGeom>
+          <a:noFill/>
+          <a:ln>
+            <a:noFill/>
+          </a:ln>
+        </p:spPr>
+        <p:txBody>
+          <a:bodyPr anchorCtr="0" anchor="t" bIns="91425" lIns="91425" spcFirstLastPara="1" rIns="91425" wrap="square" tIns="91425">
+            <a:noAutofit/>
+          </a:bodyPr>
+          <a:lstStyle/>
+          <a:p>
+            <a:pPr indent="0" lvl="0" marL="0" rtl="0" algn="l">
+              <a:spcBef>
+                <a:spcPts val="0"/>
+              </a:spcBef>
+              <a:spcAft>
+                <a:spcPts val="0"/>
+              </a:spcAft>
+              <a:buNone/>
+            </a:pPr>
+            <a:r>
+              <a:rPr lang="en" sz="1800">
+                <a:solidFill>
+                  <a:srgbClr val="FFFFFF"/>
+                </a:solidFill>
+                <a:latin typeface="Average"/>
+                <a:ea typeface="Average"/>
+                <a:cs typeface="Average"/>
+                <a:sym typeface="Average"/>
+              </a:rPr>
+              <a:t>-3-</a:t>
+            </a:r>
+            <a:endParaRPr sz="1800">
+              <a:solidFill>
+                <a:srgbClr val="FFFFFF"/>
+              </a:solidFill>
+              <a:latin typeface="Average"/>
+              <a:ea typeface="Average"/>
+              <a:cs typeface="Average"/>
+              <a:sym typeface="Average"/>
+            </a:endParaRPr>
+          </a:p>
+        </p:txBody>
+      </p:sp>
+    </p:spTree>
+  </p:cSld>
+  <p:clrMapOvr>
+    <a:masterClrMapping/>
+  </p:clrMapOvr>
+</p:sld>
+</file>
+
+<file path=ppt/slides/slide33.xml><?xml version="1.0" encoding="utf-8"?>
+<p:sld xmlns:a="http://schemas.openxmlformats.org/drawingml/2006/main" xmlns:r="http://schemas.openxmlformats.org/officeDocument/2006/relationships" xmlns:mc="http://schemas.openxmlformats.org/markup-compatibility/2006" xmlns:mv="urn:schemas-microsoft-com:mac:vml" xmlns:p="http://schemas.openxmlformats.org/presentationml/2006/main" xmlns:c="http://schemas.openxmlformats.org/drawingml/2006/chart" xmlns:dgm="http://schemas.openxmlformats.org/drawingml/2006/diagram" xmlns:o="urn:schemas-microsoft-com:office:office" xmlns:v="urn:schemas-microsoft-com:vml" xmlns:pvml="urn:schemas-microsoft-com:office:powerpoint" xmlns:com="http://schemas.openxmlformats.org/drawingml/2006/compatibility" xmlns:p14="http://schemas.microsoft.com/office/powerpoint/2010/main" xmlns:p15="http://schemas.microsoft.com/office/powerpoint/2012/main">
+  <p:cSld>
+    <p:spTree>
+      <p:nvGrpSpPr>
+        <p:cNvPr id="314" name="Shape 314"/>
+        <p:cNvGrpSpPr/>
+        <p:nvPr/>
+      </p:nvGrpSpPr>
+      <p:grpSpPr>
+        <a:xfrm>
+          <a:off x="0" y="0"/>
+          <a:ext cx="0" cy="0"/>
+          <a:chOff x="0" y="0"/>
+          <a:chExt cx="0" cy="0"/>
+        </a:xfrm>
+      </p:grpSpPr>
+      <p:sp>
+        <p:nvSpPr>
+          <p:cNvPr id="315" name="Google Shape;315;p45"/>
+          <p:cNvSpPr txBox="1"/>
+          <p:nvPr>
+            <p:ph type="title"/>
+          </p:nvPr>
+        </p:nvSpPr>
+        <p:spPr>
+          <a:xfrm>
+            <a:off x="311700" y="445025"/>
+            <a:ext cx="8520600" cy="572700"/>
+          </a:xfrm>
+          <a:prstGeom prst="rect">
+            <a:avLst/>
+          </a:prstGeom>
+        </p:spPr>
+        <p:txBody>
+          <a:bodyPr anchorCtr="0" anchor="t" bIns="91425" lIns="91425" spcFirstLastPara="1" rIns="91425" wrap="square" tIns="91425">
+            <a:noAutofit/>
+          </a:bodyPr>
+          <a:lstStyle/>
+          <a:p>
+            <a:pPr indent="0" lvl="0" marL="0" rtl="0" algn="l">
+              <a:spcBef>
+                <a:spcPts val="0"/>
+              </a:spcBef>
+              <a:spcAft>
+                <a:spcPts val="0"/>
+              </a:spcAft>
+              <a:buNone/>
+            </a:pPr>
+            <a:r>
+              <a:rPr lang="en"/>
+              <a:t>What is the DOM?</a:t>
+            </a:r>
+            <a:endParaRPr/>
+          </a:p>
+        </p:txBody>
+      </p:sp>
+      <p:sp>
+        <p:nvSpPr>
+          <p:cNvPr id="316" name="Google Shape;316;p45"/>
+          <p:cNvSpPr txBox="1"/>
+          <p:nvPr>
+            <p:ph idx="1" type="body"/>
+          </p:nvPr>
+        </p:nvSpPr>
+        <p:spPr>
+          <a:xfrm>
+            <a:off x="311700" y="1152475"/>
+            <a:ext cx="3278100" cy="3826200"/>
+          </a:xfrm>
+          <a:prstGeom prst="rect">
+            <a:avLst/>
+          </a:prstGeom>
+        </p:spPr>
+        <p:txBody>
+          <a:bodyPr anchorCtr="0" anchor="t" bIns="91425" lIns="91425" spcFirstLastPara="1" rIns="91425" wrap="square" tIns="91425">
+            <a:noAutofit/>
+          </a:bodyPr>
+          <a:lstStyle/>
+          <a:p>
+            <a:pPr indent="0" lvl="0" marL="0" rtl="0" algn="l">
+              <a:spcBef>
+                <a:spcPts val="0"/>
+              </a:spcBef>
+              <a:spcAft>
+                <a:spcPts val="0"/>
+              </a:spcAft>
+              <a:buNone/>
+            </a:pPr>
+            <a:r>
+              <a:rPr b="1" lang="en">
+                <a:solidFill>
+                  <a:srgbClr val="FFFF00"/>
+                </a:solidFill>
+              </a:rPr>
+              <a:t>DOCUMENT OBJECT MODEL</a:t>
+            </a:r>
+            <a:endParaRPr b="1">
+              <a:solidFill>
+                <a:srgbClr val="FFFF00"/>
+              </a:solidFill>
+            </a:endParaRPr>
+          </a:p>
+          <a:p>
+            <a:pPr indent="-342900" lvl="0" marL="457200" rtl="0" algn="l">
+              <a:spcBef>
+                <a:spcPts val="1600"/>
+              </a:spcBef>
+              <a:spcAft>
+                <a:spcPts val="0"/>
+              </a:spcAft>
+              <a:buSzPts val="1800"/>
+              <a:buChar char="●"/>
+            </a:pPr>
+            <a:r>
+              <a:rPr lang="en"/>
+              <a:t>Tree of nodes/elements created by the browser</a:t>
+            </a:r>
+            <a:endParaRPr/>
+          </a:p>
+          <a:p>
+            <a:pPr indent="-342900" lvl="0" marL="457200" rtl="0" algn="l">
+              <a:spcBef>
+                <a:spcPts val="0"/>
+              </a:spcBef>
+              <a:spcAft>
+                <a:spcPts val="0"/>
+              </a:spcAft>
+              <a:buSzPts val="1800"/>
+              <a:buChar char="●"/>
+            </a:pPr>
+            <a:r>
+              <a:rPr lang="en"/>
+              <a:t>JavaScript can be used to read/write/</a:t>
+            </a:r>
+            <a:r>
+              <a:rPr lang="en"/>
+              <a:t>manipulate to the DOM</a:t>
+            </a:r>
+            <a:endParaRPr/>
+          </a:p>
+          <a:p>
+            <a:pPr indent="-342900" lvl="0" marL="457200" rtl="0" algn="l">
+              <a:spcBef>
+                <a:spcPts val="0"/>
+              </a:spcBef>
+              <a:spcAft>
+                <a:spcPts val="0"/>
+              </a:spcAft>
+              <a:buSzPts val="1800"/>
+              <a:buChar char="●"/>
+            </a:pPr>
+            <a:r>
+              <a:rPr lang="en"/>
+              <a:t>Object Oriented Representation</a:t>
+            </a:r>
+            <a:r>
+              <a:rPr lang="en"/>
+              <a:t> </a:t>
+            </a:r>
+            <a:endParaRPr/>
+          </a:p>
+        </p:txBody>
+      </p:sp>
+      <p:sp>
+        <p:nvSpPr>
+          <p:cNvPr id="317" name="Google Shape;317;p45"/>
+          <p:cNvSpPr txBox="1"/>
+          <p:nvPr>
+            <p:ph idx="12" type="sldNum"/>
+          </p:nvPr>
+        </p:nvSpPr>
+        <p:spPr>
+          <a:xfrm>
+            <a:off x="8490250" y="4681009"/>
+            <a:ext cx="548700" cy="393600"/>
+          </a:xfrm>
+          <a:prstGeom prst="rect">
+            <a:avLst/>
+          </a:prstGeom>
+        </p:spPr>
+        <p:txBody>
+          <a:bodyPr anchorCtr="0" anchor="ctr" bIns="91425" lIns="91425" spcFirstLastPara="1" rIns="91425" wrap="square" tIns="91425">
+            <a:noAutofit/>
+          </a:bodyPr>
+          <a:lstStyle/>
+          <a:p>
+            <a:pPr indent="0" lvl="0" marL="0" rtl="0" algn="r">
+              <a:spcBef>
+                <a:spcPts val="0"/>
+              </a:spcBef>
+              <a:spcAft>
+                <a:spcPts val="0"/>
+              </a:spcAft>
+              <a:buNone/>
+            </a:pPr>
+            <a:fld id="{00000000-1234-1234-1234-123412341234}" type="slidenum">
+              <a:rPr lang="en"/>
+              <a:t>‹#›</a:t>
+            </a:fld>
+            <a:endParaRPr/>
+          </a:p>
+        </p:txBody>
+      </p:sp>
+      <p:sp>
+        <p:nvSpPr>
+          <p:cNvPr id="318" name="Google Shape;318;p45"/>
+          <p:cNvSpPr/>
+          <p:nvPr/>
+        </p:nvSpPr>
+        <p:spPr>
+          <a:xfrm>
+            <a:off x="5190575" y="317800"/>
+            <a:ext cx="1494900" cy="699900"/>
+          </a:xfrm>
+          <a:prstGeom prst="roundRect">
+            <a:avLst>
+              <a:gd fmla="val 16667" name="adj"/>
+            </a:avLst>
+          </a:prstGeom>
+          <a:solidFill>
+            <a:schemeClr val="lt2"/>
+          </a:solidFill>
+          <a:ln cap="flat" cmpd="sng" w="9525">
+            <a:solidFill>
+              <a:schemeClr val="dk2"/>
+            </a:solidFill>
+            <a:prstDash val="solid"/>
+            <a:round/>
+            <a:headEnd len="sm" w="sm" type="none"/>
+            <a:tailEnd len="sm" w="sm" type="none"/>
+          </a:ln>
+        </p:spPr>
+        <p:txBody>
+          <a:bodyPr anchorCtr="0" anchor="ctr" bIns="91425" lIns="91425" spcFirstLastPara="1" rIns="91425" wrap="square" tIns="91425">
+            <a:noAutofit/>
+          </a:bodyPr>
+          <a:lstStyle/>
+          <a:p>
+            <a:pPr indent="0" lvl="0" marL="0" rtl="0" algn="ctr">
+              <a:spcBef>
+                <a:spcPts val="0"/>
+              </a:spcBef>
+              <a:spcAft>
+                <a:spcPts val="0"/>
+              </a:spcAft>
+              <a:buNone/>
+            </a:pPr>
+            <a:r>
+              <a:rPr lang="en"/>
+              <a:t>Document</a:t>
+            </a:r>
+            <a:endParaRPr/>
+          </a:p>
+        </p:txBody>
+      </p:sp>
+      <p:sp>
+        <p:nvSpPr>
+          <p:cNvPr id="319" name="Google Shape;319;p45"/>
+          <p:cNvSpPr/>
+          <p:nvPr/>
+        </p:nvSpPr>
+        <p:spPr>
+          <a:xfrm>
+            <a:off x="5189965" y="1294100"/>
+            <a:ext cx="1494900" cy="699900"/>
+          </a:xfrm>
+          <a:prstGeom prst="roundRect">
+            <a:avLst>
+              <a:gd fmla="val 16667" name="adj"/>
+            </a:avLst>
+          </a:prstGeom>
+          <a:solidFill>
+            <a:schemeClr val="lt2"/>
+          </a:solidFill>
+          <a:ln cap="flat" cmpd="sng" w="9525">
+            <a:solidFill>
+              <a:schemeClr val="dk2"/>
+            </a:solidFill>
+            <a:prstDash val="solid"/>
+            <a:round/>
+            <a:headEnd len="sm" w="sm" type="none"/>
+            <a:tailEnd len="sm" w="sm" type="none"/>
+          </a:ln>
+        </p:spPr>
+        <p:txBody>
+          <a:bodyPr anchorCtr="0" anchor="ctr" bIns="91425" lIns="91425" spcFirstLastPara="1" rIns="91425" wrap="square" tIns="91425">
+            <a:noAutofit/>
+          </a:bodyPr>
+          <a:lstStyle/>
+          <a:p>
+            <a:pPr indent="0" lvl="0" marL="0" rtl="0" algn="ctr">
+              <a:spcBef>
+                <a:spcPts val="0"/>
+              </a:spcBef>
+              <a:spcAft>
+                <a:spcPts val="0"/>
+              </a:spcAft>
+              <a:buNone/>
+            </a:pPr>
+            <a:r>
+              <a:rPr lang="en"/>
+              <a:t>Root Element</a:t>
+            </a:r>
+            <a:endParaRPr/>
+          </a:p>
+          <a:p>
+            <a:pPr indent="0" lvl="0" marL="0" rtl="0" algn="ctr">
+              <a:spcBef>
+                <a:spcPts val="0"/>
+              </a:spcBef>
+              <a:spcAft>
+                <a:spcPts val="0"/>
+              </a:spcAft>
+              <a:buNone/>
+            </a:pPr>
+            <a:r>
+              <a:rPr lang="en"/>
+              <a:t>&lt;html&gt;</a:t>
+            </a:r>
+            <a:endParaRPr/>
+          </a:p>
+        </p:txBody>
+      </p:sp>
+      <p:cxnSp>
+        <p:nvCxnSpPr>
+          <p:cNvPr id="320" name="Google Shape;320;p45"/>
+          <p:cNvCxnSpPr>
+            <a:stCxn id="318" idx="2"/>
+            <a:endCxn id="319" idx="0"/>
+          </p:cNvCxnSpPr>
+          <p:nvPr/>
+        </p:nvCxnSpPr>
+        <p:spPr>
+          <a:xfrm flipH="1">
+            <a:off x="5937425" y="1017700"/>
+            <a:ext cx="600" cy="276300"/>
+          </a:xfrm>
+          <a:prstGeom prst="straightConnector1">
+            <a:avLst/>
+          </a:prstGeom>
+          <a:noFill/>
+          <a:ln cap="flat" cmpd="sng" w="9525">
+            <a:solidFill>
+              <a:schemeClr val="dk2"/>
+            </a:solidFill>
+            <a:prstDash val="solid"/>
+            <a:round/>
+            <a:headEnd len="med" w="med" type="none"/>
+            <a:tailEnd len="med" w="med" type="triangle"/>
+          </a:ln>
+        </p:spPr>
+      </p:cxnSp>
+      <p:sp>
+        <p:nvSpPr>
+          <p:cNvPr id="321" name="Google Shape;321;p45"/>
+          <p:cNvSpPr/>
+          <p:nvPr/>
+        </p:nvSpPr>
+        <p:spPr>
+          <a:xfrm>
+            <a:off x="5938025" y="2199755"/>
+            <a:ext cx="2807100" cy="699900"/>
+          </a:xfrm>
+          <a:prstGeom prst="roundRect">
+            <a:avLst>
+              <a:gd fmla="val 16667" name="adj"/>
+            </a:avLst>
+          </a:prstGeom>
+          <a:solidFill>
+            <a:schemeClr val="lt2"/>
+          </a:solidFill>
+          <a:ln cap="flat" cmpd="sng" w="9525">
+            <a:solidFill>
+              <a:schemeClr val="dk2"/>
+            </a:solidFill>
+            <a:prstDash val="solid"/>
+            <a:round/>
+            <a:headEnd len="sm" w="sm" type="none"/>
+            <a:tailEnd len="sm" w="sm" type="none"/>
+          </a:ln>
+        </p:spPr>
+        <p:txBody>
+          <a:bodyPr anchorCtr="0" anchor="ctr" bIns="91425" lIns="91425" spcFirstLastPara="1" rIns="91425" wrap="square" tIns="91425">
+            <a:noAutofit/>
+          </a:bodyPr>
+          <a:lstStyle/>
+          <a:p>
+            <a:pPr indent="0" lvl="0" marL="0" rtl="0" algn="ctr">
+              <a:spcBef>
+                <a:spcPts val="0"/>
+              </a:spcBef>
+              <a:spcAft>
+                <a:spcPts val="0"/>
+              </a:spcAft>
+              <a:buNone/>
+            </a:pPr>
+            <a:r>
+              <a:rPr lang="en"/>
+              <a:t>Element:</a:t>
+            </a:r>
+            <a:endParaRPr/>
+          </a:p>
+          <a:p>
+            <a:pPr indent="0" lvl="0" marL="0" rtl="0" algn="ctr">
+              <a:spcBef>
+                <a:spcPts val="0"/>
+              </a:spcBef>
+              <a:spcAft>
+                <a:spcPts val="0"/>
+              </a:spcAft>
+              <a:buNone/>
+            </a:pPr>
+            <a:r>
+              <a:rPr lang="en"/>
+              <a:t>&lt;body&gt;</a:t>
+            </a:r>
+            <a:endParaRPr/>
+          </a:p>
+        </p:txBody>
+      </p:sp>
+      <p:sp>
+        <p:nvSpPr>
+          <p:cNvPr id="322" name="Google Shape;322;p45"/>
+          <p:cNvSpPr/>
+          <p:nvPr/>
+        </p:nvSpPr>
+        <p:spPr>
+          <a:xfrm>
+            <a:off x="3589800" y="2258020"/>
+            <a:ext cx="1165200" cy="699900"/>
+          </a:xfrm>
+          <a:prstGeom prst="roundRect">
+            <a:avLst>
+              <a:gd fmla="val 16667" name="adj"/>
+            </a:avLst>
+          </a:prstGeom>
+          <a:solidFill>
+            <a:schemeClr val="lt2"/>
+          </a:solidFill>
+          <a:ln cap="flat" cmpd="sng" w="9525">
+            <a:solidFill>
+              <a:schemeClr val="dk2"/>
+            </a:solidFill>
+            <a:prstDash val="solid"/>
+            <a:round/>
+            <a:headEnd len="sm" w="sm" type="none"/>
+            <a:tailEnd len="sm" w="sm" type="none"/>
+          </a:ln>
+        </p:spPr>
+        <p:txBody>
+          <a:bodyPr anchorCtr="0" anchor="ctr" bIns="91425" lIns="91425" spcFirstLastPara="1" rIns="91425" wrap="square" tIns="91425">
+            <a:noAutofit/>
+          </a:bodyPr>
+          <a:lstStyle/>
+          <a:p>
+            <a:pPr indent="0" lvl="0" marL="0" rtl="0" algn="ctr">
+              <a:spcBef>
+                <a:spcPts val="0"/>
+              </a:spcBef>
+              <a:spcAft>
+                <a:spcPts val="0"/>
+              </a:spcAft>
+              <a:buNone/>
+            </a:pPr>
+            <a:r>
+              <a:rPr lang="en"/>
+              <a:t>Element:</a:t>
+            </a:r>
+            <a:endParaRPr/>
+          </a:p>
+          <a:p>
+            <a:pPr indent="0" lvl="0" marL="0" rtl="0" algn="ctr">
+              <a:spcBef>
+                <a:spcPts val="0"/>
+              </a:spcBef>
+              <a:spcAft>
+                <a:spcPts val="0"/>
+              </a:spcAft>
+              <a:buNone/>
+            </a:pPr>
+            <a:r>
+              <a:rPr lang="en"/>
+              <a:t>&lt;head&gt;</a:t>
+            </a:r>
+            <a:endParaRPr/>
+          </a:p>
+        </p:txBody>
+      </p:sp>
+      <p:cxnSp>
+        <p:nvCxnSpPr>
+          <p:cNvPr id="323" name="Google Shape;323;p45"/>
+          <p:cNvCxnSpPr>
+            <a:stCxn id="319" idx="1"/>
+            <a:endCxn id="322" idx="0"/>
+          </p:cNvCxnSpPr>
+          <p:nvPr/>
+        </p:nvCxnSpPr>
+        <p:spPr>
+          <a:xfrm flipH="1">
+            <a:off x="4172365" y="1644050"/>
+            <a:ext cx="1017600" cy="614100"/>
+          </a:xfrm>
+          <a:prstGeom prst="bentConnector2">
+            <a:avLst/>
+          </a:prstGeom>
+          <a:noFill/>
+          <a:ln cap="flat" cmpd="sng" w="28575">
+            <a:solidFill>
+              <a:srgbClr val="FFFFFF"/>
+            </a:solidFill>
+            <a:prstDash val="solid"/>
+            <a:round/>
+            <a:headEnd len="med" w="med" type="none"/>
+            <a:tailEnd len="med" w="med" type="none"/>
+          </a:ln>
+        </p:spPr>
+      </p:cxnSp>
+      <p:cxnSp>
+        <p:nvCxnSpPr>
+          <p:cNvPr id="324" name="Google Shape;324;p45"/>
+          <p:cNvCxnSpPr>
+            <a:stCxn id="319" idx="3"/>
+            <a:endCxn id="321" idx="0"/>
+          </p:cNvCxnSpPr>
+          <p:nvPr/>
+        </p:nvCxnSpPr>
+        <p:spPr>
+          <a:xfrm>
+            <a:off x="6684865" y="1644050"/>
+            <a:ext cx="656700" cy="555600"/>
+          </a:xfrm>
+          <a:prstGeom prst="bentConnector2">
+            <a:avLst/>
+          </a:prstGeom>
+          <a:noFill/>
+          <a:ln cap="flat" cmpd="sng" w="28575">
+            <a:solidFill>
+              <a:srgbClr val="FFFFFF"/>
+            </a:solidFill>
+            <a:prstDash val="solid"/>
+            <a:round/>
+            <a:headEnd len="med" w="med" type="none"/>
+            <a:tailEnd len="med" w="med" type="none"/>
+          </a:ln>
+        </p:spPr>
+      </p:cxnSp>
+      <p:sp>
+        <p:nvSpPr>
+          <p:cNvPr id="325" name="Google Shape;325;p45"/>
+          <p:cNvSpPr/>
+          <p:nvPr/>
+        </p:nvSpPr>
+        <p:spPr>
+          <a:xfrm>
+            <a:off x="3636880" y="3316700"/>
+            <a:ext cx="1083000" cy="699900"/>
+          </a:xfrm>
+          <a:prstGeom prst="roundRect">
+            <a:avLst>
+              <a:gd fmla="val 16667" name="adj"/>
+            </a:avLst>
+          </a:prstGeom>
+          <a:solidFill>
+            <a:schemeClr val="lt2"/>
+          </a:solidFill>
+          <a:ln cap="flat" cmpd="sng" w="9525">
+            <a:solidFill>
+              <a:schemeClr val="dk2"/>
+            </a:solidFill>
+            <a:prstDash val="solid"/>
+            <a:round/>
+            <a:headEnd len="sm" w="sm" type="none"/>
+            <a:tailEnd len="sm" w="sm" type="none"/>
+          </a:ln>
+        </p:spPr>
+        <p:txBody>
+          <a:bodyPr anchorCtr="0" anchor="ctr" bIns="91425" lIns="91425" spcFirstLastPara="1" rIns="91425" wrap="square" tIns="91425">
+            <a:noAutofit/>
+          </a:bodyPr>
+          <a:lstStyle/>
+          <a:p>
+            <a:pPr indent="0" lvl="0" marL="0" rtl="0" algn="ctr">
+              <a:spcBef>
+                <a:spcPts val="0"/>
+              </a:spcBef>
+              <a:spcAft>
+                <a:spcPts val="0"/>
+              </a:spcAft>
+              <a:buNone/>
+            </a:pPr>
+            <a:r>
+              <a:rPr lang="en"/>
+              <a:t>Element:</a:t>
+            </a:r>
+            <a:endParaRPr/>
+          </a:p>
+          <a:p>
+            <a:pPr indent="0" lvl="0" marL="0" rtl="0" algn="ctr">
+              <a:spcBef>
+                <a:spcPts val="0"/>
+              </a:spcBef>
+              <a:spcAft>
+                <a:spcPts val="0"/>
+              </a:spcAft>
+              <a:buNone/>
+            </a:pPr>
+            <a:r>
+              <a:rPr lang="en"/>
+              <a:t>&lt;title&gt;</a:t>
+            </a:r>
+            <a:endParaRPr/>
+          </a:p>
+        </p:txBody>
+      </p:sp>
+      <p:cxnSp>
+        <p:nvCxnSpPr>
+          <p:cNvPr id="326" name="Google Shape;326;p45"/>
+          <p:cNvCxnSpPr>
+            <a:stCxn id="322" idx="2"/>
+            <a:endCxn id="325" idx="0"/>
+          </p:cNvCxnSpPr>
+          <p:nvPr/>
+        </p:nvCxnSpPr>
+        <p:spPr>
+          <a:xfrm>
+            <a:off x="4172400" y="2957920"/>
+            <a:ext cx="6000" cy="358800"/>
+          </a:xfrm>
+          <a:prstGeom prst="straightConnector1">
+            <a:avLst/>
+          </a:prstGeom>
+          <a:noFill/>
+          <a:ln cap="flat" cmpd="sng" w="28575">
+            <a:solidFill>
+              <a:srgbClr val="FFFF00"/>
+            </a:solidFill>
+            <a:prstDash val="solid"/>
+            <a:round/>
+            <a:headEnd len="med" w="med" type="none"/>
+            <a:tailEnd len="med" w="med" type="triangle"/>
+          </a:ln>
+        </p:spPr>
+      </p:cxnSp>
+      <p:sp>
+        <p:nvSpPr>
+          <p:cNvPr id="327" name="Google Shape;327;p45"/>
+          <p:cNvSpPr/>
+          <p:nvPr/>
+        </p:nvSpPr>
+        <p:spPr>
+          <a:xfrm>
+            <a:off x="3601570" y="4243465"/>
+            <a:ext cx="1165200" cy="699900"/>
+          </a:xfrm>
+          <a:prstGeom prst="roundRect">
+            <a:avLst>
+              <a:gd fmla="val 16667" name="adj"/>
+            </a:avLst>
+          </a:prstGeom>
+          <a:solidFill>
+            <a:schemeClr val="lt2"/>
+          </a:solidFill>
+          <a:ln cap="flat" cmpd="sng" w="9525">
+            <a:solidFill>
+              <a:schemeClr val="dk2"/>
+            </a:solidFill>
+            <a:prstDash val="solid"/>
+            <a:round/>
+            <a:headEnd len="sm" w="sm" type="none"/>
+            <a:tailEnd len="sm" w="sm" type="none"/>
+          </a:ln>
+        </p:spPr>
+        <p:txBody>
+          <a:bodyPr anchorCtr="0" anchor="ctr" bIns="91425" lIns="91425" spcFirstLastPara="1" rIns="91425" wrap="square" tIns="91425">
+            <a:noAutofit/>
+          </a:bodyPr>
+          <a:lstStyle/>
+          <a:p>
+            <a:pPr indent="0" lvl="0" marL="0" rtl="0" algn="ctr">
+              <a:spcBef>
+                <a:spcPts val="0"/>
+              </a:spcBef>
+              <a:spcAft>
+                <a:spcPts val="0"/>
+              </a:spcAft>
+              <a:buNone/>
+            </a:pPr>
+            <a:r>
+              <a:rPr lang="en"/>
+              <a:t>Text</a:t>
+            </a:r>
+            <a:r>
+              <a:rPr lang="en"/>
+              <a:t>:</a:t>
+            </a:r>
+            <a:endParaRPr/>
+          </a:p>
+          <a:p>
+            <a:pPr indent="0" lvl="0" marL="0" rtl="0" algn="ctr">
+              <a:spcBef>
+                <a:spcPts val="0"/>
+              </a:spcBef>
+              <a:spcAft>
+                <a:spcPts val="0"/>
+              </a:spcAft>
+              <a:buNone/>
+            </a:pPr>
+            <a:r>
+              <a:rPr lang="en"/>
+              <a:t>“My Title”</a:t>
+            </a:r>
+            <a:endParaRPr/>
+          </a:p>
+        </p:txBody>
+      </p:sp>
+      <p:cxnSp>
+        <p:nvCxnSpPr>
+          <p:cNvPr id="328" name="Google Shape;328;p45"/>
+          <p:cNvCxnSpPr>
+            <a:stCxn id="325" idx="2"/>
+            <a:endCxn id="327" idx="0"/>
+          </p:cNvCxnSpPr>
+          <p:nvPr/>
+        </p:nvCxnSpPr>
+        <p:spPr>
+          <a:xfrm>
+            <a:off x="4178380" y="4016600"/>
+            <a:ext cx="5700" cy="226800"/>
+          </a:xfrm>
+          <a:prstGeom prst="straightConnector1">
+            <a:avLst/>
+          </a:prstGeom>
+          <a:noFill/>
+          <a:ln cap="flat" cmpd="sng" w="28575">
+            <a:solidFill>
+              <a:srgbClr val="FFFF00"/>
+            </a:solidFill>
+            <a:prstDash val="solid"/>
+            <a:round/>
+            <a:headEnd len="med" w="med" type="none"/>
+            <a:tailEnd len="med" w="med" type="triangle"/>
+          </a:ln>
+        </p:spPr>
+      </p:cxnSp>
+      <p:sp>
+        <p:nvSpPr>
+          <p:cNvPr id="329" name="Google Shape;329;p45"/>
+          <p:cNvSpPr/>
+          <p:nvPr/>
+        </p:nvSpPr>
+        <p:spPr>
+          <a:xfrm>
+            <a:off x="7708775" y="3329170"/>
+            <a:ext cx="1083000" cy="572700"/>
+          </a:xfrm>
+          <a:prstGeom prst="roundRect">
+            <a:avLst>
+              <a:gd fmla="val 16667" name="adj"/>
+            </a:avLst>
+          </a:prstGeom>
+          <a:solidFill>
+            <a:schemeClr val="lt2"/>
+          </a:solidFill>
+          <a:ln cap="flat" cmpd="sng" w="9525">
+            <a:solidFill>
+              <a:schemeClr val="dk2"/>
+            </a:solidFill>
+            <a:prstDash val="solid"/>
+            <a:round/>
+            <a:headEnd len="sm" w="sm" type="none"/>
+            <a:tailEnd len="sm" w="sm" type="none"/>
+          </a:ln>
+        </p:spPr>
+        <p:txBody>
+          <a:bodyPr anchorCtr="0" anchor="ctr" bIns="91425" lIns="91425" spcFirstLastPara="1" rIns="91425" wrap="square" tIns="91425">
+            <a:noAutofit/>
+          </a:bodyPr>
+          <a:lstStyle/>
+          <a:p>
+            <a:pPr indent="0" lvl="0" marL="0" rtl="0" algn="ctr">
+              <a:spcBef>
+                <a:spcPts val="0"/>
+              </a:spcBef>
+              <a:spcAft>
+                <a:spcPts val="0"/>
+              </a:spcAft>
+              <a:buNone/>
+            </a:pPr>
+            <a:r>
+              <a:rPr lang="en"/>
+              <a:t>Element:</a:t>
+            </a:r>
+            <a:endParaRPr/>
+          </a:p>
+          <a:p>
+            <a:pPr indent="0" lvl="0" marL="0" rtl="0" algn="ctr">
+              <a:spcBef>
+                <a:spcPts val="0"/>
+              </a:spcBef>
+              <a:spcAft>
+                <a:spcPts val="0"/>
+              </a:spcAft>
+              <a:buNone/>
+            </a:pPr>
+            <a:r>
+              <a:rPr lang="en"/>
+              <a:t>&lt;h1&gt;</a:t>
+            </a:r>
+            <a:endParaRPr/>
+          </a:p>
+        </p:txBody>
+      </p:sp>
+      <p:sp>
+        <p:nvSpPr>
+          <p:cNvPr id="330" name="Google Shape;330;p45"/>
+          <p:cNvSpPr/>
+          <p:nvPr/>
+        </p:nvSpPr>
+        <p:spPr>
+          <a:xfrm>
+            <a:off x="7579500" y="4121925"/>
+            <a:ext cx="1341600" cy="555600"/>
+          </a:xfrm>
+          <a:prstGeom prst="roundRect">
+            <a:avLst>
+              <a:gd fmla="val 16667" name="adj"/>
+            </a:avLst>
+          </a:prstGeom>
+          <a:solidFill>
+            <a:schemeClr val="lt2"/>
+          </a:solidFill>
+          <a:ln cap="flat" cmpd="sng" w="9525">
+            <a:solidFill>
+              <a:schemeClr val="dk2"/>
+            </a:solidFill>
+            <a:prstDash val="solid"/>
+            <a:round/>
+            <a:headEnd len="sm" w="sm" type="none"/>
+            <a:tailEnd len="sm" w="sm" type="none"/>
+          </a:ln>
+        </p:spPr>
+        <p:txBody>
+          <a:bodyPr anchorCtr="0" anchor="ctr" bIns="91425" lIns="91425" spcFirstLastPara="1" rIns="91425" wrap="square" tIns="91425">
+            <a:noAutofit/>
+          </a:bodyPr>
+          <a:lstStyle/>
+          <a:p>
+            <a:pPr indent="0" lvl="0" marL="0" rtl="0" algn="ctr">
+              <a:spcBef>
+                <a:spcPts val="0"/>
+              </a:spcBef>
+              <a:spcAft>
+                <a:spcPts val="0"/>
+              </a:spcAft>
+              <a:buNone/>
+            </a:pPr>
+            <a:r>
+              <a:rPr lang="en"/>
+              <a:t>Text</a:t>
+            </a:r>
+            <a:r>
+              <a:rPr lang="en"/>
+              <a:t>:</a:t>
+            </a:r>
+            <a:endParaRPr/>
+          </a:p>
+          <a:p>
+            <a:pPr indent="0" lvl="0" marL="0" rtl="0" algn="ctr">
+              <a:spcBef>
+                <a:spcPts val="0"/>
+              </a:spcBef>
+              <a:spcAft>
+                <a:spcPts val="0"/>
+              </a:spcAft>
+              <a:buNone/>
+            </a:pPr>
+            <a:r>
+              <a:rPr lang="en"/>
+              <a:t>“My Header”</a:t>
+            </a:r>
+            <a:endParaRPr/>
+          </a:p>
+        </p:txBody>
+      </p:sp>
+      <p:sp>
+        <p:nvSpPr>
+          <p:cNvPr id="331" name="Google Shape;331;p45"/>
+          <p:cNvSpPr/>
+          <p:nvPr/>
+        </p:nvSpPr>
+        <p:spPr>
+          <a:xfrm>
+            <a:off x="6354650" y="3334513"/>
+            <a:ext cx="1083000" cy="555600"/>
+          </a:xfrm>
+          <a:prstGeom prst="roundRect">
+            <a:avLst>
+              <a:gd fmla="val 16667" name="adj"/>
+            </a:avLst>
+          </a:prstGeom>
+          <a:solidFill>
+            <a:schemeClr val="lt2"/>
+          </a:solidFill>
+          <a:ln cap="flat" cmpd="sng" w="9525">
+            <a:solidFill>
+              <a:schemeClr val="dk2"/>
+            </a:solidFill>
+            <a:prstDash val="solid"/>
+            <a:round/>
+            <a:headEnd len="sm" w="sm" type="none"/>
+            <a:tailEnd len="sm" w="sm" type="none"/>
+          </a:ln>
+        </p:spPr>
+        <p:txBody>
+          <a:bodyPr anchorCtr="0" anchor="ctr" bIns="91425" lIns="91425" spcFirstLastPara="1" rIns="91425" wrap="square" tIns="91425">
+            <a:noAutofit/>
+          </a:bodyPr>
+          <a:lstStyle/>
+          <a:p>
+            <a:pPr indent="0" lvl="0" marL="0" rtl="0" algn="ctr">
+              <a:spcBef>
+                <a:spcPts val="0"/>
+              </a:spcBef>
+              <a:spcAft>
+                <a:spcPts val="0"/>
+              </a:spcAft>
+              <a:buNone/>
+            </a:pPr>
+            <a:r>
+              <a:rPr lang="en"/>
+              <a:t>Element:</a:t>
+            </a:r>
+            <a:endParaRPr/>
+          </a:p>
+          <a:p>
+            <a:pPr indent="0" lvl="0" marL="0" rtl="0" algn="ctr">
+              <a:spcBef>
+                <a:spcPts val="0"/>
+              </a:spcBef>
+              <a:spcAft>
+                <a:spcPts val="0"/>
+              </a:spcAft>
+              <a:buNone/>
+            </a:pPr>
+            <a:r>
+              <a:rPr lang="en"/>
+              <a:t>&lt;a&gt;</a:t>
+            </a:r>
+            <a:endParaRPr/>
+          </a:p>
+        </p:txBody>
+      </p:sp>
+      <p:sp>
+        <p:nvSpPr>
+          <p:cNvPr id="332" name="Google Shape;332;p45"/>
+          <p:cNvSpPr/>
+          <p:nvPr/>
+        </p:nvSpPr>
+        <p:spPr>
+          <a:xfrm>
+            <a:off x="6364505" y="4157238"/>
+            <a:ext cx="1083000" cy="528900"/>
+          </a:xfrm>
+          <a:prstGeom prst="roundRect">
+            <a:avLst>
+              <a:gd fmla="val 16667" name="adj"/>
+            </a:avLst>
+          </a:prstGeom>
+          <a:solidFill>
+            <a:schemeClr val="lt2"/>
+          </a:solidFill>
+          <a:ln cap="flat" cmpd="sng" w="9525">
+            <a:solidFill>
+              <a:schemeClr val="dk2"/>
+            </a:solidFill>
+            <a:prstDash val="solid"/>
+            <a:round/>
+            <a:headEnd len="sm" w="sm" type="none"/>
+            <a:tailEnd len="sm" w="sm" type="none"/>
+          </a:ln>
+        </p:spPr>
+        <p:txBody>
+          <a:bodyPr anchorCtr="0" anchor="ctr" bIns="91425" lIns="91425" spcFirstLastPara="1" rIns="91425" wrap="square" tIns="91425">
+            <a:noAutofit/>
+          </a:bodyPr>
+          <a:lstStyle/>
+          <a:p>
+            <a:pPr indent="0" lvl="0" marL="0" rtl="0" algn="ctr">
+              <a:spcBef>
+                <a:spcPts val="0"/>
+              </a:spcBef>
+              <a:spcAft>
+                <a:spcPts val="0"/>
+              </a:spcAft>
+              <a:buNone/>
+            </a:pPr>
+            <a:r>
+              <a:rPr lang="en"/>
+              <a:t>Text:</a:t>
+            </a:r>
+            <a:endParaRPr/>
+          </a:p>
+          <a:p>
+            <a:pPr indent="0" lvl="0" marL="0" rtl="0" algn="ctr">
+              <a:spcBef>
+                <a:spcPts val="0"/>
+              </a:spcBef>
+              <a:spcAft>
+                <a:spcPts val="0"/>
+              </a:spcAft>
+              <a:buNone/>
+            </a:pPr>
+            <a:r>
+              <a:rPr lang="en"/>
+              <a:t>“My Link”</a:t>
+            </a:r>
+            <a:endParaRPr/>
+          </a:p>
+        </p:txBody>
+      </p:sp>
+      <p:cxnSp>
+        <p:nvCxnSpPr>
+          <p:cNvPr id="333" name="Google Shape;333;p45"/>
+          <p:cNvCxnSpPr>
+            <a:stCxn id="321" idx="2"/>
+            <a:endCxn id="329" idx="0"/>
+          </p:cNvCxnSpPr>
+          <p:nvPr/>
+        </p:nvCxnSpPr>
+        <p:spPr>
+          <a:xfrm flipH="1" rot="-5400000">
+            <a:off x="7581125" y="2660105"/>
+            <a:ext cx="429600" cy="908700"/>
+          </a:xfrm>
+          <a:prstGeom prst="bentConnector3">
+            <a:avLst>
+              <a:gd fmla="val 49990" name="adj1"/>
+            </a:avLst>
+          </a:prstGeom>
+          <a:noFill/>
+          <a:ln cap="flat" cmpd="sng" w="28575">
+            <a:solidFill>
+              <a:srgbClr val="FFFF00"/>
+            </a:solidFill>
+            <a:prstDash val="solid"/>
+            <a:round/>
+            <a:headEnd len="med" w="med" type="none"/>
+            <a:tailEnd len="med" w="med" type="none"/>
+          </a:ln>
+        </p:spPr>
+      </p:cxnSp>
+      <p:cxnSp>
+        <p:nvCxnSpPr>
+          <p:cNvPr id="334" name="Google Shape;334;p45"/>
+          <p:cNvCxnSpPr>
+            <a:stCxn id="321" idx="2"/>
+            <a:endCxn id="331" idx="0"/>
+          </p:cNvCxnSpPr>
+          <p:nvPr/>
+        </p:nvCxnSpPr>
+        <p:spPr>
+          <a:xfrm rot="5400000">
+            <a:off x="6901325" y="2894405"/>
+            <a:ext cx="435000" cy="445500"/>
+          </a:xfrm>
+          <a:prstGeom prst="bentConnector3">
+            <a:avLst>
+              <a:gd fmla="val 49984" name="adj1"/>
+            </a:avLst>
+          </a:prstGeom>
+          <a:noFill/>
+          <a:ln cap="flat" cmpd="sng" w="28575">
+            <a:solidFill>
+              <a:srgbClr val="FFFF00"/>
+            </a:solidFill>
+            <a:prstDash val="solid"/>
+            <a:round/>
+            <a:headEnd len="med" w="med" type="none"/>
+            <a:tailEnd len="med" w="med" type="none"/>
+          </a:ln>
+        </p:spPr>
+      </p:cxnSp>
+      <p:sp>
+        <p:nvSpPr>
+          <p:cNvPr id="335" name="Google Shape;335;p45"/>
+          <p:cNvSpPr/>
+          <p:nvPr/>
+        </p:nvSpPr>
+        <p:spPr>
+          <a:xfrm>
+            <a:off x="4977055" y="3300749"/>
+            <a:ext cx="1083000" cy="614100"/>
+          </a:xfrm>
+          <a:prstGeom prst="roundRect">
+            <a:avLst>
+              <a:gd fmla="val 16667" name="adj"/>
+            </a:avLst>
+          </a:prstGeom>
+          <a:solidFill>
+            <a:schemeClr val="lt2"/>
+          </a:solidFill>
+          <a:ln cap="flat" cmpd="sng" w="9525">
+            <a:solidFill>
+              <a:schemeClr val="dk2"/>
+            </a:solidFill>
+            <a:prstDash val="solid"/>
+            <a:round/>
+            <a:headEnd len="sm" w="sm" type="none"/>
+            <a:tailEnd len="sm" w="sm" type="none"/>
+          </a:ln>
+        </p:spPr>
+        <p:txBody>
+          <a:bodyPr anchorCtr="0" anchor="ctr" bIns="91425" lIns="91425" spcFirstLastPara="1" rIns="91425" wrap="square" tIns="91425">
+            <a:noAutofit/>
+          </a:bodyPr>
+          <a:lstStyle/>
+          <a:p>
+            <a:pPr indent="0" lvl="0" marL="0" rtl="0" algn="ctr">
+              <a:spcBef>
+                <a:spcPts val="0"/>
+              </a:spcBef>
+              <a:spcAft>
+                <a:spcPts val="0"/>
+              </a:spcAft>
+              <a:buNone/>
+            </a:pPr>
+            <a:r>
+              <a:rPr lang="en"/>
+              <a:t>Attribute</a:t>
+            </a:r>
+            <a:r>
+              <a:rPr lang="en"/>
+              <a:t>:</a:t>
+            </a:r>
+            <a:endParaRPr/>
+          </a:p>
+          <a:p>
+            <a:pPr indent="0" lvl="0" marL="0" rtl="0" algn="ctr">
+              <a:spcBef>
+                <a:spcPts val="0"/>
+              </a:spcBef>
+              <a:spcAft>
+                <a:spcPts val="0"/>
+              </a:spcAft>
+              <a:buNone/>
+            </a:pPr>
+            <a:r>
+              <a:rPr lang="en"/>
+              <a:t>“href”</a:t>
+            </a:r>
+            <a:endParaRPr/>
+          </a:p>
+        </p:txBody>
+      </p:sp>
+      <p:cxnSp>
+        <p:nvCxnSpPr>
+          <p:cNvPr id="336" name="Google Shape;336;p45"/>
+          <p:cNvCxnSpPr>
+            <a:stCxn id="331" idx="2"/>
+            <a:endCxn id="332" idx="0"/>
+          </p:cNvCxnSpPr>
+          <p:nvPr/>
+        </p:nvCxnSpPr>
+        <p:spPr>
+          <a:xfrm>
+            <a:off x="6896150" y="3890113"/>
+            <a:ext cx="9900" cy="267000"/>
+          </a:xfrm>
+          <a:prstGeom prst="straightConnector1">
+            <a:avLst/>
+          </a:prstGeom>
+          <a:noFill/>
+          <a:ln cap="flat" cmpd="sng" w="28575">
+            <a:solidFill>
+              <a:srgbClr val="FFFF00"/>
+            </a:solidFill>
+            <a:prstDash val="solid"/>
+            <a:round/>
+            <a:headEnd len="med" w="med" type="none"/>
+            <a:tailEnd len="med" w="med" type="triangle"/>
+          </a:ln>
+        </p:spPr>
+      </p:cxnSp>
+      <p:cxnSp>
+        <p:nvCxnSpPr>
+          <p:cNvPr id="337" name="Google Shape;337;p45"/>
+          <p:cNvCxnSpPr>
+            <a:stCxn id="331" idx="1"/>
+            <a:endCxn id="335" idx="3"/>
+          </p:cNvCxnSpPr>
+          <p:nvPr/>
+        </p:nvCxnSpPr>
+        <p:spPr>
+          <a:xfrm rot="10800000">
+            <a:off x="6060050" y="3607813"/>
+            <a:ext cx="294600" cy="4500"/>
+          </a:xfrm>
+          <a:prstGeom prst="straightConnector1">
+            <a:avLst/>
+          </a:prstGeom>
+          <a:noFill/>
+          <a:ln cap="flat" cmpd="sng" w="28575">
+            <a:solidFill>
+              <a:srgbClr val="FFFF00"/>
+            </a:solidFill>
+            <a:prstDash val="solid"/>
+            <a:round/>
+            <a:headEnd len="med" w="med" type="none"/>
+            <a:tailEnd len="med" w="med" type="triangle"/>
+          </a:ln>
+        </p:spPr>
+      </p:cxnSp>
+      <p:cxnSp>
+        <p:nvCxnSpPr>
+          <p:cNvPr id="338" name="Google Shape;338;p45"/>
+          <p:cNvCxnSpPr>
+            <a:stCxn id="329" idx="2"/>
+            <a:endCxn id="330" idx="0"/>
+          </p:cNvCxnSpPr>
+          <p:nvPr/>
+        </p:nvCxnSpPr>
+        <p:spPr>
+          <a:xfrm>
+            <a:off x="8250275" y="3901870"/>
+            <a:ext cx="0" cy="220200"/>
+          </a:xfrm>
+          <a:prstGeom prst="straightConnector1">
+            <a:avLst/>
+          </a:prstGeom>
+          <a:noFill/>
+          <a:ln cap="flat" cmpd="sng" w="28575">
+            <a:solidFill>
+              <a:srgbClr val="FFFF00"/>
+            </a:solidFill>
+            <a:prstDash val="solid"/>
+            <a:round/>
+            <a:headEnd len="med" w="med" type="none"/>
+            <a:tailEnd len="med" w="med" type="triangle"/>
+          </a:ln>
+        </p:spPr>
+      </p:cxnSp>
+    </p:spTree>
+  </p:cSld>
+  <p:clrMapOvr>
+    <a:masterClrMapping/>
+  </p:clrMapOvr>
+</p:sld>
+</file>
+
+<file path=ppt/slides/slide34.xml><?xml version="1.0" encoding="utf-8"?>
+<p:sld xmlns:a="http://schemas.openxmlformats.org/drawingml/2006/main" xmlns:r="http://schemas.openxmlformats.org/officeDocument/2006/relationships" xmlns:mc="http://schemas.openxmlformats.org/markup-compatibility/2006" xmlns:mv="urn:schemas-microsoft-com:mac:vml" xmlns:p="http://schemas.openxmlformats.org/presentationml/2006/main" xmlns:c="http://schemas.openxmlformats.org/drawingml/2006/chart" xmlns:dgm="http://schemas.openxmlformats.org/drawingml/2006/diagram" xmlns:o="urn:schemas-microsoft-com:office:office" xmlns:v="urn:schemas-microsoft-com:vml" xmlns:pvml="urn:schemas-microsoft-com:office:powerpoint" xmlns:com="http://schemas.openxmlformats.org/drawingml/2006/compatibility" xmlns:p14="http://schemas.microsoft.com/office/powerpoint/2010/main" xmlns:p15="http://schemas.microsoft.com/office/powerpoint/2012/main">
+  <p:cSld>
+    <p:spTree>
+      <p:nvGrpSpPr>
+        <p:cNvPr id="342" name="Shape 342"/>
+        <p:cNvGrpSpPr/>
+        <p:nvPr/>
+      </p:nvGrpSpPr>
+      <p:grpSpPr>
+        <a:xfrm>
+          <a:off x="0" y="0"/>
+          <a:ext cx="0" cy="0"/>
+          <a:chOff x="0" y="0"/>
+          <a:chExt cx="0" cy="0"/>
+        </a:xfrm>
+      </p:grpSpPr>
+      <p:sp>
+        <p:nvSpPr>
+          <p:cNvPr id="343" name="Google Shape;343;p46"/>
+          <p:cNvSpPr txBox="1"/>
+          <p:nvPr>
+            <p:ph type="title"/>
+          </p:nvPr>
+        </p:nvSpPr>
+        <p:spPr>
+          <a:xfrm>
+            <a:off x="671250" y="2141250"/>
+            <a:ext cx="7852200" cy="861000"/>
+          </a:xfrm>
+          <a:prstGeom prst="rect">
+            <a:avLst/>
+          </a:prstGeom>
+        </p:spPr>
+        <p:txBody>
+          <a:bodyPr anchorCtr="0" anchor="ctr" bIns="91425" lIns="91425" spcFirstLastPara="1" rIns="91425" wrap="square" tIns="91425">
+            <a:noAutofit/>
+          </a:bodyPr>
+          <a:lstStyle/>
+          <a:p>
+            <a:pPr indent="0" lvl="0" marL="0" rtl="0" algn="ctr">
+              <a:spcBef>
+                <a:spcPts val="0"/>
+              </a:spcBef>
+              <a:spcAft>
+                <a:spcPts val="0"/>
+              </a:spcAft>
+              <a:buNone/>
+            </a:pPr>
+            <a:r>
+              <a:rPr lang="en"/>
+              <a:t>Document Object</a:t>
+            </a:r>
+            <a:endParaRPr/>
+          </a:p>
+        </p:txBody>
+      </p:sp>
+      <p:sp>
+        <p:nvSpPr>
+          <p:cNvPr id="344" name="Google Shape;344;p46"/>
+          <p:cNvSpPr txBox="1"/>
+          <p:nvPr>
+            <p:ph idx="12" type="sldNum"/>
+          </p:nvPr>
+        </p:nvSpPr>
+        <p:spPr>
+          <a:xfrm>
+            <a:off x="8490250" y="4681009"/>
+            <a:ext cx="548700" cy="393600"/>
+          </a:xfrm>
+          <a:prstGeom prst="rect">
+            <a:avLst/>
+          </a:prstGeom>
+        </p:spPr>
+        <p:txBody>
+          <a:bodyPr anchorCtr="0" anchor="ctr" bIns="91425" lIns="91425" spcFirstLastPara="1" rIns="91425" wrap="square" tIns="91425">
+            <a:noAutofit/>
+          </a:bodyPr>
+          <a:lstStyle/>
+          <a:p>
+            <a:pPr indent="0" lvl="0" marL="0" rtl="0" algn="r">
+              <a:spcBef>
+                <a:spcPts val="0"/>
+              </a:spcBef>
+              <a:spcAft>
+                <a:spcPts val="0"/>
+              </a:spcAft>
+              <a:buNone/>
+            </a:pPr>
+            <a:fld id="{00000000-1234-1234-1234-123412341234}" type="slidenum">
+              <a:rPr lang="en"/>
+              <a:t>‹#›</a:t>
+            </a:fld>
+            <a:endParaRPr/>
+          </a:p>
+        </p:txBody>
+      </p:sp>
+      <p:sp>
+        <p:nvSpPr>
+          <p:cNvPr id="345" name="Google Shape;345;p46"/>
+          <p:cNvSpPr txBox="1"/>
+          <p:nvPr/>
+        </p:nvSpPr>
+        <p:spPr>
+          <a:xfrm>
+            <a:off x="224475" y="146400"/>
+            <a:ext cx="468600" cy="234300"/>
+          </a:xfrm>
+          <a:prstGeom prst="rect">
+            <a:avLst/>
+          </a:prstGeom>
+          <a:noFill/>
+          <a:ln>
+            <a:noFill/>
+          </a:ln>
+        </p:spPr>
+        <p:txBody>
+          <a:bodyPr anchorCtr="0" anchor="t" bIns="91425" lIns="91425" spcFirstLastPara="1" rIns="91425" wrap="square" tIns="91425">
+            <a:noAutofit/>
+          </a:bodyPr>
+          <a:lstStyle/>
+          <a:p>
+            <a:pPr indent="0" lvl="0" marL="0" rtl="0" algn="l">
+              <a:spcBef>
+                <a:spcPts val="0"/>
+              </a:spcBef>
+              <a:spcAft>
+                <a:spcPts val="0"/>
+              </a:spcAft>
+              <a:buNone/>
+            </a:pPr>
+            <a:r>
+              <a:rPr lang="en" sz="1800">
+                <a:solidFill>
+                  <a:srgbClr val="FFFFFF"/>
+                </a:solidFill>
+                <a:latin typeface="Average"/>
+                <a:ea typeface="Average"/>
+                <a:cs typeface="Average"/>
+                <a:sym typeface="Average"/>
+              </a:rPr>
+              <a:t>-3-</a:t>
+            </a:r>
+            <a:endParaRPr sz="1800">
+              <a:solidFill>
+                <a:srgbClr val="FFFFFF"/>
+              </a:solidFill>
+              <a:latin typeface="Average"/>
+              <a:ea typeface="Average"/>
+              <a:cs typeface="Average"/>
+              <a:sym typeface="Average"/>
+            </a:endParaRPr>
+          </a:p>
+        </p:txBody>
+      </p:sp>
+    </p:spTree>
+  </p:cSld>
+  <p:clrMapOvr>
+    <a:masterClrMapping/>
+  </p:clrMapOvr>
+</p:sld>
+</file>
+
+<file path=ppt/slides/slide35.xml><?xml version="1.0" encoding="utf-8"?>
+<p:sld xmlns:a="http://schemas.openxmlformats.org/drawingml/2006/main" xmlns:r="http://schemas.openxmlformats.org/officeDocument/2006/relationships" xmlns:mc="http://schemas.openxmlformats.org/markup-compatibility/2006" xmlns:mv="urn:schemas-microsoft-com:mac:vml" xmlns:p="http://schemas.openxmlformats.org/presentationml/2006/main" xmlns:c="http://schemas.openxmlformats.org/drawingml/2006/chart" xmlns:dgm="http://schemas.openxmlformats.org/drawingml/2006/diagram" xmlns:o="urn:schemas-microsoft-com:office:office" xmlns:v="urn:schemas-microsoft-com:vml" xmlns:pvml="urn:schemas-microsoft-com:office:powerpoint" xmlns:com="http://schemas.openxmlformats.org/drawingml/2006/compatibility" xmlns:p14="http://schemas.microsoft.com/office/powerpoint/2010/main" xmlns:p15="http://schemas.microsoft.com/office/powerpoint/2012/main">
+  <p:cSld>
+    <p:spTree>
+      <p:nvGrpSpPr>
+        <p:cNvPr id="349" name="Shape 349"/>
+        <p:cNvGrpSpPr/>
+        <p:nvPr/>
+      </p:nvGrpSpPr>
+      <p:grpSpPr>
+        <a:xfrm>
+          <a:off x="0" y="0"/>
+          <a:ext cx="0" cy="0"/>
+          <a:chOff x="0" y="0"/>
+          <a:chExt cx="0" cy="0"/>
+        </a:xfrm>
+      </p:grpSpPr>
+      <p:sp>
+        <p:nvSpPr>
+          <p:cNvPr id="350" name="Google Shape;350;p47"/>
+          <p:cNvSpPr txBox="1"/>
+          <p:nvPr>
+            <p:ph type="title"/>
+          </p:nvPr>
+        </p:nvSpPr>
+        <p:spPr>
+          <a:xfrm>
+            <a:off x="671250" y="2141250"/>
+            <a:ext cx="7852200" cy="861000"/>
+          </a:xfrm>
+          <a:prstGeom prst="rect">
+            <a:avLst/>
+          </a:prstGeom>
+        </p:spPr>
+        <p:txBody>
+          <a:bodyPr anchorCtr="0" anchor="ctr" bIns="91425" lIns="91425" spcFirstLastPara="1" rIns="91425" wrap="square" tIns="91425">
+            <a:noAutofit/>
+          </a:bodyPr>
+          <a:lstStyle/>
+          <a:p>
+            <a:pPr indent="0" lvl="0" marL="0" rtl="0" algn="ctr">
+              <a:spcBef>
+                <a:spcPts val="0"/>
+              </a:spcBef>
+              <a:spcAft>
+                <a:spcPts val="0"/>
+              </a:spcAft>
+              <a:buNone/>
+            </a:pPr>
+            <a:r>
+              <a:rPr lang="en"/>
+              <a:t>DOM - Selector Single Element</a:t>
+            </a:r>
+            <a:endParaRPr/>
+          </a:p>
+        </p:txBody>
+      </p:sp>
+      <p:sp>
+        <p:nvSpPr>
+          <p:cNvPr id="351" name="Google Shape;351;p47"/>
+          <p:cNvSpPr txBox="1"/>
+          <p:nvPr>
+            <p:ph idx="12" type="sldNum"/>
+          </p:nvPr>
+        </p:nvSpPr>
+        <p:spPr>
+          <a:xfrm>
+            <a:off x="8490250" y="4681009"/>
+            <a:ext cx="548700" cy="393600"/>
+          </a:xfrm>
+          <a:prstGeom prst="rect">
+            <a:avLst/>
+          </a:prstGeom>
+        </p:spPr>
+        <p:txBody>
+          <a:bodyPr anchorCtr="0" anchor="ctr" bIns="91425" lIns="91425" spcFirstLastPara="1" rIns="91425" wrap="square" tIns="91425">
+            <a:noAutofit/>
+          </a:bodyPr>
+          <a:lstStyle/>
+          <a:p>
+            <a:pPr indent="0" lvl="0" marL="0" rtl="0" algn="r">
+              <a:spcBef>
+                <a:spcPts val="0"/>
+              </a:spcBef>
+              <a:spcAft>
+                <a:spcPts val="0"/>
+              </a:spcAft>
+              <a:buNone/>
+            </a:pPr>
+            <a:fld id="{00000000-1234-1234-1234-123412341234}" type="slidenum">
+              <a:rPr lang="en"/>
+              <a:t>‹#›</a:t>
+            </a:fld>
+            <a:endParaRPr/>
+          </a:p>
+        </p:txBody>
+      </p:sp>
+      <p:sp>
+        <p:nvSpPr>
+          <p:cNvPr id="352" name="Google Shape;352;p47"/>
+          <p:cNvSpPr txBox="1"/>
+          <p:nvPr/>
+        </p:nvSpPr>
+        <p:spPr>
+          <a:xfrm>
+            <a:off x="224475" y="146400"/>
+            <a:ext cx="468600" cy="234300"/>
+          </a:xfrm>
+          <a:prstGeom prst="rect">
+            <a:avLst/>
+          </a:prstGeom>
+          <a:noFill/>
+          <a:ln>
+            <a:noFill/>
+          </a:ln>
+        </p:spPr>
+        <p:txBody>
+          <a:bodyPr anchorCtr="0" anchor="t" bIns="91425" lIns="91425" spcFirstLastPara="1" rIns="91425" wrap="square" tIns="91425">
+            <a:noAutofit/>
+          </a:bodyPr>
+          <a:lstStyle/>
+          <a:p>
+            <a:pPr indent="0" lvl="0" marL="0" rtl="0" algn="l">
+              <a:spcBef>
+                <a:spcPts val="0"/>
+              </a:spcBef>
+              <a:spcAft>
+                <a:spcPts val="0"/>
+              </a:spcAft>
+              <a:buNone/>
+            </a:pPr>
+            <a:r>
+              <a:rPr lang="en" sz="1800">
+                <a:solidFill>
+                  <a:srgbClr val="FFFFFF"/>
+                </a:solidFill>
+                <a:latin typeface="Average"/>
+                <a:ea typeface="Average"/>
+                <a:cs typeface="Average"/>
+                <a:sym typeface="Average"/>
+              </a:rPr>
+              <a:t>-3-</a:t>
+            </a:r>
+            <a:endParaRPr sz="1800">
+              <a:solidFill>
+                <a:srgbClr val="FFFFFF"/>
+              </a:solidFill>
+              <a:latin typeface="Average"/>
+              <a:ea typeface="Average"/>
+              <a:cs typeface="Average"/>
+              <a:sym typeface="Average"/>
+            </a:endParaRPr>
+          </a:p>
+        </p:txBody>
+      </p:sp>
+    </p:spTree>
+  </p:cSld>
+  <p:clrMapOvr>
+    <a:masterClrMapping/>
+  </p:clrMapOvr>
+</p:sld>
+</file>
+
+<file path=ppt/slides/slide36.xml><?xml version="1.0" encoding="utf-8"?>
+<p:sld xmlns:a="http://schemas.openxmlformats.org/drawingml/2006/main" xmlns:r="http://schemas.openxmlformats.org/officeDocument/2006/relationships" xmlns:mc="http://schemas.openxmlformats.org/markup-compatibility/2006" xmlns:mv="urn:schemas-microsoft-com:mac:vml" xmlns:p="http://schemas.openxmlformats.org/presentationml/2006/main" xmlns:c="http://schemas.openxmlformats.org/drawingml/2006/chart" xmlns:dgm="http://schemas.openxmlformats.org/drawingml/2006/diagram" xmlns:o="urn:schemas-microsoft-com:office:office" xmlns:v="urn:schemas-microsoft-com:vml" xmlns:pvml="urn:schemas-microsoft-com:office:powerpoint" xmlns:com="http://schemas.openxmlformats.org/drawingml/2006/compatibility" xmlns:p14="http://schemas.microsoft.com/office/powerpoint/2010/main" xmlns:p15="http://schemas.microsoft.com/office/powerpoint/2012/main">
+  <p:cSld>
+    <p:spTree>
+      <p:nvGrpSpPr>
+        <p:cNvPr id="356" name="Shape 356"/>
+        <p:cNvGrpSpPr/>
+        <p:nvPr/>
+      </p:nvGrpSpPr>
+      <p:grpSpPr>
+        <a:xfrm>
+          <a:off x="0" y="0"/>
+          <a:ext cx="0" cy="0"/>
+          <a:chOff x="0" y="0"/>
+          <a:chExt cx="0" cy="0"/>
+        </a:xfrm>
+      </p:grpSpPr>
+      <p:sp>
+        <p:nvSpPr>
+          <p:cNvPr id="357" name="Google Shape;357;p48"/>
+          <p:cNvSpPr txBox="1"/>
+          <p:nvPr>
+            <p:ph type="title"/>
+          </p:nvPr>
+        </p:nvSpPr>
+        <p:spPr>
+          <a:xfrm>
+            <a:off x="671250" y="2141250"/>
+            <a:ext cx="7852200" cy="861000"/>
+          </a:xfrm>
+          <a:prstGeom prst="rect">
+            <a:avLst/>
+          </a:prstGeom>
+        </p:spPr>
+        <p:txBody>
+          <a:bodyPr anchorCtr="0" anchor="ctr" bIns="91425" lIns="91425" spcFirstLastPara="1" rIns="91425" wrap="square" tIns="91425">
+            <a:noAutofit/>
+          </a:bodyPr>
+          <a:lstStyle/>
+          <a:p>
+            <a:pPr indent="0" lvl="0" marL="0" rtl="0" algn="ctr">
+              <a:spcBef>
+                <a:spcPts val="0"/>
+              </a:spcBef>
+              <a:spcAft>
+                <a:spcPts val="0"/>
+              </a:spcAft>
+              <a:buNone/>
+            </a:pPr>
+            <a:r>
+              <a:rPr lang="en"/>
+              <a:t>DOM - Multiple Single Elements</a:t>
+            </a:r>
+            <a:endParaRPr/>
+          </a:p>
+        </p:txBody>
+      </p:sp>
+      <p:sp>
+        <p:nvSpPr>
+          <p:cNvPr id="358" name="Google Shape;358;p48"/>
+          <p:cNvSpPr txBox="1"/>
+          <p:nvPr>
+            <p:ph idx="12" type="sldNum"/>
+          </p:nvPr>
+        </p:nvSpPr>
+        <p:spPr>
+          <a:xfrm>
+            <a:off x="8490250" y="4681009"/>
+            <a:ext cx="548700" cy="393600"/>
+          </a:xfrm>
+          <a:prstGeom prst="rect">
+            <a:avLst/>
+          </a:prstGeom>
+        </p:spPr>
+        <p:txBody>
+          <a:bodyPr anchorCtr="0" anchor="ctr" bIns="91425" lIns="91425" spcFirstLastPara="1" rIns="91425" wrap="square" tIns="91425">
+            <a:noAutofit/>
+          </a:bodyPr>
+          <a:lstStyle/>
+          <a:p>
+            <a:pPr indent="0" lvl="0" marL="0" rtl="0" algn="r">
+              <a:spcBef>
+                <a:spcPts val="0"/>
+              </a:spcBef>
+              <a:spcAft>
+                <a:spcPts val="0"/>
+              </a:spcAft>
+              <a:buNone/>
+            </a:pPr>
+            <a:fld id="{00000000-1234-1234-1234-123412341234}" type="slidenum">
+              <a:rPr lang="en"/>
+              <a:t>‹#›</a:t>
+            </a:fld>
+            <a:endParaRPr/>
+          </a:p>
+        </p:txBody>
+      </p:sp>
+      <p:sp>
+        <p:nvSpPr>
+          <p:cNvPr id="359" name="Google Shape;359;p48"/>
+          <p:cNvSpPr txBox="1"/>
+          <p:nvPr/>
+        </p:nvSpPr>
+        <p:spPr>
+          <a:xfrm>
+            <a:off x="224475" y="146400"/>
+            <a:ext cx="468600" cy="234300"/>
+          </a:xfrm>
+          <a:prstGeom prst="rect">
+            <a:avLst/>
+          </a:prstGeom>
+          <a:noFill/>
+          <a:ln>
+            <a:noFill/>
+          </a:ln>
+        </p:spPr>
+        <p:txBody>
+          <a:bodyPr anchorCtr="0" anchor="t" bIns="91425" lIns="91425" spcFirstLastPara="1" rIns="91425" wrap="square" tIns="91425">
+            <a:noAutofit/>
+          </a:bodyPr>
+          <a:lstStyle/>
+          <a:p>
+            <a:pPr indent="0" lvl="0" marL="0" rtl="0" algn="l">
+              <a:spcBef>
+                <a:spcPts val="0"/>
+              </a:spcBef>
+              <a:spcAft>
+                <a:spcPts val="0"/>
+              </a:spcAft>
+              <a:buNone/>
+            </a:pPr>
+            <a:r>
+              <a:rPr lang="en" sz="1800">
+                <a:solidFill>
+                  <a:srgbClr val="FFFFFF"/>
+                </a:solidFill>
+                <a:latin typeface="Average"/>
+                <a:ea typeface="Average"/>
+                <a:cs typeface="Average"/>
+                <a:sym typeface="Average"/>
+              </a:rPr>
+              <a:t>-3-</a:t>
+            </a:r>
+            <a:endParaRPr sz="1800">
+              <a:solidFill>
+                <a:srgbClr val="FFFFFF"/>
+              </a:solidFill>
+              <a:latin typeface="Average"/>
+              <a:ea typeface="Average"/>
+              <a:cs typeface="Average"/>
+              <a:sym typeface="Average"/>
+            </a:endParaRPr>
+          </a:p>
+        </p:txBody>
+      </p:sp>
+    </p:spTree>
+  </p:cSld>
+  <p:clrMapOvr>
+    <a:masterClrMapping/>
+  </p:clrMapOvr>
+</p:sld>
+</file>
+
+<file path=ppt/slides/slide37.xml><?xml version="1.0" encoding="utf-8"?>
+<p:sld xmlns:a="http://schemas.openxmlformats.org/drawingml/2006/main" xmlns:r="http://schemas.openxmlformats.org/officeDocument/2006/relationships" xmlns:mc="http://schemas.openxmlformats.org/markup-compatibility/2006" xmlns:mv="urn:schemas-microsoft-com:mac:vml" xmlns:p="http://schemas.openxmlformats.org/presentationml/2006/main" xmlns:c="http://schemas.openxmlformats.org/drawingml/2006/chart" xmlns:dgm="http://schemas.openxmlformats.org/drawingml/2006/diagram" xmlns:o="urn:schemas-microsoft-com:office:office" xmlns:v="urn:schemas-microsoft-com:vml" xmlns:pvml="urn:schemas-microsoft-com:office:powerpoint" xmlns:com="http://schemas.openxmlformats.org/drawingml/2006/compatibility" xmlns:p14="http://schemas.microsoft.com/office/powerpoint/2010/main" xmlns:p15="http://schemas.microsoft.com/office/powerpoint/2012/main">
+  <p:cSld>
+    <p:spTree>
+      <p:nvGrpSpPr>
+        <p:cNvPr id="363" name="Shape 363"/>
+        <p:cNvGrpSpPr/>
+        <p:nvPr/>
+      </p:nvGrpSpPr>
+      <p:grpSpPr>
+        <a:xfrm>
+          <a:off x="0" y="0"/>
+          <a:ext cx="0" cy="0"/>
+          <a:chOff x="0" y="0"/>
+          <a:chExt cx="0" cy="0"/>
+        </a:xfrm>
+      </p:grpSpPr>
+      <p:sp>
+        <p:nvSpPr>
+          <p:cNvPr id="364" name="Google Shape;364;p49"/>
+          <p:cNvSpPr txBox="1"/>
+          <p:nvPr>
+            <p:ph type="title"/>
+          </p:nvPr>
+        </p:nvSpPr>
+        <p:spPr>
+          <a:xfrm>
+            <a:off x="671250" y="2141250"/>
+            <a:ext cx="7852200" cy="861000"/>
+          </a:xfrm>
+          <a:prstGeom prst="rect">
+            <a:avLst/>
+          </a:prstGeom>
+        </p:spPr>
+        <p:txBody>
+          <a:bodyPr anchorCtr="0" anchor="ctr" bIns="91425" lIns="91425" spcFirstLastPara="1" rIns="91425" wrap="square" tIns="91425">
+            <a:noAutofit/>
+          </a:bodyPr>
+          <a:lstStyle/>
+          <a:p>
+            <a:pPr indent="0" lvl="0" marL="0" rtl="0" algn="ctr">
+              <a:spcBef>
+                <a:spcPts val="0"/>
+              </a:spcBef>
+              <a:spcAft>
+                <a:spcPts val="0"/>
+              </a:spcAft>
+              <a:buNone/>
+            </a:pPr>
+            <a:r>
+              <a:rPr lang="en"/>
+              <a:t>DOM - Traversing</a:t>
+            </a:r>
+            <a:endParaRPr/>
+          </a:p>
+        </p:txBody>
+      </p:sp>
+      <p:sp>
+        <p:nvSpPr>
+          <p:cNvPr id="365" name="Google Shape;365;p49"/>
+          <p:cNvSpPr txBox="1"/>
+          <p:nvPr>
+            <p:ph idx="12" type="sldNum"/>
+          </p:nvPr>
+        </p:nvSpPr>
+        <p:spPr>
+          <a:xfrm>
+            <a:off x="8490250" y="4681009"/>
+            <a:ext cx="548700" cy="393600"/>
+          </a:xfrm>
+          <a:prstGeom prst="rect">
+            <a:avLst/>
+          </a:prstGeom>
+        </p:spPr>
+        <p:txBody>
+          <a:bodyPr anchorCtr="0" anchor="ctr" bIns="91425" lIns="91425" spcFirstLastPara="1" rIns="91425" wrap="square" tIns="91425">
+            <a:noAutofit/>
+          </a:bodyPr>
+          <a:lstStyle/>
+          <a:p>
+            <a:pPr indent="0" lvl="0" marL="0" rtl="0" algn="r">
+              <a:spcBef>
+                <a:spcPts val="0"/>
+              </a:spcBef>
+              <a:spcAft>
+                <a:spcPts val="0"/>
+              </a:spcAft>
+              <a:buNone/>
+            </a:pPr>
+            <a:fld id="{00000000-1234-1234-1234-123412341234}" type="slidenum">
+              <a:rPr lang="en"/>
+              <a:t>‹#›</a:t>
+            </a:fld>
+            <a:endParaRPr/>
+          </a:p>
+        </p:txBody>
+      </p:sp>
+      <p:sp>
+        <p:nvSpPr>
+          <p:cNvPr id="366" name="Google Shape;366;p49"/>
+          <p:cNvSpPr txBox="1"/>
+          <p:nvPr/>
+        </p:nvSpPr>
+        <p:spPr>
+          <a:xfrm>
+            <a:off x="224475" y="146400"/>
+            <a:ext cx="468600" cy="234300"/>
+          </a:xfrm>
+          <a:prstGeom prst="rect">
+            <a:avLst/>
+          </a:prstGeom>
+          <a:noFill/>
+          <a:ln>
+            <a:noFill/>
+          </a:ln>
+        </p:spPr>
+        <p:txBody>
+          <a:bodyPr anchorCtr="0" anchor="t" bIns="91425" lIns="91425" spcFirstLastPara="1" rIns="91425" wrap="square" tIns="91425">
+            <a:noAutofit/>
+          </a:bodyPr>
+          <a:lstStyle/>
+          <a:p>
+            <a:pPr indent="0" lvl="0" marL="0" rtl="0" algn="l">
+              <a:spcBef>
+                <a:spcPts val="0"/>
+              </a:spcBef>
+              <a:spcAft>
+                <a:spcPts val="0"/>
+              </a:spcAft>
+              <a:buNone/>
+            </a:pPr>
+            <a:r>
+              <a:rPr lang="en" sz="1800">
+                <a:solidFill>
+                  <a:srgbClr val="FFFFFF"/>
+                </a:solidFill>
+                <a:latin typeface="Average"/>
+                <a:ea typeface="Average"/>
+                <a:cs typeface="Average"/>
+                <a:sym typeface="Average"/>
+              </a:rPr>
+              <a:t>-3-</a:t>
+            </a:r>
+            <a:endParaRPr sz="1800">
+              <a:solidFill>
+                <a:srgbClr val="FFFFFF"/>
+              </a:solidFill>
+              <a:latin typeface="Average"/>
+              <a:ea typeface="Average"/>
+              <a:cs typeface="Average"/>
+              <a:sym typeface="Average"/>
+            </a:endParaRPr>
+          </a:p>
+        </p:txBody>
+      </p:sp>
+    </p:spTree>
+  </p:cSld>
+  <p:clrMapOvr>
+    <a:masterClrMapping/>
+  </p:clrMapOvr>
+</p:sld>
+</file>
+
+<file path=ppt/slides/slide38.xml><?xml version="1.0" encoding="utf-8"?>
+<p:sld xmlns:a="http://schemas.openxmlformats.org/drawingml/2006/main" xmlns:r="http://schemas.openxmlformats.org/officeDocument/2006/relationships" xmlns:mc="http://schemas.openxmlformats.org/markup-compatibility/2006" xmlns:mv="urn:schemas-microsoft-com:mac:vml" xmlns:p="http://schemas.openxmlformats.org/presentationml/2006/main" xmlns:c="http://schemas.openxmlformats.org/drawingml/2006/chart" xmlns:dgm="http://schemas.openxmlformats.org/drawingml/2006/diagram" xmlns:o="urn:schemas-microsoft-com:office:office" xmlns:v="urn:schemas-microsoft-com:vml" xmlns:pvml="urn:schemas-microsoft-com:office:powerpoint" xmlns:com="http://schemas.openxmlformats.org/drawingml/2006/compatibility" xmlns:p14="http://schemas.microsoft.com/office/powerpoint/2010/main" xmlns:p15="http://schemas.microsoft.com/office/powerpoint/2012/main">
+  <p:cSld>
+    <p:spTree>
+      <p:nvGrpSpPr>
+        <p:cNvPr id="370" name="Shape 370"/>
+        <p:cNvGrpSpPr/>
+        <p:nvPr/>
+      </p:nvGrpSpPr>
+      <p:grpSpPr>
+        <a:xfrm>
+          <a:off x="0" y="0"/>
+          <a:ext cx="0" cy="0"/>
+          <a:chOff x="0" y="0"/>
+          <a:chExt cx="0" cy="0"/>
+        </a:xfrm>
+      </p:grpSpPr>
+      <p:sp>
+        <p:nvSpPr>
+          <p:cNvPr id="371" name="Google Shape;371;p50"/>
+          <p:cNvSpPr txBox="1"/>
+          <p:nvPr>
+            <p:ph type="title"/>
+          </p:nvPr>
+        </p:nvSpPr>
+        <p:spPr>
+          <a:xfrm>
+            <a:off x="671250" y="2141250"/>
+            <a:ext cx="7852200" cy="861000"/>
+          </a:xfrm>
+          <a:prstGeom prst="rect">
+            <a:avLst/>
+          </a:prstGeom>
+        </p:spPr>
+        <p:txBody>
+          <a:bodyPr anchorCtr="0" anchor="ctr" bIns="91425" lIns="91425" spcFirstLastPara="1" rIns="91425" wrap="square" tIns="91425">
+            <a:noAutofit/>
+          </a:bodyPr>
+          <a:lstStyle/>
+          <a:p>
+            <a:pPr indent="0" lvl="0" marL="0" rtl="0" algn="ctr">
+              <a:spcBef>
+                <a:spcPts val="0"/>
+              </a:spcBef>
+              <a:spcAft>
+                <a:spcPts val="0"/>
+              </a:spcAft>
+              <a:buNone/>
+            </a:pPr>
+            <a:r>
+              <a:rPr lang="en"/>
+              <a:t>DOM - Creating Elements</a:t>
+            </a:r>
+            <a:endParaRPr/>
+          </a:p>
+        </p:txBody>
+      </p:sp>
+      <p:sp>
+        <p:nvSpPr>
+          <p:cNvPr id="372" name="Google Shape;372;p50"/>
+          <p:cNvSpPr txBox="1"/>
+          <p:nvPr>
+            <p:ph idx="12" type="sldNum"/>
+          </p:nvPr>
+        </p:nvSpPr>
+        <p:spPr>
+          <a:xfrm>
+            <a:off x="8490250" y="4681009"/>
+            <a:ext cx="548700" cy="393600"/>
+          </a:xfrm>
+          <a:prstGeom prst="rect">
+            <a:avLst/>
+          </a:prstGeom>
+        </p:spPr>
+        <p:txBody>
+          <a:bodyPr anchorCtr="0" anchor="ctr" bIns="91425" lIns="91425" spcFirstLastPara="1" rIns="91425" wrap="square" tIns="91425">
+            <a:noAutofit/>
+          </a:bodyPr>
+          <a:lstStyle/>
+          <a:p>
+            <a:pPr indent="0" lvl="0" marL="0" rtl="0" algn="r">
+              <a:spcBef>
+                <a:spcPts val="0"/>
+              </a:spcBef>
+              <a:spcAft>
+                <a:spcPts val="0"/>
+              </a:spcAft>
+              <a:buNone/>
+            </a:pPr>
+            <a:fld id="{00000000-1234-1234-1234-123412341234}" type="slidenum">
+              <a:rPr lang="en"/>
+              <a:t>‹#›</a:t>
+            </a:fld>
+            <a:endParaRPr/>
+          </a:p>
+        </p:txBody>
+      </p:sp>
+      <p:sp>
+        <p:nvSpPr>
+          <p:cNvPr id="373" name="Google Shape;373;p50"/>
+          <p:cNvSpPr txBox="1"/>
+          <p:nvPr/>
+        </p:nvSpPr>
+        <p:spPr>
+          <a:xfrm>
+            <a:off x="224475" y="146400"/>
+            <a:ext cx="468600" cy="234300"/>
+          </a:xfrm>
+          <a:prstGeom prst="rect">
+            <a:avLst/>
+          </a:prstGeom>
+          <a:noFill/>
+          <a:ln>
+            <a:noFill/>
+          </a:ln>
+        </p:spPr>
+        <p:txBody>
+          <a:bodyPr anchorCtr="0" anchor="t" bIns="91425" lIns="91425" spcFirstLastPara="1" rIns="91425" wrap="square" tIns="91425">
+            <a:noAutofit/>
+          </a:bodyPr>
+          <a:lstStyle/>
+          <a:p>
+            <a:pPr indent="0" lvl="0" marL="0" rtl="0" algn="l">
+              <a:spcBef>
+                <a:spcPts val="0"/>
+              </a:spcBef>
+              <a:spcAft>
+                <a:spcPts val="0"/>
+              </a:spcAft>
+              <a:buNone/>
+            </a:pPr>
+            <a:r>
+              <a:rPr lang="en" sz="1800">
+                <a:solidFill>
+                  <a:srgbClr val="FFFFFF"/>
+                </a:solidFill>
+                <a:latin typeface="Average"/>
+                <a:ea typeface="Average"/>
+                <a:cs typeface="Average"/>
+                <a:sym typeface="Average"/>
+              </a:rPr>
+              <a:t>-3-</a:t>
+            </a:r>
+            <a:endParaRPr sz="1800">
+              <a:solidFill>
+                <a:srgbClr val="FFFFFF"/>
+              </a:solidFill>
+              <a:latin typeface="Average"/>
+              <a:ea typeface="Average"/>
+              <a:cs typeface="Average"/>
+              <a:sym typeface="Average"/>
+            </a:endParaRPr>
+          </a:p>
+        </p:txBody>
+      </p:sp>
+    </p:spTree>
+  </p:cSld>
+  <p:clrMapOvr>
+    <a:masterClrMapping/>
+  </p:clrMapOvr>
+</p:sld>
+</file>
+
+<file path=ppt/slides/slide39.xml><?xml version="1.0" encoding="utf-8"?>
+<p:sld xmlns:a="http://schemas.openxmlformats.org/drawingml/2006/main" xmlns:r="http://schemas.openxmlformats.org/officeDocument/2006/relationships" xmlns:mc="http://schemas.openxmlformats.org/markup-compatibility/2006" xmlns:mv="urn:schemas-microsoft-com:mac:vml" xmlns:p="http://schemas.openxmlformats.org/presentationml/2006/main" xmlns:c="http://schemas.openxmlformats.org/drawingml/2006/chart" xmlns:dgm="http://schemas.openxmlformats.org/drawingml/2006/diagram" xmlns:o="urn:schemas-microsoft-com:office:office" xmlns:v="urn:schemas-microsoft-com:vml" xmlns:pvml="urn:schemas-microsoft-com:office:powerpoint" xmlns:com="http://schemas.openxmlformats.org/drawingml/2006/compatibility" xmlns:p14="http://schemas.microsoft.com/office/powerpoint/2010/main" xmlns:p15="http://schemas.microsoft.com/office/powerpoint/2012/main">
+  <p:cSld>
+    <p:spTree>
+      <p:nvGrpSpPr>
+        <p:cNvPr id="377" name="Shape 377"/>
+        <p:cNvGrpSpPr/>
+        <p:nvPr/>
+      </p:nvGrpSpPr>
+      <p:grpSpPr>
+        <a:xfrm>
+          <a:off x="0" y="0"/>
+          <a:ext cx="0" cy="0"/>
+          <a:chOff x="0" y="0"/>
+          <a:chExt cx="0" cy="0"/>
+        </a:xfrm>
+      </p:grpSpPr>
+      <p:sp>
+        <p:nvSpPr>
+          <p:cNvPr id="378" name="Google Shape;378;p51"/>
+          <p:cNvSpPr txBox="1"/>
+          <p:nvPr>
+            <p:ph type="title"/>
+          </p:nvPr>
+        </p:nvSpPr>
+        <p:spPr>
+          <a:xfrm>
+            <a:off x="671250" y="2141250"/>
+            <a:ext cx="7852200" cy="861000"/>
+          </a:xfrm>
+          <a:prstGeom prst="rect">
+            <a:avLst/>
+          </a:prstGeom>
+        </p:spPr>
+        <p:txBody>
+          <a:bodyPr anchorCtr="0" anchor="ctr" bIns="91425" lIns="91425" spcFirstLastPara="1" rIns="91425" wrap="square" tIns="91425">
+            <a:noAutofit/>
+          </a:bodyPr>
+          <a:lstStyle/>
+          <a:p>
+            <a:pPr indent="0" lvl="0" marL="0" rtl="0" algn="ctr">
+              <a:spcBef>
+                <a:spcPts val="0"/>
+              </a:spcBef>
+              <a:spcAft>
+                <a:spcPts val="0"/>
+              </a:spcAft>
+              <a:buNone/>
+            </a:pPr>
+            <a:r>
+              <a:rPr lang="en"/>
+              <a:t>DOM - Removing &amp; Replacing Elements</a:t>
+            </a:r>
+            <a:endParaRPr/>
+          </a:p>
+        </p:txBody>
+      </p:sp>
+      <p:sp>
+        <p:nvSpPr>
+          <p:cNvPr id="379" name="Google Shape;379;p51"/>
+          <p:cNvSpPr txBox="1"/>
+          <p:nvPr>
+            <p:ph idx="12" type="sldNum"/>
+          </p:nvPr>
+        </p:nvSpPr>
+        <p:spPr>
+          <a:xfrm>
+            <a:off x="8490250" y="4681009"/>
+            <a:ext cx="548700" cy="393600"/>
+          </a:xfrm>
+          <a:prstGeom prst="rect">
+            <a:avLst/>
+          </a:prstGeom>
+        </p:spPr>
+        <p:txBody>
+          <a:bodyPr anchorCtr="0" anchor="ctr" bIns="91425" lIns="91425" spcFirstLastPara="1" rIns="91425" wrap="square" tIns="91425">
+            <a:noAutofit/>
+          </a:bodyPr>
+          <a:lstStyle/>
+          <a:p>
+            <a:pPr indent="0" lvl="0" marL="0" rtl="0" algn="r">
+              <a:spcBef>
+                <a:spcPts val="0"/>
+              </a:spcBef>
+              <a:spcAft>
+                <a:spcPts val="0"/>
+              </a:spcAft>
+              <a:buNone/>
+            </a:pPr>
+            <a:fld id="{00000000-1234-1234-1234-123412341234}" type="slidenum">
+              <a:rPr lang="en"/>
+              <a:t>‹#›</a:t>
+            </a:fld>
+            <a:endParaRPr/>
+          </a:p>
+        </p:txBody>
+      </p:sp>
+      <p:sp>
+        <p:nvSpPr>
+          <p:cNvPr id="380" name="Google Shape;380;p51"/>
+          <p:cNvSpPr txBox="1"/>
+          <p:nvPr/>
+        </p:nvSpPr>
+        <p:spPr>
+          <a:xfrm>
+            <a:off x="224475" y="146400"/>
+            <a:ext cx="468600" cy="234300"/>
+          </a:xfrm>
+          <a:prstGeom prst="rect">
+            <a:avLst/>
+          </a:prstGeom>
+          <a:noFill/>
+          <a:ln>
+            <a:noFill/>
+          </a:ln>
+        </p:spPr>
+        <p:txBody>
+          <a:bodyPr anchorCtr="0" anchor="t" bIns="91425" lIns="91425" spcFirstLastPara="1" rIns="91425" wrap="square" tIns="91425">
+            <a:noAutofit/>
+          </a:bodyPr>
+          <a:lstStyle/>
+          <a:p>
+            <a:pPr indent="0" lvl="0" marL="0" rtl="0" algn="l">
+              <a:spcBef>
+                <a:spcPts val="0"/>
+              </a:spcBef>
+              <a:spcAft>
+                <a:spcPts val="0"/>
+              </a:spcAft>
+              <a:buNone/>
+            </a:pPr>
+            <a:r>
+              <a:rPr lang="en" sz="1800">
+                <a:solidFill>
+                  <a:srgbClr val="FFFFFF"/>
+                </a:solidFill>
+                <a:latin typeface="Average"/>
+                <a:ea typeface="Average"/>
+                <a:cs typeface="Average"/>
+                <a:sym typeface="Average"/>
+              </a:rPr>
+              <a:t>-3-</a:t>
+            </a:r>
+            <a:endParaRPr sz="1800">
+              <a:solidFill>
+                <a:srgbClr val="FFFFFF"/>
+              </a:solidFill>
+              <a:latin typeface="Average"/>
+              <a:ea typeface="Average"/>
+              <a:cs typeface="Average"/>
+              <a:sym typeface="Average"/>
+            </a:endParaRPr>
+          </a:p>
+        </p:txBody>
+      </p:sp>
+    </p:spTree>
+  </p:cSld>
+  <p:clrMapOvr>
+    <a:masterClrMapping/>
+  </p:clrMapOvr>
+</p:sld>
+</file>
+
 <file path=ppt/slides/slide4.xml><?xml version="1.0" encoding="utf-8"?>
 <p:sld xmlns:a="http://schemas.openxmlformats.org/drawingml/2006/main" xmlns:r="http://schemas.openxmlformats.org/officeDocument/2006/relationships" xmlns:mc="http://schemas.openxmlformats.org/markup-compatibility/2006" xmlns:mv="urn:schemas-microsoft-com:mac:vml" xmlns:p="http://schemas.openxmlformats.org/presentationml/2006/main" xmlns:c="http://schemas.openxmlformats.org/drawingml/2006/chart" xmlns:dgm="http://schemas.openxmlformats.org/drawingml/2006/diagram" xmlns:o="urn:schemas-microsoft-com:office:office" xmlns:v="urn:schemas-microsoft-com:vml" xmlns:pvml="urn:schemas-microsoft-com:office:powerpoint" xmlns:com="http://schemas.openxmlformats.org/drawingml/2006/compatibility" xmlns:p14="http://schemas.microsoft.com/office/powerpoint/2010/main" xmlns:p15="http://schemas.microsoft.com/office/powerpoint/2012/main">
   <p:cSld>
@@ -15960,6 +19551,666 @@
       <p:sp>
         <p:nvSpPr>
           <p:cNvPr id="87" name="Google Shape;87;p16"/>
+          <p:cNvSpPr txBox="1"/>
+          <p:nvPr/>
+        </p:nvSpPr>
+        <p:spPr>
+          <a:xfrm>
+            <a:off x="224475" y="146400"/>
+            <a:ext cx="468600" cy="234300"/>
+          </a:xfrm>
+          <a:prstGeom prst="rect">
+            <a:avLst/>
+          </a:prstGeom>
+          <a:noFill/>
+          <a:ln>
+            <a:noFill/>
+          </a:ln>
+        </p:spPr>
+        <p:txBody>
+          <a:bodyPr anchorCtr="0" anchor="t" bIns="91425" lIns="91425" spcFirstLastPara="1" rIns="91425" wrap="square" tIns="91425">
+            <a:noAutofit/>
+          </a:bodyPr>
+          <a:lstStyle/>
+          <a:p>
+            <a:pPr indent="0" lvl="0" marL="0" rtl="0" algn="l">
+              <a:spcBef>
+                <a:spcPts val="0"/>
+              </a:spcBef>
+              <a:spcAft>
+                <a:spcPts val="0"/>
+              </a:spcAft>
+              <a:buNone/>
+            </a:pPr>
+            <a:r>
+              <a:rPr lang="en" sz="1800">
+                <a:solidFill>
+                  <a:srgbClr val="FFFFFF"/>
+                </a:solidFill>
+                <a:latin typeface="Average"/>
+                <a:ea typeface="Average"/>
+                <a:cs typeface="Average"/>
+                <a:sym typeface="Average"/>
+              </a:rPr>
+              <a:t>-3-</a:t>
+            </a:r>
+            <a:endParaRPr sz="1800">
+              <a:solidFill>
+                <a:srgbClr val="FFFFFF"/>
+              </a:solidFill>
+              <a:latin typeface="Average"/>
+              <a:ea typeface="Average"/>
+              <a:cs typeface="Average"/>
+              <a:sym typeface="Average"/>
+            </a:endParaRPr>
+          </a:p>
+        </p:txBody>
+      </p:sp>
+    </p:spTree>
+  </p:cSld>
+  <p:clrMapOvr>
+    <a:masterClrMapping/>
+  </p:clrMapOvr>
+</p:sld>
+</file>
+
+<file path=ppt/slides/slide40.xml><?xml version="1.0" encoding="utf-8"?>
+<p:sld xmlns:a="http://schemas.openxmlformats.org/drawingml/2006/main" xmlns:r="http://schemas.openxmlformats.org/officeDocument/2006/relationships" xmlns:mc="http://schemas.openxmlformats.org/markup-compatibility/2006" xmlns:mv="urn:schemas-microsoft-com:mac:vml" xmlns:p="http://schemas.openxmlformats.org/presentationml/2006/main" xmlns:c="http://schemas.openxmlformats.org/drawingml/2006/chart" xmlns:dgm="http://schemas.openxmlformats.org/drawingml/2006/diagram" xmlns:o="urn:schemas-microsoft-com:office:office" xmlns:v="urn:schemas-microsoft-com:vml" xmlns:pvml="urn:schemas-microsoft-com:office:powerpoint" xmlns:com="http://schemas.openxmlformats.org/drawingml/2006/compatibility" xmlns:p14="http://schemas.microsoft.com/office/powerpoint/2010/main" xmlns:p15="http://schemas.microsoft.com/office/powerpoint/2012/main">
+  <p:cSld>
+    <p:spTree>
+      <p:nvGrpSpPr>
+        <p:cNvPr id="384" name="Shape 384"/>
+        <p:cNvGrpSpPr/>
+        <p:nvPr/>
+      </p:nvGrpSpPr>
+      <p:grpSpPr>
+        <a:xfrm>
+          <a:off x="0" y="0"/>
+          <a:ext cx="0" cy="0"/>
+          <a:chOff x="0" y="0"/>
+          <a:chExt cx="0" cy="0"/>
+        </a:xfrm>
+      </p:grpSpPr>
+      <p:sp>
+        <p:nvSpPr>
+          <p:cNvPr id="385" name="Google Shape;385;p52"/>
+          <p:cNvSpPr txBox="1"/>
+          <p:nvPr>
+            <p:ph type="title"/>
+          </p:nvPr>
+        </p:nvSpPr>
+        <p:spPr>
+          <a:xfrm>
+            <a:off x="671250" y="2141250"/>
+            <a:ext cx="7852200" cy="861000"/>
+          </a:xfrm>
+          <a:prstGeom prst="rect">
+            <a:avLst/>
+          </a:prstGeom>
+        </p:spPr>
+        <p:txBody>
+          <a:bodyPr anchorCtr="0" anchor="ctr" bIns="91425" lIns="91425" spcFirstLastPara="1" rIns="91425" wrap="square" tIns="91425">
+            <a:noAutofit/>
+          </a:bodyPr>
+          <a:lstStyle/>
+          <a:p>
+            <a:pPr indent="0" lvl="0" marL="0" rtl="0" algn="ctr">
+              <a:spcBef>
+                <a:spcPts val="0"/>
+              </a:spcBef>
+              <a:spcAft>
+                <a:spcPts val="0"/>
+              </a:spcAft>
+              <a:buNone/>
+            </a:pPr>
+            <a:r>
+              <a:rPr lang="en"/>
+              <a:t>DOM - Event Listeners</a:t>
+            </a:r>
+            <a:endParaRPr/>
+          </a:p>
+        </p:txBody>
+      </p:sp>
+      <p:sp>
+        <p:nvSpPr>
+          <p:cNvPr id="386" name="Google Shape;386;p52"/>
+          <p:cNvSpPr txBox="1"/>
+          <p:nvPr>
+            <p:ph idx="12" type="sldNum"/>
+          </p:nvPr>
+        </p:nvSpPr>
+        <p:spPr>
+          <a:xfrm>
+            <a:off x="8490250" y="4681009"/>
+            <a:ext cx="548700" cy="393600"/>
+          </a:xfrm>
+          <a:prstGeom prst="rect">
+            <a:avLst/>
+          </a:prstGeom>
+        </p:spPr>
+        <p:txBody>
+          <a:bodyPr anchorCtr="0" anchor="ctr" bIns="91425" lIns="91425" spcFirstLastPara="1" rIns="91425" wrap="square" tIns="91425">
+            <a:noAutofit/>
+          </a:bodyPr>
+          <a:lstStyle/>
+          <a:p>
+            <a:pPr indent="0" lvl="0" marL="0" rtl="0" algn="r">
+              <a:spcBef>
+                <a:spcPts val="0"/>
+              </a:spcBef>
+              <a:spcAft>
+                <a:spcPts val="0"/>
+              </a:spcAft>
+              <a:buNone/>
+            </a:pPr>
+            <a:fld id="{00000000-1234-1234-1234-123412341234}" type="slidenum">
+              <a:rPr lang="en"/>
+              <a:t>‹#›</a:t>
+            </a:fld>
+            <a:endParaRPr/>
+          </a:p>
+        </p:txBody>
+      </p:sp>
+      <p:sp>
+        <p:nvSpPr>
+          <p:cNvPr id="387" name="Google Shape;387;p52"/>
+          <p:cNvSpPr txBox="1"/>
+          <p:nvPr/>
+        </p:nvSpPr>
+        <p:spPr>
+          <a:xfrm>
+            <a:off x="224475" y="146400"/>
+            <a:ext cx="468600" cy="234300"/>
+          </a:xfrm>
+          <a:prstGeom prst="rect">
+            <a:avLst/>
+          </a:prstGeom>
+          <a:noFill/>
+          <a:ln>
+            <a:noFill/>
+          </a:ln>
+        </p:spPr>
+        <p:txBody>
+          <a:bodyPr anchorCtr="0" anchor="t" bIns="91425" lIns="91425" spcFirstLastPara="1" rIns="91425" wrap="square" tIns="91425">
+            <a:noAutofit/>
+          </a:bodyPr>
+          <a:lstStyle/>
+          <a:p>
+            <a:pPr indent="0" lvl="0" marL="0" rtl="0" algn="l">
+              <a:spcBef>
+                <a:spcPts val="0"/>
+              </a:spcBef>
+              <a:spcAft>
+                <a:spcPts val="0"/>
+              </a:spcAft>
+              <a:buNone/>
+            </a:pPr>
+            <a:r>
+              <a:rPr lang="en" sz="1800">
+                <a:solidFill>
+                  <a:srgbClr val="FFFFFF"/>
+                </a:solidFill>
+                <a:latin typeface="Average"/>
+                <a:ea typeface="Average"/>
+                <a:cs typeface="Average"/>
+                <a:sym typeface="Average"/>
+              </a:rPr>
+              <a:t>-3-</a:t>
+            </a:r>
+            <a:endParaRPr sz="1800">
+              <a:solidFill>
+                <a:srgbClr val="FFFFFF"/>
+              </a:solidFill>
+              <a:latin typeface="Average"/>
+              <a:ea typeface="Average"/>
+              <a:cs typeface="Average"/>
+              <a:sym typeface="Average"/>
+            </a:endParaRPr>
+          </a:p>
+        </p:txBody>
+      </p:sp>
+    </p:spTree>
+  </p:cSld>
+  <p:clrMapOvr>
+    <a:masterClrMapping/>
+  </p:clrMapOvr>
+</p:sld>
+</file>
+
+<file path=ppt/slides/slide41.xml><?xml version="1.0" encoding="utf-8"?>
+<p:sld xmlns:a="http://schemas.openxmlformats.org/drawingml/2006/main" xmlns:r="http://schemas.openxmlformats.org/officeDocument/2006/relationships" xmlns:mc="http://schemas.openxmlformats.org/markup-compatibility/2006" xmlns:mv="urn:schemas-microsoft-com:mac:vml" xmlns:p="http://schemas.openxmlformats.org/presentationml/2006/main" xmlns:c="http://schemas.openxmlformats.org/drawingml/2006/chart" xmlns:dgm="http://schemas.openxmlformats.org/drawingml/2006/diagram" xmlns:o="urn:schemas-microsoft-com:office:office" xmlns:v="urn:schemas-microsoft-com:vml" xmlns:pvml="urn:schemas-microsoft-com:office:powerpoint" xmlns:com="http://schemas.openxmlformats.org/drawingml/2006/compatibility" xmlns:p14="http://schemas.microsoft.com/office/powerpoint/2010/main" xmlns:p15="http://schemas.microsoft.com/office/powerpoint/2012/main">
+  <p:cSld>
+    <p:spTree>
+      <p:nvGrpSpPr>
+        <p:cNvPr id="391" name="Shape 391"/>
+        <p:cNvGrpSpPr/>
+        <p:nvPr/>
+      </p:nvGrpSpPr>
+      <p:grpSpPr>
+        <a:xfrm>
+          <a:off x="0" y="0"/>
+          <a:ext cx="0" cy="0"/>
+          <a:chOff x="0" y="0"/>
+          <a:chExt cx="0" cy="0"/>
+        </a:xfrm>
+      </p:grpSpPr>
+      <p:sp>
+        <p:nvSpPr>
+          <p:cNvPr id="392" name="Google Shape;392;p53"/>
+          <p:cNvSpPr txBox="1"/>
+          <p:nvPr>
+            <p:ph type="title"/>
+          </p:nvPr>
+        </p:nvSpPr>
+        <p:spPr>
+          <a:xfrm>
+            <a:off x="671250" y="2141250"/>
+            <a:ext cx="7852200" cy="861000"/>
+          </a:xfrm>
+          <a:prstGeom prst="rect">
+            <a:avLst/>
+          </a:prstGeom>
+        </p:spPr>
+        <p:txBody>
+          <a:bodyPr anchorCtr="0" anchor="ctr" bIns="91425" lIns="91425" spcFirstLastPara="1" rIns="91425" wrap="square" tIns="91425">
+            <a:noAutofit/>
+          </a:bodyPr>
+          <a:lstStyle/>
+          <a:p>
+            <a:pPr indent="0" lvl="0" marL="0" rtl="0" algn="ctr">
+              <a:spcBef>
+                <a:spcPts val="0"/>
+              </a:spcBef>
+              <a:spcAft>
+                <a:spcPts val="0"/>
+              </a:spcAft>
+              <a:buNone/>
+            </a:pPr>
+            <a:r>
+              <a:rPr lang="en"/>
+              <a:t>DOM - Mouse &amp; Keyboard Events</a:t>
+            </a:r>
+            <a:endParaRPr/>
+          </a:p>
+        </p:txBody>
+      </p:sp>
+      <p:sp>
+        <p:nvSpPr>
+          <p:cNvPr id="393" name="Google Shape;393;p53"/>
+          <p:cNvSpPr txBox="1"/>
+          <p:nvPr>
+            <p:ph idx="12" type="sldNum"/>
+          </p:nvPr>
+        </p:nvSpPr>
+        <p:spPr>
+          <a:xfrm>
+            <a:off x="8490250" y="4681009"/>
+            <a:ext cx="548700" cy="393600"/>
+          </a:xfrm>
+          <a:prstGeom prst="rect">
+            <a:avLst/>
+          </a:prstGeom>
+        </p:spPr>
+        <p:txBody>
+          <a:bodyPr anchorCtr="0" anchor="ctr" bIns="91425" lIns="91425" spcFirstLastPara="1" rIns="91425" wrap="square" tIns="91425">
+            <a:noAutofit/>
+          </a:bodyPr>
+          <a:lstStyle/>
+          <a:p>
+            <a:pPr indent="0" lvl="0" marL="0" rtl="0" algn="r">
+              <a:spcBef>
+                <a:spcPts val="0"/>
+              </a:spcBef>
+              <a:spcAft>
+                <a:spcPts val="0"/>
+              </a:spcAft>
+              <a:buNone/>
+            </a:pPr>
+            <a:fld id="{00000000-1234-1234-1234-123412341234}" type="slidenum">
+              <a:rPr lang="en"/>
+              <a:t>‹#›</a:t>
+            </a:fld>
+            <a:endParaRPr/>
+          </a:p>
+        </p:txBody>
+      </p:sp>
+      <p:sp>
+        <p:nvSpPr>
+          <p:cNvPr id="394" name="Google Shape;394;p53"/>
+          <p:cNvSpPr txBox="1"/>
+          <p:nvPr/>
+        </p:nvSpPr>
+        <p:spPr>
+          <a:xfrm>
+            <a:off x="224475" y="146400"/>
+            <a:ext cx="468600" cy="234300"/>
+          </a:xfrm>
+          <a:prstGeom prst="rect">
+            <a:avLst/>
+          </a:prstGeom>
+          <a:noFill/>
+          <a:ln>
+            <a:noFill/>
+          </a:ln>
+        </p:spPr>
+        <p:txBody>
+          <a:bodyPr anchorCtr="0" anchor="t" bIns="91425" lIns="91425" spcFirstLastPara="1" rIns="91425" wrap="square" tIns="91425">
+            <a:noAutofit/>
+          </a:bodyPr>
+          <a:lstStyle/>
+          <a:p>
+            <a:pPr indent="0" lvl="0" marL="0" rtl="0" algn="l">
+              <a:spcBef>
+                <a:spcPts val="0"/>
+              </a:spcBef>
+              <a:spcAft>
+                <a:spcPts val="0"/>
+              </a:spcAft>
+              <a:buNone/>
+            </a:pPr>
+            <a:r>
+              <a:rPr lang="en" sz="1800">
+                <a:solidFill>
+                  <a:srgbClr val="FFFFFF"/>
+                </a:solidFill>
+                <a:latin typeface="Average"/>
+                <a:ea typeface="Average"/>
+                <a:cs typeface="Average"/>
+                <a:sym typeface="Average"/>
+              </a:rPr>
+              <a:t>-3-</a:t>
+            </a:r>
+            <a:endParaRPr sz="1800">
+              <a:solidFill>
+                <a:srgbClr val="FFFFFF"/>
+              </a:solidFill>
+              <a:latin typeface="Average"/>
+              <a:ea typeface="Average"/>
+              <a:cs typeface="Average"/>
+              <a:sym typeface="Average"/>
+            </a:endParaRPr>
+          </a:p>
+        </p:txBody>
+      </p:sp>
+    </p:spTree>
+  </p:cSld>
+  <p:clrMapOvr>
+    <a:masterClrMapping/>
+  </p:clrMapOvr>
+</p:sld>
+</file>
+
+<file path=ppt/slides/slide42.xml><?xml version="1.0" encoding="utf-8"?>
+<p:sld xmlns:a="http://schemas.openxmlformats.org/drawingml/2006/main" xmlns:r="http://schemas.openxmlformats.org/officeDocument/2006/relationships" xmlns:mc="http://schemas.openxmlformats.org/markup-compatibility/2006" xmlns:mv="urn:schemas-microsoft-com:mac:vml" xmlns:p="http://schemas.openxmlformats.org/presentationml/2006/main" xmlns:c="http://schemas.openxmlformats.org/drawingml/2006/chart" xmlns:dgm="http://schemas.openxmlformats.org/drawingml/2006/diagram" xmlns:o="urn:schemas-microsoft-com:office:office" xmlns:v="urn:schemas-microsoft-com:vml" xmlns:pvml="urn:schemas-microsoft-com:office:powerpoint" xmlns:com="http://schemas.openxmlformats.org/drawingml/2006/compatibility" xmlns:p14="http://schemas.microsoft.com/office/powerpoint/2010/main" xmlns:p15="http://schemas.microsoft.com/office/powerpoint/2012/main">
+  <p:cSld>
+    <p:spTree>
+      <p:nvGrpSpPr>
+        <p:cNvPr id="398" name="Shape 398"/>
+        <p:cNvGrpSpPr/>
+        <p:nvPr/>
+      </p:nvGrpSpPr>
+      <p:grpSpPr>
+        <a:xfrm>
+          <a:off x="0" y="0"/>
+          <a:ext cx="0" cy="0"/>
+          <a:chOff x="0" y="0"/>
+          <a:chExt cx="0" cy="0"/>
+        </a:xfrm>
+      </p:grpSpPr>
+      <p:sp>
+        <p:nvSpPr>
+          <p:cNvPr id="399" name="Google Shape;399;p54"/>
+          <p:cNvSpPr txBox="1"/>
+          <p:nvPr>
+            <p:ph type="title"/>
+          </p:nvPr>
+        </p:nvSpPr>
+        <p:spPr>
+          <a:xfrm>
+            <a:off x="671250" y="2141250"/>
+            <a:ext cx="7852200" cy="861000"/>
+          </a:xfrm>
+          <a:prstGeom prst="rect">
+            <a:avLst/>
+          </a:prstGeom>
+        </p:spPr>
+        <p:txBody>
+          <a:bodyPr anchorCtr="0" anchor="ctr" bIns="91425" lIns="91425" spcFirstLastPara="1" rIns="91425" wrap="square" tIns="91425">
+            <a:noAutofit/>
+          </a:bodyPr>
+          <a:lstStyle/>
+          <a:p>
+            <a:pPr indent="0" lvl="0" marL="0" rtl="0" algn="ctr">
+              <a:spcBef>
+                <a:spcPts val="0"/>
+              </a:spcBef>
+              <a:spcAft>
+                <a:spcPts val="0"/>
+              </a:spcAft>
+              <a:buNone/>
+            </a:pPr>
+            <a:r>
+              <a:rPr lang="en"/>
+              <a:t>DOM - </a:t>
+            </a:r>
+            <a:r>
+              <a:rPr lang="en"/>
+              <a:t>Bubbling</a:t>
+            </a:r>
+            <a:r>
+              <a:rPr lang="en"/>
+              <a:t> &amp; Delegation</a:t>
+            </a:r>
+            <a:endParaRPr/>
+          </a:p>
+        </p:txBody>
+      </p:sp>
+      <p:sp>
+        <p:nvSpPr>
+          <p:cNvPr id="400" name="Google Shape;400;p54"/>
+          <p:cNvSpPr txBox="1"/>
+          <p:nvPr>
+            <p:ph idx="12" type="sldNum"/>
+          </p:nvPr>
+        </p:nvSpPr>
+        <p:spPr>
+          <a:xfrm>
+            <a:off x="8490250" y="4681009"/>
+            <a:ext cx="548700" cy="393600"/>
+          </a:xfrm>
+          <a:prstGeom prst="rect">
+            <a:avLst/>
+          </a:prstGeom>
+        </p:spPr>
+        <p:txBody>
+          <a:bodyPr anchorCtr="0" anchor="ctr" bIns="91425" lIns="91425" spcFirstLastPara="1" rIns="91425" wrap="square" tIns="91425">
+            <a:noAutofit/>
+          </a:bodyPr>
+          <a:lstStyle/>
+          <a:p>
+            <a:pPr indent="0" lvl="0" marL="0" rtl="0" algn="r">
+              <a:spcBef>
+                <a:spcPts val="0"/>
+              </a:spcBef>
+              <a:spcAft>
+                <a:spcPts val="0"/>
+              </a:spcAft>
+              <a:buNone/>
+            </a:pPr>
+            <a:fld id="{00000000-1234-1234-1234-123412341234}" type="slidenum">
+              <a:rPr lang="en"/>
+              <a:t>‹#›</a:t>
+            </a:fld>
+            <a:endParaRPr/>
+          </a:p>
+        </p:txBody>
+      </p:sp>
+      <p:sp>
+        <p:nvSpPr>
+          <p:cNvPr id="401" name="Google Shape;401;p54"/>
+          <p:cNvSpPr txBox="1"/>
+          <p:nvPr/>
+        </p:nvSpPr>
+        <p:spPr>
+          <a:xfrm>
+            <a:off x="224475" y="146400"/>
+            <a:ext cx="468600" cy="234300"/>
+          </a:xfrm>
+          <a:prstGeom prst="rect">
+            <a:avLst/>
+          </a:prstGeom>
+          <a:noFill/>
+          <a:ln>
+            <a:noFill/>
+          </a:ln>
+        </p:spPr>
+        <p:txBody>
+          <a:bodyPr anchorCtr="0" anchor="t" bIns="91425" lIns="91425" spcFirstLastPara="1" rIns="91425" wrap="square" tIns="91425">
+            <a:noAutofit/>
+          </a:bodyPr>
+          <a:lstStyle/>
+          <a:p>
+            <a:pPr indent="0" lvl="0" marL="0" rtl="0" algn="l">
+              <a:spcBef>
+                <a:spcPts val="0"/>
+              </a:spcBef>
+              <a:spcAft>
+                <a:spcPts val="0"/>
+              </a:spcAft>
+              <a:buNone/>
+            </a:pPr>
+            <a:r>
+              <a:rPr lang="en" sz="1800">
+                <a:solidFill>
+                  <a:srgbClr val="FFFFFF"/>
+                </a:solidFill>
+                <a:latin typeface="Average"/>
+                <a:ea typeface="Average"/>
+                <a:cs typeface="Average"/>
+                <a:sym typeface="Average"/>
+              </a:rPr>
+              <a:t>-3-</a:t>
+            </a:r>
+            <a:endParaRPr sz="1800">
+              <a:solidFill>
+                <a:srgbClr val="FFFFFF"/>
+              </a:solidFill>
+              <a:latin typeface="Average"/>
+              <a:ea typeface="Average"/>
+              <a:cs typeface="Average"/>
+              <a:sym typeface="Average"/>
+            </a:endParaRPr>
+          </a:p>
+        </p:txBody>
+      </p:sp>
+    </p:spTree>
+  </p:cSld>
+  <p:clrMapOvr>
+    <a:masterClrMapping/>
+  </p:clrMapOvr>
+</p:sld>
+</file>
+
+<file path=ppt/slides/slide43.xml><?xml version="1.0" encoding="utf-8"?>
+<p:sld xmlns:a="http://schemas.openxmlformats.org/drawingml/2006/main" xmlns:r="http://schemas.openxmlformats.org/officeDocument/2006/relationships" xmlns:mc="http://schemas.openxmlformats.org/markup-compatibility/2006" xmlns:mv="urn:schemas-microsoft-com:mac:vml" xmlns:p="http://schemas.openxmlformats.org/presentationml/2006/main" xmlns:c="http://schemas.openxmlformats.org/drawingml/2006/chart" xmlns:dgm="http://schemas.openxmlformats.org/drawingml/2006/diagram" xmlns:o="urn:schemas-microsoft-com:office:office" xmlns:v="urn:schemas-microsoft-com:vml" xmlns:pvml="urn:schemas-microsoft-com:office:powerpoint" xmlns:com="http://schemas.openxmlformats.org/drawingml/2006/compatibility" xmlns:p14="http://schemas.microsoft.com/office/powerpoint/2010/main" xmlns:p15="http://schemas.microsoft.com/office/powerpoint/2012/main">
+  <p:cSld>
+    <p:spTree>
+      <p:nvGrpSpPr>
+        <p:cNvPr id="405" name="Shape 405"/>
+        <p:cNvGrpSpPr/>
+        <p:nvPr/>
+      </p:nvGrpSpPr>
+      <p:grpSpPr>
+        <a:xfrm>
+          <a:off x="0" y="0"/>
+          <a:ext cx="0" cy="0"/>
+          <a:chOff x="0" y="0"/>
+          <a:chExt cx="0" cy="0"/>
+        </a:xfrm>
+      </p:grpSpPr>
+      <p:sp>
+        <p:nvSpPr>
+          <p:cNvPr id="406" name="Google Shape;406;p55"/>
+          <p:cNvSpPr txBox="1"/>
+          <p:nvPr>
+            <p:ph type="title"/>
+          </p:nvPr>
+        </p:nvSpPr>
+        <p:spPr>
+          <a:xfrm>
+            <a:off x="671250" y="2141250"/>
+            <a:ext cx="7852200" cy="861000"/>
+          </a:xfrm>
+          <a:prstGeom prst="rect">
+            <a:avLst/>
+          </a:prstGeom>
+        </p:spPr>
+        <p:txBody>
+          <a:bodyPr anchorCtr="0" anchor="ctr" bIns="91425" lIns="91425" spcFirstLastPara="1" rIns="91425" wrap="square" tIns="91425">
+            <a:noAutofit/>
+          </a:bodyPr>
+          <a:lstStyle/>
+          <a:p>
+            <a:pPr indent="0" lvl="0" marL="0" rtl="0" algn="ctr">
+              <a:spcBef>
+                <a:spcPts val="0"/>
+              </a:spcBef>
+              <a:spcAft>
+                <a:spcPts val="0"/>
+              </a:spcAft>
+              <a:buNone/>
+            </a:pPr>
+            <a:r>
+              <a:rPr lang="en"/>
+              <a:t>DOM - Local Session Storage</a:t>
+            </a:r>
+            <a:endParaRPr/>
+          </a:p>
+        </p:txBody>
+      </p:sp>
+      <p:sp>
+        <p:nvSpPr>
+          <p:cNvPr id="407" name="Google Shape;407;p55"/>
+          <p:cNvSpPr txBox="1"/>
+          <p:nvPr>
+            <p:ph idx="12" type="sldNum"/>
+          </p:nvPr>
+        </p:nvSpPr>
+        <p:spPr>
+          <a:xfrm>
+            <a:off x="8490250" y="4681009"/>
+            <a:ext cx="548700" cy="393600"/>
+          </a:xfrm>
+          <a:prstGeom prst="rect">
+            <a:avLst/>
+          </a:prstGeom>
+        </p:spPr>
+        <p:txBody>
+          <a:bodyPr anchorCtr="0" anchor="ctr" bIns="91425" lIns="91425" spcFirstLastPara="1" rIns="91425" wrap="square" tIns="91425">
+            <a:noAutofit/>
+          </a:bodyPr>
+          <a:lstStyle/>
+          <a:p>
+            <a:pPr indent="0" lvl="0" marL="0" rtl="0" algn="r">
+              <a:spcBef>
+                <a:spcPts val="0"/>
+              </a:spcBef>
+              <a:spcAft>
+                <a:spcPts val="0"/>
+              </a:spcAft>
+              <a:buNone/>
+            </a:pPr>
+            <a:fld id="{00000000-1234-1234-1234-123412341234}" type="slidenum">
+              <a:rPr lang="en"/>
+              <a:t>‹#›</a:t>
+            </a:fld>
+            <a:endParaRPr/>
+          </a:p>
+        </p:txBody>
+      </p:sp>
+      <p:sp>
+        <p:nvSpPr>
+          <p:cNvPr id="408" name="Google Shape;408;p55"/>
           <p:cNvSpPr txBox="1"/>
           <p:nvPr/>
         </p:nvSpPr>
@@ -19464,6 +23715,285 @@
 </file>
 
 <file path=ppt/theme/theme1.xml><?xml version="1.0" encoding="utf-8"?>
+<a:theme xmlns:a="http://schemas.openxmlformats.org/drawingml/2006/main" xmlns:r="http://schemas.openxmlformats.org/officeDocument/2006/relationships">
+  <a:themeElements>
+    <a:clrScheme name="Default">
+      <a:dk1>
+        <a:srgbClr val="000000"/>
+      </a:dk1>
+      <a:lt1>
+        <a:srgbClr val="FFFFFF"/>
+      </a:lt1>
+      <a:dk2>
+        <a:srgbClr val="158158"/>
+      </a:dk2>
+      <a:lt2>
+        <a:srgbClr val="F3F3F3"/>
+      </a:lt2>
+      <a:accent1>
+        <a:srgbClr val="058DC7"/>
+      </a:accent1>
+      <a:accent2>
+        <a:srgbClr val="50B432"/>
+      </a:accent2>
+      <a:accent3>
+        <a:srgbClr val="ED561B"/>
+      </a:accent3>
+      <a:accent4>
+        <a:srgbClr val="EDEF00"/>
+      </a:accent4>
+      <a:accent5>
+        <a:srgbClr val="24CBE5"/>
+      </a:accent5>
+      <a:accent6>
+        <a:srgbClr val="64E572"/>
+      </a:accent6>
+      <a:hlink>
+        <a:srgbClr val="2200CC"/>
+      </a:hlink>
+      <a:folHlink>
+        <a:srgbClr val="551A8B"/>
+      </a:folHlink>
+    </a:clrScheme>
+    <a:fontScheme name="Office">
+      <a:majorFont>
+        <a:latin typeface="Arial"/>
+        <a:ea typeface=""/>
+        <a:cs typeface=""/>
+        <a:font script="Jpan" typeface="ＭＳ Ｐゴシック"/>
+        <a:font script="Hang" typeface="맑은 고딕"/>
+        <a:font script="Hans" typeface="宋体"/>
+        <a:font script="Hant" typeface="新細明體"/>
+        <a:font script="Arab" typeface="Times New Roman"/>
+        <a:font script="Hebr" typeface="Times New Roman"/>
+        <a:font script="Thai" typeface="Angsana New"/>
+        <a:font script="Ethi" typeface="Nyala"/>
+        <a:font script="Beng" typeface="Vrinda"/>
+        <a:font script="Gujr" typeface="Shruti"/>
+        <a:font script="Khmr" typeface="MoolBoran"/>
+        <a:font script="Knda" typeface="Tunga"/>
+        <a:font script="Guru" typeface="Raavi"/>
+        <a:font script="Cans" typeface="Euphemia"/>
+        <a:font script="Cher" typeface="Plantagenet Cherokee"/>
+        <a:font script="Yiii" typeface="Microsoft Yi Baiti"/>
+        <a:font script="Tibt" typeface="Microsoft Himalaya"/>
+        <a:font script="Thaa" typeface="MV Boli"/>
+        <a:font script="Deva" typeface="Mangal"/>
+        <a:font script="Telu" typeface="Gautami"/>
+        <a:font script="Taml" typeface="Latha"/>
+        <a:font script="Syrc" typeface="Estrangelo Edessa"/>
+        <a:font script="Orya" typeface="Kalinga"/>
+        <a:font script="Mlym" typeface="Kartika"/>
+        <a:font script="Laoo" typeface="DokChampa"/>
+        <a:font script="Sinh" typeface="Iskoola Pota"/>
+        <a:font script="Mong" typeface="Mongolian Baiti"/>
+        <a:font script="Viet" typeface="Times New Roman"/>
+        <a:font script="Uigh" typeface="Microsoft Uighur"/>
+        <a:font script="Geor" typeface="Sylfaen"/>
+      </a:majorFont>
+      <a:minorFont>
+        <a:latin typeface="Arial"/>
+        <a:ea typeface=""/>
+        <a:cs typeface=""/>
+        <a:font script="Jpan" typeface="ＭＳ Ｐゴシック"/>
+        <a:font script="Hang" typeface="맑은 고딕"/>
+        <a:font script="Hans" typeface="宋体"/>
+        <a:font script="Hant" typeface="新細明體"/>
+        <a:font script="Arab" typeface="Arial"/>
+        <a:font script="Hebr" typeface="Arial"/>
+        <a:font script="Thai" typeface="Cordia New"/>
+        <a:font script="Ethi" typeface="Nyala"/>
+        <a:font script="Beng" typeface="Vrinda"/>
+        <a:font script="Gujr" typeface="Shruti"/>
+        <a:font script="Khmr" typeface="DaunPenh"/>
+        <a:font script="Knda" typeface="Tunga"/>
+        <a:font script="Guru" typeface="Raavi"/>
+        <a:font script="Cans" typeface="Euphemia"/>
+        <a:font script="Cher" typeface="Plantagenet Cherokee"/>
+        <a:font script="Yiii" typeface="Microsoft Yi Baiti"/>
+        <a:font script="Tibt" typeface="Microsoft Himalaya"/>
+        <a:font script="Thaa" typeface="MV Boli"/>
+        <a:font script="Deva" typeface="Mangal"/>
+        <a:font script="Telu" typeface="Gautami"/>
+        <a:font script="Taml" typeface="Latha"/>
+        <a:font script="Syrc" typeface="Estrangelo Edessa"/>
+        <a:font script="Orya" typeface="Kalinga"/>
+        <a:font script="Mlym" typeface="Kartika"/>
+        <a:font script="Laoo" typeface="DokChampa"/>
+        <a:font script="Sinh" typeface="Iskoola Pota"/>
+        <a:font script="Mong" typeface="Mongolian Baiti"/>
+        <a:font script="Viet" typeface="Arial"/>
+        <a:font script="Uigh" typeface="Microsoft Uighur"/>
+        <a:font script="Geor" typeface="Sylfaen"/>
+      </a:minorFont>
+    </a:fontScheme>
+    <a:fmtScheme name="Office">
+      <a:fillStyleLst>
+        <a:solidFill>
+          <a:schemeClr val="phClr"/>
+        </a:solidFill>
+        <a:gradFill rotWithShape="1">
+          <a:gsLst>
+            <a:gs pos="0">
+              <a:schemeClr val="phClr">
+                <a:tint val="50000"/>
+                <a:satMod val="300000"/>
+              </a:schemeClr>
+            </a:gs>
+            <a:gs pos="35000">
+              <a:schemeClr val="phClr">
+                <a:tint val="37000"/>
+                <a:satMod val="300000"/>
+              </a:schemeClr>
+            </a:gs>
+            <a:gs pos="100000">
+              <a:schemeClr val="phClr">
+                <a:tint val="15000"/>
+                <a:satMod val="350000"/>
+              </a:schemeClr>
+            </a:gs>
+          </a:gsLst>
+          <a:lin ang="16200000" scaled="1"/>
+        </a:gradFill>
+        <a:gradFill rotWithShape="1">
+          <a:gsLst>
+            <a:gs pos="0">
+              <a:schemeClr val="phClr">
+                <a:tint val="100000"/>
+                <a:shade val="100000"/>
+                <a:satMod val="130000"/>
+              </a:schemeClr>
+            </a:gs>
+            <a:gs pos="100000">
+              <a:schemeClr val="phClr">
+                <a:tint val="50000"/>
+                <a:shade val="100000"/>
+                <a:satMod val="350000"/>
+              </a:schemeClr>
+            </a:gs>
+          </a:gsLst>
+          <a:lin ang="16200000" scaled="0"/>
+        </a:gradFill>
+      </a:fillStyleLst>
+      <a:lnStyleLst>
+        <a:ln w="9525" cap="flat" cmpd="sng" algn="ctr">
+          <a:solidFill>
+            <a:schemeClr val="phClr">
+              <a:shade val="95000"/>
+              <a:satMod val="105000"/>
+            </a:schemeClr>
+          </a:solidFill>
+          <a:prstDash val="solid"/>
+        </a:ln>
+        <a:ln w="25400" cap="flat" cmpd="sng" algn="ctr">
+          <a:solidFill>
+            <a:schemeClr val="phClr"/>
+          </a:solidFill>
+          <a:prstDash val="solid"/>
+        </a:ln>
+        <a:ln w="38100" cap="flat" cmpd="sng" algn="ctr">
+          <a:solidFill>
+            <a:schemeClr val="phClr"/>
+          </a:solidFill>
+          <a:prstDash val="solid"/>
+        </a:ln>
+      </a:lnStyleLst>
+      <a:effectStyleLst>
+        <a:effectStyle>
+          <a:effectLst>
+            <a:outerShdw blurRad="40000" dist="20000" dir="5400000" rotWithShape="0">
+              <a:srgbClr val="000000">
+                <a:alpha val="38000"/>
+              </a:srgbClr>
+            </a:outerShdw>
+          </a:effectLst>
+        </a:effectStyle>
+        <a:effectStyle>
+          <a:effectLst>
+            <a:outerShdw blurRad="40000" dist="23000" dir="5400000" rotWithShape="0">
+              <a:srgbClr val="000000">
+                <a:alpha val="35000"/>
+              </a:srgbClr>
+            </a:outerShdw>
+          </a:effectLst>
+        </a:effectStyle>
+        <a:effectStyle>
+          <a:effectLst>
+            <a:outerShdw blurRad="40000" dist="23000" dir="5400000" rotWithShape="0">
+              <a:srgbClr val="000000">
+                <a:alpha val="35000"/>
+              </a:srgbClr>
+            </a:outerShdw>
+          </a:effectLst>
+          <a:scene3d>
+            <a:camera prst="orthographicFront">
+              <a:rot lat="0" lon="0" rev="0"/>
+            </a:camera>
+            <a:lightRig rig="threePt" dir="t">
+              <a:rot lat="0" lon="0" rev="1200000"/>
+            </a:lightRig>
+          </a:scene3d>
+          <a:sp3d>
+            <a:bevelT w="63500" h="25400"/>
+          </a:sp3d>
+        </a:effectStyle>
+      </a:effectStyleLst>
+      <a:bgFillStyleLst>
+        <a:solidFill>
+          <a:schemeClr val="phClr"/>
+        </a:solidFill>
+        <a:gradFill rotWithShape="1">
+          <a:gsLst>
+            <a:gs pos="0">
+              <a:schemeClr val="phClr">
+                <a:tint val="40000"/>
+                <a:satMod val="350000"/>
+              </a:schemeClr>
+            </a:gs>
+            <a:gs pos="40000">
+              <a:schemeClr val="phClr">
+                <a:tint val="45000"/>
+                <a:shade val="99000"/>
+                <a:satMod val="350000"/>
+              </a:schemeClr>
+            </a:gs>
+            <a:gs pos="100000">
+              <a:schemeClr val="phClr">
+                <a:shade val="20000"/>
+                <a:satMod val="255000"/>
+              </a:schemeClr>
+            </a:gs>
+          </a:gsLst>
+          <a:path path="circle">
+            <a:fillToRect l="50000" t="-80000" r="50000" b="180000"/>
+          </a:path>
+        </a:gradFill>
+        <a:gradFill rotWithShape="1">
+          <a:gsLst>
+            <a:gs pos="0">
+              <a:schemeClr val="phClr">
+                <a:tint val="80000"/>
+                <a:satMod val="300000"/>
+              </a:schemeClr>
+            </a:gs>
+            <a:gs pos="100000">
+              <a:schemeClr val="phClr">
+                <a:shade val="30000"/>
+                <a:satMod val="200000"/>
+              </a:schemeClr>
+            </a:gs>
+          </a:gsLst>
+          <a:path path="circle">
+            <a:fillToRect l="50000" t="50000" r="50000" b="50000"/>
+          </a:path>
+        </a:gradFill>
+      </a:bgFillStyleLst>
+    </a:fmtScheme>
+  </a:themeElements>
+</a:theme>
+</file>
+
+<file path=ppt/theme/theme2.xml><?xml version="1.0" encoding="utf-8"?>
 <a:theme xmlns:a="http://schemas.openxmlformats.org/drawingml/2006/main" xmlns:r="http://schemas.openxmlformats.org/officeDocument/2006/relationships" name="Slate">
   <a:themeElements>
     <a:clrScheme name="Slate">
@@ -19740,283 +24270,4 @@
     </a:fmtScheme>
   </a:themeElements>
 </a:theme>
-</file>
-
-<file path=ppt/theme/theme2.xml><?xml version="1.0" encoding="utf-8"?>
-<a:theme xmlns:a="http://schemas.openxmlformats.org/drawingml/2006/main" xmlns:r="http://schemas.openxmlformats.org/officeDocument/2006/relationships">
-  <a:themeElements>
-    <a:clrScheme name="Default">
-      <a:dk1>
-        <a:srgbClr val="000000"/>
-      </a:dk1>
-      <a:lt1>
-        <a:srgbClr val="FFFFFF"/>
-      </a:lt1>
-      <a:dk2>
-        <a:srgbClr val="158158"/>
-      </a:dk2>
-      <a:lt2>
-        <a:srgbClr val="F3F3F3"/>
-      </a:lt2>
-      <a:accent1>
-        <a:srgbClr val="058DC7"/>
-      </a:accent1>
-      <a:accent2>
-        <a:srgbClr val="50B432"/>
-      </a:accent2>
-      <a:accent3>
-        <a:srgbClr val="ED561B"/>
-      </a:accent3>
-      <a:accent4>
-        <a:srgbClr val="EDEF00"/>
-      </a:accent4>
-      <a:accent5>
-        <a:srgbClr val="24CBE5"/>
-      </a:accent5>
-      <a:accent6>
-        <a:srgbClr val="64E572"/>
-      </a:accent6>
-      <a:hlink>
-        <a:srgbClr val="2200CC"/>
-      </a:hlink>
-      <a:folHlink>
-        <a:srgbClr val="551A8B"/>
-      </a:folHlink>
-    </a:clrScheme>
-    <a:fontScheme name="Office">
-      <a:majorFont>
-        <a:latin typeface="Arial"/>
-        <a:ea typeface=""/>
-        <a:cs typeface=""/>
-        <a:font script="Jpan" typeface="ＭＳ Ｐゴシック"/>
-        <a:font script="Hang" typeface="맑은 고딕"/>
-        <a:font script="Hans" typeface="宋体"/>
-        <a:font script="Hant" typeface="新細明體"/>
-        <a:font script="Arab" typeface="Times New Roman"/>
-        <a:font script="Hebr" typeface="Times New Roman"/>
-        <a:font script="Thai" typeface="Angsana New"/>
-        <a:font script="Ethi" typeface="Nyala"/>
-        <a:font script="Beng" typeface="Vrinda"/>
-        <a:font script="Gujr" typeface="Shruti"/>
-        <a:font script="Khmr" typeface="MoolBoran"/>
-        <a:font script="Knda" typeface="Tunga"/>
-        <a:font script="Guru" typeface="Raavi"/>
-        <a:font script="Cans" typeface="Euphemia"/>
-        <a:font script="Cher" typeface="Plantagenet Cherokee"/>
-        <a:font script="Yiii" typeface="Microsoft Yi Baiti"/>
-        <a:font script="Tibt" typeface="Microsoft Himalaya"/>
-        <a:font script="Thaa" typeface="MV Boli"/>
-        <a:font script="Deva" typeface="Mangal"/>
-        <a:font script="Telu" typeface="Gautami"/>
-        <a:font script="Taml" typeface="Latha"/>
-        <a:font script="Syrc" typeface="Estrangelo Edessa"/>
-        <a:font script="Orya" typeface="Kalinga"/>
-        <a:font script="Mlym" typeface="Kartika"/>
-        <a:font script="Laoo" typeface="DokChampa"/>
-        <a:font script="Sinh" typeface="Iskoola Pota"/>
-        <a:font script="Mong" typeface="Mongolian Baiti"/>
-        <a:font script="Viet" typeface="Times New Roman"/>
-        <a:font script="Uigh" typeface="Microsoft Uighur"/>
-        <a:font script="Geor" typeface="Sylfaen"/>
-      </a:majorFont>
-      <a:minorFont>
-        <a:latin typeface="Arial"/>
-        <a:ea typeface=""/>
-        <a:cs typeface=""/>
-        <a:font script="Jpan" typeface="ＭＳ Ｐゴシック"/>
-        <a:font script="Hang" typeface="맑은 고딕"/>
-        <a:font script="Hans" typeface="宋体"/>
-        <a:font script="Hant" typeface="新細明體"/>
-        <a:font script="Arab" typeface="Arial"/>
-        <a:font script="Hebr" typeface="Arial"/>
-        <a:font script="Thai" typeface="Cordia New"/>
-        <a:font script="Ethi" typeface="Nyala"/>
-        <a:font script="Beng" typeface="Vrinda"/>
-        <a:font script="Gujr" typeface="Shruti"/>
-        <a:font script="Khmr" typeface="DaunPenh"/>
-        <a:font script="Knda" typeface="Tunga"/>
-        <a:font script="Guru" typeface="Raavi"/>
-        <a:font script="Cans" typeface="Euphemia"/>
-        <a:font script="Cher" typeface="Plantagenet Cherokee"/>
-        <a:font script="Yiii" typeface="Microsoft Yi Baiti"/>
-        <a:font script="Tibt" typeface="Microsoft Himalaya"/>
-        <a:font script="Thaa" typeface="MV Boli"/>
-        <a:font script="Deva" typeface="Mangal"/>
-        <a:font script="Telu" typeface="Gautami"/>
-        <a:font script="Taml" typeface="Latha"/>
-        <a:font script="Syrc" typeface="Estrangelo Edessa"/>
-        <a:font script="Orya" typeface="Kalinga"/>
-        <a:font script="Mlym" typeface="Kartika"/>
-        <a:font script="Laoo" typeface="DokChampa"/>
-        <a:font script="Sinh" typeface="Iskoola Pota"/>
-        <a:font script="Mong" typeface="Mongolian Baiti"/>
-        <a:font script="Viet" typeface="Arial"/>
-        <a:font script="Uigh" typeface="Microsoft Uighur"/>
-        <a:font script="Geor" typeface="Sylfaen"/>
-      </a:minorFont>
-    </a:fontScheme>
-    <a:fmtScheme name="Office">
-      <a:fillStyleLst>
-        <a:solidFill>
-          <a:schemeClr val="phClr"/>
-        </a:solidFill>
-        <a:gradFill rotWithShape="1">
-          <a:gsLst>
-            <a:gs pos="0">
-              <a:schemeClr val="phClr">
-                <a:tint val="50000"/>
-                <a:satMod val="300000"/>
-              </a:schemeClr>
-            </a:gs>
-            <a:gs pos="35000">
-              <a:schemeClr val="phClr">
-                <a:tint val="37000"/>
-                <a:satMod val="300000"/>
-              </a:schemeClr>
-            </a:gs>
-            <a:gs pos="100000">
-              <a:schemeClr val="phClr">
-                <a:tint val="15000"/>
-                <a:satMod val="350000"/>
-              </a:schemeClr>
-            </a:gs>
-          </a:gsLst>
-          <a:lin ang="16200000" scaled="1"/>
-        </a:gradFill>
-        <a:gradFill rotWithShape="1">
-          <a:gsLst>
-            <a:gs pos="0">
-              <a:schemeClr val="phClr">
-                <a:tint val="100000"/>
-                <a:shade val="100000"/>
-                <a:satMod val="130000"/>
-              </a:schemeClr>
-            </a:gs>
-            <a:gs pos="100000">
-              <a:schemeClr val="phClr">
-                <a:tint val="50000"/>
-                <a:shade val="100000"/>
-                <a:satMod val="350000"/>
-              </a:schemeClr>
-            </a:gs>
-          </a:gsLst>
-          <a:lin ang="16200000" scaled="0"/>
-        </a:gradFill>
-      </a:fillStyleLst>
-      <a:lnStyleLst>
-        <a:ln w="9525" cap="flat" cmpd="sng" algn="ctr">
-          <a:solidFill>
-            <a:schemeClr val="phClr">
-              <a:shade val="95000"/>
-              <a:satMod val="105000"/>
-            </a:schemeClr>
-          </a:solidFill>
-          <a:prstDash val="solid"/>
-        </a:ln>
-        <a:ln w="25400" cap="flat" cmpd="sng" algn="ctr">
-          <a:solidFill>
-            <a:schemeClr val="phClr"/>
-          </a:solidFill>
-          <a:prstDash val="solid"/>
-        </a:ln>
-        <a:ln w="38100" cap="flat" cmpd="sng" algn="ctr">
-          <a:solidFill>
-            <a:schemeClr val="phClr"/>
-          </a:solidFill>
-          <a:prstDash val="solid"/>
-        </a:ln>
-      </a:lnStyleLst>
-      <a:effectStyleLst>
-        <a:effectStyle>
-          <a:effectLst>
-            <a:outerShdw blurRad="40000" dist="20000" dir="5400000" rotWithShape="0">
-              <a:srgbClr val="000000">
-                <a:alpha val="38000"/>
-              </a:srgbClr>
-            </a:outerShdw>
-          </a:effectLst>
-        </a:effectStyle>
-        <a:effectStyle>
-          <a:effectLst>
-            <a:outerShdw blurRad="40000" dist="23000" dir="5400000" rotWithShape="0">
-              <a:srgbClr val="000000">
-                <a:alpha val="35000"/>
-              </a:srgbClr>
-            </a:outerShdw>
-          </a:effectLst>
-        </a:effectStyle>
-        <a:effectStyle>
-          <a:effectLst>
-            <a:outerShdw blurRad="40000" dist="23000" dir="5400000" rotWithShape="0">
-              <a:srgbClr val="000000">
-                <a:alpha val="35000"/>
-              </a:srgbClr>
-            </a:outerShdw>
-          </a:effectLst>
-          <a:scene3d>
-            <a:camera prst="orthographicFront">
-              <a:rot lat="0" lon="0" rev="0"/>
-            </a:camera>
-            <a:lightRig rig="threePt" dir="t">
-              <a:rot lat="0" lon="0" rev="1200000"/>
-            </a:lightRig>
-          </a:scene3d>
-          <a:sp3d>
-            <a:bevelT w="63500" h="25400"/>
-          </a:sp3d>
-        </a:effectStyle>
-      </a:effectStyleLst>
-      <a:bgFillStyleLst>
-        <a:solidFill>
-          <a:schemeClr val="phClr"/>
-        </a:solidFill>
-        <a:gradFill rotWithShape="1">
-          <a:gsLst>
-            <a:gs pos="0">
-              <a:schemeClr val="phClr">
-                <a:tint val="40000"/>
-                <a:satMod val="350000"/>
-              </a:schemeClr>
-            </a:gs>
-            <a:gs pos="40000">
-              <a:schemeClr val="phClr">
-                <a:tint val="45000"/>
-                <a:shade val="99000"/>
-                <a:satMod val="350000"/>
-              </a:schemeClr>
-            </a:gs>
-            <a:gs pos="100000">
-              <a:schemeClr val="phClr">
-                <a:shade val="20000"/>
-                <a:satMod val="255000"/>
-              </a:schemeClr>
-            </a:gs>
-          </a:gsLst>
-          <a:path path="circle">
-            <a:fillToRect l="50000" t="-80000" r="50000" b="180000"/>
-          </a:path>
-        </a:gradFill>
-        <a:gradFill rotWithShape="1">
-          <a:gsLst>
-            <a:gs pos="0">
-              <a:schemeClr val="phClr">
-                <a:tint val="80000"/>
-                <a:satMod val="300000"/>
-              </a:schemeClr>
-            </a:gs>
-            <a:gs pos="100000">
-              <a:schemeClr val="phClr">
-                <a:shade val="30000"/>
-                <a:satMod val="200000"/>
-              </a:schemeClr>
-            </a:gs>
-          </a:gsLst>
-          <a:path path="circle">
-            <a:fillToRect l="50000" t="50000" r="50000" b="50000"/>
-          </a:path>
-        </a:gradFill>
-      </a:bgFillStyleLst>
-    </a:fmtScheme>
-  </a:themeElements>
-</a:theme>
 </file>
--- a/2020-WebDev_js.pptx
+++ b/2020-WebDev_js.pptx
@@ -50,31 +50,30 @@
     <p:sldId id="295" r:id="rId45"/>
     <p:sldId id="296" r:id="rId46"/>
     <p:sldId id="297" r:id="rId47"/>
-    <p:sldId id="298" r:id="rId48"/>
   </p:sldIdLst>
   <p:sldSz cy="5143500" cx="9144000"/>
   <p:notesSz cx="6858000" cy="9144000"/>
   <p:embeddedFontLst>
     <p:embeddedFont>
       <p:font typeface="Roboto Slab"/>
-      <p:regular r:id="rId49"/>
-      <p:bold r:id="rId50"/>
+      <p:regular r:id="rId48"/>
+      <p:bold r:id="rId49"/>
     </p:embeddedFont>
     <p:embeddedFont>
       <p:font typeface="Raleway"/>
-      <p:regular r:id="rId51"/>
-      <p:bold r:id="rId52"/>
-      <p:italic r:id="rId53"/>
-      <p:boldItalic r:id="rId54"/>
+      <p:regular r:id="rId50"/>
+      <p:bold r:id="rId51"/>
+      <p:italic r:id="rId52"/>
+      <p:boldItalic r:id="rId53"/>
     </p:embeddedFont>
     <p:embeddedFont>
       <p:font typeface="Average"/>
-      <p:regular r:id="rId55"/>
+      <p:regular r:id="rId54"/>
     </p:embeddedFont>
     <p:embeddedFont>
       <p:font typeface="Oswald"/>
-      <p:regular r:id="rId56"/>
-      <p:bold r:id="rId57"/>
+      <p:regular r:id="rId55"/>
+      <p:bold r:id="rId56"/>
     </p:embeddedFont>
   </p:embeddedFontLst>
   <p:defaultTextStyle>
@@ -4334,7 +4333,7 @@
       </p:grpSpPr>
       <p:sp>
         <p:nvSpPr>
-          <p:cNvPr id="396" name="Google Shape;396;g7e3254e85e_0_80:notes"/>
+          <p:cNvPr id="396" name="Google Shape;396;g7e3254e85e_0_86:notes"/>
           <p:cNvSpPr/>
           <p:nvPr>
             <p:ph idx="2" type="sldImg"/>
@@ -4369,106 +4368,7 @@
       </p:sp>
       <p:sp>
         <p:nvSpPr>
-          <p:cNvPr id="397" name="Google Shape;397;g7e3254e85e_0_80:notes"/>
-          <p:cNvSpPr txBox="1"/>
-          <p:nvPr>
-            <p:ph idx="1" type="body"/>
-          </p:nvPr>
-        </p:nvSpPr>
-        <p:spPr>
-          <a:xfrm>
-            <a:off x="685800" y="4343400"/>
-            <a:ext cx="5486400" cy="4114800"/>
-          </a:xfrm>
-          <a:prstGeom prst="rect">
-            <a:avLst/>
-          </a:prstGeom>
-        </p:spPr>
-        <p:txBody>
-          <a:bodyPr anchorCtr="0" anchor="t" bIns="91425" lIns="91425" spcFirstLastPara="1" rIns="91425" wrap="square" tIns="91425">
-            <a:noAutofit/>
-          </a:bodyPr>
-          <a:lstStyle/>
-          <a:p>
-            <a:pPr indent="0" lvl="0" marL="0" rtl="0" algn="l">
-              <a:spcBef>
-                <a:spcPts val="0"/>
-              </a:spcBef>
-              <a:spcAft>
-                <a:spcPts val="0"/>
-              </a:spcAft>
-              <a:buNone/>
-            </a:pPr>
-            <a:r>
-              <a:t/>
-            </a:r>
-            <a:endParaRPr/>
-          </a:p>
-        </p:txBody>
-      </p:sp>
-    </p:spTree>
-  </p:cSld>
-  <p:clrMapOvr>
-    <a:masterClrMapping/>
-  </p:clrMapOvr>
-</p:notes>
-</file>
-
-<file path=ppt/notesSlides/notesSlide43.xml><?xml version="1.0" encoding="utf-8"?>
-<p:notes xmlns:a="http://schemas.openxmlformats.org/drawingml/2006/main" xmlns:r="http://schemas.openxmlformats.org/officeDocument/2006/relationships" xmlns:mc="http://schemas.openxmlformats.org/markup-compatibility/2006" xmlns:mv="urn:schemas-microsoft-com:mac:vml" xmlns:p="http://schemas.openxmlformats.org/presentationml/2006/main" xmlns:c="http://schemas.openxmlformats.org/drawingml/2006/chart" xmlns:dgm="http://schemas.openxmlformats.org/drawingml/2006/diagram" xmlns:o="urn:schemas-microsoft-com:office:office" xmlns:v="urn:schemas-microsoft-com:vml" xmlns:pvml="urn:schemas-microsoft-com:office:powerpoint" xmlns:com="http://schemas.openxmlformats.org/drawingml/2006/compatibility" xmlns:p14="http://schemas.microsoft.com/office/powerpoint/2010/main" xmlns:p15="http://schemas.microsoft.com/office/powerpoint/2012/main" showMasterPhAnim="0" showMasterSp="0">
-  <p:cSld>
-    <p:spTree>
-      <p:nvGrpSpPr>
-        <p:cNvPr id="402" name="Shape 402"/>
-        <p:cNvGrpSpPr/>
-        <p:nvPr/>
-      </p:nvGrpSpPr>
-      <p:grpSpPr>
-        <a:xfrm>
-          <a:off x="0" y="0"/>
-          <a:ext cx="0" cy="0"/>
-          <a:chOff x="0" y="0"/>
-          <a:chExt cx="0" cy="0"/>
-        </a:xfrm>
-      </p:grpSpPr>
-      <p:sp>
-        <p:nvSpPr>
-          <p:cNvPr id="403" name="Google Shape;403;g7e3254e85e_0_86:notes"/>
-          <p:cNvSpPr/>
-          <p:nvPr>
-            <p:ph idx="2" type="sldImg"/>
-          </p:nvPr>
-        </p:nvSpPr>
-        <p:spPr>
-          <a:xfrm>
-            <a:off x="381300" y="685800"/>
-            <a:ext cx="6096000" cy="3429000"/>
-          </a:xfrm>
-          <a:custGeom>
-            <a:rect b="b" l="l" r="r" t="t"/>
-            <a:pathLst>
-              <a:path extrusionOk="0" h="120000" w="120000">
-                <a:moveTo>
-                  <a:pt x="0" y="0"/>
-                </a:moveTo>
-                <a:lnTo>
-                  <a:pt x="120000" y="0"/>
-                </a:lnTo>
-                <a:lnTo>
-                  <a:pt x="120000" y="120000"/>
-                </a:lnTo>
-                <a:lnTo>
-                  <a:pt x="0" y="120000"/>
-                </a:lnTo>
-                <a:close/>
-              </a:path>
-            </a:pathLst>
-          </a:custGeom>
-        </p:spPr>
-      </p:sp>
-      <p:sp>
-        <p:nvSpPr>
-          <p:cNvPr id="404" name="Google Shape;404;g7e3254e85e_0_86:notes"/>
+          <p:cNvPr id="397" name="Google Shape;397;g7e3254e85e_0_86:notes"/>
           <p:cNvSpPr txBox="1"/>
           <p:nvPr>
             <p:ph idx="1" type="body"/>
@@ -19991,15 +19891,7 @@
             </a:pPr>
             <a:r>
               <a:rPr lang="en"/>
-              <a:t>DOM - </a:t>
-            </a:r>
-            <a:r>
-              <a:rPr lang="en"/>
-              <a:t>Bubbling</a:t>
-            </a:r>
-            <a:r>
-              <a:rPr lang="en"/>
-              <a:t> &amp; Delegation</a:t>
+              <a:t>DOM - Local Session Storage</a:t>
             </a:r>
             <a:endParaRPr/>
           </a:p>
@@ -20048,169 +19940,6 @@
       <p:sp>
         <p:nvSpPr>
           <p:cNvPr id="401" name="Google Shape;401;p54"/>
-          <p:cNvSpPr txBox="1"/>
-          <p:nvPr/>
-        </p:nvSpPr>
-        <p:spPr>
-          <a:xfrm>
-            <a:off x="224475" y="146400"/>
-            <a:ext cx="468600" cy="234300"/>
-          </a:xfrm>
-          <a:prstGeom prst="rect">
-            <a:avLst/>
-          </a:prstGeom>
-          <a:noFill/>
-          <a:ln>
-            <a:noFill/>
-          </a:ln>
-        </p:spPr>
-        <p:txBody>
-          <a:bodyPr anchorCtr="0" anchor="t" bIns="91425" lIns="91425" spcFirstLastPara="1" rIns="91425" wrap="square" tIns="91425">
-            <a:noAutofit/>
-          </a:bodyPr>
-          <a:lstStyle/>
-          <a:p>
-            <a:pPr indent="0" lvl="0" marL="0" rtl="0" algn="l">
-              <a:spcBef>
-                <a:spcPts val="0"/>
-              </a:spcBef>
-              <a:spcAft>
-                <a:spcPts val="0"/>
-              </a:spcAft>
-              <a:buNone/>
-            </a:pPr>
-            <a:r>
-              <a:rPr lang="en" sz="1800">
-                <a:solidFill>
-                  <a:srgbClr val="FFFFFF"/>
-                </a:solidFill>
-                <a:latin typeface="Average"/>
-                <a:ea typeface="Average"/>
-                <a:cs typeface="Average"/>
-                <a:sym typeface="Average"/>
-              </a:rPr>
-              <a:t>-3-</a:t>
-            </a:r>
-            <a:endParaRPr sz="1800">
-              <a:solidFill>
-                <a:srgbClr val="FFFFFF"/>
-              </a:solidFill>
-              <a:latin typeface="Average"/>
-              <a:ea typeface="Average"/>
-              <a:cs typeface="Average"/>
-              <a:sym typeface="Average"/>
-            </a:endParaRPr>
-          </a:p>
-        </p:txBody>
-      </p:sp>
-    </p:spTree>
-  </p:cSld>
-  <p:clrMapOvr>
-    <a:masterClrMapping/>
-  </p:clrMapOvr>
-</p:sld>
-</file>
-
-<file path=ppt/slides/slide43.xml><?xml version="1.0" encoding="utf-8"?>
-<p:sld xmlns:a="http://schemas.openxmlformats.org/drawingml/2006/main" xmlns:r="http://schemas.openxmlformats.org/officeDocument/2006/relationships" xmlns:mc="http://schemas.openxmlformats.org/markup-compatibility/2006" xmlns:mv="urn:schemas-microsoft-com:mac:vml" xmlns:p="http://schemas.openxmlformats.org/presentationml/2006/main" xmlns:c="http://schemas.openxmlformats.org/drawingml/2006/chart" xmlns:dgm="http://schemas.openxmlformats.org/drawingml/2006/diagram" xmlns:o="urn:schemas-microsoft-com:office:office" xmlns:v="urn:schemas-microsoft-com:vml" xmlns:pvml="urn:schemas-microsoft-com:office:powerpoint" xmlns:com="http://schemas.openxmlformats.org/drawingml/2006/compatibility" xmlns:p14="http://schemas.microsoft.com/office/powerpoint/2010/main" xmlns:p15="http://schemas.microsoft.com/office/powerpoint/2012/main">
-  <p:cSld>
-    <p:spTree>
-      <p:nvGrpSpPr>
-        <p:cNvPr id="405" name="Shape 405"/>
-        <p:cNvGrpSpPr/>
-        <p:nvPr/>
-      </p:nvGrpSpPr>
-      <p:grpSpPr>
-        <a:xfrm>
-          <a:off x="0" y="0"/>
-          <a:ext cx="0" cy="0"/>
-          <a:chOff x="0" y="0"/>
-          <a:chExt cx="0" cy="0"/>
-        </a:xfrm>
-      </p:grpSpPr>
-      <p:sp>
-        <p:nvSpPr>
-          <p:cNvPr id="406" name="Google Shape;406;p55"/>
-          <p:cNvSpPr txBox="1"/>
-          <p:nvPr>
-            <p:ph type="title"/>
-          </p:nvPr>
-        </p:nvSpPr>
-        <p:spPr>
-          <a:xfrm>
-            <a:off x="671250" y="2141250"/>
-            <a:ext cx="7852200" cy="861000"/>
-          </a:xfrm>
-          <a:prstGeom prst="rect">
-            <a:avLst/>
-          </a:prstGeom>
-        </p:spPr>
-        <p:txBody>
-          <a:bodyPr anchorCtr="0" anchor="ctr" bIns="91425" lIns="91425" spcFirstLastPara="1" rIns="91425" wrap="square" tIns="91425">
-            <a:noAutofit/>
-          </a:bodyPr>
-          <a:lstStyle/>
-          <a:p>
-            <a:pPr indent="0" lvl="0" marL="0" rtl="0" algn="ctr">
-              <a:spcBef>
-                <a:spcPts val="0"/>
-              </a:spcBef>
-              <a:spcAft>
-                <a:spcPts val="0"/>
-              </a:spcAft>
-              <a:buNone/>
-            </a:pPr>
-            <a:r>
-              <a:rPr lang="en"/>
-              <a:t>DOM - Local Session Storage</a:t>
-            </a:r>
-            <a:endParaRPr/>
-          </a:p>
-        </p:txBody>
-      </p:sp>
-      <p:sp>
-        <p:nvSpPr>
-          <p:cNvPr id="407" name="Google Shape;407;p55"/>
-          <p:cNvSpPr txBox="1"/>
-          <p:nvPr>
-            <p:ph idx="12" type="sldNum"/>
-          </p:nvPr>
-        </p:nvSpPr>
-        <p:spPr>
-          <a:xfrm>
-            <a:off x="8490250" y="4681009"/>
-            <a:ext cx="548700" cy="393600"/>
-          </a:xfrm>
-          <a:prstGeom prst="rect">
-            <a:avLst/>
-          </a:prstGeom>
-        </p:spPr>
-        <p:txBody>
-          <a:bodyPr anchorCtr="0" anchor="ctr" bIns="91425" lIns="91425" spcFirstLastPara="1" rIns="91425" wrap="square" tIns="91425">
-            <a:noAutofit/>
-          </a:bodyPr>
-          <a:lstStyle/>
-          <a:p>
-            <a:pPr indent="0" lvl="0" marL="0" rtl="0" algn="r">
-              <a:spcBef>
-                <a:spcPts val="0"/>
-              </a:spcBef>
-              <a:spcAft>
-                <a:spcPts val="0"/>
-              </a:spcAft>
-              <a:buNone/>
-            </a:pPr>
-            <a:fld id="{00000000-1234-1234-1234-123412341234}" type="slidenum">
-              <a:rPr lang="en"/>
-              <a:t>‹#›</a:t>
-            </a:fld>
-            <a:endParaRPr/>
-          </a:p>
-        </p:txBody>
-      </p:sp>
-      <p:sp>
-        <p:nvSpPr>
-          <p:cNvPr id="408" name="Google Shape;408;p55"/>
           <p:cNvSpPr txBox="1"/>
           <p:nvPr/>
         </p:nvSpPr>
@@ -23715,6 +23444,285 @@
 </file>
 
 <file path=ppt/theme/theme1.xml><?xml version="1.0" encoding="utf-8"?>
+<a:theme xmlns:a="http://schemas.openxmlformats.org/drawingml/2006/main" xmlns:r="http://schemas.openxmlformats.org/officeDocument/2006/relationships" name="Slate">
+  <a:themeElements>
+    <a:clrScheme name="Slate">
+      <a:dk1>
+        <a:srgbClr val="FFFFFF"/>
+      </a:dk1>
+      <a:lt1>
+        <a:srgbClr val="37474F"/>
+      </a:lt1>
+      <a:dk2>
+        <a:srgbClr val="9E9E9E"/>
+      </a:dk2>
+      <a:lt2>
+        <a:srgbClr val="E0E0E0"/>
+      </a:lt2>
+      <a:accent1>
+        <a:srgbClr val="616161"/>
+      </a:accent1>
+      <a:accent2>
+        <a:srgbClr val="78909C"/>
+      </a:accent2>
+      <a:accent3>
+        <a:srgbClr val="CACACA"/>
+      </a:accent3>
+      <a:accent4>
+        <a:srgbClr val="64FFDA"/>
+      </a:accent4>
+      <a:accent5>
+        <a:srgbClr val="FFD966"/>
+      </a:accent5>
+      <a:accent6>
+        <a:srgbClr val="F5F5F5"/>
+      </a:accent6>
+      <a:hlink>
+        <a:srgbClr val="FFD966"/>
+      </a:hlink>
+      <a:folHlink>
+        <a:srgbClr val="FFD966"/>
+      </a:folHlink>
+    </a:clrScheme>
+    <a:fontScheme name="Office">
+      <a:majorFont>
+        <a:latin typeface="Arial"/>
+        <a:ea typeface=""/>
+        <a:cs typeface=""/>
+        <a:font script="Jpan" typeface="ＭＳ Ｐゴシック"/>
+        <a:font script="Hang" typeface="맑은 고딕"/>
+        <a:font script="Hans" typeface="宋体"/>
+        <a:font script="Hant" typeface="新細明體"/>
+        <a:font script="Arab" typeface="Times New Roman"/>
+        <a:font script="Hebr" typeface="Times New Roman"/>
+        <a:font script="Thai" typeface="Angsana New"/>
+        <a:font script="Ethi" typeface="Nyala"/>
+        <a:font script="Beng" typeface="Vrinda"/>
+        <a:font script="Gujr" typeface="Shruti"/>
+        <a:font script="Khmr" typeface="MoolBoran"/>
+        <a:font script="Knda" typeface="Tunga"/>
+        <a:font script="Guru" typeface="Raavi"/>
+        <a:font script="Cans" typeface="Euphemia"/>
+        <a:font script="Cher" typeface="Plantagenet Cherokee"/>
+        <a:font script="Yiii" typeface="Microsoft Yi Baiti"/>
+        <a:font script="Tibt" typeface="Microsoft Himalaya"/>
+        <a:font script="Thaa" typeface="MV Boli"/>
+        <a:font script="Deva" typeface="Mangal"/>
+        <a:font script="Telu" typeface="Gautami"/>
+        <a:font script="Taml" typeface="Latha"/>
+        <a:font script="Syrc" typeface="Estrangelo Edessa"/>
+        <a:font script="Orya" typeface="Kalinga"/>
+        <a:font script="Mlym" typeface="Kartika"/>
+        <a:font script="Laoo" typeface="DokChampa"/>
+        <a:font script="Sinh" typeface="Iskoola Pota"/>
+        <a:font script="Mong" typeface="Mongolian Baiti"/>
+        <a:font script="Viet" typeface="Times New Roman"/>
+        <a:font script="Uigh" typeface="Microsoft Uighur"/>
+        <a:font script="Geor" typeface="Sylfaen"/>
+      </a:majorFont>
+      <a:minorFont>
+        <a:latin typeface="Arial"/>
+        <a:ea typeface=""/>
+        <a:cs typeface=""/>
+        <a:font script="Jpan" typeface="ＭＳ Ｐゴシック"/>
+        <a:font script="Hang" typeface="맑은 고딕"/>
+        <a:font script="Hans" typeface="宋体"/>
+        <a:font script="Hant" typeface="新細明體"/>
+        <a:font script="Arab" typeface="Arial"/>
+        <a:font script="Hebr" typeface="Arial"/>
+        <a:font script="Thai" typeface="Cordia New"/>
+        <a:font script="Ethi" typeface="Nyala"/>
+        <a:font script="Beng" typeface="Vrinda"/>
+        <a:font script="Gujr" typeface="Shruti"/>
+        <a:font script="Khmr" typeface="DaunPenh"/>
+        <a:font script="Knda" typeface="Tunga"/>
+        <a:font script="Guru" typeface="Raavi"/>
+        <a:font script="Cans" typeface="Euphemia"/>
+        <a:font script="Cher" typeface="Plantagenet Cherokee"/>
+        <a:font script="Yiii" typeface="Microsoft Yi Baiti"/>
+        <a:font script="Tibt" typeface="Microsoft Himalaya"/>
+        <a:font script="Thaa" typeface="MV Boli"/>
+        <a:font script="Deva" typeface="Mangal"/>
+        <a:font script="Telu" typeface="Gautami"/>
+        <a:font script="Taml" typeface="Latha"/>
+        <a:font script="Syrc" typeface="Estrangelo Edessa"/>
+        <a:font script="Orya" typeface="Kalinga"/>
+        <a:font script="Mlym" typeface="Kartika"/>
+        <a:font script="Laoo" typeface="DokChampa"/>
+        <a:font script="Sinh" typeface="Iskoola Pota"/>
+        <a:font script="Mong" typeface="Mongolian Baiti"/>
+        <a:font script="Viet" typeface="Arial"/>
+        <a:font script="Uigh" typeface="Microsoft Uighur"/>
+        <a:font script="Geor" typeface="Sylfaen"/>
+      </a:minorFont>
+    </a:fontScheme>
+    <a:fmtScheme name="Office">
+      <a:fillStyleLst>
+        <a:solidFill>
+          <a:schemeClr val="phClr"/>
+        </a:solidFill>
+        <a:gradFill rotWithShape="1">
+          <a:gsLst>
+            <a:gs pos="0">
+              <a:schemeClr val="phClr">
+                <a:tint val="50000"/>
+                <a:satMod val="300000"/>
+              </a:schemeClr>
+            </a:gs>
+            <a:gs pos="35000">
+              <a:schemeClr val="phClr">
+                <a:tint val="37000"/>
+                <a:satMod val="300000"/>
+              </a:schemeClr>
+            </a:gs>
+            <a:gs pos="100000">
+              <a:schemeClr val="phClr">
+                <a:tint val="15000"/>
+                <a:satMod val="350000"/>
+              </a:schemeClr>
+            </a:gs>
+          </a:gsLst>
+          <a:lin ang="16200000" scaled="1"/>
+        </a:gradFill>
+        <a:gradFill rotWithShape="1">
+          <a:gsLst>
+            <a:gs pos="0">
+              <a:schemeClr val="phClr">
+                <a:tint val="100000"/>
+                <a:shade val="100000"/>
+                <a:satMod val="130000"/>
+              </a:schemeClr>
+            </a:gs>
+            <a:gs pos="100000">
+              <a:schemeClr val="phClr">
+                <a:tint val="50000"/>
+                <a:shade val="100000"/>
+                <a:satMod val="350000"/>
+              </a:schemeClr>
+            </a:gs>
+          </a:gsLst>
+          <a:lin ang="16200000" scaled="0"/>
+        </a:gradFill>
+      </a:fillStyleLst>
+      <a:lnStyleLst>
+        <a:ln w="9525" cap="flat" cmpd="sng" algn="ctr">
+          <a:solidFill>
+            <a:schemeClr val="phClr">
+              <a:shade val="95000"/>
+              <a:satMod val="105000"/>
+            </a:schemeClr>
+          </a:solidFill>
+          <a:prstDash val="solid"/>
+        </a:ln>
+        <a:ln w="25400" cap="flat" cmpd="sng" algn="ctr">
+          <a:solidFill>
+            <a:schemeClr val="phClr"/>
+          </a:solidFill>
+          <a:prstDash val="solid"/>
+        </a:ln>
+        <a:ln w="38100" cap="flat" cmpd="sng" algn="ctr">
+          <a:solidFill>
+            <a:schemeClr val="phClr"/>
+          </a:solidFill>
+          <a:prstDash val="solid"/>
+        </a:ln>
+      </a:lnStyleLst>
+      <a:effectStyleLst>
+        <a:effectStyle>
+          <a:effectLst>
+            <a:outerShdw blurRad="40000" dist="20000" dir="5400000" rotWithShape="0">
+              <a:srgbClr val="000000">
+                <a:alpha val="38000"/>
+              </a:srgbClr>
+            </a:outerShdw>
+          </a:effectLst>
+        </a:effectStyle>
+        <a:effectStyle>
+          <a:effectLst>
+            <a:outerShdw blurRad="40000" dist="23000" dir="5400000" rotWithShape="0">
+              <a:srgbClr val="000000">
+                <a:alpha val="35000"/>
+              </a:srgbClr>
+            </a:outerShdw>
+          </a:effectLst>
+        </a:effectStyle>
+        <a:effectStyle>
+          <a:effectLst>
+            <a:outerShdw blurRad="40000" dist="23000" dir="5400000" rotWithShape="0">
+              <a:srgbClr val="000000">
+                <a:alpha val="35000"/>
+              </a:srgbClr>
+            </a:outerShdw>
+          </a:effectLst>
+          <a:scene3d>
+            <a:camera prst="orthographicFront">
+              <a:rot lat="0" lon="0" rev="0"/>
+            </a:camera>
+            <a:lightRig rig="threePt" dir="t">
+              <a:rot lat="0" lon="0" rev="1200000"/>
+            </a:lightRig>
+          </a:scene3d>
+          <a:sp3d>
+            <a:bevelT w="63500" h="25400"/>
+          </a:sp3d>
+        </a:effectStyle>
+      </a:effectStyleLst>
+      <a:bgFillStyleLst>
+        <a:solidFill>
+          <a:schemeClr val="phClr"/>
+        </a:solidFill>
+        <a:gradFill rotWithShape="1">
+          <a:gsLst>
+            <a:gs pos="0">
+              <a:schemeClr val="phClr">
+                <a:tint val="40000"/>
+                <a:satMod val="350000"/>
+              </a:schemeClr>
+            </a:gs>
+            <a:gs pos="40000">
+              <a:schemeClr val="phClr">
+                <a:tint val="45000"/>
+                <a:shade val="99000"/>
+                <a:satMod val="350000"/>
+              </a:schemeClr>
+            </a:gs>
+            <a:gs pos="100000">
+              <a:schemeClr val="phClr">
+                <a:shade val="20000"/>
+                <a:satMod val="255000"/>
+              </a:schemeClr>
+            </a:gs>
+          </a:gsLst>
+          <a:path path="circle">
+            <a:fillToRect l="50000" t="-80000" r="50000" b="180000"/>
+          </a:path>
+        </a:gradFill>
+        <a:gradFill rotWithShape="1">
+          <a:gsLst>
+            <a:gs pos="0">
+              <a:schemeClr val="phClr">
+                <a:tint val="80000"/>
+                <a:satMod val="300000"/>
+              </a:schemeClr>
+            </a:gs>
+            <a:gs pos="100000">
+              <a:schemeClr val="phClr">
+                <a:shade val="30000"/>
+                <a:satMod val="200000"/>
+              </a:schemeClr>
+            </a:gs>
+          </a:gsLst>
+          <a:path path="circle">
+            <a:fillToRect l="50000" t="50000" r="50000" b="50000"/>
+          </a:path>
+        </a:gradFill>
+      </a:bgFillStyleLst>
+    </a:fmtScheme>
+  </a:themeElements>
+</a:theme>
+</file>
+
+<file path=ppt/theme/theme2.xml><?xml version="1.0" encoding="utf-8"?>
 <a:theme xmlns:a="http://schemas.openxmlformats.org/drawingml/2006/main" xmlns:r="http://schemas.openxmlformats.org/officeDocument/2006/relationships">
   <a:themeElements>
     <a:clrScheme name="Default">
@@ -23991,283 +23999,4 @@
     </a:fmtScheme>
   </a:themeElements>
 </a:theme>
-</file>
-
-<file path=ppt/theme/theme2.xml><?xml version="1.0" encoding="utf-8"?>
-<a:theme xmlns:a="http://schemas.openxmlformats.org/drawingml/2006/main" xmlns:r="http://schemas.openxmlformats.org/officeDocument/2006/relationships" name="Slate">
-  <a:themeElements>
-    <a:clrScheme name="Slate">
-      <a:dk1>
-        <a:srgbClr val="FFFFFF"/>
-      </a:dk1>
-      <a:lt1>
-        <a:srgbClr val="37474F"/>
-      </a:lt1>
-      <a:dk2>
-        <a:srgbClr val="9E9E9E"/>
-      </a:dk2>
-      <a:lt2>
-        <a:srgbClr val="E0E0E0"/>
-      </a:lt2>
-      <a:accent1>
-        <a:srgbClr val="616161"/>
-      </a:accent1>
-      <a:accent2>
-        <a:srgbClr val="78909C"/>
-      </a:accent2>
-      <a:accent3>
-        <a:srgbClr val="CACACA"/>
-      </a:accent3>
-      <a:accent4>
-        <a:srgbClr val="64FFDA"/>
-      </a:accent4>
-      <a:accent5>
-        <a:srgbClr val="FFD966"/>
-      </a:accent5>
-      <a:accent6>
-        <a:srgbClr val="F5F5F5"/>
-      </a:accent6>
-      <a:hlink>
-        <a:srgbClr val="FFD966"/>
-      </a:hlink>
-      <a:folHlink>
-        <a:srgbClr val="FFD966"/>
-      </a:folHlink>
-    </a:clrScheme>
-    <a:fontScheme name="Office">
-      <a:majorFont>
-        <a:latin typeface="Arial"/>
-        <a:ea typeface=""/>
-        <a:cs typeface=""/>
-        <a:font script="Jpan" typeface="ＭＳ Ｐゴシック"/>
-        <a:font script="Hang" typeface="맑은 고딕"/>
-        <a:font script="Hans" typeface="宋体"/>
-        <a:font script="Hant" typeface="新細明體"/>
-        <a:font script="Arab" typeface="Times New Roman"/>
-        <a:font script="Hebr" typeface="Times New Roman"/>
-        <a:font script="Thai" typeface="Angsana New"/>
-        <a:font script="Ethi" typeface="Nyala"/>
-        <a:font script="Beng" typeface="Vrinda"/>
-        <a:font script="Gujr" typeface="Shruti"/>
-        <a:font script="Khmr" typeface="MoolBoran"/>
-        <a:font script="Knda" typeface="Tunga"/>
-        <a:font script="Guru" typeface="Raavi"/>
-        <a:font script="Cans" typeface="Euphemia"/>
-        <a:font script="Cher" typeface="Plantagenet Cherokee"/>
-        <a:font script="Yiii" typeface="Microsoft Yi Baiti"/>
-        <a:font script="Tibt" typeface="Microsoft Himalaya"/>
-        <a:font script="Thaa" typeface="MV Boli"/>
-        <a:font script="Deva" typeface="Mangal"/>
-        <a:font script="Telu" typeface="Gautami"/>
-        <a:font script="Taml" typeface="Latha"/>
-        <a:font script="Syrc" typeface="Estrangelo Edessa"/>
-        <a:font script="Orya" typeface="Kalinga"/>
-        <a:font script="Mlym" typeface="Kartika"/>
-        <a:font script="Laoo" typeface="DokChampa"/>
-        <a:font script="Sinh" typeface="Iskoola Pota"/>
-        <a:font script="Mong" typeface="Mongolian Baiti"/>
-        <a:font script="Viet" typeface="Times New Roman"/>
-        <a:font script="Uigh" typeface="Microsoft Uighur"/>
-        <a:font script="Geor" typeface="Sylfaen"/>
-      </a:majorFont>
-      <a:minorFont>
-        <a:latin typeface="Arial"/>
-        <a:ea typeface=""/>
-        <a:cs typeface=""/>
-        <a:font script="Jpan" typeface="ＭＳ Ｐゴシック"/>
-        <a:font script="Hang" typeface="맑은 고딕"/>
-        <a:font script="Hans" typeface="宋体"/>
-        <a:font script="Hant" typeface="新細明體"/>
-        <a:font script="Arab" typeface="Arial"/>
-        <a:font script="Hebr" typeface="Arial"/>
-        <a:font script="Thai" typeface="Cordia New"/>
-        <a:font script="Ethi" typeface="Nyala"/>
-        <a:font script="Beng" typeface="Vrinda"/>
-        <a:font script="Gujr" typeface="Shruti"/>
-        <a:font script="Khmr" typeface="DaunPenh"/>
-        <a:font script="Knda" typeface="Tunga"/>
-        <a:font script="Guru" typeface="Raavi"/>
-        <a:font script="Cans" typeface="Euphemia"/>
-        <a:font script="Cher" typeface="Plantagenet Cherokee"/>
-        <a:font script="Yiii" typeface="Microsoft Yi Baiti"/>
-        <a:font script="Tibt" typeface="Microsoft Himalaya"/>
-        <a:font script="Thaa" typeface="MV Boli"/>
-        <a:font script="Deva" typeface="Mangal"/>
-        <a:font script="Telu" typeface="Gautami"/>
-        <a:font script="Taml" typeface="Latha"/>
-        <a:font script="Syrc" typeface="Estrangelo Edessa"/>
-        <a:font script="Orya" typeface="Kalinga"/>
-        <a:font script="Mlym" typeface="Kartika"/>
-        <a:font script="Laoo" typeface="DokChampa"/>
-        <a:font script="Sinh" typeface="Iskoola Pota"/>
-        <a:font script="Mong" typeface="Mongolian Baiti"/>
-        <a:font script="Viet" typeface="Arial"/>
-        <a:font script="Uigh" typeface="Microsoft Uighur"/>
-        <a:font script="Geor" typeface="Sylfaen"/>
-      </a:minorFont>
-    </a:fontScheme>
-    <a:fmtScheme name="Office">
-      <a:fillStyleLst>
-        <a:solidFill>
-          <a:schemeClr val="phClr"/>
-        </a:solidFill>
-        <a:gradFill rotWithShape="1">
-          <a:gsLst>
-            <a:gs pos="0">
-              <a:schemeClr val="phClr">
-                <a:tint val="50000"/>
-                <a:satMod val="300000"/>
-              </a:schemeClr>
-            </a:gs>
-            <a:gs pos="35000">
-              <a:schemeClr val="phClr">
-                <a:tint val="37000"/>
-                <a:satMod val="300000"/>
-              </a:schemeClr>
-            </a:gs>
-            <a:gs pos="100000">
-              <a:schemeClr val="phClr">
-                <a:tint val="15000"/>
-                <a:satMod val="350000"/>
-              </a:schemeClr>
-            </a:gs>
-          </a:gsLst>
-          <a:lin ang="16200000" scaled="1"/>
-        </a:gradFill>
-        <a:gradFill rotWithShape="1">
-          <a:gsLst>
-            <a:gs pos="0">
-              <a:schemeClr val="phClr">
-                <a:tint val="100000"/>
-                <a:shade val="100000"/>
-                <a:satMod val="130000"/>
-              </a:schemeClr>
-            </a:gs>
-            <a:gs pos="100000">
-              <a:schemeClr val="phClr">
-                <a:tint val="50000"/>
-                <a:shade val="100000"/>
-                <a:satMod val="350000"/>
-              </a:schemeClr>
-            </a:gs>
-          </a:gsLst>
-          <a:lin ang="16200000" scaled="0"/>
-        </a:gradFill>
-      </a:fillStyleLst>
-      <a:lnStyleLst>
-        <a:ln w="9525" cap="flat" cmpd="sng" algn="ctr">
-          <a:solidFill>
-            <a:schemeClr val="phClr">
-              <a:shade val="95000"/>
-              <a:satMod val="105000"/>
-            </a:schemeClr>
-          </a:solidFill>
-          <a:prstDash val="solid"/>
-        </a:ln>
-        <a:ln w="25400" cap="flat" cmpd="sng" algn="ctr">
-          <a:solidFill>
-            <a:schemeClr val="phClr"/>
-          </a:solidFill>
-          <a:prstDash val="solid"/>
-        </a:ln>
-        <a:ln w="38100" cap="flat" cmpd="sng" algn="ctr">
-          <a:solidFill>
-            <a:schemeClr val="phClr"/>
-          </a:solidFill>
-          <a:prstDash val="solid"/>
-        </a:ln>
-      </a:lnStyleLst>
-      <a:effectStyleLst>
-        <a:effectStyle>
-          <a:effectLst>
-            <a:outerShdw blurRad="40000" dist="20000" dir="5400000" rotWithShape="0">
-              <a:srgbClr val="000000">
-                <a:alpha val="38000"/>
-              </a:srgbClr>
-            </a:outerShdw>
-          </a:effectLst>
-        </a:effectStyle>
-        <a:effectStyle>
-          <a:effectLst>
-            <a:outerShdw blurRad="40000" dist="23000" dir="5400000" rotWithShape="0">
-              <a:srgbClr val="000000">
-                <a:alpha val="35000"/>
-              </a:srgbClr>
-            </a:outerShdw>
-          </a:effectLst>
-        </a:effectStyle>
-        <a:effectStyle>
-          <a:effectLst>
-            <a:outerShdw blurRad="40000" dist="23000" dir="5400000" rotWithShape="0">
-              <a:srgbClr val="000000">
-                <a:alpha val="35000"/>
-              </a:srgbClr>
-            </a:outerShdw>
-          </a:effectLst>
-          <a:scene3d>
-            <a:camera prst="orthographicFront">
-              <a:rot lat="0" lon="0" rev="0"/>
-            </a:camera>
-            <a:lightRig rig="threePt" dir="t">
-              <a:rot lat="0" lon="0" rev="1200000"/>
-            </a:lightRig>
-          </a:scene3d>
-          <a:sp3d>
-            <a:bevelT w="63500" h="25400"/>
-          </a:sp3d>
-        </a:effectStyle>
-      </a:effectStyleLst>
-      <a:bgFillStyleLst>
-        <a:solidFill>
-          <a:schemeClr val="phClr"/>
-        </a:solidFill>
-        <a:gradFill rotWithShape="1">
-          <a:gsLst>
-            <a:gs pos="0">
-              <a:schemeClr val="phClr">
-                <a:tint val="40000"/>
-                <a:satMod val="350000"/>
-              </a:schemeClr>
-            </a:gs>
-            <a:gs pos="40000">
-              <a:schemeClr val="phClr">
-                <a:tint val="45000"/>
-                <a:shade val="99000"/>
-                <a:satMod val="350000"/>
-              </a:schemeClr>
-            </a:gs>
-            <a:gs pos="100000">
-              <a:schemeClr val="phClr">
-                <a:shade val="20000"/>
-                <a:satMod val="255000"/>
-              </a:schemeClr>
-            </a:gs>
-          </a:gsLst>
-          <a:path path="circle">
-            <a:fillToRect l="50000" t="-80000" r="50000" b="180000"/>
-          </a:path>
-        </a:gradFill>
-        <a:gradFill rotWithShape="1">
-          <a:gsLst>
-            <a:gs pos="0">
-              <a:schemeClr val="phClr">
-                <a:tint val="80000"/>
-                <a:satMod val="300000"/>
-              </a:schemeClr>
-            </a:gs>
-            <a:gs pos="100000">
-              <a:schemeClr val="phClr">
-                <a:shade val="30000"/>
-                <a:satMod val="200000"/>
-              </a:schemeClr>
-            </a:gs>
-          </a:gsLst>
-          <a:path path="circle">
-            <a:fillToRect l="50000" t="50000" r="50000" b="50000"/>
-          </a:path>
-        </a:gradFill>
-      </a:bgFillStyleLst>
-    </a:fmtScheme>
-  </a:themeElements>
-</a:theme>
 </file>
--- a/2020-WebDev_js.pptx
+++ b/2020-WebDev_js.pptx
@@ -50,30 +50,40 @@
     <p:sldId id="295" r:id="rId45"/>
     <p:sldId id="296" r:id="rId46"/>
     <p:sldId id="297" r:id="rId47"/>
+    <p:sldId id="298" r:id="rId48"/>
+    <p:sldId id="299" r:id="rId49"/>
+    <p:sldId id="300" r:id="rId50"/>
+    <p:sldId id="301" r:id="rId51"/>
+    <p:sldId id="302" r:id="rId52"/>
+    <p:sldId id="303" r:id="rId53"/>
+    <p:sldId id="304" r:id="rId54"/>
+    <p:sldId id="305" r:id="rId55"/>
+    <p:sldId id="306" r:id="rId56"/>
+    <p:sldId id="307" r:id="rId57"/>
   </p:sldIdLst>
   <p:sldSz cy="5143500" cx="9144000"/>
   <p:notesSz cx="6858000" cy="9144000"/>
   <p:embeddedFontLst>
     <p:embeddedFont>
       <p:font typeface="Roboto Slab"/>
-      <p:regular r:id="rId48"/>
-      <p:bold r:id="rId49"/>
+      <p:regular r:id="rId58"/>
+      <p:bold r:id="rId59"/>
     </p:embeddedFont>
     <p:embeddedFont>
       <p:font typeface="Raleway"/>
-      <p:regular r:id="rId50"/>
-      <p:bold r:id="rId51"/>
-      <p:italic r:id="rId52"/>
-      <p:boldItalic r:id="rId53"/>
+      <p:regular r:id="rId60"/>
+      <p:bold r:id="rId61"/>
+      <p:italic r:id="rId62"/>
+      <p:boldItalic r:id="rId63"/>
     </p:embeddedFont>
     <p:embeddedFont>
       <p:font typeface="Average"/>
-      <p:regular r:id="rId54"/>
+      <p:regular r:id="rId64"/>
     </p:embeddedFont>
     <p:embeddedFont>
       <p:font typeface="Oswald"/>
-      <p:regular r:id="rId55"/>
-      <p:bold r:id="rId56"/>
+      <p:regular r:id="rId65"/>
+      <p:bold r:id="rId66"/>
     </p:embeddedFont>
   </p:embeddedFontLst>
   <p:defaultTextStyle>
@@ -4333,7 +4343,7 @@
       </p:grpSpPr>
       <p:sp>
         <p:nvSpPr>
-          <p:cNvPr id="396" name="Google Shape;396;g7e3254e85e_0_86:notes"/>
+          <p:cNvPr id="396" name="Google Shape;396;g7026809c20_0_0:notes"/>
           <p:cNvSpPr/>
           <p:nvPr>
             <p:ph idx="2" type="sldImg"/>
@@ -4368,7 +4378,700 @@
       </p:sp>
       <p:sp>
         <p:nvSpPr>
-          <p:cNvPr id="397" name="Google Shape;397;g7e3254e85e_0_86:notes"/>
+          <p:cNvPr id="397" name="Google Shape;397;g7026809c20_0_0:notes"/>
+          <p:cNvSpPr txBox="1"/>
+          <p:nvPr>
+            <p:ph idx="1" type="body"/>
+          </p:nvPr>
+        </p:nvSpPr>
+        <p:spPr>
+          <a:xfrm>
+            <a:off x="685800" y="4343400"/>
+            <a:ext cx="5486400" cy="4114800"/>
+          </a:xfrm>
+          <a:prstGeom prst="rect">
+            <a:avLst/>
+          </a:prstGeom>
+        </p:spPr>
+        <p:txBody>
+          <a:bodyPr anchorCtr="0" anchor="t" bIns="91425" lIns="91425" spcFirstLastPara="1" rIns="91425" wrap="square" tIns="91425">
+            <a:noAutofit/>
+          </a:bodyPr>
+          <a:lstStyle/>
+          <a:p>
+            <a:pPr indent="0" lvl="0" marL="0" rtl="0" algn="l">
+              <a:spcBef>
+                <a:spcPts val="0"/>
+              </a:spcBef>
+              <a:spcAft>
+                <a:spcPts val="0"/>
+              </a:spcAft>
+              <a:buNone/>
+            </a:pPr>
+            <a:r>
+              <a:t/>
+            </a:r>
+            <a:endParaRPr/>
+          </a:p>
+        </p:txBody>
+      </p:sp>
+    </p:spTree>
+  </p:cSld>
+  <p:clrMapOvr>
+    <a:masterClrMapping/>
+  </p:clrMapOvr>
+</p:notes>
+</file>
+
+<file path=ppt/notesSlides/notesSlide43.xml><?xml version="1.0" encoding="utf-8"?>
+<p:notes xmlns:a="http://schemas.openxmlformats.org/drawingml/2006/main" xmlns:r="http://schemas.openxmlformats.org/officeDocument/2006/relationships" xmlns:mc="http://schemas.openxmlformats.org/markup-compatibility/2006" xmlns:mv="urn:schemas-microsoft-com:mac:vml" xmlns:p="http://schemas.openxmlformats.org/presentationml/2006/main" xmlns:c="http://schemas.openxmlformats.org/drawingml/2006/chart" xmlns:dgm="http://schemas.openxmlformats.org/drawingml/2006/diagram" xmlns:o="urn:schemas-microsoft-com:office:office" xmlns:v="urn:schemas-microsoft-com:vml" xmlns:pvml="urn:schemas-microsoft-com:office:powerpoint" xmlns:com="http://schemas.openxmlformats.org/drawingml/2006/compatibility" xmlns:p14="http://schemas.microsoft.com/office/powerpoint/2010/main" xmlns:p15="http://schemas.microsoft.com/office/powerpoint/2012/main" showMasterPhAnim="0" showMasterSp="0">
+  <p:cSld>
+    <p:spTree>
+      <p:nvGrpSpPr>
+        <p:cNvPr id="402" name="Shape 402"/>
+        <p:cNvGrpSpPr/>
+        <p:nvPr/>
+      </p:nvGrpSpPr>
+      <p:grpSpPr>
+        <a:xfrm>
+          <a:off x="0" y="0"/>
+          <a:ext cx="0" cy="0"/>
+          <a:chOff x="0" y="0"/>
+          <a:chExt cx="0" cy="0"/>
+        </a:xfrm>
+      </p:grpSpPr>
+      <p:sp>
+        <p:nvSpPr>
+          <p:cNvPr id="403" name="Google Shape;403;g7e3254e85e_0_86:notes"/>
+          <p:cNvSpPr/>
+          <p:nvPr>
+            <p:ph idx="2" type="sldImg"/>
+          </p:nvPr>
+        </p:nvSpPr>
+        <p:spPr>
+          <a:xfrm>
+            <a:off x="381300" y="685800"/>
+            <a:ext cx="6096000" cy="3429000"/>
+          </a:xfrm>
+          <a:custGeom>
+            <a:rect b="b" l="l" r="r" t="t"/>
+            <a:pathLst>
+              <a:path extrusionOk="0" h="120000" w="120000">
+                <a:moveTo>
+                  <a:pt x="0" y="0"/>
+                </a:moveTo>
+                <a:lnTo>
+                  <a:pt x="120000" y="0"/>
+                </a:lnTo>
+                <a:lnTo>
+                  <a:pt x="120000" y="120000"/>
+                </a:lnTo>
+                <a:lnTo>
+                  <a:pt x="0" y="120000"/>
+                </a:lnTo>
+                <a:close/>
+              </a:path>
+            </a:pathLst>
+          </a:custGeom>
+        </p:spPr>
+      </p:sp>
+      <p:sp>
+        <p:nvSpPr>
+          <p:cNvPr id="404" name="Google Shape;404;g7e3254e85e_0_86:notes"/>
+          <p:cNvSpPr txBox="1"/>
+          <p:nvPr>
+            <p:ph idx="1" type="body"/>
+          </p:nvPr>
+        </p:nvSpPr>
+        <p:spPr>
+          <a:xfrm>
+            <a:off x="685800" y="4343400"/>
+            <a:ext cx="5486400" cy="4114800"/>
+          </a:xfrm>
+          <a:prstGeom prst="rect">
+            <a:avLst/>
+          </a:prstGeom>
+        </p:spPr>
+        <p:txBody>
+          <a:bodyPr anchorCtr="0" anchor="t" bIns="91425" lIns="91425" spcFirstLastPara="1" rIns="91425" wrap="square" tIns="91425">
+            <a:noAutofit/>
+          </a:bodyPr>
+          <a:lstStyle/>
+          <a:p>
+            <a:pPr indent="0" lvl="0" marL="0" rtl="0" algn="l">
+              <a:spcBef>
+                <a:spcPts val="0"/>
+              </a:spcBef>
+              <a:spcAft>
+                <a:spcPts val="0"/>
+              </a:spcAft>
+              <a:buNone/>
+            </a:pPr>
+            <a:r>
+              <a:t/>
+            </a:r>
+            <a:endParaRPr/>
+          </a:p>
+        </p:txBody>
+      </p:sp>
+    </p:spTree>
+  </p:cSld>
+  <p:clrMapOvr>
+    <a:masterClrMapping/>
+  </p:clrMapOvr>
+</p:notes>
+</file>
+
+<file path=ppt/notesSlides/notesSlide44.xml><?xml version="1.0" encoding="utf-8"?>
+<p:notes xmlns:a="http://schemas.openxmlformats.org/drawingml/2006/main" xmlns:r="http://schemas.openxmlformats.org/officeDocument/2006/relationships" xmlns:mc="http://schemas.openxmlformats.org/markup-compatibility/2006" xmlns:mv="urn:schemas-microsoft-com:mac:vml" xmlns:p="http://schemas.openxmlformats.org/presentationml/2006/main" xmlns:c="http://schemas.openxmlformats.org/drawingml/2006/chart" xmlns:dgm="http://schemas.openxmlformats.org/drawingml/2006/diagram" xmlns:o="urn:schemas-microsoft-com:office:office" xmlns:v="urn:schemas-microsoft-com:vml" xmlns:pvml="urn:schemas-microsoft-com:office:powerpoint" xmlns:com="http://schemas.openxmlformats.org/drawingml/2006/compatibility" xmlns:p14="http://schemas.microsoft.com/office/powerpoint/2010/main" xmlns:p15="http://schemas.microsoft.com/office/powerpoint/2012/main" showMasterPhAnim="0" showMasterSp="0">
+  <p:cSld>
+    <p:spTree>
+      <p:nvGrpSpPr>
+        <p:cNvPr id="409" name="Shape 409"/>
+        <p:cNvGrpSpPr/>
+        <p:nvPr/>
+      </p:nvGrpSpPr>
+      <p:grpSpPr>
+        <a:xfrm>
+          <a:off x="0" y="0"/>
+          <a:ext cx="0" cy="0"/>
+          <a:chOff x="0" y="0"/>
+          <a:chExt cx="0" cy="0"/>
+        </a:xfrm>
+      </p:grpSpPr>
+      <p:sp>
+        <p:nvSpPr>
+          <p:cNvPr id="410" name="Google Shape;410;g7026809c20_0_6:notes"/>
+          <p:cNvSpPr/>
+          <p:nvPr>
+            <p:ph idx="2" type="sldImg"/>
+          </p:nvPr>
+        </p:nvSpPr>
+        <p:spPr>
+          <a:xfrm>
+            <a:off x="381300" y="685800"/>
+            <a:ext cx="6096000" cy="3429000"/>
+          </a:xfrm>
+          <a:custGeom>
+            <a:rect b="b" l="l" r="r" t="t"/>
+            <a:pathLst>
+              <a:path extrusionOk="0" h="120000" w="120000">
+                <a:moveTo>
+                  <a:pt x="0" y="0"/>
+                </a:moveTo>
+                <a:lnTo>
+                  <a:pt x="120000" y="0"/>
+                </a:lnTo>
+                <a:lnTo>
+                  <a:pt x="120000" y="120000"/>
+                </a:lnTo>
+                <a:lnTo>
+                  <a:pt x="0" y="120000"/>
+                </a:lnTo>
+                <a:close/>
+              </a:path>
+            </a:pathLst>
+          </a:custGeom>
+        </p:spPr>
+      </p:sp>
+      <p:sp>
+        <p:nvSpPr>
+          <p:cNvPr id="411" name="Google Shape;411;g7026809c20_0_6:notes"/>
+          <p:cNvSpPr txBox="1"/>
+          <p:nvPr>
+            <p:ph idx="1" type="body"/>
+          </p:nvPr>
+        </p:nvSpPr>
+        <p:spPr>
+          <a:xfrm>
+            <a:off x="685800" y="4343400"/>
+            <a:ext cx="5486400" cy="4114800"/>
+          </a:xfrm>
+          <a:prstGeom prst="rect">
+            <a:avLst/>
+          </a:prstGeom>
+        </p:spPr>
+        <p:txBody>
+          <a:bodyPr anchorCtr="0" anchor="t" bIns="91425" lIns="91425" spcFirstLastPara="1" rIns="91425" wrap="square" tIns="91425">
+            <a:noAutofit/>
+          </a:bodyPr>
+          <a:lstStyle/>
+          <a:p>
+            <a:pPr indent="0" lvl="0" marL="0" rtl="0" algn="l">
+              <a:spcBef>
+                <a:spcPts val="0"/>
+              </a:spcBef>
+              <a:spcAft>
+                <a:spcPts val="0"/>
+              </a:spcAft>
+              <a:buNone/>
+            </a:pPr>
+            <a:r>
+              <a:t/>
+            </a:r>
+            <a:endParaRPr/>
+          </a:p>
+        </p:txBody>
+      </p:sp>
+    </p:spTree>
+  </p:cSld>
+  <p:clrMapOvr>
+    <a:masterClrMapping/>
+  </p:clrMapOvr>
+</p:notes>
+</file>
+
+<file path=ppt/notesSlides/notesSlide45.xml><?xml version="1.0" encoding="utf-8"?>
+<p:notes xmlns:a="http://schemas.openxmlformats.org/drawingml/2006/main" xmlns:r="http://schemas.openxmlformats.org/officeDocument/2006/relationships" xmlns:mc="http://schemas.openxmlformats.org/markup-compatibility/2006" xmlns:mv="urn:schemas-microsoft-com:mac:vml" xmlns:p="http://schemas.openxmlformats.org/presentationml/2006/main" xmlns:c="http://schemas.openxmlformats.org/drawingml/2006/chart" xmlns:dgm="http://schemas.openxmlformats.org/drawingml/2006/diagram" xmlns:o="urn:schemas-microsoft-com:office:office" xmlns:v="urn:schemas-microsoft-com:vml" xmlns:pvml="urn:schemas-microsoft-com:office:powerpoint" xmlns:com="http://schemas.openxmlformats.org/drawingml/2006/compatibility" xmlns:p14="http://schemas.microsoft.com/office/powerpoint/2010/main" xmlns:p15="http://schemas.microsoft.com/office/powerpoint/2012/main" showMasterPhAnim="0" showMasterSp="0">
+  <p:cSld>
+    <p:spTree>
+      <p:nvGrpSpPr>
+        <p:cNvPr id="416" name="Shape 416"/>
+        <p:cNvGrpSpPr/>
+        <p:nvPr/>
+      </p:nvGrpSpPr>
+      <p:grpSpPr>
+        <a:xfrm>
+          <a:off x="0" y="0"/>
+          <a:ext cx="0" cy="0"/>
+          <a:chOff x="0" y="0"/>
+          <a:chExt cx="0" cy="0"/>
+        </a:xfrm>
+      </p:grpSpPr>
+      <p:sp>
+        <p:nvSpPr>
+          <p:cNvPr id="417" name="Google Shape;417;g70d71b68b8_0_0:notes"/>
+          <p:cNvSpPr/>
+          <p:nvPr>
+            <p:ph idx="2" type="sldImg"/>
+          </p:nvPr>
+        </p:nvSpPr>
+        <p:spPr>
+          <a:xfrm>
+            <a:off x="381300" y="685800"/>
+            <a:ext cx="6096000" cy="3429000"/>
+          </a:xfrm>
+          <a:custGeom>
+            <a:rect b="b" l="l" r="r" t="t"/>
+            <a:pathLst>
+              <a:path extrusionOk="0" h="120000" w="120000">
+                <a:moveTo>
+                  <a:pt x="0" y="0"/>
+                </a:moveTo>
+                <a:lnTo>
+                  <a:pt x="120000" y="0"/>
+                </a:lnTo>
+                <a:lnTo>
+                  <a:pt x="120000" y="120000"/>
+                </a:lnTo>
+                <a:lnTo>
+                  <a:pt x="0" y="120000"/>
+                </a:lnTo>
+                <a:close/>
+              </a:path>
+            </a:pathLst>
+          </a:custGeom>
+        </p:spPr>
+      </p:sp>
+      <p:sp>
+        <p:nvSpPr>
+          <p:cNvPr id="418" name="Google Shape;418;g70d71b68b8_0_0:notes"/>
+          <p:cNvSpPr txBox="1"/>
+          <p:nvPr>
+            <p:ph idx="1" type="body"/>
+          </p:nvPr>
+        </p:nvSpPr>
+        <p:spPr>
+          <a:xfrm>
+            <a:off x="685800" y="4343400"/>
+            <a:ext cx="5486400" cy="4114800"/>
+          </a:xfrm>
+          <a:prstGeom prst="rect">
+            <a:avLst/>
+          </a:prstGeom>
+        </p:spPr>
+        <p:txBody>
+          <a:bodyPr anchorCtr="0" anchor="t" bIns="91425" lIns="91425" spcFirstLastPara="1" rIns="91425" wrap="square" tIns="91425">
+            <a:noAutofit/>
+          </a:bodyPr>
+          <a:lstStyle/>
+          <a:p>
+            <a:pPr indent="0" lvl="0" marL="0" rtl="0" algn="l">
+              <a:spcBef>
+                <a:spcPts val="0"/>
+              </a:spcBef>
+              <a:spcAft>
+                <a:spcPts val="0"/>
+              </a:spcAft>
+              <a:buNone/>
+            </a:pPr>
+            <a:r>
+              <a:t/>
+            </a:r>
+            <a:endParaRPr/>
+          </a:p>
+        </p:txBody>
+      </p:sp>
+    </p:spTree>
+  </p:cSld>
+  <p:clrMapOvr>
+    <a:masterClrMapping/>
+  </p:clrMapOvr>
+</p:notes>
+</file>
+
+<file path=ppt/notesSlides/notesSlide46.xml><?xml version="1.0" encoding="utf-8"?>
+<p:notes xmlns:a="http://schemas.openxmlformats.org/drawingml/2006/main" xmlns:r="http://schemas.openxmlformats.org/officeDocument/2006/relationships" xmlns:mc="http://schemas.openxmlformats.org/markup-compatibility/2006" xmlns:mv="urn:schemas-microsoft-com:mac:vml" xmlns:p="http://schemas.openxmlformats.org/presentationml/2006/main" xmlns:c="http://schemas.openxmlformats.org/drawingml/2006/chart" xmlns:dgm="http://schemas.openxmlformats.org/drawingml/2006/diagram" xmlns:o="urn:schemas-microsoft-com:office:office" xmlns:v="urn:schemas-microsoft-com:vml" xmlns:pvml="urn:schemas-microsoft-com:office:powerpoint" xmlns:com="http://schemas.openxmlformats.org/drawingml/2006/compatibility" xmlns:p14="http://schemas.microsoft.com/office/powerpoint/2010/main" xmlns:p15="http://schemas.microsoft.com/office/powerpoint/2012/main" showMasterPhAnim="0" showMasterSp="0">
+  <p:cSld>
+    <p:spTree>
+      <p:nvGrpSpPr>
+        <p:cNvPr id="423" name="Shape 423"/>
+        <p:cNvGrpSpPr/>
+        <p:nvPr/>
+      </p:nvGrpSpPr>
+      <p:grpSpPr>
+        <a:xfrm>
+          <a:off x="0" y="0"/>
+          <a:ext cx="0" cy="0"/>
+          <a:chOff x="0" y="0"/>
+          <a:chExt cx="0" cy="0"/>
+        </a:xfrm>
+      </p:grpSpPr>
+      <p:sp>
+        <p:nvSpPr>
+          <p:cNvPr id="424" name="Google Shape;424;g70d71b68b8_0_6:notes"/>
+          <p:cNvSpPr/>
+          <p:nvPr>
+            <p:ph idx="2" type="sldImg"/>
+          </p:nvPr>
+        </p:nvSpPr>
+        <p:spPr>
+          <a:xfrm>
+            <a:off x="381300" y="685800"/>
+            <a:ext cx="6096000" cy="3429000"/>
+          </a:xfrm>
+          <a:custGeom>
+            <a:rect b="b" l="l" r="r" t="t"/>
+            <a:pathLst>
+              <a:path extrusionOk="0" h="120000" w="120000">
+                <a:moveTo>
+                  <a:pt x="0" y="0"/>
+                </a:moveTo>
+                <a:lnTo>
+                  <a:pt x="120000" y="0"/>
+                </a:lnTo>
+                <a:lnTo>
+                  <a:pt x="120000" y="120000"/>
+                </a:lnTo>
+                <a:lnTo>
+                  <a:pt x="0" y="120000"/>
+                </a:lnTo>
+                <a:close/>
+              </a:path>
+            </a:pathLst>
+          </a:custGeom>
+        </p:spPr>
+      </p:sp>
+      <p:sp>
+        <p:nvSpPr>
+          <p:cNvPr id="425" name="Google Shape;425;g70d71b68b8_0_6:notes"/>
+          <p:cNvSpPr txBox="1"/>
+          <p:nvPr>
+            <p:ph idx="1" type="body"/>
+          </p:nvPr>
+        </p:nvSpPr>
+        <p:spPr>
+          <a:xfrm>
+            <a:off x="685800" y="4343400"/>
+            <a:ext cx="5486400" cy="4114800"/>
+          </a:xfrm>
+          <a:prstGeom prst="rect">
+            <a:avLst/>
+          </a:prstGeom>
+        </p:spPr>
+        <p:txBody>
+          <a:bodyPr anchorCtr="0" anchor="t" bIns="91425" lIns="91425" spcFirstLastPara="1" rIns="91425" wrap="square" tIns="91425">
+            <a:noAutofit/>
+          </a:bodyPr>
+          <a:lstStyle/>
+          <a:p>
+            <a:pPr indent="0" lvl="0" marL="0" rtl="0" algn="l">
+              <a:spcBef>
+                <a:spcPts val="0"/>
+              </a:spcBef>
+              <a:spcAft>
+                <a:spcPts val="0"/>
+              </a:spcAft>
+              <a:buNone/>
+            </a:pPr>
+            <a:r>
+              <a:t/>
+            </a:r>
+            <a:endParaRPr/>
+          </a:p>
+        </p:txBody>
+      </p:sp>
+    </p:spTree>
+  </p:cSld>
+  <p:clrMapOvr>
+    <a:masterClrMapping/>
+  </p:clrMapOvr>
+</p:notes>
+</file>
+
+<file path=ppt/notesSlides/notesSlide47.xml><?xml version="1.0" encoding="utf-8"?>
+<p:notes xmlns:a="http://schemas.openxmlformats.org/drawingml/2006/main" xmlns:r="http://schemas.openxmlformats.org/officeDocument/2006/relationships" xmlns:mc="http://schemas.openxmlformats.org/markup-compatibility/2006" xmlns:mv="urn:schemas-microsoft-com:mac:vml" xmlns:p="http://schemas.openxmlformats.org/presentationml/2006/main" xmlns:c="http://schemas.openxmlformats.org/drawingml/2006/chart" xmlns:dgm="http://schemas.openxmlformats.org/drawingml/2006/diagram" xmlns:o="urn:schemas-microsoft-com:office:office" xmlns:v="urn:schemas-microsoft-com:vml" xmlns:pvml="urn:schemas-microsoft-com:office:powerpoint" xmlns:com="http://schemas.openxmlformats.org/drawingml/2006/compatibility" xmlns:p14="http://schemas.microsoft.com/office/powerpoint/2010/main" xmlns:p15="http://schemas.microsoft.com/office/powerpoint/2012/main" showMasterPhAnim="0" showMasterSp="0">
+  <p:cSld>
+    <p:spTree>
+      <p:nvGrpSpPr>
+        <p:cNvPr id="430" name="Shape 430"/>
+        <p:cNvGrpSpPr/>
+        <p:nvPr/>
+      </p:nvGrpSpPr>
+      <p:grpSpPr>
+        <a:xfrm>
+          <a:off x="0" y="0"/>
+          <a:ext cx="0" cy="0"/>
+          <a:chOff x="0" y="0"/>
+          <a:chExt cx="0" cy="0"/>
+        </a:xfrm>
+      </p:grpSpPr>
+      <p:sp>
+        <p:nvSpPr>
+          <p:cNvPr id="431" name="Google Shape;431;g70d71b68b8_0_12:notes"/>
+          <p:cNvSpPr/>
+          <p:nvPr>
+            <p:ph idx="2" type="sldImg"/>
+          </p:nvPr>
+        </p:nvSpPr>
+        <p:spPr>
+          <a:xfrm>
+            <a:off x="381300" y="685800"/>
+            <a:ext cx="6096000" cy="3429000"/>
+          </a:xfrm>
+          <a:custGeom>
+            <a:rect b="b" l="l" r="r" t="t"/>
+            <a:pathLst>
+              <a:path extrusionOk="0" h="120000" w="120000">
+                <a:moveTo>
+                  <a:pt x="0" y="0"/>
+                </a:moveTo>
+                <a:lnTo>
+                  <a:pt x="120000" y="0"/>
+                </a:lnTo>
+                <a:lnTo>
+                  <a:pt x="120000" y="120000"/>
+                </a:lnTo>
+                <a:lnTo>
+                  <a:pt x="0" y="120000"/>
+                </a:lnTo>
+                <a:close/>
+              </a:path>
+            </a:pathLst>
+          </a:custGeom>
+        </p:spPr>
+      </p:sp>
+      <p:sp>
+        <p:nvSpPr>
+          <p:cNvPr id="432" name="Google Shape;432;g70d71b68b8_0_12:notes"/>
+          <p:cNvSpPr txBox="1"/>
+          <p:nvPr>
+            <p:ph idx="1" type="body"/>
+          </p:nvPr>
+        </p:nvSpPr>
+        <p:spPr>
+          <a:xfrm>
+            <a:off x="685800" y="4343400"/>
+            <a:ext cx="5486400" cy="4114800"/>
+          </a:xfrm>
+          <a:prstGeom prst="rect">
+            <a:avLst/>
+          </a:prstGeom>
+        </p:spPr>
+        <p:txBody>
+          <a:bodyPr anchorCtr="0" anchor="t" bIns="91425" lIns="91425" spcFirstLastPara="1" rIns="91425" wrap="square" tIns="91425">
+            <a:noAutofit/>
+          </a:bodyPr>
+          <a:lstStyle/>
+          <a:p>
+            <a:pPr indent="0" lvl="0" marL="0" rtl="0" algn="l">
+              <a:spcBef>
+                <a:spcPts val="0"/>
+              </a:spcBef>
+              <a:spcAft>
+                <a:spcPts val="0"/>
+              </a:spcAft>
+              <a:buNone/>
+            </a:pPr>
+            <a:r>
+              <a:t/>
+            </a:r>
+            <a:endParaRPr/>
+          </a:p>
+        </p:txBody>
+      </p:sp>
+    </p:spTree>
+  </p:cSld>
+  <p:clrMapOvr>
+    <a:masterClrMapping/>
+  </p:clrMapOvr>
+</p:notes>
+</file>
+
+<file path=ppt/notesSlides/notesSlide48.xml><?xml version="1.0" encoding="utf-8"?>
+<p:notes xmlns:a="http://schemas.openxmlformats.org/drawingml/2006/main" xmlns:r="http://schemas.openxmlformats.org/officeDocument/2006/relationships" xmlns:mc="http://schemas.openxmlformats.org/markup-compatibility/2006" xmlns:mv="urn:schemas-microsoft-com:mac:vml" xmlns:p="http://schemas.openxmlformats.org/presentationml/2006/main" xmlns:c="http://schemas.openxmlformats.org/drawingml/2006/chart" xmlns:dgm="http://schemas.openxmlformats.org/drawingml/2006/diagram" xmlns:o="urn:schemas-microsoft-com:office:office" xmlns:v="urn:schemas-microsoft-com:vml" xmlns:pvml="urn:schemas-microsoft-com:office:powerpoint" xmlns:com="http://schemas.openxmlformats.org/drawingml/2006/compatibility" xmlns:p14="http://schemas.microsoft.com/office/powerpoint/2010/main" xmlns:p15="http://schemas.microsoft.com/office/powerpoint/2012/main" showMasterPhAnim="0" showMasterSp="0">
+  <p:cSld>
+    <p:spTree>
+      <p:nvGrpSpPr>
+        <p:cNvPr id="437" name="Shape 437"/>
+        <p:cNvGrpSpPr/>
+        <p:nvPr/>
+      </p:nvGrpSpPr>
+      <p:grpSpPr>
+        <a:xfrm>
+          <a:off x="0" y="0"/>
+          <a:ext cx="0" cy="0"/>
+          <a:chOff x="0" y="0"/>
+          <a:chExt cx="0" cy="0"/>
+        </a:xfrm>
+      </p:grpSpPr>
+      <p:sp>
+        <p:nvSpPr>
+          <p:cNvPr id="438" name="Google Shape;438;g70d71b68b8_0_18:notes"/>
+          <p:cNvSpPr/>
+          <p:nvPr>
+            <p:ph idx="2" type="sldImg"/>
+          </p:nvPr>
+        </p:nvSpPr>
+        <p:spPr>
+          <a:xfrm>
+            <a:off x="381300" y="685800"/>
+            <a:ext cx="6096000" cy="3429000"/>
+          </a:xfrm>
+          <a:custGeom>
+            <a:rect b="b" l="l" r="r" t="t"/>
+            <a:pathLst>
+              <a:path extrusionOk="0" h="120000" w="120000">
+                <a:moveTo>
+                  <a:pt x="0" y="0"/>
+                </a:moveTo>
+                <a:lnTo>
+                  <a:pt x="120000" y="0"/>
+                </a:lnTo>
+                <a:lnTo>
+                  <a:pt x="120000" y="120000"/>
+                </a:lnTo>
+                <a:lnTo>
+                  <a:pt x="0" y="120000"/>
+                </a:lnTo>
+                <a:close/>
+              </a:path>
+            </a:pathLst>
+          </a:custGeom>
+        </p:spPr>
+      </p:sp>
+      <p:sp>
+        <p:nvSpPr>
+          <p:cNvPr id="439" name="Google Shape;439;g70d71b68b8_0_18:notes"/>
+          <p:cNvSpPr txBox="1"/>
+          <p:nvPr>
+            <p:ph idx="1" type="body"/>
+          </p:nvPr>
+        </p:nvSpPr>
+        <p:spPr>
+          <a:xfrm>
+            <a:off x="685800" y="4343400"/>
+            <a:ext cx="5486400" cy="4114800"/>
+          </a:xfrm>
+          <a:prstGeom prst="rect">
+            <a:avLst/>
+          </a:prstGeom>
+        </p:spPr>
+        <p:txBody>
+          <a:bodyPr anchorCtr="0" anchor="t" bIns="91425" lIns="91425" spcFirstLastPara="1" rIns="91425" wrap="square" tIns="91425">
+            <a:noAutofit/>
+          </a:bodyPr>
+          <a:lstStyle/>
+          <a:p>
+            <a:pPr indent="0" lvl="0" marL="0" rtl="0" algn="l">
+              <a:spcBef>
+                <a:spcPts val="0"/>
+              </a:spcBef>
+              <a:spcAft>
+                <a:spcPts val="0"/>
+              </a:spcAft>
+              <a:buNone/>
+            </a:pPr>
+            <a:r>
+              <a:t/>
+            </a:r>
+            <a:endParaRPr/>
+          </a:p>
+        </p:txBody>
+      </p:sp>
+    </p:spTree>
+  </p:cSld>
+  <p:clrMapOvr>
+    <a:masterClrMapping/>
+  </p:clrMapOvr>
+</p:notes>
+</file>
+
+<file path=ppt/notesSlides/notesSlide49.xml><?xml version="1.0" encoding="utf-8"?>
+<p:notes xmlns:a="http://schemas.openxmlformats.org/drawingml/2006/main" xmlns:r="http://schemas.openxmlformats.org/officeDocument/2006/relationships" xmlns:mc="http://schemas.openxmlformats.org/markup-compatibility/2006" xmlns:mv="urn:schemas-microsoft-com:mac:vml" xmlns:p="http://schemas.openxmlformats.org/presentationml/2006/main" xmlns:c="http://schemas.openxmlformats.org/drawingml/2006/chart" xmlns:dgm="http://schemas.openxmlformats.org/drawingml/2006/diagram" xmlns:o="urn:schemas-microsoft-com:office:office" xmlns:v="urn:schemas-microsoft-com:vml" xmlns:pvml="urn:schemas-microsoft-com:office:powerpoint" xmlns:com="http://schemas.openxmlformats.org/drawingml/2006/compatibility" xmlns:p14="http://schemas.microsoft.com/office/powerpoint/2010/main" xmlns:p15="http://schemas.microsoft.com/office/powerpoint/2012/main" showMasterPhAnim="0" showMasterSp="0">
+  <p:cSld>
+    <p:spTree>
+      <p:nvGrpSpPr>
+        <p:cNvPr id="444" name="Shape 444"/>
+        <p:cNvGrpSpPr/>
+        <p:nvPr/>
+      </p:nvGrpSpPr>
+      <p:grpSpPr>
+        <a:xfrm>
+          <a:off x="0" y="0"/>
+          <a:ext cx="0" cy="0"/>
+          <a:chOff x="0" y="0"/>
+          <a:chExt cx="0" cy="0"/>
+        </a:xfrm>
+      </p:grpSpPr>
+      <p:sp>
+        <p:nvSpPr>
+          <p:cNvPr id="445" name="Google Shape;445;g70d71b68b8_0_24:notes"/>
+          <p:cNvSpPr/>
+          <p:nvPr>
+            <p:ph idx="2" type="sldImg"/>
+          </p:nvPr>
+        </p:nvSpPr>
+        <p:spPr>
+          <a:xfrm>
+            <a:off x="381300" y="685800"/>
+            <a:ext cx="6096000" cy="3429000"/>
+          </a:xfrm>
+          <a:custGeom>
+            <a:rect b="b" l="l" r="r" t="t"/>
+            <a:pathLst>
+              <a:path extrusionOk="0" h="120000" w="120000">
+                <a:moveTo>
+                  <a:pt x="0" y="0"/>
+                </a:moveTo>
+                <a:lnTo>
+                  <a:pt x="120000" y="0"/>
+                </a:lnTo>
+                <a:lnTo>
+                  <a:pt x="120000" y="120000"/>
+                </a:lnTo>
+                <a:lnTo>
+                  <a:pt x="0" y="120000"/>
+                </a:lnTo>
+                <a:close/>
+              </a:path>
+            </a:pathLst>
+          </a:custGeom>
+        </p:spPr>
+      </p:sp>
+      <p:sp>
+        <p:nvSpPr>
+          <p:cNvPr id="446" name="Google Shape;446;g70d71b68b8_0_24:notes"/>
           <p:cNvSpPr txBox="1"/>
           <p:nvPr>
             <p:ph idx="1" type="body"/>
@@ -4468,6 +5171,303 @@
       <p:sp>
         <p:nvSpPr>
           <p:cNvPr id="90" name="Google Shape;90;g6ee4615cd3_0_0:notes"/>
+          <p:cNvSpPr txBox="1"/>
+          <p:nvPr>
+            <p:ph idx="1" type="body"/>
+          </p:nvPr>
+        </p:nvSpPr>
+        <p:spPr>
+          <a:xfrm>
+            <a:off x="685800" y="4343400"/>
+            <a:ext cx="5486400" cy="4114800"/>
+          </a:xfrm>
+          <a:prstGeom prst="rect">
+            <a:avLst/>
+          </a:prstGeom>
+        </p:spPr>
+        <p:txBody>
+          <a:bodyPr anchorCtr="0" anchor="t" bIns="91425" lIns="91425" spcFirstLastPara="1" rIns="91425" wrap="square" tIns="91425">
+            <a:noAutofit/>
+          </a:bodyPr>
+          <a:lstStyle/>
+          <a:p>
+            <a:pPr indent="0" lvl="0" marL="0" rtl="0" algn="l">
+              <a:spcBef>
+                <a:spcPts val="0"/>
+              </a:spcBef>
+              <a:spcAft>
+                <a:spcPts val="0"/>
+              </a:spcAft>
+              <a:buNone/>
+            </a:pPr>
+            <a:r>
+              <a:t/>
+            </a:r>
+            <a:endParaRPr/>
+          </a:p>
+        </p:txBody>
+      </p:sp>
+    </p:spTree>
+  </p:cSld>
+  <p:clrMapOvr>
+    <a:masterClrMapping/>
+  </p:clrMapOvr>
+</p:notes>
+</file>
+
+<file path=ppt/notesSlides/notesSlide50.xml><?xml version="1.0" encoding="utf-8"?>
+<p:notes xmlns:a="http://schemas.openxmlformats.org/drawingml/2006/main" xmlns:r="http://schemas.openxmlformats.org/officeDocument/2006/relationships" xmlns:mc="http://schemas.openxmlformats.org/markup-compatibility/2006" xmlns:mv="urn:schemas-microsoft-com:mac:vml" xmlns:p="http://schemas.openxmlformats.org/presentationml/2006/main" xmlns:c="http://schemas.openxmlformats.org/drawingml/2006/chart" xmlns:dgm="http://schemas.openxmlformats.org/drawingml/2006/diagram" xmlns:o="urn:schemas-microsoft-com:office:office" xmlns:v="urn:schemas-microsoft-com:vml" xmlns:pvml="urn:schemas-microsoft-com:office:powerpoint" xmlns:com="http://schemas.openxmlformats.org/drawingml/2006/compatibility" xmlns:p14="http://schemas.microsoft.com/office/powerpoint/2010/main" xmlns:p15="http://schemas.microsoft.com/office/powerpoint/2012/main" showMasterPhAnim="0" showMasterSp="0">
+  <p:cSld>
+    <p:spTree>
+      <p:nvGrpSpPr>
+        <p:cNvPr id="451" name="Shape 451"/>
+        <p:cNvGrpSpPr/>
+        <p:nvPr/>
+      </p:nvGrpSpPr>
+      <p:grpSpPr>
+        <a:xfrm>
+          <a:off x="0" y="0"/>
+          <a:ext cx="0" cy="0"/>
+          <a:chOff x="0" y="0"/>
+          <a:chExt cx="0" cy="0"/>
+        </a:xfrm>
+      </p:grpSpPr>
+      <p:sp>
+        <p:nvSpPr>
+          <p:cNvPr id="452" name="Google Shape;452;g70d71b68b8_0_30:notes"/>
+          <p:cNvSpPr/>
+          <p:nvPr>
+            <p:ph idx="2" type="sldImg"/>
+          </p:nvPr>
+        </p:nvSpPr>
+        <p:spPr>
+          <a:xfrm>
+            <a:off x="381300" y="685800"/>
+            <a:ext cx="6096000" cy="3429000"/>
+          </a:xfrm>
+          <a:custGeom>
+            <a:rect b="b" l="l" r="r" t="t"/>
+            <a:pathLst>
+              <a:path extrusionOk="0" h="120000" w="120000">
+                <a:moveTo>
+                  <a:pt x="0" y="0"/>
+                </a:moveTo>
+                <a:lnTo>
+                  <a:pt x="120000" y="0"/>
+                </a:lnTo>
+                <a:lnTo>
+                  <a:pt x="120000" y="120000"/>
+                </a:lnTo>
+                <a:lnTo>
+                  <a:pt x="0" y="120000"/>
+                </a:lnTo>
+                <a:close/>
+              </a:path>
+            </a:pathLst>
+          </a:custGeom>
+        </p:spPr>
+      </p:sp>
+      <p:sp>
+        <p:nvSpPr>
+          <p:cNvPr id="453" name="Google Shape;453;g70d71b68b8_0_30:notes"/>
+          <p:cNvSpPr txBox="1"/>
+          <p:nvPr>
+            <p:ph idx="1" type="body"/>
+          </p:nvPr>
+        </p:nvSpPr>
+        <p:spPr>
+          <a:xfrm>
+            <a:off x="685800" y="4343400"/>
+            <a:ext cx="5486400" cy="4114800"/>
+          </a:xfrm>
+          <a:prstGeom prst="rect">
+            <a:avLst/>
+          </a:prstGeom>
+        </p:spPr>
+        <p:txBody>
+          <a:bodyPr anchorCtr="0" anchor="t" bIns="91425" lIns="91425" spcFirstLastPara="1" rIns="91425" wrap="square" tIns="91425">
+            <a:noAutofit/>
+          </a:bodyPr>
+          <a:lstStyle/>
+          <a:p>
+            <a:pPr indent="0" lvl="0" marL="0" rtl="0" algn="l">
+              <a:spcBef>
+                <a:spcPts val="0"/>
+              </a:spcBef>
+              <a:spcAft>
+                <a:spcPts val="0"/>
+              </a:spcAft>
+              <a:buNone/>
+            </a:pPr>
+            <a:r>
+              <a:t/>
+            </a:r>
+            <a:endParaRPr/>
+          </a:p>
+        </p:txBody>
+      </p:sp>
+    </p:spTree>
+  </p:cSld>
+  <p:clrMapOvr>
+    <a:masterClrMapping/>
+  </p:clrMapOvr>
+</p:notes>
+</file>
+
+<file path=ppt/notesSlides/notesSlide51.xml><?xml version="1.0" encoding="utf-8"?>
+<p:notes xmlns:a="http://schemas.openxmlformats.org/drawingml/2006/main" xmlns:r="http://schemas.openxmlformats.org/officeDocument/2006/relationships" xmlns:mc="http://schemas.openxmlformats.org/markup-compatibility/2006" xmlns:mv="urn:schemas-microsoft-com:mac:vml" xmlns:p="http://schemas.openxmlformats.org/presentationml/2006/main" xmlns:c="http://schemas.openxmlformats.org/drawingml/2006/chart" xmlns:dgm="http://schemas.openxmlformats.org/drawingml/2006/diagram" xmlns:o="urn:schemas-microsoft-com:office:office" xmlns:v="urn:schemas-microsoft-com:vml" xmlns:pvml="urn:schemas-microsoft-com:office:powerpoint" xmlns:com="http://schemas.openxmlformats.org/drawingml/2006/compatibility" xmlns:p14="http://schemas.microsoft.com/office/powerpoint/2010/main" xmlns:p15="http://schemas.microsoft.com/office/powerpoint/2012/main" showMasterPhAnim="0" showMasterSp="0">
+  <p:cSld>
+    <p:spTree>
+      <p:nvGrpSpPr>
+        <p:cNvPr id="458" name="Shape 458"/>
+        <p:cNvGrpSpPr/>
+        <p:nvPr/>
+      </p:nvGrpSpPr>
+      <p:grpSpPr>
+        <a:xfrm>
+          <a:off x="0" y="0"/>
+          <a:ext cx="0" cy="0"/>
+          <a:chOff x="0" y="0"/>
+          <a:chExt cx="0" cy="0"/>
+        </a:xfrm>
+      </p:grpSpPr>
+      <p:sp>
+        <p:nvSpPr>
+          <p:cNvPr id="459" name="Google Shape;459;g70d71b68b8_0_36:notes"/>
+          <p:cNvSpPr/>
+          <p:nvPr>
+            <p:ph idx="2" type="sldImg"/>
+          </p:nvPr>
+        </p:nvSpPr>
+        <p:spPr>
+          <a:xfrm>
+            <a:off x="381300" y="685800"/>
+            <a:ext cx="6096000" cy="3429000"/>
+          </a:xfrm>
+          <a:custGeom>
+            <a:rect b="b" l="l" r="r" t="t"/>
+            <a:pathLst>
+              <a:path extrusionOk="0" h="120000" w="120000">
+                <a:moveTo>
+                  <a:pt x="0" y="0"/>
+                </a:moveTo>
+                <a:lnTo>
+                  <a:pt x="120000" y="0"/>
+                </a:lnTo>
+                <a:lnTo>
+                  <a:pt x="120000" y="120000"/>
+                </a:lnTo>
+                <a:lnTo>
+                  <a:pt x="0" y="120000"/>
+                </a:lnTo>
+                <a:close/>
+              </a:path>
+            </a:pathLst>
+          </a:custGeom>
+        </p:spPr>
+      </p:sp>
+      <p:sp>
+        <p:nvSpPr>
+          <p:cNvPr id="460" name="Google Shape;460;g70d71b68b8_0_36:notes"/>
+          <p:cNvSpPr txBox="1"/>
+          <p:nvPr>
+            <p:ph idx="1" type="body"/>
+          </p:nvPr>
+        </p:nvSpPr>
+        <p:spPr>
+          <a:xfrm>
+            <a:off x="685800" y="4343400"/>
+            <a:ext cx="5486400" cy="4114800"/>
+          </a:xfrm>
+          <a:prstGeom prst="rect">
+            <a:avLst/>
+          </a:prstGeom>
+        </p:spPr>
+        <p:txBody>
+          <a:bodyPr anchorCtr="0" anchor="t" bIns="91425" lIns="91425" spcFirstLastPara="1" rIns="91425" wrap="square" tIns="91425">
+            <a:noAutofit/>
+          </a:bodyPr>
+          <a:lstStyle/>
+          <a:p>
+            <a:pPr indent="0" lvl="0" marL="0" rtl="0" algn="l">
+              <a:spcBef>
+                <a:spcPts val="0"/>
+              </a:spcBef>
+              <a:spcAft>
+                <a:spcPts val="0"/>
+              </a:spcAft>
+              <a:buNone/>
+            </a:pPr>
+            <a:r>
+              <a:t/>
+            </a:r>
+            <a:endParaRPr/>
+          </a:p>
+        </p:txBody>
+      </p:sp>
+    </p:spTree>
+  </p:cSld>
+  <p:clrMapOvr>
+    <a:masterClrMapping/>
+  </p:clrMapOvr>
+</p:notes>
+</file>
+
+<file path=ppt/notesSlides/notesSlide52.xml><?xml version="1.0" encoding="utf-8"?>
+<p:notes xmlns:a="http://schemas.openxmlformats.org/drawingml/2006/main" xmlns:r="http://schemas.openxmlformats.org/officeDocument/2006/relationships" xmlns:mc="http://schemas.openxmlformats.org/markup-compatibility/2006" xmlns:mv="urn:schemas-microsoft-com:mac:vml" xmlns:p="http://schemas.openxmlformats.org/presentationml/2006/main" xmlns:c="http://schemas.openxmlformats.org/drawingml/2006/chart" xmlns:dgm="http://schemas.openxmlformats.org/drawingml/2006/diagram" xmlns:o="urn:schemas-microsoft-com:office:office" xmlns:v="urn:schemas-microsoft-com:vml" xmlns:pvml="urn:schemas-microsoft-com:office:powerpoint" xmlns:com="http://schemas.openxmlformats.org/drawingml/2006/compatibility" xmlns:p14="http://schemas.microsoft.com/office/powerpoint/2010/main" xmlns:p15="http://schemas.microsoft.com/office/powerpoint/2012/main" showMasterPhAnim="0" showMasterSp="0">
+  <p:cSld>
+    <p:spTree>
+      <p:nvGrpSpPr>
+        <p:cNvPr id="465" name="Shape 465"/>
+        <p:cNvGrpSpPr/>
+        <p:nvPr/>
+      </p:nvGrpSpPr>
+      <p:grpSpPr>
+        <a:xfrm>
+          <a:off x="0" y="0"/>
+          <a:ext cx="0" cy="0"/>
+          <a:chOff x="0" y="0"/>
+          <a:chExt cx="0" cy="0"/>
+        </a:xfrm>
+      </p:grpSpPr>
+      <p:sp>
+        <p:nvSpPr>
+          <p:cNvPr id="466" name="Google Shape;466;g70d71b68b8_0_42:notes"/>
+          <p:cNvSpPr/>
+          <p:nvPr>
+            <p:ph idx="2" type="sldImg"/>
+          </p:nvPr>
+        </p:nvSpPr>
+        <p:spPr>
+          <a:xfrm>
+            <a:off x="381300" y="685800"/>
+            <a:ext cx="6096000" cy="3429000"/>
+          </a:xfrm>
+          <a:custGeom>
+            <a:rect b="b" l="l" r="r" t="t"/>
+            <a:pathLst>
+              <a:path extrusionOk="0" h="120000" w="120000">
+                <a:moveTo>
+                  <a:pt x="0" y="0"/>
+                </a:moveTo>
+                <a:lnTo>
+                  <a:pt x="120000" y="0"/>
+                </a:lnTo>
+                <a:lnTo>
+                  <a:pt x="120000" y="120000"/>
+                </a:lnTo>
+                <a:lnTo>
+                  <a:pt x="0" y="120000"/>
+                </a:lnTo>
+                <a:close/>
+              </a:path>
+            </a:pathLst>
+          </a:custGeom>
+        </p:spPr>
+      </p:sp>
+      <p:sp>
+        <p:nvSpPr>
+          <p:cNvPr id="467" name="Google Shape;467;g70d71b68b8_0_42:notes"/>
           <p:cNvSpPr txBox="1"/>
           <p:nvPr>
             <p:ph idx="1" type="body"/>
@@ -19891,7 +20891,7 @@
             </a:pPr>
             <a:r>
               <a:rPr lang="en"/>
-              <a:t>DOM - Local Session Storage</a:t>
+              <a:t>DOM - Bubbling &amp; Delegation</a:t>
             </a:r>
             <a:endParaRPr/>
           </a:p>
@@ -19940,6 +20940,1147 @@
       <p:sp>
         <p:nvSpPr>
           <p:cNvPr id="401" name="Google Shape;401;p54"/>
+          <p:cNvSpPr txBox="1"/>
+          <p:nvPr/>
+        </p:nvSpPr>
+        <p:spPr>
+          <a:xfrm>
+            <a:off x="224475" y="146400"/>
+            <a:ext cx="468600" cy="234300"/>
+          </a:xfrm>
+          <a:prstGeom prst="rect">
+            <a:avLst/>
+          </a:prstGeom>
+          <a:noFill/>
+          <a:ln>
+            <a:noFill/>
+          </a:ln>
+        </p:spPr>
+        <p:txBody>
+          <a:bodyPr anchorCtr="0" anchor="t" bIns="91425" lIns="91425" spcFirstLastPara="1" rIns="91425" wrap="square" tIns="91425">
+            <a:noAutofit/>
+          </a:bodyPr>
+          <a:lstStyle/>
+          <a:p>
+            <a:pPr indent="0" lvl="0" marL="0" rtl="0" algn="l">
+              <a:spcBef>
+                <a:spcPts val="0"/>
+              </a:spcBef>
+              <a:spcAft>
+                <a:spcPts val="0"/>
+              </a:spcAft>
+              <a:buNone/>
+            </a:pPr>
+            <a:r>
+              <a:rPr lang="en" sz="1800">
+                <a:solidFill>
+                  <a:srgbClr val="FFFFFF"/>
+                </a:solidFill>
+                <a:latin typeface="Average"/>
+                <a:ea typeface="Average"/>
+                <a:cs typeface="Average"/>
+                <a:sym typeface="Average"/>
+              </a:rPr>
+              <a:t>-3-</a:t>
+            </a:r>
+            <a:endParaRPr sz="1800">
+              <a:solidFill>
+                <a:srgbClr val="FFFFFF"/>
+              </a:solidFill>
+              <a:latin typeface="Average"/>
+              <a:ea typeface="Average"/>
+              <a:cs typeface="Average"/>
+              <a:sym typeface="Average"/>
+            </a:endParaRPr>
+          </a:p>
+        </p:txBody>
+      </p:sp>
+    </p:spTree>
+  </p:cSld>
+  <p:clrMapOvr>
+    <a:masterClrMapping/>
+  </p:clrMapOvr>
+</p:sld>
+</file>
+
+<file path=ppt/slides/slide43.xml><?xml version="1.0" encoding="utf-8"?>
+<p:sld xmlns:a="http://schemas.openxmlformats.org/drawingml/2006/main" xmlns:r="http://schemas.openxmlformats.org/officeDocument/2006/relationships" xmlns:mc="http://schemas.openxmlformats.org/markup-compatibility/2006" xmlns:mv="urn:schemas-microsoft-com:mac:vml" xmlns:p="http://schemas.openxmlformats.org/presentationml/2006/main" xmlns:c="http://schemas.openxmlformats.org/drawingml/2006/chart" xmlns:dgm="http://schemas.openxmlformats.org/drawingml/2006/diagram" xmlns:o="urn:schemas-microsoft-com:office:office" xmlns:v="urn:schemas-microsoft-com:vml" xmlns:pvml="urn:schemas-microsoft-com:office:powerpoint" xmlns:com="http://schemas.openxmlformats.org/drawingml/2006/compatibility" xmlns:p14="http://schemas.microsoft.com/office/powerpoint/2010/main" xmlns:p15="http://schemas.microsoft.com/office/powerpoint/2012/main">
+  <p:cSld>
+    <p:spTree>
+      <p:nvGrpSpPr>
+        <p:cNvPr id="405" name="Shape 405"/>
+        <p:cNvGrpSpPr/>
+        <p:nvPr/>
+      </p:nvGrpSpPr>
+      <p:grpSpPr>
+        <a:xfrm>
+          <a:off x="0" y="0"/>
+          <a:ext cx="0" cy="0"/>
+          <a:chOff x="0" y="0"/>
+          <a:chExt cx="0" cy="0"/>
+        </a:xfrm>
+      </p:grpSpPr>
+      <p:sp>
+        <p:nvSpPr>
+          <p:cNvPr id="406" name="Google Shape;406;p55"/>
+          <p:cNvSpPr txBox="1"/>
+          <p:nvPr>
+            <p:ph type="title"/>
+          </p:nvPr>
+        </p:nvSpPr>
+        <p:spPr>
+          <a:xfrm>
+            <a:off x="671250" y="2141250"/>
+            <a:ext cx="7852200" cy="861000"/>
+          </a:xfrm>
+          <a:prstGeom prst="rect">
+            <a:avLst/>
+          </a:prstGeom>
+        </p:spPr>
+        <p:txBody>
+          <a:bodyPr anchorCtr="0" anchor="ctr" bIns="91425" lIns="91425" spcFirstLastPara="1" rIns="91425" wrap="square" tIns="91425">
+            <a:noAutofit/>
+          </a:bodyPr>
+          <a:lstStyle/>
+          <a:p>
+            <a:pPr indent="0" lvl="0" marL="0" rtl="0" algn="ctr">
+              <a:spcBef>
+                <a:spcPts val="0"/>
+              </a:spcBef>
+              <a:spcAft>
+                <a:spcPts val="0"/>
+              </a:spcAft>
+              <a:buNone/>
+            </a:pPr>
+            <a:r>
+              <a:rPr lang="en"/>
+              <a:t>DOM - Local Session Storage</a:t>
+            </a:r>
+            <a:endParaRPr/>
+          </a:p>
+        </p:txBody>
+      </p:sp>
+      <p:sp>
+        <p:nvSpPr>
+          <p:cNvPr id="407" name="Google Shape;407;p55"/>
+          <p:cNvSpPr txBox="1"/>
+          <p:nvPr>
+            <p:ph idx="12" type="sldNum"/>
+          </p:nvPr>
+        </p:nvSpPr>
+        <p:spPr>
+          <a:xfrm>
+            <a:off x="8490250" y="4681009"/>
+            <a:ext cx="548700" cy="393600"/>
+          </a:xfrm>
+          <a:prstGeom prst="rect">
+            <a:avLst/>
+          </a:prstGeom>
+        </p:spPr>
+        <p:txBody>
+          <a:bodyPr anchorCtr="0" anchor="ctr" bIns="91425" lIns="91425" spcFirstLastPara="1" rIns="91425" wrap="square" tIns="91425">
+            <a:noAutofit/>
+          </a:bodyPr>
+          <a:lstStyle/>
+          <a:p>
+            <a:pPr indent="0" lvl="0" marL="0" rtl="0" algn="r">
+              <a:spcBef>
+                <a:spcPts val="0"/>
+              </a:spcBef>
+              <a:spcAft>
+                <a:spcPts val="0"/>
+              </a:spcAft>
+              <a:buNone/>
+            </a:pPr>
+            <a:fld id="{00000000-1234-1234-1234-123412341234}" type="slidenum">
+              <a:rPr lang="en"/>
+              <a:t>‹#›</a:t>
+            </a:fld>
+            <a:endParaRPr/>
+          </a:p>
+        </p:txBody>
+      </p:sp>
+      <p:sp>
+        <p:nvSpPr>
+          <p:cNvPr id="408" name="Google Shape;408;p55"/>
+          <p:cNvSpPr txBox="1"/>
+          <p:nvPr/>
+        </p:nvSpPr>
+        <p:spPr>
+          <a:xfrm>
+            <a:off x="224475" y="146400"/>
+            <a:ext cx="468600" cy="234300"/>
+          </a:xfrm>
+          <a:prstGeom prst="rect">
+            <a:avLst/>
+          </a:prstGeom>
+          <a:noFill/>
+          <a:ln>
+            <a:noFill/>
+          </a:ln>
+        </p:spPr>
+        <p:txBody>
+          <a:bodyPr anchorCtr="0" anchor="t" bIns="91425" lIns="91425" spcFirstLastPara="1" rIns="91425" wrap="square" tIns="91425">
+            <a:noAutofit/>
+          </a:bodyPr>
+          <a:lstStyle/>
+          <a:p>
+            <a:pPr indent="0" lvl="0" marL="0" rtl="0" algn="l">
+              <a:spcBef>
+                <a:spcPts val="0"/>
+              </a:spcBef>
+              <a:spcAft>
+                <a:spcPts val="0"/>
+              </a:spcAft>
+              <a:buNone/>
+            </a:pPr>
+            <a:r>
+              <a:rPr lang="en" sz="1800">
+                <a:solidFill>
+                  <a:srgbClr val="FFFFFF"/>
+                </a:solidFill>
+                <a:latin typeface="Average"/>
+                <a:ea typeface="Average"/>
+                <a:cs typeface="Average"/>
+                <a:sym typeface="Average"/>
+              </a:rPr>
+              <a:t>-3-</a:t>
+            </a:r>
+            <a:endParaRPr sz="1800">
+              <a:solidFill>
+                <a:srgbClr val="FFFFFF"/>
+              </a:solidFill>
+              <a:latin typeface="Average"/>
+              <a:ea typeface="Average"/>
+              <a:cs typeface="Average"/>
+              <a:sym typeface="Average"/>
+            </a:endParaRPr>
+          </a:p>
+        </p:txBody>
+      </p:sp>
+    </p:spTree>
+  </p:cSld>
+  <p:clrMapOvr>
+    <a:masterClrMapping/>
+  </p:clrMapOvr>
+</p:sld>
+</file>
+
+<file path=ppt/slides/slide44.xml><?xml version="1.0" encoding="utf-8"?>
+<p:sld xmlns:a="http://schemas.openxmlformats.org/drawingml/2006/main" xmlns:r="http://schemas.openxmlformats.org/officeDocument/2006/relationships" xmlns:mc="http://schemas.openxmlformats.org/markup-compatibility/2006" xmlns:mv="urn:schemas-microsoft-com:mac:vml" xmlns:p="http://schemas.openxmlformats.org/presentationml/2006/main" xmlns:c="http://schemas.openxmlformats.org/drawingml/2006/chart" xmlns:dgm="http://schemas.openxmlformats.org/drawingml/2006/diagram" xmlns:o="urn:schemas-microsoft-com:office:office" xmlns:v="urn:schemas-microsoft-com:vml" xmlns:pvml="urn:schemas-microsoft-com:office:powerpoint" xmlns:com="http://schemas.openxmlformats.org/drawingml/2006/compatibility" xmlns:p14="http://schemas.microsoft.com/office/powerpoint/2010/main" xmlns:p15="http://schemas.microsoft.com/office/powerpoint/2012/main">
+  <p:cSld>
+    <p:spTree>
+      <p:nvGrpSpPr>
+        <p:cNvPr id="412" name="Shape 412"/>
+        <p:cNvGrpSpPr/>
+        <p:nvPr/>
+      </p:nvGrpSpPr>
+      <p:grpSpPr>
+        <a:xfrm>
+          <a:off x="0" y="0"/>
+          <a:ext cx="0" cy="0"/>
+          <a:chOff x="0" y="0"/>
+          <a:chExt cx="0" cy="0"/>
+        </a:xfrm>
+      </p:grpSpPr>
+      <p:sp>
+        <p:nvSpPr>
+          <p:cNvPr id="413" name="Google Shape;413;p56"/>
+          <p:cNvSpPr txBox="1"/>
+          <p:nvPr>
+            <p:ph type="title"/>
+          </p:nvPr>
+        </p:nvSpPr>
+        <p:spPr>
+          <a:xfrm>
+            <a:off x="671250" y="2141250"/>
+            <a:ext cx="7852200" cy="861000"/>
+          </a:xfrm>
+          <a:prstGeom prst="rect">
+            <a:avLst/>
+          </a:prstGeom>
+        </p:spPr>
+        <p:txBody>
+          <a:bodyPr anchorCtr="0" anchor="ctr" bIns="91425" lIns="91425" spcFirstLastPara="1" rIns="91425" wrap="square" tIns="91425">
+            <a:noAutofit/>
+          </a:bodyPr>
+          <a:lstStyle/>
+          <a:p>
+            <a:pPr indent="0" lvl="0" marL="0" rtl="0" algn="ctr">
+              <a:spcBef>
+                <a:spcPts val="0"/>
+              </a:spcBef>
+              <a:spcAft>
+                <a:spcPts val="0"/>
+              </a:spcAft>
+              <a:buNone/>
+            </a:pPr>
+            <a:r>
+              <a:rPr lang="en"/>
+              <a:t>Task List Project - Part 1</a:t>
+            </a:r>
+            <a:endParaRPr/>
+          </a:p>
+        </p:txBody>
+      </p:sp>
+      <p:sp>
+        <p:nvSpPr>
+          <p:cNvPr id="414" name="Google Shape;414;p56"/>
+          <p:cNvSpPr txBox="1"/>
+          <p:nvPr>
+            <p:ph idx="12" type="sldNum"/>
+          </p:nvPr>
+        </p:nvSpPr>
+        <p:spPr>
+          <a:xfrm>
+            <a:off x="8490250" y="4681009"/>
+            <a:ext cx="548700" cy="393600"/>
+          </a:xfrm>
+          <a:prstGeom prst="rect">
+            <a:avLst/>
+          </a:prstGeom>
+        </p:spPr>
+        <p:txBody>
+          <a:bodyPr anchorCtr="0" anchor="ctr" bIns="91425" lIns="91425" spcFirstLastPara="1" rIns="91425" wrap="square" tIns="91425">
+            <a:noAutofit/>
+          </a:bodyPr>
+          <a:lstStyle/>
+          <a:p>
+            <a:pPr indent="0" lvl="0" marL="0" rtl="0" algn="r">
+              <a:spcBef>
+                <a:spcPts val="0"/>
+              </a:spcBef>
+              <a:spcAft>
+                <a:spcPts val="0"/>
+              </a:spcAft>
+              <a:buNone/>
+            </a:pPr>
+            <a:fld id="{00000000-1234-1234-1234-123412341234}" type="slidenum">
+              <a:rPr lang="en"/>
+              <a:t>‹#›</a:t>
+            </a:fld>
+            <a:endParaRPr/>
+          </a:p>
+        </p:txBody>
+      </p:sp>
+      <p:sp>
+        <p:nvSpPr>
+          <p:cNvPr id="415" name="Google Shape;415;p56"/>
+          <p:cNvSpPr txBox="1"/>
+          <p:nvPr/>
+        </p:nvSpPr>
+        <p:spPr>
+          <a:xfrm>
+            <a:off x="224475" y="146400"/>
+            <a:ext cx="468600" cy="234300"/>
+          </a:xfrm>
+          <a:prstGeom prst="rect">
+            <a:avLst/>
+          </a:prstGeom>
+          <a:noFill/>
+          <a:ln>
+            <a:noFill/>
+          </a:ln>
+        </p:spPr>
+        <p:txBody>
+          <a:bodyPr anchorCtr="0" anchor="t" bIns="91425" lIns="91425" spcFirstLastPara="1" rIns="91425" wrap="square" tIns="91425">
+            <a:noAutofit/>
+          </a:bodyPr>
+          <a:lstStyle/>
+          <a:p>
+            <a:pPr indent="0" lvl="0" marL="0" rtl="0" algn="l">
+              <a:spcBef>
+                <a:spcPts val="0"/>
+              </a:spcBef>
+              <a:spcAft>
+                <a:spcPts val="0"/>
+              </a:spcAft>
+              <a:buNone/>
+            </a:pPr>
+            <a:r>
+              <a:rPr lang="en" sz="1800">
+                <a:solidFill>
+                  <a:srgbClr val="FFFFFF"/>
+                </a:solidFill>
+                <a:latin typeface="Average"/>
+                <a:ea typeface="Average"/>
+                <a:cs typeface="Average"/>
+                <a:sym typeface="Average"/>
+              </a:rPr>
+              <a:t>-3-</a:t>
+            </a:r>
+            <a:endParaRPr sz="1800">
+              <a:solidFill>
+                <a:srgbClr val="FFFFFF"/>
+              </a:solidFill>
+              <a:latin typeface="Average"/>
+              <a:ea typeface="Average"/>
+              <a:cs typeface="Average"/>
+              <a:sym typeface="Average"/>
+            </a:endParaRPr>
+          </a:p>
+        </p:txBody>
+      </p:sp>
+    </p:spTree>
+  </p:cSld>
+  <p:clrMapOvr>
+    <a:masterClrMapping/>
+  </p:clrMapOvr>
+</p:sld>
+</file>
+
+<file path=ppt/slides/slide45.xml><?xml version="1.0" encoding="utf-8"?>
+<p:sld xmlns:a="http://schemas.openxmlformats.org/drawingml/2006/main" xmlns:r="http://schemas.openxmlformats.org/officeDocument/2006/relationships" xmlns:mc="http://schemas.openxmlformats.org/markup-compatibility/2006" xmlns:mv="urn:schemas-microsoft-com:mac:vml" xmlns:p="http://schemas.openxmlformats.org/presentationml/2006/main" xmlns:c="http://schemas.openxmlformats.org/drawingml/2006/chart" xmlns:dgm="http://schemas.openxmlformats.org/drawingml/2006/diagram" xmlns:o="urn:schemas-microsoft-com:office:office" xmlns:v="urn:schemas-microsoft-com:vml" xmlns:pvml="urn:schemas-microsoft-com:office:powerpoint" xmlns:com="http://schemas.openxmlformats.org/drawingml/2006/compatibility" xmlns:p14="http://schemas.microsoft.com/office/powerpoint/2010/main" xmlns:p15="http://schemas.microsoft.com/office/powerpoint/2012/main">
+  <p:cSld>
+    <p:spTree>
+      <p:nvGrpSpPr>
+        <p:cNvPr id="419" name="Shape 419"/>
+        <p:cNvGrpSpPr/>
+        <p:nvPr/>
+      </p:nvGrpSpPr>
+      <p:grpSpPr>
+        <a:xfrm>
+          <a:off x="0" y="0"/>
+          <a:ext cx="0" cy="0"/>
+          <a:chOff x="0" y="0"/>
+          <a:chExt cx="0" cy="0"/>
+        </a:xfrm>
+      </p:grpSpPr>
+      <p:sp>
+        <p:nvSpPr>
+          <p:cNvPr id="420" name="Google Shape;420;p57"/>
+          <p:cNvSpPr txBox="1"/>
+          <p:nvPr>
+            <p:ph type="title"/>
+          </p:nvPr>
+        </p:nvSpPr>
+        <p:spPr>
+          <a:xfrm>
+            <a:off x="671250" y="2141250"/>
+            <a:ext cx="7852200" cy="861000"/>
+          </a:xfrm>
+          <a:prstGeom prst="rect">
+            <a:avLst/>
+          </a:prstGeom>
+        </p:spPr>
+        <p:txBody>
+          <a:bodyPr anchorCtr="0" anchor="ctr" bIns="91425" lIns="91425" spcFirstLastPara="1" rIns="91425" wrap="square" tIns="91425">
+            <a:noAutofit/>
+          </a:bodyPr>
+          <a:lstStyle/>
+          <a:p>
+            <a:pPr indent="0" lvl="0" marL="0" rtl="0" algn="ctr">
+              <a:spcBef>
+                <a:spcPts val="0"/>
+              </a:spcBef>
+              <a:spcAft>
+                <a:spcPts val="0"/>
+              </a:spcAft>
+              <a:buNone/>
+            </a:pPr>
+            <a:r>
+              <a:rPr lang="en"/>
+              <a:t>Constructor &amp; This Keyword</a:t>
+            </a:r>
+            <a:endParaRPr/>
+          </a:p>
+        </p:txBody>
+      </p:sp>
+      <p:sp>
+        <p:nvSpPr>
+          <p:cNvPr id="421" name="Google Shape;421;p57"/>
+          <p:cNvSpPr txBox="1"/>
+          <p:nvPr>
+            <p:ph idx="12" type="sldNum"/>
+          </p:nvPr>
+        </p:nvSpPr>
+        <p:spPr>
+          <a:xfrm>
+            <a:off x="8490250" y="4681009"/>
+            <a:ext cx="548700" cy="393600"/>
+          </a:xfrm>
+          <a:prstGeom prst="rect">
+            <a:avLst/>
+          </a:prstGeom>
+        </p:spPr>
+        <p:txBody>
+          <a:bodyPr anchorCtr="0" anchor="ctr" bIns="91425" lIns="91425" spcFirstLastPara="1" rIns="91425" wrap="square" tIns="91425">
+            <a:noAutofit/>
+          </a:bodyPr>
+          <a:lstStyle/>
+          <a:p>
+            <a:pPr indent="0" lvl="0" marL="0" rtl="0" algn="r">
+              <a:spcBef>
+                <a:spcPts val="0"/>
+              </a:spcBef>
+              <a:spcAft>
+                <a:spcPts val="0"/>
+              </a:spcAft>
+              <a:buNone/>
+            </a:pPr>
+            <a:fld id="{00000000-1234-1234-1234-123412341234}" type="slidenum">
+              <a:rPr lang="en"/>
+              <a:t>‹#›</a:t>
+            </a:fld>
+            <a:endParaRPr/>
+          </a:p>
+        </p:txBody>
+      </p:sp>
+      <p:sp>
+        <p:nvSpPr>
+          <p:cNvPr id="422" name="Google Shape;422;p57"/>
+          <p:cNvSpPr txBox="1"/>
+          <p:nvPr/>
+        </p:nvSpPr>
+        <p:spPr>
+          <a:xfrm>
+            <a:off x="224475" y="146400"/>
+            <a:ext cx="468600" cy="234300"/>
+          </a:xfrm>
+          <a:prstGeom prst="rect">
+            <a:avLst/>
+          </a:prstGeom>
+          <a:noFill/>
+          <a:ln>
+            <a:noFill/>
+          </a:ln>
+        </p:spPr>
+        <p:txBody>
+          <a:bodyPr anchorCtr="0" anchor="t" bIns="91425" lIns="91425" spcFirstLastPara="1" rIns="91425" wrap="square" tIns="91425">
+            <a:noAutofit/>
+          </a:bodyPr>
+          <a:lstStyle/>
+          <a:p>
+            <a:pPr indent="0" lvl="0" marL="0" rtl="0" algn="l">
+              <a:spcBef>
+                <a:spcPts val="0"/>
+              </a:spcBef>
+              <a:spcAft>
+                <a:spcPts val="0"/>
+              </a:spcAft>
+              <a:buNone/>
+            </a:pPr>
+            <a:r>
+              <a:rPr lang="en" sz="1800">
+                <a:solidFill>
+                  <a:srgbClr val="FFFFFF"/>
+                </a:solidFill>
+                <a:latin typeface="Average"/>
+                <a:ea typeface="Average"/>
+                <a:cs typeface="Average"/>
+                <a:sym typeface="Average"/>
+              </a:rPr>
+              <a:t>-3-</a:t>
+            </a:r>
+            <a:endParaRPr sz="1800">
+              <a:solidFill>
+                <a:srgbClr val="FFFFFF"/>
+              </a:solidFill>
+              <a:latin typeface="Average"/>
+              <a:ea typeface="Average"/>
+              <a:cs typeface="Average"/>
+              <a:sym typeface="Average"/>
+            </a:endParaRPr>
+          </a:p>
+        </p:txBody>
+      </p:sp>
+    </p:spTree>
+  </p:cSld>
+  <p:clrMapOvr>
+    <a:masterClrMapping/>
+  </p:clrMapOvr>
+</p:sld>
+</file>
+
+<file path=ppt/slides/slide46.xml><?xml version="1.0" encoding="utf-8"?>
+<p:sld xmlns:a="http://schemas.openxmlformats.org/drawingml/2006/main" xmlns:r="http://schemas.openxmlformats.org/officeDocument/2006/relationships" xmlns:mc="http://schemas.openxmlformats.org/markup-compatibility/2006" xmlns:mv="urn:schemas-microsoft-com:mac:vml" xmlns:p="http://schemas.openxmlformats.org/presentationml/2006/main" xmlns:c="http://schemas.openxmlformats.org/drawingml/2006/chart" xmlns:dgm="http://schemas.openxmlformats.org/drawingml/2006/diagram" xmlns:o="urn:schemas-microsoft-com:office:office" xmlns:v="urn:schemas-microsoft-com:vml" xmlns:pvml="urn:schemas-microsoft-com:office:powerpoint" xmlns:com="http://schemas.openxmlformats.org/drawingml/2006/compatibility" xmlns:p14="http://schemas.microsoft.com/office/powerpoint/2010/main" xmlns:p15="http://schemas.microsoft.com/office/powerpoint/2012/main">
+  <p:cSld>
+    <p:spTree>
+      <p:nvGrpSpPr>
+        <p:cNvPr id="426" name="Shape 426"/>
+        <p:cNvGrpSpPr/>
+        <p:nvPr/>
+      </p:nvGrpSpPr>
+      <p:grpSpPr>
+        <a:xfrm>
+          <a:off x="0" y="0"/>
+          <a:ext cx="0" cy="0"/>
+          <a:chOff x="0" y="0"/>
+          <a:chExt cx="0" cy="0"/>
+        </a:xfrm>
+      </p:grpSpPr>
+      <p:sp>
+        <p:nvSpPr>
+          <p:cNvPr id="427" name="Google Shape;427;p58"/>
+          <p:cNvSpPr txBox="1"/>
+          <p:nvPr>
+            <p:ph type="title"/>
+          </p:nvPr>
+        </p:nvSpPr>
+        <p:spPr>
+          <a:xfrm>
+            <a:off x="671250" y="2141250"/>
+            <a:ext cx="7852200" cy="861000"/>
+          </a:xfrm>
+          <a:prstGeom prst="rect">
+            <a:avLst/>
+          </a:prstGeom>
+        </p:spPr>
+        <p:txBody>
+          <a:bodyPr anchorCtr="0" anchor="ctr" bIns="91425" lIns="91425" spcFirstLastPara="1" rIns="91425" wrap="square" tIns="91425">
+            <a:noAutofit/>
+          </a:bodyPr>
+          <a:lstStyle/>
+          <a:p>
+            <a:pPr indent="0" lvl="0" marL="0" rtl="0" algn="ctr">
+              <a:spcBef>
+                <a:spcPts val="0"/>
+              </a:spcBef>
+              <a:spcAft>
+                <a:spcPts val="0"/>
+              </a:spcAft>
+              <a:buNone/>
+            </a:pPr>
+            <a:r>
+              <a:rPr lang="en"/>
+              <a:t>Built-in Constructors</a:t>
+            </a:r>
+            <a:endParaRPr/>
+          </a:p>
+        </p:txBody>
+      </p:sp>
+      <p:sp>
+        <p:nvSpPr>
+          <p:cNvPr id="428" name="Google Shape;428;p58"/>
+          <p:cNvSpPr txBox="1"/>
+          <p:nvPr>
+            <p:ph idx="12" type="sldNum"/>
+          </p:nvPr>
+        </p:nvSpPr>
+        <p:spPr>
+          <a:xfrm>
+            <a:off x="8490250" y="4681009"/>
+            <a:ext cx="548700" cy="393600"/>
+          </a:xfrm>
+          <a:prstGeom prst="rect">
+            <a:avLst/>
+          </a:prstGeom>
+        </p:spPr>
+        <p:txBody>
+          <a:bodyPr anchorCtr="0" anchor="ctr" bIns="91425" lIns="91425" spcFirstLastPara="1" rIns="91425" wrap="square" tIns="91425">
+            <a:noAutofit/>
+          </a:bodyPr>
+          <a:lstStyle/>
+          <a:p>
+            <a:pPr indent="0" lvl="0" marL="0" rtl="0" algn="r">
+              <a:spcBef>
+                <a:spcPts val="0"/>
+              </a:spcBef>
+              <a:spcAft>
+                <a:spcPts val="0"/>
+              </a:spcAft>
+              <a:buNone/>
+            </a:pPr>
+            <a:fld id="{00000000-1234-1234-1234-123412341234}" type="slidenum">
+              <a:rPr lang="en"/>
+              <a:t>‹#›</a:t>
+            </a:fld>
+            <a:endParaRPr/>
+          </a:p>
+        </p:txBody>
+      </p:sp>
+      <p:sp>
+        <p:nvSpPr>
+          <p:cNvPr id="429" name="Google Shape;429;p58"/>
+          <p:cNvSpPr txBox="1"/>
+          <p:nvPr/>
+        </p:nvSpPr>
+        <p:spPr>
+          <a:xfrm>
+            <a:off x="224475" y="146400"/>
+            <a:ext cx="468600" cy="234300"/>
+          </a:xfrm>
+          <a:prstGeom prst="rect">
+            <a:avLst/>
+          </a:prstGeom>
+          <a:noFill/>
+          <a:ln>
+            <a:noFill/>
+          </a:ln>
+        </p:spPr>
+        <p:txBody>
+          <a:bodyPr anchorCtr="0" anchor="t" bIns="91425" lIns="91425" spcFirstLastPara="1" rIns="91425" wrap="square" tIns="91425">
+            <a:noAutofit/>
+          </a:bodyPr>
+          <a:lstStyle/>
+          <a:p>
+            <a:pPr indent="0" lvl="0" marL="0" rtl="0" algn="l">
+              <a:spcBef>
+                <a:spcPts val="0"/>
+              </a:spcBef>
+              <a:spcAft>
+                <a:spcPts val="0"/>
+              </a:spcAft>
+              <a:buNone/>
+            </a:pPr>
+            <a:r>
+              <a:rPr lang="en" sz="1800">
+                <a:solidFill>
+                  <a:srgbClr val="FFFFFF"/>
+                </a:solidFill>
+                <a:latin typeface="Average"/>
+                <a:ea typeface="Average"/>
+                <a:cs typeface="Average"/>
+                <a:sym typeface="Average"/>
+              </a:rPr>
+              <a:t>-3-</a:t>
+            </a:r>
+            <a:endParaRPr sz="1800">
+              <a:solidFill>
+                <a:srgbClr val="FFFFFF"/>
+              </a:solidFill>
+              <a:latin typeface="Average"/>
+              <a:ea typeface="Average"/>
+              <a:cs typeface="Average"/>
+              <a:sym typeface="Average"/>
+            </a:endParaRPr>
+          </a:p>
+        </p:txBody>
+      </p:sp>
+    </p:spTree>
+  </p:cSld>
+  <p:clrMapOvr>
+    <a:masterClrMapping/>
+  </p:clrMapOvr>
+</p:sld>
+</file>
+
+<file path=ppt/slides/slide47.xml><?xml version="1.0" encoding="utf-8"?>
+<p:sld xmlns:a="http://schemas.openxmlformats.org/drawingml/2006/main" xmlns:r="http://schemas.openxmlformats.org/officeDocument/2006/relationships" xmlns:mc="http://schemas.openxmlformats.org/markup-compatibility/2006" xmlns:mv="urn:schemas-microsoft-com:mac:vml" xmlns:p="http://schemas.openxmlformats.org/presentationml/2006/main" xmlns:c="http://schemas.openxmlformats.org/drawingml/2006/chart" xmlns:dgm="http://schemas.openxmlformats.org/drawingml/2006/diagram" xmlns:o="urn:schemas-microsoft-com:office:office" xmlns:v="urn:schemas-microsoft-com:vml" xmlns:pvml="urn:schemas-microsoft-com:office:powerpoint" xmlns:com="http://schemas.openxmlformats.org/drawingml/2006/compatibility" xmlns:p14="http://schemas.microsoft.com/office/powerpoint/2010/main" xmlns:p15="http://schemas.microsoft.com/office/powerpoint/2012/main">
+  <p:cSld>
+    <p:spTree>
+      <p:nvGrpSpPr>
+        <p:cNvPr id="433" name="Shape 433"/>
+        <p:cNvGrpSpPr/>
+        <p:nvPr/>
+      </p:nvGrpSpPr>
+      <p:grpSpPr>
+        <a:xfrm>
+          <a:off x="0" y="0"/>
+          <a:ext cx="0" cy="0"/>
+          <a:chOff x="0" y="0"/>
+          <a:chExt cx="0" cy="0"/>
+        </a:xfrm>
+      </p:grpSpPr>
+      <p:sp>
+        <p:nvSpPr>
+          <p:cNvPr id="434" name="Google Shape;434;p59"/>
+          <p:cNvSpPr txBox="1"/>
+          <p:nvPr>
+            <p:ph type="title"/>
+          </p:nvPr>
+        </p:nvSpPr>
+        <p:spPr>
+          <a:xfrm>
+            <a:off x="671250" y="2141250"/>
+            <a:ext cx="7852200" cy="861000"/>
+          </a:xfrm>
+          <a:prstGeom prst="rect">
+            <a:avLst/>
+          </a:prstGeom>
+        </p:spPr>
+        <p:txBody>
+          <a:bodyPr anchorCtr="0" anchor="ctr" bIns="91425" lIns="91425" spcFirstLastPara="1" rIns="91425" wrap="square" tIns="91425">
+            <a:noAutofit/>
+          </a:bodyPr>
+          <a:lstStyle/>
+          <a:p>
+            <a:pPr indent="0" lvl="0" marL="0" rtl="0" algn="ctr">
+              <a:spcBef>
+                <a:spcPts val="0"/>
+              </a:spcBef>
+              <a:spcAft>
+                <a:spcPts val="0"/>
+              </a:spcAft>
+              <a:buNone/>
+            </a:pPr>
+            <a:r>
+              <a:rPr lang="en"/>
+              <a:t>Prototypes</a:t>
+            </a:r>
+            <a:endParaRPr/>
+          </a:p>
+        </p:txBody>
+      </p:sp>
+      <p:sp>
+        <p:nvSpPr>
+          <p:cNvPr id="435" name="Google Shape;435;p59"/>
+          <p:cNvSpPr txBox="1"/>
+          <p:nvPr>
+            <p:ph idx="12" type="sldNum"/>
+          </p:nvPr>
+        </p:nvSpPr>
+        <p:spPr>
+          <a:xfrm>
+            <a:off x="8490250" y="4681009"/>
+            <a:ext cx="548700" cy="393600"/>
+          </a:xfrm>
+          <a:prstGeom prst="rect">
+            <a:avLst/>
+          </a:prstGeom>
+        </p:spPr>
+        <p:txBody>
+          <a:bodyPr anchorCtr="0" anchor="ctr" bIns="91425" lIns="91425" spcFirstLastPara="1" rIns="91425" wrap="square" tIns="91425">
+            <a:noAutofit/>
+          </a:bodyPr>
+          <a:lstStyle/>
+          <a:p>
+            <a:pPr indent="0" lvl="0" marL="0" rtl="0" algn="r">
+              <a:spcBef>
+                <a:spcPts val="0"/>
+              </a:spcBef>
+              <a:spcAft>
+                <a:spcPts val="0"/>
+              </a:spcAft>
+              <a:buNone/>
+            </a:pPr>
+            <a:fld id="{00000000-1234-1234-1234-123412341234}" type="slidenum">
+              <a:rPr lang="en"/>
+              <a:t>‹#›</a:t>
+            </a:fld>
+            <a:endParaRPr/>
+          </a:p>
+        </p:txBody>
+      </p:sp>
+      <p:sp>
+        <p:nvSpPr>
+          <p:cNvPr id="436" name="Google Shape;436;p59"/>
+          <p:cNvSpPr txBox="1"/>
+          <p:nvPr/>
+        </p:nvSpPr>
+        <p:spPr>
+          <a:xfrm>
+            <a:off x="224475" y="146400"/>
+            <a:ext cx="468600" cy="234300"/>
+          </a:xfrm>
+          <a:prstGeom prst="rect">
+            <a:avLst/>
+          </a:prstGeom>
+          <a:noFill/>
+          <a:ln>
+            <a:noFill/>
+          </a:ln>
+        </p:spPr>
+        <p:txBody>
+          <a:bodyPr anchorCtr="0" anchor="t" bIns="91425" lIns="91425" spcFirstLastPara="1" rIns="91425" wrap="square" tIns="91425">
+            <a:noAutofit/>
+          </a:bodyPr>
+          <a:lstStyle/>
+          <a:p>
+            <a:pPr indent="0" lvl="0" marL="0" rtl="0" algn="l">
+              <a:spcBef>
+                <a:spcPts val="0"/>
+              </a:spcBef>
+              <a:spcAft>
+                <a:spcPts val="0"/>
+              </a:spcAft>
+              <a:buNone/>
+            </a:pPr>
+            <a:r>
+              <a:rPr lang="en" sz="1800">
+                <a:solidFill>
+                  <a:srgbClr val="FFFFFF"/>
+                </a:solidFill>
+                <a:latin typeface="Average"/>
+                <a:ea typeface="Average"/>
+                <a:cs typeface="Average"/>
+                <a:sym typeface="Average"/>
+              </a:rPr>
+              <a:t>-3-</a:t>
+            </a:r>
+            <a:endParaRPr sz="1800">
+              <a:solidFill>
+                <a:srgbClr val="FFFFFF"/>
+              </a:solidFill>
+              <a:latin typeface="Average"/>
+              <a:ea typeface="Average"/>
+              <a:cs typeface="Average"/>
+              <a:sym typeface="Average"/>
+            </a:endParaRPr>
+          </a:p>
+        </p:txBody>
+      </p:sp>
+    </p:spTree>
+  </p:cSld>
+  <p:clrMapOvr>
+    <a:masterClrMapping/>
+  </p:clrMapOvr>
+</p:sld>
+</file>
+
+<file path=ppt/slides/slide48.xml><?xml version="1.0" encoding="utf-8"?>
+<p:sld xmlns:a="http://schemas.openxmlformats.org/drawingml/2006/main" xmlns:r="http://schemas.openxmlformats.org/officeDocument/2006/relationships" xmlns:mc="http://schemas.openxmlformats.org/markup-compatibility/2006" xmlns:mv="urn:schemas-microsoft-com:mac:vml" xmlns:p="http://schemas.openxmlformats.org/presentationml/2006/main" xmlns:c="http://schemas.openxmlformats.org/drawingml/2006/chart" xmlns:dgm="http://schemas.openxmlformats.org/drawingml/2006/diagram" xmlns:o="urn:schemas-microsoft-com:office:office" xmlns:v="urn:schemas-microsoft-com:vml" xmlns:pvml="urn:schemas-microsoft-com:office:powerpoint" xmlns:com="http://schemas.openxmlformats.org/drawingml/2006/compatibility" xmlns:p14="http://schemas.microsoft.com/office/powerpoint/2010/main" xmlns:p15="http://schemas.microsoft.com/office/powerpoint/2012/main">
+  <p:cSld>
+    <p:spTree>
+      <p:nvGrpSpPr>
+        <p:cNvPr id="440" name="Shape 440"/>
+        <p:cNvGrpSpPr/>
+        <p:nvPr/>
+      </p:nvGrpSpPr>
+      <p:grpSpPr>
+        <a:xfrm>
+          <a:off x="0" y="0"/>
+          <a:ext cx="0" cy="0"/>
+          <a:chOff x="0" y="0"/>
+          <a:chExt cx="0" cy="0"/>
+        </a:xfrm>
+      </p:grpSpPr>
+      <p:sp>
+        <p:nvSpPr>
+          <p:cNvPr id="441" name="Google Shape;441;p60"/>
+          <p:cNvSpPr txBox="1"/>
+          <p:nvPr>
+            <p:ph type="title"/>
+          </p:nvPr>
+        </p:nvSpPr>
+        <p:spPr>
+          <a:xfrm>
+            <a:off x="671250" y="2141250"/>
+            <a:ext cx="7852200" cy="861000"/>
+          </a:xfrm>
+          <a:prstGeom prst="rect">
+            <a:avLst/>
+          </a:prstGeom>
+        </p:spPr>
+        <p:txBody>
+          <a:bodyPr anchorCtr="0" anchor="ctr" bIns="91425" lIns="91425" spcFirstLastPara="1" rIns="91425" wrap="square" tIns="91425">
+            <a:noAutofit/>
+          </a:bodyPr>
+          <a:lstStyle/>
+          <a:p>
+            <a:pPr indent="0" lvl="0" marL="0" rtl="0" algn="ctr">
+              <a:spcBef>
+                <a:spcPts val="0"/>
+              </a:spcBef>
+              <a:spcAft>
+                <a:spcPts val="0"/>
+              </a:spcAft>
+              <a:buNone/>
+            </a:pPr>
+            <a:r>
+              <a:rPr lang="en"/>
+              <a:t>Prototypes Inheritance </a:t>
+            </a:r>
+            <a:endParaRPr/>
+          </a:p>
+        </p:txBody>
+      </p:sp>
+      <p:sp>
+        <p:nvSpPr>
+          <p:cNvPr id="442" name="Google Shape;442;p60"/>
+          <p:cNvSpPr txBox="1"/>
+          <p:nvPr>
+            <p:ph idx="12" type="sldNum"/>
+          </p:nvPr>
+        </p:nvSpPr>
+        <p:spPr>
+          <a:xfrm>
+            <a:off x="8490250" y="4681009"/>
+            <a:ext cx="548700" cy="393600"/>
+          </a:xfrm>
+          <a:prstGeom prst="rect">
+            <a:avLst/>
+          </a:prstGeom>
+        </p:spPr>
+        <p:txBody>
+          <a:bodyPr anchorCtr="0" anchor="ctr" bIns="91425" lIns="91425" spcFirstLastPara="1" rIns="91425" wrap="square" tIns="91425">
+            <a:noAutofit/>
+          </a:bodyPr>
+          <a:lstStyle/>
+          <a:p>
+            <a:pPr indent="0" lvl="0" marL="0" rtl="0" algn="r">
+              <a:spcBef>
+                <a:spcPts val="0"/>
+              </a:spcBef>
+              <a:spcAft>
+                <a:spcPts val="0"/>
+              </a:spcAft>
+              <a:buNone/>
+            </a:pPr>
+            <a:fld id="{00000000-1234-1234-1234-123412341234}" type="slidenum">
+              <a:rPr lang="en"/>
+              <a:t>‹#›</a:t>
+            </a:fld>
+            <a:endParaRPr/>
+          </a:p>
+        </p:txBody>
+      </p:sp>
+      <p:sp>
+        <p:nvSpPr>
+          <p:cNvPr id="443" name="Google Shape;443;p60"/>
+          <p:cNvSpPr txBox="1"/>
+          <p:nvPr/>
+        </p:nvSpPr>
+        <p:spPr>
+          <a:xfrm>
+            <a:off x="224475" y="146400"/>
+            <a:ext cx="468600" cy="234300"/>
+          </a:xfrm>
+          <a:prstGeom prst="rect">
+            <a:avLst/>
+          </a:prstGeom>
+          <a:noFill/>
+          <a:ln>
+            <a:noFill/>
+          </a:ln>
+        </p:spPr>
+        <p:txBody>
+          <a:bodyPr anchorCtr="0" anchor="t" bIns="91425" lIns="91425" spcFirstLastPara="1" rIns="91425" wrap="square" tIns="91425">
+            <a:noAutofit/>
+          </a:bodyPr>
+          <a:lstStyle/>
+          <a:p>
+            <a:pPr indent="0" lvl="0" marL="0" rtl="0" algn="l">
+              <a:spcBef>
+                <a:spcPts val="0"/>
+              </a:spcBef>
+              <a:spcAft>
+                <a:spcPts val="0"/>
+              </a:spcAft>
+              <a:buNone/>
+            </a:pPr>
+            <a:r>
+              <a:rPr lang="en" sz="1800">
+                <a:solidFill>
+                  <a:srgbClr val="FFFFFF"/>
+                </a:solidFill>
+                <a:latin typeface="Average"/>
+                <a:ea typeface="Average"/>
+                <a:cs typeface="Average"/>
+                <a:sym typeface="Average"/>
+              </a:rPr>
+              <a:t>-3-</a:t>
+            </a:r>
+            <a:endParaRPr sz="1800">
+              <a:solidFill>
+                <a:srgbClr val="FFFFFF"/>
+              </a:solidFill>
+              <a:latin typeface="Average"/>
+              <a:ea typeface="Average"/>
+              <a:cs typeface="Average"/>
+              <a:sym typeface="Average"/>
+            </a:endParaRPr>
+          </a:p>
+        </p:txBody>
+      </p:sp>
+    </p:spTree>
+  </p:cSld>
+  <p:clrMapOvr>
+    <a:masterClrMapping/>
+  </p:clrMapOvr>
+</p:sld>
+</file>
+
+<file path=ppt/slides/slide49.xml><?xml version="1.0" encoding="utf-8"?>
+<p:sld xmlns:a="http://schemas.openxmlformats.org/drawingml/2006/main" xmlns:r="http://schemas.openxmlformats.org/officeDocument/2006/relationships" xmlns:mc="http://schemas.openxmlformats.org/markup-compatibility/2006" xmlns:mv="urn:schemas-microsoft-com:mac:vml" xmlns:p="http://schemas.openxmlformats.org/presentationml/2006/main" xmlns:c="http://schemas.openxmlformats.org/drawingml/2006/chart" xmlns:dgm="http://schemas.openxmlformats.org/drawingml/2006/diagram" xmlns:o="urn:schemas-microsoft-com:office:office" xmlns:v="urn:schemas-microsoft-com:vml" xmlns:pvml="urn:schemas-microsoft-com:office:powerpoint" xmlns:com="http://schemas.openxmlformats.org/drawingml/2006/compatibility" xmlns:p14="http://schemas.microsoft.com/office/powerpoint/2010/main" xmlns:p15="http://schemas.microsoft.com/office/powerpoint/2012/main">
+  <p:cSld>
+    <p:spTree>
+      <p:nvGrpSpPr>
+        <p:cNvPr id="447" name="Shape 447"/>
+        <p:cNvGrpSpPr/>
+        <p:nvPr/>
+      </p:nvGrpSpPr>
+      <p:grpSpPr>
+        <a:xfrm>
+          <a:off x="0" y="0"/>
+          <a:ext cx="0" cy="0"/>
+          <a:chOff x="0" y="0"/>
+          <a:chExt cx="0" cy="0"/>
+        </a:xfrm>
+      </p:grpSpPr>
+      <p:sp>
+        <p:nvSpPr>
+          <p:cNvPr id="448" name="Google Shape;448;p61"/>
+          <p:cNvSpPr txBox="1"/>
+          <p:nvPr>
+            <p:ph type="title"/>
+          </p:nvPr>
+        </p:nvSpPr>
+        <p:spPr>
+          <a:xfrm>
+            <a:off x="671250" y="2141250"/>
+            <a:ext cx="7852200" cy="861000"/>
+          </a:xfrm>
+          <a:prstGeom prst="rect">
+            <a:avLst/>
+          </a:prstGeom>
+        </p:spPr>
+        <p:txBody>
+          <a:bodyPr anchorCtr="0" anchor="ctr" bIns="91425" lIns="91425" spcFirstLastPara="1" rIns="91425" wrap="square" tIns="91425">
+            <a:noAutofit/>
+          </a:bodyPr>
+          <a:lstStyle/>
+          <a:p>
+            <a:pPr indent="0" lvl="0" marL="0" rtl="0" algn="ctr">
+              <a:spcBef>
+                <a:spcPts val="0"/>
+              </a:spcBef>
+              <a:spcAft>
+                <a:spcPts val="0"/>
+              </a:spcAft>
+              <a:buNone/>
+            </a:pPr>
+            <a:r>
+              <a:rPr lang="en"/>
+              <a:t>Object.create</a:t>
+            </a:r>
+            <a:endParaRPr/>
+          </a:p>
+        </p:txBody>
+      </p:sp>
+      <p:sp>
+        <p:nvSpPr>
+          <p:cNvPr id="449" name="Google Shape;449;p61"/>
+          <p:cNvSpPr txBox="1"/>
+          <p:nvPr>
+            <p:ph idx="12" type="sldNum"/>
+          </p:nvPr>
+        </p:nvSpPr>
+        <p:spPr>
+          <a:xfrm>
+            <a:off x="8490250" y="4681009"/>
+            <a:ext cx="548700" cy="393600"/>
+          </a:xfrm>
+          <a:prstGeom prst="rect">
+            <a:avLst/>
+          </a:prstGeom>
+        </p:spPr>
+        <p:txBody>
+          <a:bodyPr anchorCtr="0" anchor="ctr" bIns="91425" lIns="91425" spcFirstLastPara="1" rIns="91425" wrap="square" tIns="91425">
+            <a:noAutofit/>
+          </a:bodyPr>
+          <a:lstStyle/>
+          <a:p>
+            <a:pPr indent="0" lvl="0" marL="0" rtl="0" algn="r">
+              <a:spcBef>
+                <a:spcPts val="0"/>
+              </a:spcBef>
+              <a:spcAft>
+                <a:spcPts val="0"/>
+              </a:spcAft>
+              <a:buNone/>
+            </a:pPr>
+            <a:fld id="{00000000-1234-1234-1234-123412341234}" type="slidenum">
+              <a:rPr lang="en"/>
+              <a:t>‹#›</a:t>
+            </a:fld>
+            <a:endParaRPr/>
+          </a:p>
+        </p:txBody>
+      </p:sp>
+      <p:sp>
+        <p:nvSpPr>
+          <p:cNvPr id="450" name="Google Shape;450;p61"/>
           <p:cNvSpPr txBox="1"/>
           <p:nvPr/>
         </p:nvSpPr>
@@ -20373,6 +22514,499 @@
       <p:sp>
         <p:nvSpPr>
           <p:cNvPr id="95" name="Google Shape;95;p17"/>
+          <p:cNvSpPr txBox="1"/>
+          <p:nvPr/>
+        </p:nvSpPr>
+        <p:spPr>
+          <a:xfrm>
+            <a:off x="224475" y="146400"/>
+            <a:ext cx="468600" cy="234300"/>
+          </a:xfrm>
+          <a:prstGeom prst="rect">
+            <a:avLst/>
+          </a:prstGeom>
+          <a:noFill/>
+          <a:ln>
+            <a:noFill/>
+          </a:ln>
+        </p:spPr>
+        <p:txBody>
+          <a:bodyPr anchorCtr="0" anchor="t" bIns="91425" lIns="91425" spcFirstLastPara="1" rIns="91425" wrap="square" tIns="91425">
+            <a:noAutofit/>
+          </a:bodyPr>
+          <a:lstStyle/>
+          <a:p>
+            <a:pPr indent="0" lvl="0" marL="0" rtl="0" algn="l">
+              <a:spcBef>
+                <a:spcPts val="0"/>
+              </a:spcBef>
+              <a:spcAft>
+                <a:spcPts val="0"/>
+              </a:spcAft>
+              <a:buNone/>
+            </a:pPr>
+            <a:r>
+              <a:rPr lang="en" sz="1800">
+                <a:solidFill>
+                  <a:srgbClr val="FFFFFF"/>
+                </a:solidFill>
+                <a:latin typeface="Average"/>
+                <a:ea typeface="Average"/>
+                <a:cs typeface="Average"/>
+                <a:sym typeface="Average"/>
+              </a:rPr>
+              <a:t>-3-</a:t>
+            </a:r>
+            <a:endParaRPr sz="1800">
+              <a:solidFill>
+                <a:srgbClr val="FFFFFF"/>
+              </a:solidFill>
+              <a:latin typeface="Average"/>
+              <a:ea typeface="Average"/>
+              <a:cs typeface="Average"/>
+              <a:sym typeface="Average"/>
+            </a:endParaRPr>
+          </a:p>
+        </p:txBody>
+      </p:sp>
+    </p:spTree>
+  </p:cSld>
+  <p:clrMapOvr>
+    <a:masterClrMapping/>
+  </p:clrMapOvr>
+</p:sld>
+</file>
+
+<file path=ppt/slides/slide50.xml><?xml version="1.0" encoding="utf-8"?>
+<p:sld xmlns:a="http://schemas.openxmlformats.org/drawingml/2006/main" xmlns:r="http://schemas.openxmlformats.org/officeDocument/2006/relationships" xmlns:mc="http://schemas.openxmlformats.org/markup-compatibility/2006" xmlns:mv="urn:schemas-microsoft-com:mac:vml" xmlns:p="http://schemas.openxmlformats.org/presentationml/2006/main" xmlns:c="http://schemas.openxmlformats.org/drawingml/2006/chart" xmlns:dgm="http://schemas.openxmlformats.org/drawingml/2006/diagram" xmlns:o="urn:schemas-microsoft-com:office:office" xmlns:v="urn:schemas-microsoft-com:vml" xmlns:pvml="urn:schemas-microsoft-com:office:powerpoint" xmlns:com="http://schemas.openxmlformats.org/drawingml/2006/compatibility" xmlns:p14="http://schemas.microsoft.com/office/powerpoint/2010/main" xmlns:p15="http://schemas.microsoft.com/office/powerpoint/2012/main">
+  <p:cSld>
+    <p:spTree>
+      <p:nvGrpSpPr>
+        <p:cNvPr id="454" name="Shape 454"/>
+        <p:cNvGrpSpPr/>
+        <p:nvPr/>
+      </p:nvGrpSpPr>
+      <p:grpSpPr>
+        <a:xfrm>
+          <a:off x="0" y="0"/>
+          <a:ext cx="0" cy="0"/>
+          <a:chOff x="0" y="0"/>
+          <a:chExt cx="0" cy="0"/>
+        </a:xfrm>
+      </p:grpSpPr>
+      <p:sp>
+        <p:nvSpPr>
+          <p:cNvPr id="455" name="Google Shape;455;p62"/>
+          <p:cNvSpPr txBox="1"/>
+          <p:nvPr>
+            <p:ph type="title"/>
+          </p:nvPr>
+        </p:nvSpPr>
+        <p:spPr>
+          <a:xfrm>
+            <a:off x="671250" y="2141250"/>
+            <a:ext cx="7852200" cy="861000"/>
+          </a:xfrm>
+          <a:prstGeom prst="rect">
+            <a:avLst/>
+          </a:prstGeom>
+        </p:spPr>
+        <p:txBody>
+          <a:bodyPr anchorCtr="0" anchor="ctr" bIns="91425" lIns="91425" spcFirstLastPara="1" rIns="91425" wrap="square" tIns="91425">
+            <a:noAutofit/>
+          </a:bodyPr>
+          <a:lstStyle/>
+          <a:p>
+            <a:pPr indent="0" lvl="0" marL="0" rtl="0" algn="ctr">
+              <a:spcBef>
+                <a:spcPts val="0"/>
+              </a:spcBef>
+              <a:spcAft>
+                <a:spcPts val="0"/>
+              </a:spcAft>
+              <a:buNone/>
+            </a:pPr>
+            <a:r>
+              <a:rPr lang="en"/>
+              <a:t>ES6- Classes</a:t>
+            </a:r>
+            <a:endParaRPr/>
+          </a:p>
+        </p:txBody>
+      </p:sp>
+      <p:sp>
+        <p:nvSpPr>
+          <p:cNvPr id="456" name="Google Shape;456;p62"/>
+          <p:cNvSpPr txBox="1"/>
+          <p:nvPr>
+            <p:ph idx="12" type="sldNum"/>
+          </p:nvPr>
+        </p:nvSpPr>
+        <p:spPr>
+          <a:xfrm>
+            <a:off x="8490250" y="4681009"/>
+            <a:ext cx="548700" cy="393600"/>
+          </a:xfrm>
+          <a:prstGeom prst="rect">
+            <a:avLst/>
+          </a:prstGeom>
+        </p:spPr>
+        <p:txBody>
+          <a:bodyPr anchorCtr="0" anchor="ctr" bIns="91425" lIns="91425" spcFirstLastPara="1" rIns="91425" wrap="square" tIns="91425">
+            <a:noAutofit/>
+          </a:bodyPr>
+          <a:lstStyle/>
+          <a:p>
+            <a:pPr indent="0" lvl="0" marL="0" rtl="0" algn="r">
+              <a:spcBef>
+                <a:spcPts val="0"/>
+              </a:spcBef>
+              <a:spcAft>
+                <a:spcPts val="0"/>
+              </a:spcAft>
+              <a:buNone/>
+            </a:pPr>
+            <a:fld id="{00000000-1234-1234-1234-123412341234}" type="slidenum">
+              <a:rPr lang="en"/>
+              <a:t>‹#›</a:t>
+            </a:fld>
+            <a:endParaRPr/>
+          </a:p>
+        </p:txBody>
+      </p:sp>
+      <p:sp>
+        <p:nvSpPr>
+          <p:cNvPr id="457" name="Google Shape;457;p62"/>
+          <p:cNvSpPr txBox="1"/>
+          <p:nvPr/>
+        </p:nvSpPr>
+        <p:spPr>
+          <a:xfrm>
+            <a:off x="224475" y="146400"/>
+            <a:ext cx="468600" cy="234300"/>
+          </a:xfrm>
+          <a:prstGeom prst="rect">
+            <a:avLst/>
+          </a:prstGeom>
+          <a:noFill/>
+          <a:ln>
+            <a:noFill/>
+          </a:ln>
+        </p:spPr>
+        <p:txBody>
+          <a:bodyPr anchorCtr="0" anchor="t" bIns="91425" lIns="91425" spcFirstLastPara="1" rIns="91425" wrap="square" tIns="91425">
+            <a:noAutofit/>
+          </a:bodyPr>
+          <a:lstStyle/>
+          <a:p>
+            <a:pPr indent="0" lvl="0" marL="0" rtl="0" algn="l">
+              <a:spcBef>
+                <a:spcPts val="0"/>
+              </a:spcBef>
+              <a:spcAft>
+                <a:spcPts val="0"/>
+              </a:spcAft>
+              <a:buNone/>
+            </a:pPr>
+            <a:r>
+              <a:rPr lang="en" sz="1800">
+                <a:solidFill>
+                  <a:srgbClr val="FFFFFF"/>
+                </a:solidFill>
+                <a:latin typeface="Average"/>
+                <a:ea typeface="Average"/>
+                <a:cs typeface="Average"/>
+                <a:sym typeface="Average"/>
+              </a:rPr>
+              <a:t>-3-</a:t>
+            </a:r>
+            <a:endParaRPr sz="1800">
+              <a:solidFill>
+                <a:srgbClr val="FFFFFF"/>
+              </a:solidFill>
+              <a:latin typeface="Average"/>
+              <a:ea typeface="Average"/>
+              <a:cs typeface="Average"/>
+              <a:sym typeface="Average"/>
+            </a:endParaRPr>
+          </a:p>
+        </p:txBody>
+      </p:sp>
+    </p:spTree>
+  </p:cSld>
+  <p:clrMapOvr>
+    <a:masterClrMapping/>
+  </p:clrMapOvr>
+</p:sld>
+</file>
+
+<file path=ppt/slides/slide51.xml><?xml version="1.0" encoding="utf-8"?>
+<p:sld xmlns:a="http://schemas.openxmlformats.org/drawingml/2006/main" xmlns:r="http://schemas.openxmlformats.org/officeDocument/2006/relationships" xmlns:mc="http://schemas.openxmlformats.org/markup-compatibility/2006" xmlns:mv="urn:schemas-microsoft-com:mac:vml" xmlns:p="http://schemas.openxmlformats.org/presentationml/2006/main" xmlns:c="http://schemas.openxmlformats.org/drawingml/2006/chart" xmlns:dgm="http://schemas.openxmlformats.org/drawingml/2006/diagram" xmlns:o="urn:schemas-microsoft-com:office:office" xmlns:v="urn:schemas-microsoft-com:vml" xmlns:pvml="urn:schemas-microsoft-com:office:powerpoint" xmlns:com="http://schemas.openxmlformats.org/drawingml/2006/compatibility" xmlns:p14="http://schemas.microsoft.com/office/powerpoint/2010/main" xmlns:p15="http://schemas.microsoft.com/office/powerpoint/2012/main">
+  <p:cSld>
+    <p:spTree>
+      <p:nvGrpSpPr>
+        <p:cNvPr id="461" name="Shape 461"/>
+        <p:cNvGrpSpPr/>
+        <p:nvPr/>
+      </p:nvGrpSpPr>
+      <p:grpSpPr>
+        <a:xfrm>
+          <a:off x="0" y="0"/>
+          <a:ext cx="0" cy="0"/>
+          <a:chOff x="0" y="0"/>
+          <a:chExt cx="0" cy="0"/>
+        </a:xfrm>
+      </p:grpSpPr>
+      <p:sp>
+        <p:nvSpPr>
+          <p:cNvPr id="462" name="Google Shape;462;p63"/>
+          <p:cNvSpPr txBox="1"/>
+          <p:nvPr>
+            <p:ph type="title"/>
+          </p:nvPr>
+        </p:nvSpPr>
+        <p:spPr>
+          <a:xfrm>
+            <a:off x="671250" y="2141250"/>
+            <a:ext cx="7852200" cy="861000"/>
+          </a:xfrm>
+          <a:prstGeom prst="rect">
+            <a:avLst/>
+          </a:prstGeom>
+        </p:spPr>
+        <p:txBody>
+          <a:bodyPr anchorCtr="0" anchor="ctr" bIns="91425" lIns="91425" spcFirstLastPara="1" rIns="91425" wrap="square" tIns="91425">
+            <a:noAutofit/>
+          </a:bodyPr>
+          <a:lstStyle/>
+          <a:p>
+            <a:pPr indent="0" lvl="0" marL="0" rtl="0" algn="ctr">
+              <a:spcBef>
+                <a:spcPts val="0"/>
+              </a:spcBef>
+              <a:spcAft>
+                <a:spcPts val="0"/>
+              </a:spcAft>
+              <a:buNone/>
+            </a:pPr>
+            <a:r>
+              <a:rPr lang="en"/>
+              <a:t>ES6- Sub-Classes</a:t>
+            </a:r>
+            <a:endParaRPr/>
+          </a:p>
+        </p:txBody>
+      </p:sp>
+      <p:sp>
+        <p:nvSpPr>
+          <p:cNvPr id="463" name="Google Shape;463;p63"/>
+          <p:cNvSpPr txBox="1"/>
+          <p:nvPr>
+            <p:ph idx="12" type="sldNum"/>
+          </p:nvPr>
+        </p:nvSpPr>
+        <p:spPr>
+          <a:xfrm>
+            <a:off x="8490250" y="4681009"/>
+            <a:ext cx="548700" cy="393600"/>
+          </a:xfrm>
+          <a:prstGeom prst="rect">
+            <a:avLst/>
+          </a:prstGeom>
+        </p:spPr>
+        <p:txBody>
+          <a:bodyPr anchorCtr="0" anchor="ctr" bIns="91425" lIns="91425" spcFirstLastPara="1" rIns="91425" wrap="square" tIns="91425">
+            <a:noAutofit/>
+          </a:bodyPr>
+          <a:lstStyle/>
+          <a:p>
+            <a:pPr indent="0" lvl="0" marL="0" rtl="0" algn="r">
+              <a:spcBef>
+                <a:spcPts val="0"/>
+              </a:spcBef>
+              <a:spcAft>
+                <a:spcPts val="0"/>
+              </a:spcAft>
+              <a:buNone/>
+            </a:pPr>
+            <a:fld id="{00000000-1234-1234-1234-123412341234}" type="slidenum">
+              <a:rPr lang="en"/>
+              <a:t>‹#›</a:t>
+            </a:fld>
+            <a:endParaRPr/>
+          </a:p>
+        </p:txBody>
+      </p:sp>
+      <p:sp>
+        <p:nvSpPr>
+          <p:cNvPr id="464" name="Google Shape;464;p63"/>
+          <p:cNvSpPr txBox="1"/>
+          <p:nvPr/>
+        </p:nvSpPr>
+        <p:spPr>
+          <a:xfrm>
+            <a:off x="224475" y="146400"/>
+            <a:ext cx="468600" cy="234300"/>
+          </a:xfrm>
+          <a:prstGeom prst="rect">
+            <a:avLst/>
+          </a:prstGeom>
+          <a:noFill/>
+          <a:ln>
+            <a:noFill/>
+          </a:ln>
+        </p:spPr>
+        <p:txBody>
+          <a:bodyPr anchorCtr="0" anchor="t" bIns="91425" lIns="91425" spcFirstLastPara="1" rIns="91425" wrap="square" tIns="91425">
+            <a:noAutofit/>
+          </a:bodyPr>
+          <a:lstStyle/>
+          <a:p>
+            <a:pPr indent="0" lvl="0" marL="0" rtl="0" algn="l">
+              <a:spcBef>
+                <a:spcPts val="0"/>
+              </a:spcBef>
+              <a:spcAft>
+                <a:spcPts val="0"/>
+              </a:spcAft>
+              <a:buNone/>
+            </a:pPr>
+            <a:r>
+              <a:rPr lang="en" sz="1800">
+                <a:solidFill>
+                  <a:srgbClr val="FFFFFF"/>
+                </a:solidFill>
+                <a:latin typeface="Average"/>
+                <a:ea typeface="Average"/>
+                <a:cs typeface="Average"/>
+                <a:sym typeface="Average"/>
+              </a:rPr>
+              <a:t>-3-</a:t>
+            </a:r>
+            <a:endParaRPr sz="1800">
+              <a:solidFill>
+                <a:srgbClr val="FFFFFF"/>
+              </a:solidFill>
+              <a:latin typeface="Average"/>
+              <a:ea typeface="Average"/>
+              <a:cs typeface="Average"/>
+              <a:sym typeface="Average"/>
+            </a:endParaRPr>
+          </a:p>
+        </p:txBody>
+      </p:sp>
+    </p:spTree>
+  </p:cSld>
+  <p:clrMapOvr>
+    <a:masterClrMapping/>
+  </p:clrMapOvr>
+</p:sld>
+</file>
+
+<file path=ppt/slides/slide52.xml><?xml version="1.0" encoding="utf-8"?>
+<p:sld xmlns:a="http://schemas.openxmlformats.org/drawingml/2006/main" xmlns:r="http://schemas.openxmlformats.org/officeDocument/2006/relationships" xmlns:mc="http://schemas.openxmlformats.org/markup-compatibility/2006" xmlns:mv="urn:schemas-microsoft-com:mac:vml" xmlns:p="http://schemas.openxmlformats.org/presentationml/2006/main" xmlns:c="http://schemas.openxmlformats.org/drawingml/2006/chart" xmlns:dgm="http://schemas.openxmlformats.org/drawingml/2006/diagram" xmlns:o="urn:schemas-microsoft-com:office:office" xmlns:v="urn:schemas-microsoft-com:vml" xmlns:pvml="urn:schemas-microsoft-com:office:powerpoint" xmlns:com="http://schemas.openxmlformats.org/drawingml/2006/compatibility" xmlns:p14="http://schemas.microsoft.com/office/powerpoint/2010/main" xmlns:p15="http://schemas.microsoft.com/office/powerpoint/2012/main">
+  <p:cSld>
+    <p:spTree>
+      <p:nvGrpSpPr>
+        <p:cNvPr id="468" name="Shape 468"/>
+        <p:cNvGrpSpPr/>
+        <p:nvPr/>
+      </p:nvGrpSpPr>
+      <p:grpSpPr>
+        <a:xfrm>
+          <a:off x="0" y="0"/>
+          <a:ext cx="0" cy="0"/>
+          <a:chOff x="0" y="0"/>
+          <a:chExt cx="0" cy="0"/>
+        </a:xfrm>
+      </p:grpSpPr>
+      <p:sp>
+        <p:nvSpPr>
+          <p:cNvPr id="469" name="Google Shape;469;p64"/>
+          <p:cNvSpPr txBox="1"/>
+          <p:nvPr>
+            <p:ph type="title"/>
+          </p:nvPr>
+        </p:nvSpPr>
+        <p:spPr>
+          <a:xfrm>
+            <a:off x="671250" y="2141250"/>
+            <a:ext cx="7852200" cy="861000"/>
+          </a:xfrm>
+          <a:prstGeom prst="rect">
+            <a:avLst/>
+          </a:prstGeom>
+        </p:spPr>
+        <p:txBody>
+          <a:bodyPr anchorCtr="0" anchor="ctr" bIns="91425" lIns="91425" spcFirstLastPara="1" rIns="91425" wrap="square" tIns="91425">
+            <a:noAutofit/>
+          </a:bodyPr>
+          <a:lstStyle/>
+          <a:p>
+            <a:pPr indent="0" lvl="0" marL="0" rtl="0" algn="ctr">
+              <a:spcBef>
+                <a:spcPts val="0"/>
+              </a:spcBef>
+              <a:spcAft>
+                <a:spcPts val="0"/>
+              </a:spcAft>
+              <a:buNone/>
+            </a:pPr>
+            <a:r>
+              <a:rPr lang="en"/>
+              <a:t>Book List </a:t>
+            </a:r>
+            <a:r>
+              <a:rPr lang="en"/>
+              <a:t>Project</a:t>
+            </a:r>
+            <a:endParaRPr/>
+          </a:p>
+        </p:txBody>
+      </p:sp>
+      <p:sp>
+        <p:nvSpPr>
+          <p:cNvPr id="470" name="Google Shape;470;p64"/>
+          <p:cNvSpPr txBox="1"/>
+          <p:nvPr>
+            <p:ph idx="12" type="sldNum"/>
+          </p:nvPr>
+        </p:nvSpPr>
+        <p:spPr>
+          <a:xfrm>
+            <a:off x="8490250" y="4681009"/>
+            <a:ext cx="548700" cy="393600"/>
+          </a:xfrm>
+          <a:prstGeom prst="rect">
+            <a:avLst/>
+          </a:prstGeom>
+        </p:spPr>
+        <p:txBody>
+          <a:bodyPr anchorCtr="0" anchor="ctr" bIns="91425" lIns="91425" spcFirstLastPara="1" rIns="91425" wrap="square" tIns="91425">
+            <a:noAutofit/>
+          </a:bodyPr>
+          <a:lstStyle/>
+          <a:p>
+            <a:pPr indent="0" lvl="0" marL="0" rtl="0" algn="r">
+              <a:spcBef>
+                <a:spcPts val="0"/>
+              </a:spcBef>
+              <a:spcAft>
+                <a:spcPts val="0"/>
+              </a:spcAft>
+              <a:buNone/>
+            </a:pPr>
+            <a:fld id="{00000000-1234-1234-1234-123412341234}" type="slidenum">
+              <a:rPr lang="en"/>
+              <a:t>‹#›</a:t>
+            </a:fld>
+            <a:endParaRPr/>
+          </a:p>
+        </p:txBody>
+      </p:sp>
+      <p:sp>
+        <p:nvSpPr>
+          <p:cNvPr id="471" name="Google Shape;471;p64"/>
           <p:cNvSpPr txBox="1"/>
           <p:nvPr/>
         </p:nvSpPr>
